--- a/6. Documentation/Telecom Customer Churn Prediction.pptx
+++ b/6. Documentation/Telecom Customer Churn Prediction.pptx
@@ -5,17 +5,22 @@
     <p:sldMasterId id="2147483744" r:id="rId4"/>
   </p:sldMasterIdLst>
   <p:notesMasterIdLst>
-    <p:notesMasterId r:id="rId10"/>
+    <p:notesMasterId r:id="rId15"/>
   </p:notesMasterIdLst>
   <p:handoutMasterIdLst>
-    <p:handoutMasterId r:id="rId11"/>
+    <p:handoutMasterId r:id="rId16"/>
   </p:handoutMasterIdLst>
   <p:sldIdLst>
     <p:sldId id="256" r:id="rId5"/>
     <p:sldId id="258" r:id="rId6"/>
-    <p:sldId id="260" r:id="rId7"/>
-    <p:sldId id="264" r:id="rId8"/>
-    <p:sldId id="274" r:id="rId9"/>
+    <p:sldId id="276" r:id="rId7"/>
+    <p:sldId id="260" r:id="rId8"/>
+    <p:sldId id="275" r:id="rId9"/>
+    <p:sldId id="277" r:id="rId10"/>
+    <p:sldId id="278" r:id="rId11"/>
+    <p:sldId id="279" r:id="rId12"/>
+    <p:sldId id="264" r:id="rId13"/>
+    <p:sldId id="274" r:id="rId14"/>
   </p:sldIdLst>
   <p:sldSz cx="12192000" cy="6858000"/>
   <p:notesSz cx="6858000" cy="9144000"/>
@@ -8664,7 +8669,7 @@
           <a:p>
             <a:fld id="{F3544625-0ADF-4414-89A2-9E135F0C849F}" type="slidenum">
               <a:rPr lang="en-US" smtClean="0"/>
-              <a:t>3</a:t>
+              <a:t>4</a:t>
             </a:fld>
             <a:endParaRPr lang="en-US" dirty="0"/>
           </a:p>
@@ -8748,7 +8753,7 @@
           <a:p>
             <a:fld id="{F3544625-0ADF-4414-89A2-9E135F0C849F}" type="slidenum">
               <a:rPr lang="en-US" smtClean="0"/>
-              <a:t>4</a:t>
+              <a:t>9</a:t>
             </a:fld>
             <a:endParaRPr lang="en-US" dirty="0"/>
           </a:p>
@@ -8832,7 +8837,7 @@
           <a:p>
             <a:fld id="{F3544625-0ADF-4414-89A2-9E135F0C849F}" type="slidenum">
               <a:rPr lang="en-US" smtClean="0"/>
-              <a:t>5</a:t>
+              <a:t>10</a:t>
             </a:fld>
             <a:endParaRPr lang="en-US" dirty="0"/>
           </a:p>
@@ -14720,6 +14725,149 @@
 </p:sld>
 </file>
 
+<file path=ppt/slides/slide10.xml><?xml version="1.0" encoding="utf-8"?>
+<p:sld xmlns:a="http://schemas.openxmlformats.org/drawingml/2006/main" xmlns:r="http://schemas.openxmlformats.org/officeDocument/2006/relationships" xmlns:p="http://schemas.openxmlformats.org/presentationml/2006/main">
+  <p:cSld>
+    <p:spTree>
+      <p:nvGrpSpPr>
+        <p:cNvPr id="1" name=""/>
+        <p:cNvGrpSpPr/>
+        <p:nvPr/>
+      </p:nvGrpSpPr>
+      <p:grpSpPr>
+        <a:xfrm>
+          <a:off x="0" y="0"/>
+          <a:ext cx="0" cy="0"/>
+          <a:chOff x="0" y="0"/>
+          <a:chExt cx="0" cy="0"/>
+        </a:xfrm>
+      </p:grpSpPr>
+      <p:pic>
+        <p:nvPicPr>
+          <p:cNvPr id="5" name="Picture 4" descr="light spots">
+            <a:extLst>
+              <a:ext uri="{FF2B5EF4-FFF2-40B4-BE49-F238E27FC236}">
+                <a16:creationId xmlns:a16="http://schemas.microsoft.com/office/drawing/2014/main" id="{20A520D0-11CF-4639-8537-F56A8A2FDCFD}"/>
+              </a:ext>
+            </a:extLst>
+          </p:cNvPr>
+          <p:cNvPicPr>
+            <a:picLocks noChangeAspect="1"/>
+          </p:cNvPicPr>
+          <p:nvPr/>
+        </p:nvPicPr>
+        <p:blipFill rotWithShape="1">
+          <a:blip r:embed="rId3">
+            <a:alphaModFix amt="20000"/>
+            <a:extLst>
+              <a:ext uri="{28A0092B-C50C-407E-A947-70E740481C1C}">
+                <a14:useLocalDpi xmlns:a14="http://schemas.microsoft.com/office/drawing/2010/main"/>
+              </a:ext>
+            </a:extLst>
+          </a:blip>
+          <a:srcRect/>
+          <a:stretch/>
+        </p:blipFill>
+        <p:spPr>
+          <a:xfrm>
+            <a:off x="20" y="10"/>
+            <a:ext cx="12191980" cy="6857990"/>
+          </a:xfrm>
+          <a:prstGeom prst="rect">
+            <a:avLst/>
+          </a:prstGeom>
+        </p:spPr>
+      </p:pic>
+      <p:sp>
+        <p:nvSpPr>
+          <p:cNvPr id="2" name="Title 1">
+            <a:extLst>
+              <a:ext uri="{FF2B5EF4-FFF2-40B4-BE49-F238E27FC236}">
+                <a16:creationId xmlns:a16="http://schemas.microsoft.com/office/drawing/2014/main" id="{D44BCB7C-A6FC-4118-9027-468ECFDE6455}"/>
+              </a:ext>
+            </a:extLst>
+          </p:cNvPr>
+          <p:cNvSpPr>
+            <a:spLocks noGrp="1"/>
+          </p:cNvSpPr>
+          <p:nvPr>
+            <p:ph type="ctrTitle"/>
+          </p:nvPr>
+        </p:nvSpPr>
+        <p:spPr>
+          <a:xfrm>
+            <a:off x="3962399" y="2573867"/>
+            <a:ext cx="7197726" cy="2421464"/>
+          </a:xfrm>
+        </p:spPr>
+        <p:txBody>
+          <a:bodyPr>
+            <a:normAutofit/>
+          </a:bodyPr>
+          <a:lstStyle/>
+          <a:p>
+            <a:r>
+              <a:rPr lang="en-US" dirty="0"/>
+              <a:t>Thank You!</a:t>
+            </a:r>
+          </a:p>
+        </p:txBody>
+      </p:sp>
+      <p:sp>
+        <p:nvSpPr>
+          <p:cNvPr id="3" name="Subtitle 2">
+            <a:extLst>
+              <a:ext uri="{FF2B5EF4-FFF2-40B4-BE49-F238E27FC236}">
+                <a16:creationId xmlns:a16="http://schemas.microsoft.com/office/drawing/2014/main" id="{4B64FA72-B055-4AE3-A6FD-8071BD687CBE}"/>
+              </a:ext>
+            </a:extLst>
+          </p:cNvPr>
+          <p:cNvSpPr>
+            <a:spLocks noGrp="1"/>
+          </p:cNvSpPr>
+          <p:nvPr>
+            <p:ph type="subTitle" idx="1"/>
+          </p:nvPr>
+        </p:nvSpPr>
+        <p:spPr>
+          <a:xfrm>
+            <a:off x="3962399" y="4995332"/>
+            <a:ext cx="7197726" cy="1405467"/>
+          </a:xfrm>
+        </p:spPr>
+        <p:txBody>
+          <a:bodyPr>
+            <a:normAutofit/>
+          </a:bodyPr>
+          <a:lstStyle/>
+          <a:p>
+            <a:r>
+              <a:rPr lang="en-US" dirty="0">
+                <a:solidFill>
+                  <a:schemeClr val="accent1">
+                    <a:lumMod val="40000"/>
+                    <a:lumOff val="60000"/>
+                  </a:schemeClr>
+                </a:solidFill>
+              </a:rPr>
+              <a:t>nourkamaly26@gmail.com</a:t>
+            </a:r>
+          </a:p>
+        </p:txBody>
+      </p:sp>
+    </p:spTree>
+    <p:extLst>
+      <p:ext uri="{BB962C8B-B14F-4D97-AF65-F5344CB8AC3E}">
+        <p14:creationId xmlns:p14="http://schemas.microsoft.com/office/powerpoint/2010/main" val="2939930866"/>
+      </p:ext>
+    </p:extLst>
+  </p:cSld>
+  <p:clrMapOvr>
+    <a:masterClrMapping/>
+  </p:clrMapOvr>
+</p:sld>
+</file>
+
 <file path=ppt/slides/slide2.xml><?xml version="1.0" encoding="utf-8"?>
 <p:sld xmlns:a="http://schemas.openxmlformats.org/drawingml/2006/main" xmlns:r="http://schemas.openxmlformats.org/officeDocument/2006/relationships" xmlns:p="http://schemas.openxmlformats.org/presentationml/2006/main">
   <p:cSld>
@@ -14776,7 +14924,7 @@
           <a:p>
             <a:r>
               <a:rPr lang="en-US" dirty="0"/>
-              <a:t>Global technology</a:t>
+              <a:t>Feature importance</a:t>
             </a:r>
             <a:endParaRPr lang="ru-RU" dirty="0"/>
           </a:p>
@@ -23447,6 +23595,75 @@
   <p:cSld>
     <p:spTree>
       <p:nvGrpSpPr>
+        <p:cNvPr id="1" name="">
+          <a:extLst>
+            <a:ext uri="{FF2B5EF4-FFF2-40B4-BE49-F238E27FC236}">
+              <a16:creationId xmlns:a16="http://schemas.microsoft.com/office/drawing/2014/main" id="{89A6E41B-4936-1F0D-CB3D-731BBFA7B0F4}"/>
+            </a:ext>
+          </a:extLst>
+        </p:cNvPr>
+        <p:cNvGrpSpPr/>
+        <p:nvPr/>
+      </p:nvGrpSpPr>
+      <p:grpSpPr>
+        <a:xfrm>
+          <a:off x="0" y="0"/>
+          <a:ext cx="0" cy="0"/>
+          <a:chOff x="0" y="0"/>
+          <a:chExt cx="0" cy="0"/>
+        </a:xfrm>
+      </p:grpSpPr>
+      <p:sp>
+        <p:nvSpPr>
+          <p:cNvPr id="2" name="Title 1">
+            <a:extLst>
+              <a:ext uri="{FF2B5EF4-FFF2-40B4-BE49-F238E27FC236}">
+                <a16:creationId xmlns:a16="http://schemas.microsoft.com/office/drawing/2014/main" id="{751F8B4A-8760-4F57-9489-14EB3D8F69C6}"/>
+              </a:ext>
+            </a:extLst>
+          </p:cNvPr>
+          <p:cNvSpPr>
+            <a:spLocks noGrp="1"/>
+          </p:cNvSpPr>
+          <p:nvPr>
+            <p:ph type="title"/>
+          </p:nvPr>
+        </p:nvSpPr>
+        <p:spPr>
+          <a:xfrm>
+            <a:off x="288236" y="202096"/>
+            <a:ext cx="10131425" cy="1456267"/>
+          </a:xfrm>
+        </p:spPr>
+        <p:txBody>
+          <a:bodyPr/>
+          <a:lstStyle/>
+          <a:p>
+            <a:r>
+              <a:rPr lang="en-US" dirty="0"/>
+              <a:t>Experiments</a:t>
+            </a:r>
+          </a:p>
+        </p:txBody>
+      </p:sp>
+    </p:spTree>
+    <p:extLst>
+      <p:ext uri="{BB962C8B-B14F-4D97-AF65-F5344CB8AC3E}">
+        <p14:creationId xmlns:p14="http://schemas.microsoft.com/office/powerpoint/2010/main" val="2092283010"/>
+      </p:ext>
+    </p:extLst>
+  </p:cSld>
+  <p:clrMapOvr>
+    <a:masterClrMapping/>
+  </p:clrMapOvr>
+</p:sld>
+</file>
+
+<file path=ppt/slides/slide4.xml><?xml version="1.0" encoding="utf-8"?>
+<p:sld xmlns:a="http://schemas.openxmlformats.org/drawingml/2006/main" xmlns:r="http://schemas.openxmlformats.org/officeDocument/2006/relationships" xmlns:p="http://schemas.openxmlformats.org/presentationml/2006/main">
+  <p:cSld>
+    <p:spTree>
+      <p:nvGrpSpPr>
         <p:cNvPr id="1" name=""/>
         <p:cNvGrpSpPr/>
         <p:nvPr/>
@@ -23536,7 +23753,379 @@
 </p:sld>
 </file>
 
-<file path=ppt/slides/slide4.xml><?xml version="1.0" encoding="utf-8"?>
+<file path=ppt/slides/slide5.xml><?xml version="1.0" encoding="utf-8"?>
+<p:sld xmlns:a="http://schemas.openxmlformats.org/drawingml/2006/main" xmlns:r="http://schemas.openxmlformats.org/officeDocument/2006/relationships" xmlns:p="http://schemas.openxmlformats.org/presentationml/2006/main">
+  <p:cSld>
+    <p:spTree>
+      <p:nvGrpSpPr>
+        <p:cNvPr id="1" name=""/>
+        <p:cNvGrpSpPr/>
+        <p:nvPr/>
+      </p:nvGrpSpPr>
+      <p:grpSpPr>
+        <a:xfrm>
+          <a:off x="0" y="0"/>
+          <a:ext cx="0" cy="0"/>
+          <a:chOff x="0" y="0"/>
+          <a:chExt cx="0" cy="0"/>
+        </a:xfrm>
+      </p:grpSpPr>
+      <p:sp>
+        <p:nvSpPr>
+          <p:cNvPr id="2" name="Title 1">
+            <a:extLst>
+              <a:ext uri="{FF2B5EF4-FFF2-40B4-BE49-F238E27FC236}">
+                <a16:creationId xmlns:a16="http://schemas.microsoft.com/office/drawing/2014/main" id="{B91B2317-9FFC-E35C-D4E2-63AC6C850B5D}"/>
+              </a:ext>
+            </a:extLst>
+          </p:cNvPr>
+          <p:cNvSpPr>
+            <a:spLocks noGrp="1"/>
+          </p:cNvSpPr>
+          <p:nvPr>
+            <p:ph type="title"/>
+          </p:nvPr>
+        </p:nvSpPr>
+        <p:spPr/>
+        <p:txBody>
+          <a:bodyPr/>
+          <a:lstStyle/>
+          <a:p>
+            <a:r>
+              <a:rPr lang="en-US" dirty="0"/>
+              <a:t>Preprocessing Pipeline</a:t>
+            </a:r>
+          </a:p>
+        </p:txBody>
+      </p:sp>
+    </p:spTree>
+    <p:extLst>
+      <p:ext uri="{BB962C8B-B14F-4D97-AF65-F5344CB8AC3E}">
+        <p14:creationId xmlns:p14="http://schemas.microsoft.com/office/powerpoint/2010/main" val="653629078"/>
+      </p:ext>
+    </p:extLst>
+  </p:cSld>
+  <p:clrMapOvr>
+    <a:masterClrMapping/>
+  </p:clrMapOvr>
+</p:sld>
+</file>
+
+<file path=ppt/slides/slide6.xml><?xml version="1.0" encoding="utf-8"?>
+<p:sld xmlns:a="http://schemas.openxmlformats.org/drawingml/2006/main" xmlns:r="http://schemas.openxmlformats.org/officeDocument/2006/relationships" xmlns:p="http://schemas.openxmlformats.org/presentationml/2006/main">
+  <p:cSld>
+    <p:spTree>
+      <p:nvGrpSpPr>
+        <p:cNvPr id="1" name="">
+          <a:extLst>
+            <a:ext uri="{FF2B5EF4-FFF2-40B4-BE49-F238E27FC236}">
+              <a16:creationId xmlns:a16="http://schemas.microsoft.com/office/drawing/2014/main" id="{FEEAD540-726C-1779-BAD7-F495A0F4C502}"/>
+            </a:ext>
+          </a:extLst>
+        </p:cNvPr>
+        <p:cNvGrpSpPr/>
+        <p:nvPr/>
+      </p:nvGrpSpPr>
+      <p:grpSpPr>
+        <a:xfrm>
+          <a:off x="0" y="0"/>
+          <a:ext cx="0" cy="0"/>
+          <a:chOff x="0" y="0"/>
+          <a:chExt cx="0" cy="0"/>
+        </a:xfrm>
+      </p:grpSpPr>
+      <p:sp>
+        <p:nvSpPr>
+          <p:cNvPr id="2" name="Title 1">
+            <a:extLst>
+              <a:ext uri="{FF2B5EF4-FFF2-40B4-BE49-F238E27FC236}">
+                <a16:creationId xmlns:a16="http://schemas.microsoft.com/office/drawing/2014/main" id="{DD9C8B39-4D6E-3D08-65AC-FA7ED9E23865}"/>
+              </a:ext>
+            </a:extLst>
+          </p:cNvPr>
+          <p:cNvSpPr>
+            <a:spLocks noGrp="1"/>
+          </p:cNvSpPr>
+          <p:nvPr>
+            <p:ph type="title"/>
+          </p:nvPr>
+        </p:nvSpPr>
+        <p:spPr>
+          <a:xfrm>
+            <a:off x="202325" y="0"/>
+            <a:ext cx="10131425" cy="1456267"/>
+          </a:xfrm>
+        </p:spPr>
+        <p:txBody>
+          <a:bodyPr/>
+          <a:lstStyle/>
+          <a:p>
+            <a:r>
+              <a:rPr lang="en-US" dirty="0"/>
+              <a:t>Experiments - SMOTE</a:t>
+            </a:r>
+          </a:p>
+        </p:txBody>
+      </p:sp>
+      <p:pic>
+        <p:nvPicPr>
+          <p:cNvPr id="4" name="Picture 3" descr="A table with numbers and symbols&#10;&#10;AI-generated content may be incorrect.">
+            <a:extLst>
+              <a:ext uri="{FF2B5EF4-FFF2-40B4-BE49-F238E27FC236}">
+                <a16:creationId xmlns:a16="http://schemas.microsoft.com/office/drawing/2014/main" id="{F42582D4-2224-70B6-A808-EFC9D279A948}"/>
+              </a:ext>
+            </a:extLst>
+          </p:cNvPr>
+          <p:cNvPicPr>
+            <a:picLocks noChangeAspect="1"/>
+          </p:cNvPicPr>
+          <p:nvPr/>
+        </p:nvPicPr>
+        <p:blipFill>
+          <a:blip r:embed="rId2"/>
+          <a:stretch>
+            <a:fillRect/>
+          </a:stretch>
+        </p:blipFill>
+        <p:spPr>
+          <a:xfrm>
+            <a:off x="1040766" y="1085485"/>
+            <a:ext cx="9776460" cy="5615940"/>
+          </a:xfrm>
+          <a:prstGeom prst="rect">
+            <a:avLst/>
+          </a:prstGeom>
+        </p:spPr>
+      </p:pic>
+    </p:spTree>
+    <p:extLst>
+      <p:ext uri="{BB962C8B-B14F-4D97-AF65-F5344CB8AC3E}">
+        <p14:creationId xmlns:p14="http://schemas.microsoft.com/office/powerpoint/2010/main" val="1482221850"/>
+      </p:ext>
+    </p:extLst>
+  </p:cSld>
+  <p:clrMapOvr>
+    <a:masterClrMapping/>
+  </p:clrMapOvr>
+</p:sld>
+</file>
+
+<file path=ppt/slides/slide7.xml><?xml version="1.0" encoding="utf-8"?>
+<p:sld xmlns:a="http://schemas.openxmlformats.org/drawingml/2006/main" xmlns:r="http://schemas.openxmlformats.org/officeDocument/2006/relationships" xmlns:p="http://schemas.openxmlformats.org/presentationml/2006/main">
+  <p:cSld>
+    <p:spTree>
+      <p:nvGrpSpPr>
+        <p:cNvPr id="1" name="">
+          <a:extLst>
+            <a:ext uri="{FF2B5EF4-FFF2-40B4-BE49-F238E27FC236}">
+              <a16:creationId xmlns:a16="http://schemas.microsoft.com/office/drawing/2014/main" id="{DE383C4C-29E3-CDB5-A814-D0025212F258}"/>
+            </a:ext>
+          </a:extLst>
+        </p:cNvPr>
+        <p:cNvGrpSpPr/>
+        <p:nvPr/>
+      </p:nvGrpSpPr>
+      <p:grpSpPr>
+        <a:xfrm>
+          <a:off x="0" y="0"/>
+          <a:ext cx="0" cy="0"/>
+          <a:chOff x="0" y="0"/>
+          <a:chExt cx="0" cy="0"/>
+        </a:xfrm>
+      </p:grpSpPr>
+      <p:sp>
+        <p:nvSpPr>
+          <p:cNvPr id="2" name="Title 1">
+            <a:extLst>
+              <a:ext uri="{FF2B5EF4-FFF2-40B4-BE49-F238E27FC236}">
+                <a16:creationId xmlns:a16="http://schemas.microsoft.com/office/drawing/2014/main" id="{4977D33B-489B-3FDF-B9AF-84B297D7F47A}"/>
+              </a:ext>
+            </a:extLst>
+          </p:cNvPr>
+          <p:cNvSpPr>
+            <a:spLocks noGrp="1"/>
+          </p:cNvSpPr>
+          <p:nvPr>
+            <p:ph type="title"/>
+          </p:nvPr>
+        </p:nvSpPr>
+        <p:spPr>
+          <a:xfrm>
+            <a:off x="202325" y="0"/>
+            <a:ext cx="10131425" cy="1456267"/>
+          </a:xfrm>
+        </p:spPr>
+        <p:txBody>
+          <a:bodyPr/>
+          <a:lstStyle/>
+          <a:p>
+            <a:r>
+              <a:rPr lang="en-US" dirty="0"/>
+              <a:t>Experiments</a:t>
+            </a:r>
+          </a:p>
+        </p:txBody>
+      </p:sp>
+      <p:pic>
+        <p:nvPicPr>
+          <p:cNvPr id="7" name="Picture 6" descr="A diagram of a company's data&#10;&#10;AI-generated content may be incorrect.">
+            <a:extLst>
+              <a:ext uri="{FF2B5EF4-FFF2-40B4-BE49-F238E27FC236}">
+                <a16:creationId xmlns:a16="http://schemas.microsoft.com/office/drawing/2014/main" id="{EC9F06C0-85A0-E020-AEA2-9E34EA8A76D2}"/>
+              </a:ext>
+            </a:extLst>
+          </p:cNvPr>
+          <p:cNvPicPr>
+            <a:picLocks noChangeAspect="1"/>
+          </p:cNvPicPr>
+          <p:nvPr/>
+        </p:nvPicPr>
+        <p:blipFill>
+          <a:blip r:embed="rId2"/>
+          <a:stretch>
+            <a:fillRect/>
+          </a:stretch>
+        </p:blipFill>
+        <p:spPr>
+          <a:xfrm>
+            <a:off x="716803" y="1192033"/>
+            <a:ext cx="7502637" cy="5416939"/>
+          </a:xfrm>
+          <a:prstGeom prst="rect">
+            <a:avLst/>
+          </a:prstGeom>
+        </p:spPr>
+      </p:pic>
+      <p:sp>
+        <p:nvSpPr>
+          <p:cNvPr id="8" name="TextBox 7">
+            <a:extLst>
+              <a:ext uri="{FF2B5EF4-FFF2-40B4-BE49-F238E27FC236}">
+                <a16:creationId xmlns:a16="http://schemas.microsoft.com/office/drawing/2014/main" id="{D7227B38-83DF-657B-9545-9A2CFA88F130}"/>
+              </a:ext>
+            </a:extLst>
+          </p:cNvPr>
+          <p:cNvSpPr txBox="1"/>
+          <p:nvPr/>
+        </p:nvSpPr>
+        <p:spPr>
+          <a:xfrm>
+            <a:off x="8520558" y="3007360"/>
+            <a:ext cx="3183762" cy="1200329"/>
+          </a:xfrm>
+          <a:prstGeom prst="rect">
+            <a:avLst/>
+          </a:prstGeom>
+          <a:noFill/>
+        </p:spPr>
+        <p:txBody>
+          <a:bodyPr wrap="square" rtlCol="0">
+            <a:spAutoFit/>
+          </a:bodyPr>
+          <a:lstStyle/>
+          <a:p>
+            <a:r>
+              <a:rPr lang="en-US" dirty="0"/>
+              <a:t>Orange -&gt; no class </a:t>
+            </a:r>
+          </a:p>
+          <a:p>
+            <a:r>
+              <a:rPr lang="en-US" dirty="0"/>
+              <a:t>Blue -&gt; yes class</a:t>
+            </a:r>
+          </a:p>
+          <a:p>
+            <a:r>
+              <a:rPr lang="en-US" dirty="0"/>
+              <a:t>More saturated shade -&gt; more purity</a:t>
+            </a:r>
+          </a:p>
+        </p:txBody>
+      </p:sp>
+    </p:spTree>
+    <p:extLst>
+      <p:ext uri="{BB962C8B-B14F-4D97-AF65-F5344CB8AC3E}">
+        <p14:creationId xmlns:p14="http://schemas.microsoft.com/office/powerpoint/2010/main" val="740028159"/>
+      </p:ext>
+    </p:extLst>
+  </p:cSld>
+  <p:clrMapOvr>
+    <a:masterClrMapping/>
+  </p:clrMapOvr>
+</p:sld>
+</file>
+
+<file path=ppt/slides/slide8.xml><?xml version="1.0" encoding="utf-8"?>
+<p:sld xmlns:a="http://schemas.openxmlformats.org/drawingml/2006/main" xmlns:r="http://schemas.openxmlformats.org/officeDocument/2006/relationships" xmlns:p="http://schemas.openxmlformats.org/presentationml/2006/main">
+  <p:cSld>
+    <p:spTree>
+      <p:nvGrpSpPr>
+        <p:cNvPr id="1" name="">
+          <a:extLst>
+            <a:ext uri="{FF2B5EF4-FFF2-40B4-BE49-F238E27FC236}">
+              <a16:creationId xmlns:a16="http://schemas.microsoft.com/office/drawing/2014/main" id="{DBD0A6FF-8691-C1C3-E161-B26760E86CD7}"/>
+            </a:ext>
+          </a:extLst>
+        </p:cNvPr>
+        <p:cNvGrpSpPr/>
+        <p:nvPr/>
+      </p:nvGrpSpPr>
+      <p:grpSpPr>
+        <a:xfrm>
+          <a:off x="0" y="0"/>
+          <a:ext cx="0" cy="0"/>
+          <a:chOff x="0" y="0"/>
+          <a:chExt cx="0" cy="0"/>
+        </a:xfrm>
+      </p:grpSpPr>
+      <p:sp>
+        <p:nvSpPr>
+          <p:cNvPr id="2" name="Title 1">
+            <a:extLst>
+              <a:ext uri="{FF2B5EF4-FFF2-40B4-BE49-F238E27FC236}">
+                <a16:creationId xmlns:a16="http://schemas.microsoft.com/office/drawing/2014/main" id="{F6D8FD6F-9D40-5544-0104-D4B115F962AD}"/>
+              </a:ext>
+            </a:extLst>
+          </p:cNvPr>
+          <p:cNvSpPr>
+            <a:spLocks noGrp="1"/>
+          </p:cNvSpPr>
+          <p:nvPr>
+            <p:ph type="title"/>
+          </p:nvPr>
+        </p:nvSpPr>
+        <p:spPr>
+          <a:xfrm>
+            <a:off x="202325" y="0"/>
+            <a:ext cx="10131425" cy="1456267"/>
+          </a:xfrm>
+        </p:spPr>
+        <p:txBody>
+          <a:bodyPr/>
+          <a:lstStyle/>
+          <a:p>
+            <a:r>
+              <a:rPr lang="en-US" dirty="0"/>
+              <a:t>Experiments – Random Over Sampling</a:t>
+            </a:r>
+          </a:p>
+        </p:txBody>
+      </p:sp>
+    </p:spTree>
+    <p:extLst>
+      <p:ext uri="{BB962C8B-B14F-4D97-AF65-F5344CB8AC3E}">
+        <p14:creationId xmlns:p14="http://schemas.microsoft.com/office/powerpoint/2010/main" val="888447733"/>
+      </p:ext>
+    </p:extLst>
+  </p:cSld>
+  <p:clrMapOvr>
+    <a:masterClrMapping/>
+  </p:clrMapOvr>
+</p:sld>
+</file>
+
+<file path=ppt/slides/slide9.xml><?xml version="1.0" encoding="utf-8"?>
 <p:sld xmlns:a="http://schemas.openxmlformats.org/drawingml/2006/main" xmlns:r="http://schemas.openxmlformats.org/officeDocument/2006/relationships" xmlns:p="http://schemas.openxmlformats.org/presentationml/2006/main">
   <p:cSld>
     <p:spTree>
@@ -23848,149 +24437,6 @@
     <p:extLst>
       <p:ext uri="{BB962C8B-B14F-4D97-AF65-F5344CB8AC3E}">
         <p14:creationId xmlns:p14="http://schemas.microsoft.com/office/powerpoint/2010/main" val="1974828406"/>
-      </p:ext>
-    </p:extLst>
-  </p:cSld>
-  <p:clrMapOvr>
-    <a:masterClrMapping/>
-  </p:clrMapOvr>
-</p:sld>
-</file>
-
-<file path=ppt/slides/slide5.xml><?xml version="1.0" encoding="utf-8"?>
-<p:sld xmlns:a="http://schemas.openxmlformats.org/drawingml/2006/main" xmlns:r="http://schemas.openxmlformats.org/officeDocument/2006/relationships" xmlns:p="http://schemas.openxmlformats.org/presentationml/2006/main">
-  <p:cSld>
-    <p:spTree>
-      <p:nvGrpSpPr>
-        <p:cNvPr id="1" name=""/>
-        <p:cNvGrpSpPr/>
-        <p:nvPr/>
-      </p:nvGrpSpPr>
-      <p:grpSpPr>
-        <a:xfrm>
-          <a:off x="0" y="0"/>
-          <a:ext cx="0" cy="0"/>
-          <a:chOff x="0" y="0"/>
-          <a:chExt cx="0" cy="0"/>
-        </a:xfrm>
-      </p:grpSpPr>
-      <p:pic>
-        <p:nvPicPr>
-          <p:cNvPr id="5" name="Picture 4" descr="light spots">
-            <a:extLst>
-              <a:ext uri="{FF2B5EF4-FFF2-40B4-BE49-F238E27FC236}">
-                <a16:creationId xmlns:a16="http://schemas.microsoft.com/office/drawing/2014/main" id="{20A520D0-11CF-4639-8537-F56A8A2FDCFD}"/>
-              </a:ext>
-            </a:extLst>
-          </p:cNvPr>
-          <p:cNvPicPr>
-            <a:picLocks noChangeAspect="1"/>
-          </p:cNvPicPr>
-          <p:nvPr/>
-        </p:nvPicPr>
-        <p:blipFill rotWithShape="1">
-          <a:blip r:embed="rId3">
-            <a:alphaModFix amt="20000"/>
-            <a:extLst>
-              <a:ext uri="{28A0092B-C50C-407E-A947-70E740481C1C}">
-                <a14:useLocalDpi xmlns:a14="http://schemas.microsoft.com/office/drawing/2010/main"/>
-              </a:ext>
-            </a:extLst>
-          </a:blip>
-          <a:srcRect/>
-          <a:stretch/>
-        </p:blipFill>
-        <p:spPr>
-          <a:xfrm>
-            <a:off x="20" y="10"/>
-            <a:ext cx="12191980" cy="6857990"/>
-          </a:xfrm>
-          <a:prstGeom prst="rect">
-            <a:avLst/>
-          </a:prstGeom>
-        </p:spPr>
-      </p:pic>
-      <p:sp>
-        <p:nvSpPr>
-          <p:cNvPr id="2" name="Title 1">
-            <a:extLst>
-              <a:ext uri="{FF2B5EF4-FFF2-40B4-BE49-F238E27FC236}">
-                <a16:creationId xmlns:a16="http://schemas.microsoft.com/office/drawing/2014/main" id="{D44BCB7C-A6FC-4118-9027-468ECFDE6455}"/>
-              </a:ext>
-            </a:extLst>
-          </p:cNvPr>
-          <p:cNvSpPr>
-            <a:spLocks noGrp="1"/>
-          </p:cNvSpPr>
-          <p:nvPr>
-            <p:ph type="ctrTitle"/>
-          </p:nvPr>
-        </p:nvSpPr>
-        <p:spPr>
-          <a:xfrm>
-            <a:off x="3962399" y="2573867"/>
-            <a:ext cx="7197726" cy="2421464"/>
-          </a:xfrm>
-        </p:spPr>
-        <p:txBody>
-          <a:bodyPr>
-            <a:normAutofit/>
-          </a:bodyPr>
-          <a:lstStyle/>
-          <a:p>
-            <a:r>
-              <a:rPr lang="en-US" dirty="0"/>
-              <a:t>Thank You!</a:t>
-            </a:r>
-          </a:p>
-        </p:txBody>
-      </p:sp>
-      <p:sp>
-        <p:nvSpPr>
-          <p:cNvPr id="3" name="Subtitle 2">
-            <a:extLst>
-              <a:ext uri="{FF2B5EF4-FFF2-40B4-BE49-F238E27FC236}">
-                <a16:creationId xmlns:a16="http://schemas.microsoft.com/office/drawing/2014/main" id="{4B64FA72-B055-4AE3-A6FD-8071BD687CBE}"/>
-              </a:ext>
-            </a:extLst>
-          </p:cNvPr>
-          <p:cNvSpPr>
-            <a:spLocks noGrp="1"/>
-          </p:cNvSpPr>
-          <p:nvPr>
-            <p:ph type="subTitle" idx="1"/>
-          </p:nvPr>
-        </p:nvSpPr>
-        <p:spPr>
-          <a:xfrm>
-            <a:off x="3962399" y="4995332"/>
-            <a:ext cx="7197726" cy="1405467"/>
-          </a:xfrm>
-        </p:spPr>
-        <p:txBody>
-          <a:bodyPr>
-            <a:normAutofit/>
-          </a:bodyPr>
-          <a:lstStyle/>
-          <a:p>
-            <a:r>
-              <a:rPr lang="en-US" dirty="0">
-                <a:solidFill>
-                  <a:schemeClr val="accent1">
-                    <a:lumMod val="40000"/>
-                    <a:lumOff val="60000"/>
-                  </a:schemeClr>
-                </a:solidFill>
-              </a:rPr>
-              <a:t>nourkamaly26@gmail.com</a:t>
-            </a:r>
-          </a:p>
-        </p:txBody>
-      </p:sp>
-    </p:spTree>
-    <p:extLst>
-      <p:ext uri="{BB962C8B-B14F-4D97-AF65-F5344CB8AC3E}">
-        <p14:creationId xmlns:p14="http://schemas.microsoft.com/office/powerpoint/2010/main" val="2939930866"/>
       </p:ext>
     </p:extLst>
   </p:cSld>

--- a/6. Documentation/Telecom Customer Churn Prediction.pptx
+++ b/6. Documentation/Telecom Customer Churn Prediction.pptx
@@ -5,10 +5,10 @@
     <p:sldMasterId id="2147483744" r:id="rId4"/>
   </p:sldMasterIdLst>
   <p:notesMasterIdLst>
-    <p:notesMasterId r:id="rId15"/>
+    <p:notesMasterId r:id="rId14"/>
   </p:notesMasterIdLst>
   <p:handoutMasterIdLst>
-    <p:handoutMasterId r:id="rId16"/>
+    <p:handoutMasterId r:id="rId15"/>
   </p:handoutMasterIdLst>
   <p:sldIdLst>
     <p:sldId id="256" r:id="rId5"/>
@@ -19,8 +19,7 @@
     <p:sldId id="277" r:id="rId10"/>
     <p:sldId id="278" r:id="rId11"/>
     <p:sldId id="279" r:id="rId12"/>
-    <p:sldId id="264" r:id="rId13"/>
-    <p:sldId id="274" r:id="rId14"/>
+    <p:sldId id="274" r:id="rId13"/>
   </p:sldIdLst>
   <p:sldSz cx="12192000" cy="6858000"/>
   <p:notesSz cx="6858000" cy="9144000"/>
@@ -139,7763 +138,6 @@
     </p:ext>
   </p:extLst>
 </p:presentation>
-</file>
-
-<file path=ppt/charts/chart1.xml><?xml version="1.0" encoding="utf-8"?>
-<c:chartSpace xmlns:c="http://schemas.openxmlformats.org/drawingml/2006/chart" xmlns:a="http://schemas.openxmlformats.org/drawingml/2006/main" xmlns:r="http://schemas.openxmlformats.org/officeDocument/2006/relationships" xmlns:c16r2="http://schemas.microsoft.com/office/drawing/2015/06/chart">
-  <c:date1904 val="0"/>
-  <c:lang val="en-US"/>
-  <c:roundedCorners val="0"/>
-  <mc:AlternateContent xmlns:mc="http://schemas.openxmlformats.org/markup-compatibility/2006">
-    <mc:Choice xmlns:c14="http://schemas.microsoft.com/office/drawing/2007/8/2/chart" Requires="c14">
-      <c14:style val="103"/>
-    </mc:Choice>
-    <mc:Fallback>
-      <c:style val="3"/>
-    </mc:Fallback>
-  </mc:AlternateContent>
-  <c:chart>
-    <c:autoTitleDeleted val="1"/>
-    <c:plotArea>
-      <c:layout>
-        <c:manualLayout>
-          <c:layoutTarget val="inner"/>
-          <c:xMode val="edge"/>
-          <c:yMode val="edge"/>
-          <c:x val="2.0056408649326229E-2"/>
-          <c:y val="5.2196614371413021E-2"/>
-          <c:w val="0.83319000041948688"/>
-          <c:h val="0.92344496558859424"/>
-        </c:manualLayout>
-      </c:layout>
-      <c:ofPieChart>
-        <c:ofPieType val="pie"/>
-        <c:varyColors val="1"/>
-        <c:ser>
-          <c:idx val="0"/>
-          <c:order val="0"/>
-          <c:tx>
-            <c:strRef>
-              <c:f>Sheet1!$B$1</c:f>
-              <c:strCache>
-                <c:ptCount val="1"/>
-                <c:pt idx="0">
-                  <c:v>Uses of Virtual Reality</c:v>
-                </c:pt>
-              </c:strCache>
-            </c:strRef>
-          </c:tx>
-          <c:spPr>
-            <a:ln w="635">
-              <a:solidFill>
-                <a:schemeClr val="tx1">
-                  <a:alpha val="50000"/>
-                </a:schemeClr>
-              </a:solidFill>
-            </a:ln>
-          </c:spPr>
-          <c:dPt>
-            <c:idx val="0"/>
-            <c:bubble3D val="0"/>
-            <c:spPr>
-              <a:solidFill>
-                <a:schemeClr val="accent1">
-                  <a:shade val="58000"/>
-                </a:schemeClr>
-              </a:solidFill>
-              <a:ln w="635">
-                <a:solidFill>
-                  <a:schemeClr val="tx1">
-                    <a:alpha val="50000"/>
-                  </a:schemeClr>
-                </a:solidFill>
-              </a:ln>
-              <a:effectLst/>
-            </c:spPr>
-            <c:extLst>
-              <c:ext xmlns:c16="http://schemas.microsoft.com/office/drawing/2014/chart" uri="{C3380CC4-5D6E-409C-BE32-E72D297353CC}">
-                <c16:uniqueId val="{00000001-D08D-40C0-8B5F-39AFF9B0DD40}"/>
-              </c:ext>
-            </c:extLst>
-          </c:dPt>
-          <c:dPt>
-            <c:idx val="1"/>
-            <c:bubble3D val="0"/>
-            <c:spPr>
-              <a:solidFill>
-                <a:schemeClr val="accent1">
-                  <a:shade val="86000"/>
-                </a:schemeClr>
-              </a:solidFill>
-              <a:ln w="635">
-                <a:solidFill>
-                  <a:schemeClr val="tx1">
-                    <a:alpha val="50000"/>
-                  </a:schemeClr>
-                </a:solidFill>
-              </a:ln>
-              <a:effectLst/>
-            </c:spPr>
-            <c:extLst>
-              <c:ext xmlns:c16="http://schemas.microsoft.com/office/drawing/2014/chart" uri="{C3380CC4-5D6E-409C-BE32-E72D297353CC}">
-                <c16:uniqueId val="{00000003-D08D-40C0-8B5F-39AFF9B0DD40}"/>
-              </c:ext>
-            </c:extLst>
-          </c:dPt>
-          <c:dPt>
-            <c:idx val="2"/>
-            <c:bubble3D val="0"/>
-            <c:spPr>
-              <a:solidFill>
-                <a:schemeClr val="accent1">
-                  <a:tint val="86000"/>
-                </a:schemeClr>
-              </a:solidFill>
-              <a:ln w="635">
-                <a:solidFill>
-                  <a:schemeClr val="tx1">
-                    <a:alpha val="50000"/>
-                  </a:schemeClr>
-                </a:solidFill>
-              </a:ln>
-              <a:effectLst/>
-            </c:spPr>
-            <c:extLst>
-              <c:ext xmlns:c16="http://schemas.microsoft.com/office/drawing/2014/chart" uri="{C3380CC4-5D6E-409C-BE32-E72D297353CC}">
-                <c16:uniqueId val="{00000005-D08D-40C0-8B5F-39AFF9B0DD40}"/>
-              </c:ext>
-            </c:extLst>
-          </c:dPt>
-          <c:dPt>
-            <c:idx val="3"/>
-            <c:bubble3D val="0"/>
-            <c:spPr>
-              <a:solidFill>
-                <a:schemeClr val="accent1">
-                  <a:tint val="58000"/>
-                </a:schemeClr>
-              </a:solidFill>
-              <a:ln w="635">
-                <a:solidFill>
-                  <a:schemeClr val="tx1">
-                    <a:alpha val="50000"/>
-                  </a:schemeClr>
-                </a:solidFill>
-              </a:ln>
-              <a:effectLst/>
-            </c:spPr>
-            <c:extLst>
-              <c:ext xmlns:c16="http://schemas.microsoft.com/office/drawing/2014/chart" uri="{C3380CC4-5D6E-409C-BE32-E72D297353CC}">
-                <c16:uniqueId val="{00000007-D08D-40C0-8B5F-39AFF9B0DD40}"/>
-              </c:ext>
-            </c:extLst>
-          </c:dPt>
-          <c:dPt>
-            <c:idx val="4"/>
-            <c:bubble3D val="0"/>
-            <c:spPr>
-              <a:solidFill>
-                <a:schemeClr val="accent1">
-                  <a:tint val="30000"/>
-                </a:schemeClr>
-              </a:solidFill>
-              <a:ln w="635">
-                <a:solidFill>
-                  <a:schemeClr val="tx1">
-                    <a:alpha val="50000"/>
-                  </a:schemeClr>
-                </a:solidFill>
-              </a:ln>
-              <a:effectLst/>
-            </c:spPr>
-            <c:extLst>
-              <c:ext xmlns:c16="http://schemas.microsoft.com/office/drawing/2014/chart" uri="{C3380CC4-5D6E-409C-BE32-E72D297353CC}">
-                <c16:uniqueId val="{00000009-D08D-40C0-8B5F-39AFF9B0DD40}"/>
-              </c:ext>
-            </c:extLst>
-          </c:dPt>
-          <c:cat>
-            <c:strRef>
-              <c:f>Sheet1!$A$2:$A$5</c:f>
-              <c:strCache>
-                <c:ptCount val="4"/>
-                <c:pt idx="0">
-                  <c:v>Education</c:v>
-                </c:pt>
-                <c:pt idx="1">
-                  <c:v>Travel</c:v>
-                </c:pt>
-                <c:pt idx="2">
-                  <c:v>Medical</c:v>
-                </c:pt>
-                <c:pt idx="3">
-                  <c:v>Recreation</c:v>
-                </c:pt>
-              </c:strCache>
-            </c:strRef>
-          </c:cat>
-          <c:val>
-            <c:numRef>
-              <c:f>Sheet1!$B$2:$B$5</c:f>
-              <c:numCache>
-                <c:formatCode>General</c:formatCode>
-                <c:ptCount val="4"/>
-                <c:pt idx="0">
-                  <c:v>56</c:v>
-                </c:pt>
-                <c:pt idx="1">
-                  <c:v>20</c:v>
-                </c:pt>
-                <c:pt idx="2">
-                  <c:v>14</c:v>
-                </c:pt>
-                <c:pt idx="3">
-                  <c:v>10</c:v>
-                </c:pt>
-              </c:numCache>
-            </c:numRef>
-          </c:val>
-          <c:extLst>
-            <c:ext xmlns:c16="http://schemas.microsoft.com/office/drawing/2014/chart" uri="{C3380CC4-5D6E-409C-BE32-E72D297353CC}">
-              <c16:uniqueId val="{00000000-19ED-47D8-93E1-999E2EC5A810}"/>
-            </c:ext>
-          </c:extLst>
-        </c:ser>
-        <c:dLbls>
-          <c:showLegendKey val="0"/>
-          <c:showVal val="0"/>
-          <c:showCatName val="0"/>
-          <c:showSerName val="0"/>
-          <c:showPercent val="0"/>
-          <c:showBubbleSize val="0"/>
-          <c:showLeaderLines val="1"/>
-        </c:dLbls>
-        <c:gapWidth val="100"/>
-        <c:secondPieSize val="75"/>
-        <c:serLines>
-          <c:spPr>
-            <a:ln w="635" cap="flat" cmpd="sng" algn="ctr">
-              <a:solidFill>
-                <a:schemeClr val="tx1">
-                  <a:alpha val="50000"/>
-                </a:schemeClr>
-              </a:solidFill>
-              <a:round/>
-            </a:ln>
-            <a:effectLst/>
-          </c:spPr>
-        </c:serLines>
-      </c:ofPieChart>
-      <c:spPr>
-        <a:noFill/>
-        <a:ln>
-          <a:noFill/>
-        </a:ln>
-        <a:effectLst/>
-      </c:spPr>
-    </c:plotArea>
-    <c:legend>
-      <c:legendPos val="r"/>
-      <c:layout>
-        <c:manualLayout>
-          <c:xMode val="edge"/>
-          <c:yMode val="edge"/>
-          <c:x val="0.83724402046109014"/>
-          <c:y val="0.28306539071289344"/>
-          <c:w val="0.15149181877179171"/>
-          <c:h val="0.40024637897975207"/>
-        </c:manualLayout>
-      </c:layout>
-      <c:overlay val="0"/>
-      <c:spPr>
-        <a:noFill/>
-        <a:ln>
-          <a:noFill/>
-        </a:ln>
-        <a:effectLst/>
-      </c:spPr>
-      <c:txPr>
-        <a:bodyPr rot="0" spcFirstLastPara="1" vertOverflow="ellipsis" vert="horz" wrap="square" anchor="ctr" anchorCtr="1"/>
-        <a:lstStyle/>
-        <a:p>
-          <a:pPr>
-            <a:defRPr sz="1800" b="0" i="0" u="none" strike="noStrike" kern="1200" baseline="0">
-              <a:solidFill>
-                <a:schemeClr val="tx1">
-                  <a:lumMod val="65000"/>
-                  <a:lumOff val="35000"/>
-                </a:schemeClr>
-              </a:solidFill>
-              <a:latin typeface="+mn-lt"/>
-              <a:ea typeface="+mn-ea"/>
-              <a:cs typeface="+mn-cs"/>
-            </a:defRPr>
-          </a:pPr>
-          <a:endParaRPr lang="en-US"/>
-        </a:p>
-      </c:txPr>
-    </c:legend>
-    <c:plotVisOnly val="1"/>
-    <c:dispBlanksAs val="gap"/>
-    <c:extLst>
-      <c:ext xmlns:c16r3="http://schemas.microsoft.com/office/drawing/2017/03/chart" uri="{56B9EC1D-385E-4148-901F-78D8002777C0}">
-        <c16r3:dataDisplayOptions16>
-          <c16r3:dispNaAsBlank val="1"/>
-        </c16r3:dataDisplayOptions16>
-      </c:ext>
-    </c:extLst>
-    <c:showDLblsOverMax val="0"/>
-  </c:chart>
-  <c:spPr>
-    <a:noFill/>
-    <a:ln>
-      <a:noFill/>
-    </a:ln>
-    <a:effectLst/>
-  </c:spPr>
-  <c:txPr>
-    <a:bodyPr/>
-    <a:lstStyle/>
-    <a:p>
-      <a:pPr>
-        <a:defRPr/>
-      </a:pPr>
-      <a:endParaRPr lang="en-US"/>
-    </a:p>
-  </c:txPr>
-  <c:externalData r:id="rId3">
-    <c:autoUpdate val="0"/>
-  </c:externalData>
-</c:chartSpace>
-</file>
-
-<file path=ppt/charts/colors1.xml><?xml version="1.0" encoding="utf-8"?>
-<cs:colorStyle xmlns:cs="http://schemas.microsoft.com/office/drawing/2012/chartStyle" xmlns:a="http://schemas.openxmlformats.org/drawingml/2006/main" meth="withinLinear" id="14">
-  <a:schemeClr val="accent1"/>
-</cs:colorStyle>
-</file>
-
-<file path=ppt/charts/style1.xml><?xml version="1.0" encoding="utf-8"?>
-<cs:chartStyle xmlns:cs="http://schemas.microsoft.com/office/drawing/2012/chartStyle" xmlns:a="http://schemas.openxmlformats.org/drawingml/2006/main" id="333">
-  <cs:axisTitle>
-    <cs:lnRef idx="0"/>
-    <cs:fillRef idx="0"/>
-    <cs:effectRef idx="0"/>
-    <cs:fontRef idx="minor">
-      <a:schemeClr val="tx1">
-        <a:lumMod val="65000"/>
-        <a:lumOff val="35000"/>
-      </a:schemeClr>
-    </cs:fontRef>
-    <cs:defRPr sz="1197" kern="1200"/>
-  </cs:axisTitle>
-  <cs:categoryAxis>
-    <cs:lnRef idx="0"/>
-    <cs:fillRef idx="0"/>
-    <cs:effectRef idx="0"/>
-    <cs:fontRef idx="minor">
-      <a:schemeClr val="tx1">
-        <a:lumMod val="65000"/>
-        <a:lumOff val="35000"/>
-      </a:schemeClr>
-    </cs:fontRef>
-    <cs:spPr>
-      <a:ln w="9525" cap="flat" cmpd="sng" algn="ctr">
-        <a:solidFill>
-          <a:schemeClr val="tx1">
-            <a:lumMod val="15000"/>
-            <a:lumOff val="85000"/>
-          </a:schemeClr>
-        </a:solidFill>
-        <a:round/>
-      </a:ln>
-    </cs:spPr>
-    <cs:defRPr sz="1197" kern="1200"/>
-  </cs:categoryAxis>
-  <cs:chartArea mods="allowNoFillOverride allowNoLineOverride">
-    <cs:lnRef idx="0"/>
-    <cs:fillRef idx="0"/>
-    <cs:effectRef idx="0"/>
-    <cs:fontRef idx="minor">
-      <a:schemeClr val="tx1"/>
-    </cs:fontRef>
-    <cs:spPr>
-      <a:solidFill>
-        <a:schemeClr val="bg1"/>
-      </a:solidFill>
-      <a:ln w="9525" cap="flat" cmpd="sng" algn="ctr">
-        <a:solidFill>
-          <a:schemeClr val="tx1">
-            <a:lumMod val="15000"/>
-            <a:lumOff val="85000"/>
-          </a:schemeClr>
-        </a:solidFill>
-        <a:round/>
-      </a:ln>
-    </cs:spPr>
-    <cs:defRPr sz="1197" kern="1200"/>
-  </cs:chartArea>
-  <cs:dataLabel>
-    <cs:lnRef idx="0"/>
-    <cs:fillRef idx="0"/>
-    <cs:effectRef idx="0"/>
-    <cs:fontRef idx="minor">
-      <a:schemeClr val="tx1">
-        <a:lumMod val="65000"/>
-        <a:lumOff val="35000"/>
-      </a:schemeClr>
-    </cs:fontRef>
-    <cs:defRPr sz="1197" kern="1200"/>
-  </cs:dataLabel>
-  <cs:dataLabelCallout>
-    <cs:lnRef idx="0"/>
-    <cs:fillRef idx="0"/>
-    <cs:effectRef idx="0"/>
-    <cs:fontRef idx="minor">
-      <a:schemeClr val="dk1">
-        <a:lumMod val="65000"/>
-        <a:lumOff val="35000"/>
-      </a:schemeClr>
-    </cs:fontRef>
-    <cs:spPr>
-      <a:solidFill>
-        <a:schemeClr val="lt1"/>
-      </a:solidFill>
-      <a:ln>
-        <a:solidFill>
-          <a:schemeClr val="dk1">
-            <a:lumMod val="50000"/>
-            <a:lumOff val="50000"/>
-          </a:schemeClr>
-        </a:solidFill>
-      </a:ln>
-    </cs:spPr>
-    <cs:defRPr sz="1197" kern="1200"/>
-    <cs:bodyPr rot="0" spcFirstLastPara="1" vertOverflow="clip" horzOverflow="clip" vert="horz" wrap="square" lIns="36576" tIns="18288" rIns="36576" bIns="18288" anchor="ctr" anchorCtr="1">
-      <a:spAutoFit/>
-    </cs:bodyPr>
-  </cs:dataLabelCallout>
-  <cs:dataPoint>
-    <cs:lnRef idx="0"/>
-    <cs:fillRef idx="0">
-      <cs:styleClr val="auto"/>
-    </cs:fillRef>
-    <cs:effectRef idx="0"/>
-    <cs:fontRef idx="minor">
-      <a:schemeClr val="tx1"/>
-    </cs:fontRef>
-    <cs:spPr>
-      <a:solidFill>
-        <a:schemeClr val="phClr"/>
-      </a:solidFill>
-      <a:ln w="19050">
-        <a:solidFill>
-          <a:schemeClr val="lt1"/>
-        </a:solidFill>
-      </a:ln>
-    </cs:spPr>
-  </cs:dataPoint>
-  <cs:dataPoint3D>
-    <cs:lnRef idx="0"/>
-    <cs:fillRef idx="0">
-      <cs:styleClr val="auto"/>
-    </cs:fillRef>
-    <cs:effectRef idx="0"/>
-    <cs:fontRef idx="minor">
-      <a:schemeClr val="tx1"/>
-    </cs:fontRef>
-    <cs:spPr>
-      <a:solidFill>
-        <a:schemeClr val="phClr"/>
-      </a:solidFill>
-      <a:ln w="19050">
-        <a:solidFill>
-          <a:schemeClr val="lt1"/>
-        </a:solidFill>
-      </a:ln>
-    </cs:spPr>
-  </cs:dataPoint3D>
-  <cs:dataPointLine>
-    <cs:lnRef idx="0">
-      <cs:styleClr val="auto"/>
-    </cs:lnRef>
-    <cs:fillRef idx="0"/>
-    <cs:effectRef idx="0"/>
-    <cs:fontRef idx="minor">
-      <a:schemeClr val="tx1"/>
-    </cs:fontRef>
-    <cs:spPr>
-      <a:ln w="28575" cap="rnd">
-        <a:solidFill>
-          <a:schemeClr val="phClr"/>
-        </a:solidFill>
-        <a:round/>
-      </a:ln>
-    </cs:spPr>
-  </cs:dataPointLine>
-  <cs:dataPointMarker>
-    <cs:lnRef idx="0"/>
-    <cs:fillRef idx="0">
-      <cs:styleClr val="auto"/>
-    </cs:fillRef>
-    <cs:effectRef idx="0"/>
-    <cs:fontRef idx="minor">
-      <a:schemeClr val="tx1"/>
-    </cs:fontRef>
-    <cs:spPr>
-      <a:solidFill>
-        <a:schemeClr val="phClr"/>
-      </a:solidFill>
-      <a:ln w="9525">
-        <a:solidFill>
-          <a:schemeClr val="lt1"/>
-        </a:solidFill>
-      </a:ln>
-    </cs:spPr>
-  </cs:dataPointMarker>
-  <cs:dataPointMarkerLayout symbol="circle" size="6"/>
-  <cs:dataPointWireframe>
-    <cs:lnRef idx="0">
-      <cs:styleClr val="auto"/>
-    </cs:lnRef>
-    <cs:fillRef idx="0"/>
-    <cs:effectRef idx="0"/>
-    <cs:fontRef idx="minor">
-      <a:schemeClr val="tx1"/>
-    </cs:fontRef>
-    <cs:spPr>
-      <a:ln w="9525" cap="rnd">
-        <a:solidFill>
-          <a:schemeClr val="phClr"/>
-        </a:solidFill>
-        <a:round/>
-      </a:ln>
-    </cs:spPr>
-  </cs:dataPointWireframe>
-  <cs:dataTable>
-    <cs:lnRef idx="0"/>
-    <cs:fillRef idx="0"/>
-    <cs:effectRef idx="0"/>
-    <cs:fontRef idx="minor">
-      <a:schemeClr val="tx1">
-        <a:lumMod val="65000"/>
-        <a:lumOff val="35000"/>
-      </a:schemeClr>
-    </cs:fontRef>
-    <cs:spPr>
-      <a:noFill/>
-      <a:ln w="9525" cap="flat" cmpd="sng" algn="ctr">
-        <a:solidFill>
-          <a:schemeClr val="tx1">
-            <a:lumMod val="15000"/>
-            <a:lumOff val="85000"/>
-          </a:schemeClr>
-        </a:solidFill>
-        <a:round/>
-      </a:ln>
-    </cs:spPr>
-    <cs:defRPr sz="1197" kern="1200"/>
-  </cs:dataTable>
-  <cs:downBar>
-    <cs:lnRef idx="0"/>
-    <cs:fillRef idx="0"/>
-    <cs:effectRef idx="0"/>
-    <cs:fontRef idx="minor">
-      <a:schemeClr val="tx1"/>
-    </cs:fontRef>
-    <cs:spPr>
-      <a:solidFill>
-        <a:schemeClr val="dk1">
-          <a:lumMod val="75000"/>
-          <a:lumOff val="25000"/>
-        </a:schemeClr>
-      </a:solidFill>
-      <a:ln w="9525" cap="flat" cmpd="sng" algn="ctr">
-        <a:solidFill>
-          <a:schemeClr val="tx1">
-            <a:lumMod val="65000"/>
-            <a:lumOff val="35000"/>
-          </a:schemeClr>
-        </a:solidFill>
-        <a:round/>
-      </a:ln>
-    </cs:spPr>
-  </cs:downBar>
-  <cs:dropLine>
-    <cs:lnRef idx="0"/>
-    <cs:fillRef idx="0"/>
-    <cs:effectRef idx="0"/>
-    <cs:fontRef idx="minor">
-      <a:schemeClr val="tx1"/>
-    </cs:fontRef>
-    <cs:spPr>
-      <a:ln w="9525" cap="flat" cmpd="sng" algn="ctr">
-        <a:solidFill>
-          <a:schemeClr val="tx1">
-            <a:lumMod val="35000"/>
-            <a:lumOff val="65000"/>
-          </a:schemeClr>
-        </a:solidFill>
-        <a:round/>
-      </a:ln>
-    </cs:spPr>
-  </cs:dropLine>
-  <cs:errorBar>
-    <cs:lnRef idx="0"/>
-    <cs:fillRef idx="0"/>
-    <cs:effectRef idx="0"/>
-    <cs:fontRef idx="minor">
-      <a:schemeClr val="tx1"/>
-    </cs:fontRef>
-    <cs:spPr>
-      <a:ln w="9525" cap="flat" cmpd="sng" algn="ctr">
-        <a:solidFill>
-          <a:schemeClr val="tx1">
-            <a:lumMod val="65000"/>
-            <a:lumOff val="35000"/>
-          </a:schemeClr>
-        </a:solidFill>
-        <a:round/>
-      </a:ln>
-    </cs:spPr>
-  </cs:errorBar>
-  <cs:floor>
-    <cs:lnRef idx="0"/>
-    <cs:fillRef idx="0"/>
-    <cs:effectRef idx="0"/>
-    <cs:fontRef idx="minor">
-      <a:schemeClr val="tx1"/>
-    </cs:fontRef>
-    <cs:spPr>
-      <a:noFill/>
-      <a:ln>
-        <a:noFill/>
-      </a:ln>
-    </cs:spPr>
-  </cs:floor>
-  <cs:gridlineMajor>
-    <cs:lnRef idx="0"/>
-    <cs:fillRef idx="0"/>
-    <cs:effectRef idx="0"/>
-    <cs:fontRef idx="minor">
-      <a:schemeClr val="tx1"/>
-    </cs:fontRef>
-    <cs:spPr>
-      <a:ln w="9525" cap="flat" cmpd="sng" algn="ctr">
-        <a:solidFill>
-          <a:schemeClr val="tx1">
-            <a:lumMod val="15000"/>
-            <a:lumOff val="85000"/>
-          </a:schemeClr>
-        </a:solidFill>
-        <a:round/>
-      </a:ln>
-    </cs:spPr>
-  </cs:gridlineMajor>
-  <cs:gridlineMinor>
-    <cs:lnRef idx="0"/>
-    <cs:fillRef idx="0"/>
-    <cs:effectRef idx="0"/>
-    <cs:fontRef idx="minor">
-      <a:schemeClr val="tx1"/>
-    </cs:fontRef>
-    <cs:spPr>
-      <a:ln w="9525" cap="flat" cmpd="sng" algn="ctr">
-        <a:solidFill>
-          <a:schemeClr val="tx1">
-            <a:lumMod val="5000"/>
-            <a:lumOff val="95000"/>
-          </a:schemeClr>
-        </a:solidFill>
-        <a:round/>
-      </a:ln>
-    </cs:spPr>
-  </cs:gridlineMinor>
-  <cs:hiLoLine>
-    <cs:lnRef idx="0"/>
-    <cs:fillRef idx="0"/>
-    <cs:effectRef idx="0"/>
-    <cs:fontRef idx="minor">
-      <a:schemeClr val="tx1"/>
-    </cs:fontRef>
-    <cs:spPr>
-      <a:ln w="9525" cap="flat" cmpd="sng" algn="ctr">
-        <a:solidFill>
-          <a:schemeClr val="tx1">
-            <a:lumMod val="50000"/>
-            <a:lumOff val="50000"/>
-          </a:schemeClr>
-        </a:solidFill>
-        <a:round/>
-      </a:ln>
-    </cs:spPr>
-  </cs:hiLoLine>
-  <cs:leaderLine>
-    <cs:lnRef idx="0"/>
-    <cs:fillRef idx="0"/>
-    <cs:effectRef idx="0"/>
-    <cs:fontRef idx="minor">
-      <a:schemeClr val="tx1"/>
-    </cs:fontRef>
-    <cs:spPr>
-      <a:ln w="9525" cap="flat" cmpd="sng" algn="ctr">
-        <a:solidFill>
-          <a:schemeClr val="tx1">
-            <a:lumMod val="35000"/>
-            <a:lumOff val="65000"/>
-          </a:schemeClr>
-        </a:solidFill>
-        <a:round/>
-      </a:ln>
-    </cs:spPr>
-  </cs:leaderLine>
-  <cs:legend>
-    <cs:lnRef idx="0"/>
-    <cs:fillRef idx="0"/>
-    <cs:effectRef idx="0"/>
-    <cs:fontRef idx="minor">
-      <a:schemeClr val="tx1">
-        <a:lumMod val="65000"/>
-        <a:lumOff val="35000"/>
-      </a:schemeClr>
-    </cs:fontRef>
-    <cs:defRPr sz="1197" kern="1200"/>
-  </cs:legend>
-  <cs:plotArea mods="allowNoFillOverride allowNoLineOverride">
-    <cs:lnRef idx="0"/>
-    <cs:fillRef idx="0"/>
-    <cs:effectRef idx="0"/>
-    <cs:fontRef idx="minor">
-      <a:schemeClr val="tx1"/>
-    </cs:fontRef>
-  </cs:plotArea>
-  <cs:plotArea3D mods="allowNoFillOverride allowNoLineOverride">
-    <cs:lnRef idx="0"/>
-    <cs:fillRef idx="0"/>
-    <cs:effectRef idx="0"/>
-    <cs:fontRef idx="minor">
-      <a:schemeClr val="tx1"/>
-    </cs:fontRef>
-  </cs:plotArea3D>
-  <cs:seriesAxis>
-    <cs:lnRef idx="0"/>
-    <cs:fillRef idx="0"/>
-    <cs:effectRef idx="0"/>
-    <cs:fontRef idx="minor">
-      <a:schemeClr val="tx1">
-        <a:lumMod val="65000"/>
-        <a:lumOff val="35000"/>
-      </a:schemeClr>
-    </cs:fontRef>
-    <cs:defRPr sz="1197" kern="1200"/>
-  </cs:seriesAxis>
-  <cs:seriesLine>
-    <cs:lnRef idx="0"/>
-    <cs:fillRef idx="0"/>
-    <cs:effectRef idx="0"/>
-    <cs:fontRef idx="minor">
-      <a:schemeClr val="tx1"/>
-    </cs:fontRef>
-    <cs:spPr>
-      <a:ln w="9525" cap="flat" cmpd="sng" algn="ctr">
-        <a:solidFill>
-          <a:schemeClr val="tx1">
-            <a:lumMod val="35000"/>
-            <a:lumOff val="65000"/>
-          </a:schemeClr>
-        </a:solidFill>
-        <a:round/>
-      </a:ln>
-    </cs:spPr>
-  </cs:seriesLine>
-  <cs:title>
-    <cs:lnRef idx="0"/>
-    <cs:fillRef idx="0"/>
-    <cs:effectRef idx="0"/>
-    <cs:fontRef idx="minor">
-      <a:schemeClr val="tx1">
-        <a:lumMod val="65000"/>
-        <a:lumOff val="35000"/>
-      </a:schemeClr>
-    </cs:fontRef>
-    <cs:defRPr sz="1915" b="0" kern="1200" spc="0" baseline="0"/>
-  </cs:title>
-  <cs:trendline>
-    <cs:lnRef idx="0">
-      <cs:styleClr val="auto"/>
-    </cs:lnRef>
-    <cs:fillRef idx="0"/>
-    <cs:effectRef idx="0"/>
-    <cs:fontRef idx="minor">
-      <a:schemeClr val="tx1"/>
-    </cs:fontRef>
-    <cs:spPr>
-      <a:ln w="19050" cap="rnd">
-        <a:solidFill>
-          <a:schemeClr val="phClr"/>
-        </a:solidFill>
-        <a:prstDash val="sysDash"/>
-      </a:ln>
-    </cs:spPr>
-  </cs:trendline>
-  <cs:trendlineLabel>
-    <cs:lnRef idx="0"/>
-    <cs:fillRef idx="0"/>
-    <cs:effectRef idx="0"/>
-    <cs:fontRef idx="minor">
-      <a:schemeClr val="tx1">
-        <a:lumMod val="65000"/>
-        <a:lumOff val="35000"/>
-      </a:schemeClr>
-    </cs:fontRef>
-    <cs:defRPr sz="1197" kern="1200"/>
-  </cs:trendlineLabel>
-  <cs:upBar>
-    <cs:lnRef idx="0"/>
-    <cs:fillRef idx="0"/>
-    <cs:effectRef idx="0"/>
-    <cs:fontRef idx="minor">
-      <a:schemeClr val="tx1"/>
-    </cs:fontRef>
-    <cs:spPr>
-      <a:solidFill>
-        <a:schemeClr val="lt1"/>
-      </a:solidFill>
-      <a:ln w="9525" cap="flat" cmpd="sng" algn="ctr">
-        <a:solidFill>
-          <a:schemeClr val="tx1">
-            <a:lumMod val="65000"/>
-            <a:lumOff val="35000"/>
-          </a:schemeClr>
-        </a:solidFill>
-        <a:round/>
-      </a:ln>
-    </cs:spPr>
-  </cs:upBar>
-  <cs:valueAxis>
-    <cs:lnRef idx="0"/>
-    <cs:fillRef idx="0"/>
-    <cs:effectRef idx="0"/>
-    <cs:fontRef idx="minor">
-      <a:schemeClr val="tx1">
-        <a:lumMod val="65000"/>
-        <a:lumOff val="35000"/>
-      </a:schemeClr>
-    </cs:fontRef>
-    <cs:defRPr sz="1197" kern="1200"/>
-  </cs:valueAxis>
-  <cs:wall>
-    <cs:lnRef idx="0"/>
-    <cs:fillRef idx="0"/>
-    <cs:effectRef idx="0"/>
-    <cs:fontRef idx="minor">
-      <a:schemeClr val="tx1"/>
-    </cs:fontRef>
-    <cs:spPr>
-      <a:noFill/>
-      <a:ln>
-        <a:noFill/>
-      </a:ln>
-    </cs:spPr>
-  </cs:wall>
-</cs:chartStyle>
-</file>
-
-<file path=ppt/diagrams/colors1.xml><?xml version="1.0" encoding="utf-8"?>
-<dgm:colorsDef xmlns:dgm="http://schemas.openxmlformats.org/drawingml/2006/diagram" xmlns:a="http://schemas.openxmlformats.org/drawingml/2006/main" uniqueId="urn:microsoft.com/office/officeart/2018/5/colors/Iconchunking_neutralicon_accent3_2">
-  <dgm:title val=""/>
-  <dgm:desc val=""/>
-  <dgm:catLst>
-    <dgm:cat type="accent3" pri="13200"/>
-  </dgm:catLst>
-  <dgm:styleLbl name="node0">
-    <dgm:fillClrLst meth="repeat">
-      <a:schemeClr val="accent3"/>
-    </dgm:fillClrLst>
-    <dgm:linClrLst meth="repeat">
-      <a:schemeClr val="lt1"/>
-    </dgm:linClrLst>
-    <dgm:effectClrLst/>
-    <dgm:txLinClrLst/>
-    <dgm:txFillClrLst/>
-    <dgm:txEffectClrLst/>
-  </dgm:styleLbl>
-  <dgm:styleLbl name="node1">
-    <dgm:fillClrLst meth="repeat">
-      <a:schemeClr val="bg1"/>
-    </dgm:fillClrLst>
-    <dgm:linClrLst meth="repeat">
-      <a:schemeClr val="lt1">
-        <a:alpha val="0"/>
-      </a:schemeClr>
-    </dgm:linClrLst>
-    <dgm:effectClrLst/>
-    <dgm:txLinClrLst/>
-    <dgm:txFillClrLst meth="repeat">
-      <a:schemeClr val="dk1"/>
-    </dgm:txFillClrLst>
-    <dgm:txEffectClrLst/>
-  </dgm:styleLbl>
-  <dgm:styleLbl name="alignNode1">
-    <dgm:fillClrLst meth="repeat">
-      <a:schemeClr val="accent3"/>
-    </dgm:fillClrLst>
-    <dgm:linClrLst meth="repeat">
-      <a:schemeClr val="accent3"/>
-    </dgm:linClrLst>
-    <dgm:effectClrLst/>
-    <dgm:txLinClrLst/>
-    <dgm:txFillClrLst/>
-    <dgm:txEffectClrLst/>
-  </dgm:styleLbl>
-  <dgm:styleLbl name="lnNode1">
-    <dgm:fillClrLst meth="repeat">
-      <a:schemeClr val="accent3"/>
-    </dgm:fillClrLst>
-    <dgm:linClrLst meth="repeat">
-      <a:schemeClr val="lt1"/>
-    </dgm:linClrLst>
-    <dgm:effectClrLst/>
-    <dgm:txLinClrLst/>
-    <dgm:txFillClrLst/>
-    <dgm:txEffectClrLst/>
-  </dgm:styleLbl>
-  <dgm:styleLbl name="vennNode1">
-    <dgm:fillClrLst meth="repeat">
-      <a:schemeClr val="accent3">
-        <a:alpha val="50000"/>
-      </a:schemeClr>
-    </dgm:fillClrLst>
-    <dgm:linClrLst meth="repeat">
-      <a:schemeClr val="lt1"/>
-    </dgm:linClrLst>
-    <dgm:effectClrLst/>
-    <dgm:txLinClrLst/>
-    <dgm:txFillClrLst/>
-    <dgm:txEffectClrLst/>
-  </dgm:styleLbl>
-  <dgm:styleLbl name="node2">
-    <dgm:fillClrLst meth="repeat">
-      <a:schemeClr val="accent3"/>
-    </dgm:fillClrLst>
-    <dgm:linClrLst meth="repeat">
-      <a:schemeClr val="lt1"/>
-    </dgm:linClrLst>
-    <dgm:effectClrLst/>
-    <dgm:txLinClrLst/>
-    <dgm:txFillClrLst/>
-    <dgm:txEffectClrLst/>
-  </dgm:styleLbl>
-  <dgm:styleLbl name="node3">
-    <dgm:fillClrLst meth="repeat">
-      <a:schemeClr val="accent3"/>
-    </dgm:fillClrLst>
-    <dgm:linClrLst meth="repeat">
-      <a:schemeClr val="lt1"/>
-    </dgm:linClrLst>
-    <dgm:effectClrLst/>
-    <dgm:txLinClrLst/>
-    <dgm:txFillClrLst/>
-    <dgm:txEffectClrLst/>
-  </dgm:styleLbl>
-  <dgm:styleLbl name="node4">
-    <dgm:fillClrLst meth="repeat">
-      <a:schemeClr val="accent3"/>
-    </dgm:fillClrLst>
-    <dgm:linClrLst meth="repeat">
-      <a:schemeClr val="lt1"/>
-    </dgm:linClrLst>
-    <dgm:effectClrLst/>
-    <dgm:txLinClrLst/>
-    <dgm:txFillClrLst/>
-    <dgm:txEffectClrLst/>
-  </dgm:styleLbl>
-  <dgm:styleLbl name="fgImgPlace1">
-    <dgm:fillClrLst meth="repeat">
-      <a:schemeClr val="accent3">
-        <a:tint val="50000"/>
-      </a:schemeClr>
-    </dgm:fillClrLst>
-    <dgm:linClrLst meth="repeat">
-      <a:schemeClr val="lt1"/>
-    </dgm:linClrLst>
-    <dgm:effectClrLst/>
-    <dgm:txLinClrLst/>
-    <dgm:txFillClrLst meth="repeat">
-      <a:schemeClr val="lt1"/>
-    </dgm:txFillClrLst>
-    <dgm:txEffectClrLst/>
-  </dgm:styleLbl>
-  <dgm:styleLbl name="alignImgPlace1">
-    <dgm:fillClrLst meth="repeat">
-      <a:schemeClr val="accent3">
-        <a:tint val="50000"/>
-      </a:schemeClr>
-    </dgm:fillClrLst>
-    <dgm:linClrLst meth="repeat">
-      <a:schemeClr val="lt1"/>
-    </dgm:linClrLst>
-    <dgm:effectClrLst/>
-    <dgm:txLinClrLst/>
-    <dgm:txFillClrLst meth="repeat">
-      <a:schemeClr val="lt1"/>
-    </dgm:txFillClrLst>
-    <dgm:txEffectClrLst/>
-  </dgm:styleLbl>
-  <dgm:styleLbl name="bgImgPlace1">
-    <dgm:fillClrLst meth="repeat">
-      <a:schemeClr val="accent3">
-        <a:tint val="50000"/>
-      </a:schemeClr>
-    </dgm:fillClrLst>
-    <dgm:linClrLst meth="repeat">
-      <a:schemeClr val="lt1"/>
-    </dgm:linClrLst>
-    <dgm:effectClrLst/>
-    <dgm:txLinClrLst/>
-    <dgm:txFillClrLst meth="repeat">
-      <a:schemeClr val="lt1"/>
-    </dgm:txFillClrLst>
-    <dgm:txEffectClrLst/>
-  </dgm:styleLbl>
-  <dgm:styleLbl name="sibTrans2D1">
-    <dgm:fillClrLst meth="repeat">
-      <a:schemeClr val="accent3">
-        <a:tint val="60000"/>
-      </a:schemeClr>
-    </dgm:fillClrLst>
-    <dgm:linClrLst meth="repeat">
-      <a:schemeClr val="accent3">
-        <a:tint val="60000"/>
-      </a:schemeClr>
-    </dgm:linClrLst>
-    <dgm:effectClrLst/>
-    <dgm:txLinClrLst/>
-    <dgm:txFillClrLst/>
-    <dgm:txEffectClrLst/>
-  </dgm:styleLbl>
-  <dgm:styleLbl name="fgSibTrans2D1">
-    <dgm:fillClrLst meth="repeat">
-      <a:schemeClr val="accent3">
-        <a:tint val="60000"/>
-      </a:schemeClr>
-    </dgm:fillClrLst>
-    <dgm:linClrLst meth="repeat">
-      <a:schemeClr val="accent3">
-        <a:tint val="60000"/>
-      </a:schemeClr>
-    </dgm:linClrLst>
-    <dgm:effectClrLst/>
-    <dgm:txLinClrLst/>
-    <dgm:txFillClrLst/>
-    <dgm:txEffectClrLst/>
-  </dgm:styleLbl>
-  <dgm:styleLbl name="bgSibTrans2D1">
-    <dgm:fillClrLst meth="repeat">
-      <a:schemeClr val="accent3">
-        <a:tint val="60000"/>
-      </a:schemeClr>
-    </dgm:fillClrLst>
-    <dgm:linClrLst meth="repeat">
-      <a:schemeClr val="accent3">
-        <a:tint val="60000"/>
-      </a:schemeClr>
-    </dgm:linClrLst>
-    <dgm:effectClrLst/>
-    <dgm:txLinClrLst/>
-    <dgm:txFillClrLst/>
-    <dgm:txEffectClrLst/>
-  </dgm:styleLbl>
-  <dgm:styleLbl name="sibTrans1D1">
-    <dgm:fillClrLst meth="repeat">
-      <a:schemeClr val="accent3"/>
-    </dgm:fillClrLst>
-    <dgm:linClrLst meth="repeat">
-      <a:schemeClr val="accent3"/>
-    </dgm:linClrLst>
-    <dgm:effectClrLst/>
-    <dgm:txLinClrLst/>
-    <dgm:txFillClrLst meth="repeat">
-      <a:schemeClr val="tx1"/>
-    </dgm:txFillClrLst>
-    <dgm:txEffectClrLst/>
-  </dgm:styleLbl>
-  <dgm:styleLbl name="callout">
-    <dgm:fillClrLst meth="repeat">
-      <a:schemeClr val="accent3"/>
-    </dgm:fillClrLst>
-    <dgm:linClrLst meth="repeat">
-      <a:schemeClr val="accent3">
-        <a:tint val="50000"/>
-      </a:schemeClr>
-    </dgm:linClrLst>
-    <dgm:effectClrLst/>
-    <dgm:txLinClrLst/>
-    <dgm:txFillClrLst meth="repeat">
-      <a:schemeClr val="tx1"/>
-    </dgm:txFillClrLst>
-    <dgm:txEffectClrLst/>
-  </dgm:styleLbl>
-  <dgm:styleLbl name="asst0">
-    <dgm:fillClrLst meth="repeat">
-      <a:schemeClr val="accent3"/>
-    </dgm:fillClrLst>
-    <dgm:linClrLst meth="repeat">
-      <a:schemeClr val="lt1"/>
-    </dgm:linClrLst>
-    <dgm:effectClrLst/>
-    <dgm:txLinClrLst/>
-    <dgm:txFillClrLst/>
-    <dgm:txEffectClrLst/>
-  </dgm:styleLbl>
-  <dgm:styleLbl name="asst1">
-    <dgm:fillClrLst meth="repeat">
-      <a:schemeClr val="accent3"/>
-    </dgm:fillClrLst>
-    <dgm:linClrLst meth="repeat">
-      <a:schemeClr val="lt1"/>
-    </dgm:linClrLst>
-    <dgm:effectClrLst/>
-    <dgm:txLinClrLst/>
-    <dgm:txFillClrLst/>
-    <dgm:txEffectClrLst/>
-  </dgm:styleLbl>
-  <dgm:styleLbl name="asst2">
-    <dgm:fillClrLst meth="repeat">
-      <a:schemeClr val="accent3"/>
-    </dgm:fillClrLst>
-    <dgm:linClrLst meth="repeat">
-      <a:schemeClr val="lt1"/>
-    </dgm:linClrLst>
-    <dgm:effectClrLst/>
-    <dgm:txLinClrLst/>
-    <dgm:txFillClrLst/>
-    <dgm:txEffectClrLst/>
-  </dgm:styleLbl>
-  <dgm:styleLbl name="asst3">
-    <dgm:fillClrLst meth="repeat">
-      <a:schemeClr val="accent3"/>
-    </dgm:fillClrLst>
-    <dgm:linClrLst meth="repeat">
-      <a:schemeClr val="lt1"/>
-    </dgm:linClrLst>
-    <dgm:effectClrLst/>
-    <dgm:txLinClrLst/>
-    <dgm:txFillClrLst/>
-    <dgm:txEffectClrLst/>
-  </dgm:styleLbl>
-  <dgm:styleLbl name="asst4">
-    <dgm:fillClrLst meth="repeat">
-      <a:schemeClr val="accent3"/>
-    </dgm:fillClrLst>
-    <dgm:linClrLst meth="repeat">
-      <a:schemeClr val="lt1"/>
-    </dgm:linClrLst>
-    <dgm:effectClrLst/>
-    <dgm:txLinClrLst/>
-    <dgm:txFillClrLst/>
-    <dgm:txEffectClrLst/>
-  </dgm:styleLbl>
-  <dgm:styleLbl name="parChTrans2D1">
-    <dgm:fillClrLst meth="repeat">
-      <a:schemeClr val="accent3">
-        <a:tint val="60000"/>
-      </a:schemeClr>
-    </dgm:fillClrLst>
-    <dgm:linClrLst meth="repeat">
-      <a:schemeClr val="accent3">
-        <a:tint val="60000"/>
-      </a:schemeClr>
-    </dgm:linClrLst>
-    <dgm:effectClrLst/>
-    <dgm:txLinClrLst/>
-    <dgm:txFillClrLst meth="repeat">
-      <a:schemeClr val="lt1"/>
-    </dgm:txFillClrLst>
-    <dgm:txEffectClrLst/>
-  </dgm:styleLbl>
-  <dgm:styleLbl name="parChTrans2D2">
-    <dgm:fillClrLst meth="repeat">
-      <a:schemeClr val="accent3"/>
-    </dgm:fillClrLst>
-    <dgm:linClrLst meth="repeat">
-      <a:schemeClr val="accent3"/>
-    </dgm:linClrLst>
-    <dgm:effectClrLst/>
-    <dgm:txLinClrLst/>
-    <dgm:txFillClrLst meth="repeat">
-      <a:schemeClr val="lt1"/>
-    </dgm:txFillClrLst>
-    <dgm:txEffectClrLst/>
-  </dgm:styleLbl>
-  <dgm:styleLbl name="parChTrans2D3">
-    <dgm:fillClrLst meth="repeat">
-      <a:schemeClr val="accent3"/>
-    </dgm:fillClrLst>
-    <dgm:linClrLst meth="repeat">
-      <a:schemeClr val="accent3"/>
-    </dgm:linClrLst>
-    <dgm:effectClrLst/>
-    <dgm:txLinClrLst/>
-    <dgm:txFillClrLst meth="repeat">
-      <a:schemeClr val="lt1"/>
-    </dgm:txFillClrLst>
-    <dgm:txEffectClrLst/>
-  </dgm:styleLbl>
-  <dgm:styleLbl name="parChTrans2D4">
-    <dgm:fillClrLst meth="repeat">
-      <a:schemeClr val="accent3"/>
-    </dgm:fillClrLst>
-    <dgm:linClrLst meth="repeat">
-      <a:schemeClr val="accent3"/>
-    </dgm:linClrLst>
-    <dgm:effectClrLst/>
-    <dgm:txLinClrLst/>
-    <dgm:txFillClrLst meth="repeat">
-      <a:schemeClr val="lt1"/>
-    </dgm:txFillClrLst>
-    <dgm:txEffectClrLst/>
-  </dgm:styleLbl>
-  <dgm:styleLbl name="parChTrans1D1">
-    <dgm:fillClrLst meth="repeat">
-      <a:schemeClr val="accent3"/>
-    </dgm:fillClrLst>
-    <dgm:linClrLst meth="repeat">
-      <a:schemeClr val="accent3">
-        <a:shade val="60000"/>
-      </a:schemeClr>
-    </dgm:linClrLst>
-    <dgm:effectClrLst/>
-    <dgm:txLinClrLst/>
-    <dgm:txFillClrLst meth="repeat">
-      <a:schemeClr val="tx1"/>
-    </dgm:txFillClrLst>
-    <dgm:txEffectClrLst/>
-  </dgm:styleLbl>
-  <dgm:styleLbl name="parChTrans1D2">
-    <dgm:fillClrLst meth="repeat">
-      <a:schemeClr val="accent3"/>
-    </dgm:fillClrLst>
-    <dgm:linClrLst meth="repeat">
-      <a:schemeClr val="accent3">
-        <a:shade val="60000"/>
-      </a:schemeClr>
-    </dgm:linClrLst>
-    <dgm:effectClrLst/>
-    <dgm:txLinClrLst/>
-    <dgm:txFillClrLst meth="repeat">
-      <a:schemeClr val="tx1"/>
-    </dgm:txFillClrLst>
-    <dgm:txEffectClrLst/>
-  </dgm:styleLbl>
-  <dgm:styleLbl name="parChTrans1D3">
-    <dgm:fillClrLst meth="repeat">
-      <a:schemeClr val="accent3"/>
-    </dgm:fillClrLst>
-    <dgm:linClrLst meth="repeat">
-      <a:schemeClr val="accent3">
-        <a:shade val="80000"/>
-      </a:schemeClr>
-    </dgm:linClrLst>
-    <dgm:effectClrLst/>
-    <dgm:txLinClrLst/>
-    <dgm:txFillClrLst meth="repeat">
-      <a:schemeClr val="tx1"/>
-    </dgm:txFillClrLst>
-    <dgm:txEffectClrLst/>
-  </dgm:styleLbl>
-  <dgm:styleLbl name="parChTrans1D4">
-    <dgm:fillClrLst meth="repeat">
-      <a:schemeClr val="accent3"/>
-    </dgm:fillClrLst>
-    <dgm:linClrLst meth="repeat">
-      <a:schemeClr val="accent3">
-        <a:shade val="80000"/>
-      </a:schemeClr>
-    </dgm:linClrLst>
-    <dgm:effectClrLst/>
-    <dgm:txLinClrLst/>
-    <dgm:txFillClrLst meth="repeat">
-      <a:schemeClr val="tx1"/>
-    </dgm:txFillClrLst>
-    <dgm:txEffectClrLst/>
-  </dgm:styleLbl>
-  <dgm:styleLbl name="fgAcc1">
-    <dgm:fillClrLst meth="repeat">
-      <a:schemeClr val="lt1">
-        <a:alpha val="90000"/>
-      </a:schemeClr>
-    </dgm:fillClrLst>
-    <dgm:linClrLst meth="repeat">
-      <a:schemeClr val="accent3"/>
-    </dgm:linClrLst>
-    <dgm:effectClrLst/>
-    <dgm:txLinClrLst/>
-    <dgm:txFillClrLst meth="repeat">
-      <a:schemeClr val="dk1"/>
-    </dgm:txFillClrLst>
-    <dgm:txEffectClrLst/>
-  </dgm:styleLbl>
-  <dgm:styleLbl name="conFgAcc1">
-    <dgm:fillClrLst meth="repeat">
-      <a:schemeClr val="lt1">
-        <a:alpha val="90000"/>
-      </a:schemeClr>
-    </dgm:fillClrLst>
-    <dgm:linClrLst meth="repeat">
-      <a:schemeClr val="accent3"/>
-    </dgm:linClrLst>
-    <dgm:effectClrLst/>
-    <dgm:txLinClrLst/>
-    <dgm:txFillClrLst meth="repeat">
-      <a:schemeClr val="dk1"/>
-    </dgm:txFillClrLst>
-    <dgm:txEffectClrLst/>
-  </dgm:styleLbl>
-  <dgm:styleLbl name="alignAcc1">
-    <dgm:fillClrLst meth="repeat">
-      <a:schemeClr val="lt1">
-        <a:alpha val="90000"/>
-      </a:schemeClr>
-    </dgm:fillClrLst>
-    <dgm:linClrLst meth="repeat">
-      <a:schemeClr val="accent3"/>
-    </dgm:linClrLst>
-    <dgm:effectClrLst/>
-    <dgm:txLinClrLst/>
-    <dgm:txFillClrLst meth="repeat">
-      <a:schemeClr val="dk1"/>
-    </dgm:txFillClrLst>
-    <dgm:txEffectClrLst/>
-  </dgm:styleLbl>
-  <dgm:styleLbl name="trAlignAcc1">
-    <dgm:fillClrLst meth="repeat">
-      <a:schemeClr val="lt1">
-        <a:alpha val="40000"/>
-      </a:schemeClr>
-    </dgm:fillClrLst>
-    <dgm:linClrLst meth="repeat">
-      <a:schemeClr val="accent3"/>
-    </dgm:linClrLst>
-    <dgm:effectClrLst/>
-    <dgm:txLinClrLst/>
-    <dgm:txFillClrLst meth="repeat">
-      <a:schemeClr val="dk1"/>
-    </dgm:txFillClrLst>
-    <dgm:txEffectClrLst/>
-  </dgm:styleLbl>
-  <dgm:styleLbl name="bgAcc1">
-    <dgm:fillClrLst meth="repeat">
-      <a:schemeClr val="lt1">
-        <a:alpha val="90000"/>
-      </a:schemeClr>
-    </dgm:fillClrLst>
-    <dgm:linClrLst meth="repeat">
-      <a:schemeClr val="accent3"/>
-    </dgm:linClrLst>
-    <dgm:effectClrLst/>
-    <dgm:txLinClrLst/>
-    <dgm:txFillClrLst meth="repeat">
-      <a:schemeClr val="dk1"/>
-    </dgm:txFillClrLst>
-    <dgm:txEffectClrLst/>
-  </dgm:styleLbl>
-  <dgm:styleLbl name="solidFgAcc1">
-    <dgm:fillClrLst meth="repeat">
-      <a:schemeClr val="lt1"/>
-    </dgm:fillClrLst>
-    <dgm:linClrLst meth="repeat">
-      <a:schemeClr val="accent3"/>
-    </dgm:linClrLst>
-    <dgm:effectClrLst/>
-    <dgm:txLinClrLst/>
-    <dgm:txFillClrLst meth="repeat">
-      <a:schemeClr val="dk1"/>
-    </dgm:txFillClrLst>
-    <dgm:txEffectClrLst/>
-  </dgm:styleLbl>
-  <dgm:styleLbl name="solidAlignAcc1">
-    <dgm:fillClrLst meth="repeat">
-      <a:schemeClr val="lt1"/>
-    </dgm:fillClrLst>
-    <dgm:linClrLst meth="repeat">
-      <a:schemeClr val="accent3"/>
-    </dgm:linClrLst>
-    <dgm:effectClrLst/>
-    <dgm:txLinClrLst/>
-    <dgm:txFillClrLst meth="repeat">
-      <a:schemeClr val="dk1"/>
-    </dgm:txFillClrLst>
-    <dgm:txEffectClrLst/>
-  </dgm:styleLbl>
-  <dgm:styleLbl name="solidBgAcc1">
-    <dgm:fillClrLst meth="repeat">
-      <a:schemeClr val="lt1"/>
-    </dgm:fillClrLst>
-    <dgm:linClrLst meth="repeat">
-      <a:schemeClr val="accent3"/>
-    </dgm:linClrLst>
-    <dgm:effectClrLst/>
-    <dgm:txLinClrLst/>
-    <dgm:txFillClrLst meth="repeat">
-      <a:schemeClr val="dk1"/>
-    </dgm:txFillClrLst>
-    <dgm:txEffectClrLst/>
-  </dgm:styleLbl>
-  <dgm:styleLbl name="fgAccFollowNode1">
-    <dgm:fillClrLst meth="repeat">
-      <a:schemeClr val="accent3">
-        <a:alpha val="90000"/>
-        <a:tint val="40000"/>
-      </a:schemeClr>
-    </dgm:fillClrLst>
-    <dgm:linClrLst meth="repeat">
-      <a:schemeClr val="accent3">
-        <a:alpha val="90000"/>
-        <a:tint val="40000"/>
-      </a:schemeClr>
-    </dgm:linClrLst>
-    <dgm:effectClrLst/>
-    <dgm:txLinClrLst/>
-    <dgm:txFillClrLst meth="repeat">
-      <a:schemeClr val="dk1"/>
-    </dgm:txFillClrLst>
-    <dgm:txEffectClrLst/>
-  </dgm:styleLbl>
-  <dgm:styleLbl name="alignAccFollowNode1">
-    <dgm:fillClrLst meth="repeat">
-      <a:schemeClr val="accent3">
-        <a:alpha val="90000"/>
-        <a:tint val="40000"/>
-      </a:schemeClr>
-    </dgm:fillClrLst>
-    <dgm:linClrLst meth="repeat">
-      <a:schemeClr val="accent3">
-        <a:alpha val="90000"/>
-        <a:tint val="40000"/>
-      </a:schemeClr>
-    </dgm:linClrLst>
-    <dgm:effectClrLst/>
-    <dgm:txLinClrLst/>
-    <dgm:txFillClrLst meth="repeat">
-      <a:schemeClr val="dk1"/>
-    </dgm:txFillClrLst>
-    <dgm:txEffectClrLst/>
-  </dgm:styleLbl>
-  <dgm:styleLbl name="bgAccFollowNode1">
-    <dgm:fillClrLst meth="repeat">
-      <a:schemeClr val="accent3">
-        <a:alpha val="90000"/>
-        <a:tint val="40000"/>
-      </a:schemeClr>
-    </dgm:fillClrLst>
-    <dgm:linClrLst meth="repeat">
-      <a:schemeClr val="accent3">
-        <a:alpha val="90000"/>
-        <a:tint val="40000"/>
-      </a:schemeClr>
-    </dgm:linClrLst>
-    <dgm:effectClrLst/>
-    <dgm:txLinClrLst/>
-    <dgm:txFillClrLst meth="repeat">
-      <a:schemeClr val="dk1"/>
-    </dgm:txFillClrLst>
-    <dgm:txEffectClrLst/>
-  </dgm:styleLbl>
-  <dgm:styleLbl name="fgAcc0">
-    <dgm:fillClrLst meth="repeat">
-      <a:schemeClr val="lt1">
-        <a:alpha val="90000"/>
-      </a:schemeClr>
-    </dgm:fillClrLst>
-    <dgm:linClrLst meth="repeat">
-      <a:schemeClr val="accent3"/>
-    </dgm:linClrLst>
-    <dgm:effectClrLst/>
-    <dgm:txLinClrLst/>
-    <dgm:txFillClrLst meth="repeat">
-      <a:schemeClr val="dk1"/>
-    </dgm:txFillClrLst>
-    <dgm:txEffectClrLst/>
-  </dgm:styleLbl>
-  <dgm:styleLbl name="fgAcc2">
-    <dgm:fillClrLst meth="repeat">
-      <a:schemeClr val="lt1">
-        <a:alpha val="90000"/>
-      </a:schemeClr>
-    </dgm:fillClrLst>
-    <dgm:linClrLst meth="repeat">
-      <a:schemeClr val="accent3"/>
-    </dgm:linClrLst>
-    <dgm:effectClrLst/>
-    <dgm:txLinClrLst/>
-    <dgm:txFillClrLst meth="repeat">
-      <a:schemeClr val="dk1"/>
-    </dgm:txFillClrLst>
-    <dgm:txEffectClrLst/>
-  </dgm:styleLbl>
-  <dgm:styleLbl name="fgAcc3">
-    <dgm:fillClrLst meth="repeat">
-      <a:schemeClr val="lt1">
-        <a:alpha val="90000"/>
-      </a:schemeClr>
-    </dgm:fillClrLst>
-    <dgm:linClrLst meth="repeat">
-      <a:schemeClr val="accent3"/>
-    </dgm:linClrLst>
-    <dgm:effectClrLst/>
-    <dgm:txLinClrLst/>
-    <dgm:txFillClrLst meth="repeat">
-      <a:schemeClr val="dk1"/>
-    </dgm:txFillClrLst>
-    <dgm:txEffectClrLst/>
-  </dgm:styleLbl>
-  <dgm:styleLbl name="fgAcc4">
-    <dgm:fillClrLst meth="repeat">
-      <a:schemeClr val="lt1">
-        <a:alpha val="90000"/>
-      </a:schemeClr>
-    </dgm:fillClrLst>
-    <dgm:linClrLst meth="repeat">
-      <a:schemeClr val="accent3"/>
-    </dgm:linClrLst>
-    <dgm:effectClrLst/>
-    <dgm:txLinClrLst/>
-    <dgm:txFillClrLst meth="repeat">
-      <a:schemeClr val="dk1"/>
-    </dgm:txFillClrLst>
-    <dgm:txEffectClrLst/>
-  </dgm:styleLbl>
-  <dgm:styleLbl name="bgShp">
-    <dgm:fillClrLst meth="repeat">
-      <a:schemeClr val="accent3"/>
-    </dgm:fillClrLst>
-    <dgm:linClrLst meth="repeat">
-      <a:schemeClr val="lt1">
-        <a:alpha val="0"/>
-      </a:schemeClr>
-    </dgm:linClrLst>
-    <dgm:effectClrLst/>
-    <dgm:txLinClrLst/>
-    <dgm:txFillClrLst/>
-    <dgm:txEffectClrLst/>
-  </dgm:styleLbl>
-  <dgm:styleLbl name="dkBgShp">
-    <dgm:fillClrLst meth="repeat">
-      <a:schemeClr val="accent3">
-        <a:shade val="80000"/>
-      </a:schemeClr>
-    </dgm:fillClrLst>
-    <dgm:linClrLst meth="repeat">
-      <a:schemeClr val="accent3"/>
-    </dgm:linClrLst>
-    <dgm:effectClrLst/>
-    <dgm:txLinClrLst/>
-    <dgm:txFillClrLst meth="repeat">
-      <a:schemeClr val="lt1"/>
-    </dgm:txFillClrLst>
-    <dgm:txEffectClrLst/>
-  </dgm:styleLbl>
-  <dgm:styleLbl name="trBgShp">
-    <dgm:fillClrLst meth="repeat">
-      <a:schemeClr val="accent3">
-        <a:tint val="50000"/>
-        <a:alpha val="40000"/>
-      </a:schemeClr>
-    </dgm:fillClrLst>
-    <dgm:linClrLst meth="repeat">
-      <a:schemeClr val="accent3"/>
-    </dgm:linClrLst>
-    <dgm:effectClrLst/>
-    <dgm:txLinClrLst/>
-    <dgm:txFillClrLst meth="repeat">
-      <a:schemeClr val="lt1"/>
-    </dgm:txFillClrLst>
-    <dgm:txEffectClrLst/>
-  </dgm:styleLbl>
-  <dgm:styleLbl name="fgShp">
-    <dgm:fillClrLst meth="repeat">
-      <a:schemeClr val="accent3">
-        <a:tint val="60000"/>
-      </a:schemeClr>
-    </dgm:fillClrLst>
-    <dgm:linClrLst meth="repeat">
-      <a:schemeClr val="lt1"/>
-    </dgm:linClrLst>
-    <dgm:effectClrLst/>
-    <dgm:txLinClrLst/>
-    <dgm:txFillClrLst meth="repeat">
-      <a:schemeClr val="dk1"/>
-    </dgm:txFillClrLst>
-    <dgm:txEffectClrLst/>
-  </dgm:styleLbl>
-  <dgm:styleLbl name="revTx">
-    <dgm:fillClrLst meth="repeat">
-      <a:schemeClr val="lt1">
-        <a:alpha val="0"/>
-      </a:schemeClr>
-    </dgm:fillClrLst>
-    <dgm:linClrLst meth="repeat">
-      <a:schemeClr val="dk1">
-        <a:alpha val="0"/>
-      </a:schemeClr>
-    </dgm:linClrLst>
-    <dgm:effectClrLst/>
-    <dgm:txLinClrLst/>
-    <dgm:txFillClrLst meth="repeat">
-      <a:schemeClr val="tx1"/>
-    </dgm:txFillClrLst>
-    <dgm:txEffectClrLst/>
-  </dgm:styleLbl>
-</dgm:colorsDef>
-</file>
-
-<file path=ppt/diagrams/colors2.xml><?xml version="1.0" encoding="utf-8"?>
-<dgm:colorsDef xmlns:dgm="http://schemas.openxmlformats.org/drawingml/2006/diagram" xmlns:a="http://schemas.openxmlformats.org/drawingml/2006/main" uniqueId="urn:microsoft.com/office/officeart/2005/8/colors/accent1_2">
-  <dgm:title val=""/>
-  <dgm:desc val=""/>
-  <dgm:catLst>
-    <dgm:cat type="accent1" pri="11200"/>
-  </dgm:catLst>
-  <dgm:styleLbl name="node0">
-    <dgm:fillClrLst meth="repeat">
-      <a:schemeClr val="accent1"/>
-    </dgm:fillClrLst>
-    <dgm:linClrLst meth="repeat">
-      <a:schemeClr val="lt1"/>
-    </dgm:linClrLst>
-    <dgm:effectClrLst/>
-    <dgm:txLinClrLst/>
-    <dgm:txFillClrLst/>
-    <dgm:txEffectClrLst/>
-  </dgm:styleLbl>
-  <dgm:styleLbl name="alignNode1">
-    <dgm:fillClrLst meth="repeat">
-      <a:schemeClr val="accent1"/>
-    </dgm:fillClrLst>
-    <dgm:linClrLst meth="repeat">
-      <a:schemeClr val="accent1"/>
-    </dgm:linClrLst>
-    <dgm:effectClrLst/>
-    <dgm:txLinClrLst/>
-    <dgm:txFillClrLst/>
-    <dgm:txEffectClrLst/>
-  </dgm:styleLbl>
-  <dgm:styleLbl name="node1">
-    <dgm:fillClrLst meth="repeat">
-      <a:schemeClr val="accent1"/>
-    </dgm:fillClrLst>
-    <dgm:linClrLst meth="repeat">
-      <a:schemeClr val="lt1"/>
-    </dgm:linClrLst>
-    <dgm:effectClrLst/>
-    <dgm:txLinClrLst/>
-    <dgm:txFillClrLst/>
-    <dgm:txEffectClrLst/>
-  </dgm:styleLbl>
-  <dgm:styleLbl name="lnNode1">
-    <dgm:fillClrLst meth="repeat">
-      <a:schemeClr val="accent1"/>
-    </dgm:fillClrLst>
-    <dgm:linClrLst meth="repeat">
-      <a:schemeClr val="lt1"/>
-    </dgm:linClrLst>
-    <dgm:effectClrLst/>
-    <dgm:txLinClrLst/>
-    <dgm:txFillClrLst/>
-    <dgm:txEffectClrLst/>
-  </dgm:styleLbl>
-  <dgm:styleLbl name="vennNode1">
-    <dgm:fillClrLst meth="repeat">
-      <a:schemeClr val="accent1">
-        <a:alpha val="50000"/>
-      </a:schemeClr>
-    </dgm:fillClrLst>
-    <dgm:linClrLst meth="repeat">
-      <a:schemeClr val="lt1"/>
-    </dgm:linClrLst>
-    <dgm:effectClrLst/>
-    <dgm:txLinClrLst/>
-    <dgm:txFillClrLst/>
-    <dgm:txEffectClrLst/>
-  </dgm:styleLbl>
-  <dgm:styleLbl name="node2">
-    <dgm:fillClrLst meth="repeat">
-      <a:schemeClr val="accent1"/>
-    </dgm:fillClrLst>
-    <dgm:linClrLst meth="repeat">
-      <a:schemeClr val="lt1"/>
-    </dgm:linClrLst>
-    <dgm:effectClrLst/>
-    <dgm:txLinClrLst/>
-    <dgm:txFillClrLst/>
-    <dgm:txEffectClrLst/>
-  </dgm:styleLbl>
-  <dgm:styleLbl name="node3">
-    <dgm:fillClrLst meth="repeat">
-      <a:schemeClr val="accent1"/>
-    </dgm:fillClrLst>
-    <dgm:linClrLst meth="repeat">
-      <a:schemeClr val="lt1"/>
-    </dgm:linClrLst>
-    <dgm:effectClrLst/>
-    <dgm:txLinClrLst/>
-    <dgm:txFillClrLst/>
-    <dgm:txEffectClrLst/>
-  </dgm:styleLbl>
-  <dgm:styleLbl name="node4">
-    <dgm:fillClrLst meth="repeat">
-      <a:schemeClr val="accent1"/>
-    </dgm:fillClrLst>
-    <dgm:linClrLst meth="repeat">
-      <a:schemeClr val="lt1"/>
-    </dgm:linClrLst>
-    <dgm:effectClrLst/>
-    <dgm:txLinClrLst/>
-    <dgm:txFillClrLst/>
-    <dgm:txEffectClrLst/>
-  </dgm:styleLbl>
-  <dgm:styleLbl name="fgImgPlace1">
-    <dgm:fillClrLst meth="repeat">
-      <a:schemeClr val="accent1">
-        <a:tint val="50000"/>
-      </a:schemeClr>
-    </dgm:fillClrLst>
-    <dgm:linClrLst meth="repeat">
-      <a:schemeClr val="lt1"/>
-    </dgm:linClrLst>
-    <dgm:effectClrLst/>
-    <dgm:txLinClrLst/>
-    <dgm:txFillClrLst meth="repeat">
-      <a:schemeClr val="lt1"/>
-    </dgm:txFillClrLst>
-    <dgm:txEffectClrLst/>
-  </dgm:styleLbl>
-  <dgm:styleLbl name="alignImgPlace1">
-    <dgm:fillClrLst meth="repeat">
-      <a:schemeClr val="accent1">
-        <a:tint val="50000"/>
-      </a:schemeClr>
-    </dgm:fillClrLst>
-    <dgm:linClrLst meth="repeat">
-      <a:schemeClr val="lt1"/>
-    </dgm:linClrLst>
-    <dgm:effectClrLst/>
-    <dgm:txLinClrLst/>
-    <dgm:txFillClrLst meth="repeat">
-      <a:schemeClr val="lt1"/>
-    </dgm:txFillClrLst>
-    <dgm:txEffectClrLst/>
-  </dgm:styleLbl>
-  <dgm:styleLbl name="bgImgPlace1">
-    <dgm:fillClrLst meth="repeat">
-      <a:schemeClr val="accent1">
-        <a:tint val="50000"/>
-      </a:schemeClr>
-    </dgm:fillClrLst>
-    <dgm:linClrLst meth="repeat">
-      <a:schemeClr val="lt1"/>
-    </dgm:linClrLst>
-    <dgm:effectClrLst/>
-    <dgm:txLinClrLst/>
-    <dgm:txFillClrLst meth="repeat">
-      <a:schemeClr val="lt1"/>
-    </dgm:txFillClrLst>
-    <dgm:txEffectClrLst/>
-  </dgm:styleLbl>
-  <dgm:styleLbl name="sibTrans2D1">
-    <dgm:fillClrLst meth="repeat">
-      <a:schemeClr val="accent1">
-        <a:tint val="60000"/>
-      </a:schemeClr>
-    </dgm:fillClrLst>
-    <dgm:linClrLst meth="repeat">
-      <a:schemeClr val="accent1">
-        <a:tint val="60000"/>
-      </a:schemeClr>
-    </dgm:linClrLst>
-    <dgm:effectClrLst/>
-    <dgm:txLinClrLst/>
-    <dgm:txFillClrLst/>
-    <dgm:txEffectClrLst/>
-  </dgm:styleLbl>
-  <dgm:styleLbl name="fgSibTrans2D1">
-    <dgm:fillClrLst meth="repeat">
-      <a:schemeClr val="accent1">
-        <a:tint val="60000"/>
-      </a:schemeClr>
-    </dgm:fillClrLst>
-    <dgm:linClrLst meth="repeat">
-      <a:schemeClr val="accent1">
-        <a:tint val="60000"/>
-      </a:schemeClr>
-    </dgm:linClrLst>
-    <dgm:effectClrLst/>
-    <dgm:txLinClrLst/>
-    <dgm:txFillClrLst/>
-    <dgm:txEffectClrLst/>
-  </dgm:styleLbl>
-  <dgm:styleLbl name="bgSibTrans2D1">
-    <dgm:fillClrLst meth="repeat">
-      <a:schemeClr val="accent1">
-        <a:tint val="60000"/>
-      </a:schemeClr>
-    </dgm:fillClrLst>
-    <dgm:linClrLst meth="repeat">
-      <a:schemeClr val="accent1">
-        <a:tint val="60000"/>
-      </a:schemeClr>
-    </dgm:linClrLst>
-    <dgm:effectClrLst/>
-    <dgm:txLinClrLst/>
-    <dgm:txFillClrLst/>
-    <dgm:txEffectClrLst/>
-  </dgm:styleLbl>
-  <dgm:styleLbl name="sibTrans1D1">
-    <dgm:fillClrLst meth="repeat">
-      <a:schemeClr val="accent1"/>
-    </dgm:fillClrLst>
-    <dgm:linClrLst meth="repeat">
-      <a:schemeClr val="accent1"/>
-    </dgm:linClrLst>
-    <dgm:effectClrLst/>
-    <dgm:txLinClrLst/>
-    <dgm:txFillClrLst meth="repeat">
-      <a:schemeClr val="tx1"/>
-    </dgm:txFillClrLst>
-    <dgm:txEffectClrLst/>
-  </dgm:styleLbl>
-  <dgm:styleLbl name="callout">
-    <dgm:fillClrLst meth="repeat">
-      <a:schemeClr val="accent1"/>
-    </dgm:fillClrLst>
-    <dgm:linClrLst meth="repeat">
-      <a:schemeClr val="accent1">
-        <a:tint val="50000"/>
-      </a:schemeClr>
-    </dgm:linClrLst>
-    <dgm:effectClrLst/>
-    <dgm:txLinClrLst/>
-    <dgm:txFillClrLst meth="repeat">
-      <a:schemeClr val="tx1"/>
-    </dgm:txFillClrLst>
-    <dgm:txEffectClrLst/>
-  </dgm:styleLbl>
-  <dgm:styleLbl name="asst0">
-    <dgm:fillClrLst meth="repeat">
-      <a:schemeClr val="accent1"/>
-    </dgm:fillClrLst>
-    <dgm:linClrLst meth="repeat">
-      <a:schemeClr val="lt1"/>
-    </dgm:linClrLst>
-    <dgm:effectClrLst/>
-    <dgm:txLinClrLst/>
-    <dgm:txFillClrLst/>
-    <dgm:txEffectClrLst/>
-  </dgm:styleLbl>
-  <dgm:styleLbl name="asst1">
-    <dgm:fillClrLst meth="repeat">
-      <a:schemeClr val="accent1"/>
-    </dgm:fillClrLst>
-    <dgm:linClrLst meth="repeat">
-      <a:schemeClr val="lt1"/>
-    </dgm:linClrLst>
-    <dgm:effectClrLst/>
-    <dgm:txLinClrLst/>
-    <dgm:txFillClrLst/>
-    <dgm:txEffectClrLst/>
-  </dgm:styleLbl>
-  <dgm:styleLbl name="asst2">
-    <dgm:fillClrLst meth="repeat">
-      <a:schemeClr val="accent1"/>
-    </dgm:fillClrLst>
-    <dgm:linClrLst meth="repeat">
-      <a:schemeClr val="lt1"/>
-    </dgm:linClrLst>
-    <dgm:effectClrLst/>
-    <dgm:txLinClrLst/>
-    <dgm:txFillClrLst/>
-    <dgm:txEffectClrLst/>
-  </dgm:styleLbl>
-  <dgm:styleLbl name="asst3">
-    <dgm:fillClrLst meth="repeat">
-      <a:schemeClr val="accent1"/>
-    </dgm:fillClrLst>
-    <dgm:linClrLst meth="repeat">
-      <a:schemeClr val="lt1"/>
-    </dgm:linClrLst>
-    <dgm:effectClrLst/>
-    <dgm:txLinClrLst/>
-    <dgm:txFillClrLst/>
-    <dgm:txEffectClrLst/>
-  </dgm:styleLbl>
-  <dgm:styleLbl name="asst4">
-    <dgm:fillClrLst meth="repeat">
-      <a:schemeClr val="accent1"/>
-    </dgm:fillClrLst>
-    <dgm:linClrLst meth="repeat">
-      <a:schemeClr val="lt1"/>
-    </dgm:linClrLst>
-    <dgm:effectClrLst/>
-    <dgm:txLinClrLst/>
-    <dgm:txFillClrLst/>
-    <dgm:txEffectClrLst/>
-  </dgm:styleLbl>
-  <dgm:styleLbl name="parChTrans2D1">
-    <dgm:fillClrLst meth="repeat">
-      <a:schemeClr val="accent1">
-        <a:tint val="60000"/>
-      </a:schemeClr>
-    </dgm:fillClrLst>
-    <dgm:linClrLst meth="repeat">
-      <a:schemeClr val="accent1">
-        <a:tint val="60000"/>
-      </a:schemeClr>
-    </dgm:linClrLst>
-    <dgm:effectClrLst/>
-    <dgm:txLinClrLst/>
-    <dgm:txFillClrLst meth="repeat">
-      <a:schemeClr val="lt1"/>
-    </dgm:txFillClrLst>
-    <dgm:txEffectClrLst/>
-  </dgm:styleLbl>
-  <dgm:styleLbl name="parChTrans2D2">
-    <dgm:fillClrLst meth="repeat">
-      <a:schemeClr val="accent1"/>
-    </dgm:fillClrLst>
-    <dgm:linClrLst meth="repeat">
-      <a:schemeClr val="accent1"/>
-    </dgm:linClrLst>
-    <dgm:effectClrLst/>
-    <dgm:txLinClrLst/>
-    <dgm:txFillClrLst meth="repeat">
-      <a:schemeClr val="lt1"/>
-    </dgm:txFillClrLst>
-    <dgm:txEffectClrLst/>
-  </dgm:styleLbl>
-  <dgm:styleLbl name="parChTrans2D3">
-    <dgm:fillClrLst meth="repeat">
-      <a:schemeClr val="accent1"/>
-    </dgm:fillClrLst>
-    <dgm:linClrLst meth="repeat">
-      <a:schemeClr val="accent1"/>
-    </dgm:linClrLst>
-    <dgm:effectClrLst/>
-    <dgm:txLinClrLst/>
-    <dgm:txFillClrLst meth="repeat">
-      <a:schemeClr val="lt1"/>
-    </dgm:txFillClrLst>
-    <dgm:txEffectClrLst/>
-  </dgm:styleLbl>
-  <dgm:styleLbl name="parChTrans2D4">
-    <dgm:fillClrLst meth="repeat">
-      <a:schemeClr val="accent1"/>
-    </dgm:fillClrLst>
-    <dgm:linClrLst meth="repeat">
-      <a:schemeClr val="accent1"/>
-    </dgm:linClrLst>
-    <dgm:effectClrLst/>
-    <dgm:txLinClrLst/>
-    <dgm:txFillClrLst meth="repeat">
-      <a:schemeClr val="lt1"/>
-    </dgm:txFillClrLst>
-    <dgm:txEffectClrLst/>
-  </dgm:styleLbl>
-  <dgm:styleLbl name="parChTrans1D1">
-    <dgm:fillClrLst meth="repeat">
-      <a:schemeClr val="accent1"/>
-    </dgm:fillClrLst>
-    <dgm:linClrLst meth="repeat">
-      <a:schemeClr val="accent1">
-        <a:shade val="60000"/>
-      </a:schemeClr>
-    </dgm:linClrLst>
-    <dgm:effectClrLst/>
-    <dgm:txLinClrLst/>
-    <dgm:txFillClrLst meth="repeat">
-      <a:schemeClr val="tx1"/>
-    </dgm:txFillClrLst>
-    <dgm:txEffectClrLst/>
-  </dgm:styleLbl>
-  <dgm:styleLbl name="parChTrans1D2">
-    <dgm:fillClrLst meth="repeat">
-      <a:schemeClr val="accent1"/>
-    </dgm:fillClrLst>
-    <dgm:linClrLst meth="repeat">
-      <a:schemeClr val="accent1">
-        <a:shade val="60000"/>
-      </a:schemeClr>
-    </dgm:linClrLst>
-    <dgm:effectClrLst/>
-    <dgm:txLinClrLst/>
-    <dgm:txFillClrLst meth="repeat">
-      <a:schemeClr val="tx1"/>
-    </dgm:txFillClrLst>
-    <dgm:txEffectClrLst/>
-  </dgm:styleLbl>
-  <dgm:styleLbl name="parChTrans1D3">
-    <dgm:fillClrLst meth="repeat">
-      <a:schemeClr val="accent1"/>
-    </dgm:fillClrLst>
-    <dgm:linClrLst meth="repeat">
-      <a:schemeClr val="accent1">
-        <a:shade val="80000"/>
-      </a:schemeClr>
-    </dgm:linClrLst>
-    <dgm:effectClrLst/>
-    <dgm:txLinClrLst/>
-    <dgm:txFillClrLst meth="repeat">
-      <a:schemeClr val="tx1"/>
-    </dgm:txFillClrLst>
-    <dgm:txEffectClrLst/>
-  </dgm:styleLbl>
-  <dgm:styleLbl name="parChTrans1D4">
-    <dgm:fillClrLst meth="repeat">
-      <a:schemeClr val="accent1"/>
-    </dgm:fillClrLst>
-    <dgm:linClrLst meth="repeat">
-      <a:schemeClr val="accent1">
-        <a:shade val="80000"/>
-      </a:schemeClr>
-    </dgm:linClrLst>
-    <dgm:effectClrLst/>
-    <dgm:txLinClrLst/>
-    <dgm:txFillClrLst meth="repeat">
-      <a:schemeClr val="tx1"/>
-    </dgm:txFillClrLst>
-    <dgm:txEffectClrLst/>
-  </dgm:styleLbl>
-  <dgm:styleLbl name="fgAcc1">
-    <dgm:fillClrLst meth="repeat">
-      <a:schemeClr val="lt1">
-        <a:alpha val="90000"/>
-      </a:schemeClr>
-    </dgm:fillClrLst>
-    <dgm:linClrLst meth="repeat">
-      <a:schemeClr val="accent1"/>
-    </dgm:linClrLst>
-    <dgm:effectClrLst/>
-    <dgm:txLinClrLst/>
-    <dgm:txFillClrLst meth="repeat">
-      <a:schemeClr val="dk1"/>
-    </dgm:txFillClrLst>
-    <dgm:txEffectClrLst/>
-  </dgm:styleLbl>
-  <dgm:styleLbl name="conFgAcc1">
-    <dgm:fillClrLst meth="repeat">
-      <a:schemeClr val="lt1">
-        <a:alpha val="90000"/>
-      </a:schemeClr>
-    </dgm:fillClrLst>
-    <dgm:linClrLst meth="repeat">
-      <a:schemeClr val="accent1"/>
-    </dgm:linClrLst>
-    <dgm:effectClrLst/>
-    <dgm:txLinClrLst/>
-    <dgm:txFillClrLst meth="repeat">
-      <a:schemeClr val="dk1"/>
-    </dgm:txFillClrLst>
-    <dgm:txEffectClrLst/>
-  </dgm:styleLbl>
-  <dgm:styleLbl name="alignAcc1">
-    <dgm:fillClrLst meth="repeat">
-      <a:schemeClr val="lt1">
-        <a:alpha val="90000"/>
-      </a:schemeClr>
-    </dgm:fillClrLst>
-    <dgm:linClrLst meth="repeat">
-      <a:schemeClr val="accent1"/>
-    </dgm:linClrLst>
-    <dgm:effectClrLst/>
-    <dgm:txLinClrLst/>
-    <dgm:txFillClrLst meth="repeat">
-      <a:schemeClr val="dk1"/>
-    </dgm:txFillClrLst>
-    <dgm:txEffectClrLst/>
-  </dgm:styleLbl>
-  <dgm:styleLbl name="trAlignAcc1">
-    <dgm:fillClrLst meth="repeat">
-      <a:schemeClr val="lt1">
-        <a:alpha val="40000"/>
-      </a:schemeClr>
-    </dgm:fillClrLst>
-    <dgm:linClrLst meth="repeat">
-      <a:schemeClr val="accent1"/>
-    </dgm:linClrLst>
-    <dgm:effectClrLst/>
-    <dgm:txLinClrLst/>
-    <dgm:txFillClrLst meth="repeat">
-      <a:schemeClr val="dk1"/>
-    </dgm:txFillClrLst>
-    <dgm:txEffectClrLst/>
-  </dgm:styleLbl>
-  <dgm:styleLbl name="bgAcc1">
-    <dgm:fillClrLst meth="repeat">
-      <a:schemeClr val="lt1">
-        <a:alpha val="90000"/>
-      </a:schemeClr>
-    </dgm:fillClrLst>
-    <dgm:linClrLst meth="repeat">
-      <a:schemeClr val="accent1"/>
-    </dgm:linClrLst>
-    <dgm:effectClrLst/>
-    <dgm:txLinClrLst/>
-    <dgm:txFillClrLst meth="repeat">
-      <a:schemeClr val="dk1"/>
-    </dgm:txFillClrLst>
-    <dgm:txEffectClrLst/>
-  </dgm:styleLbl>
-  <dgm:styleLbl name="solidFgAcc1">
-    <dgm:fillClrLst meth="repeat">
-      <a:schemeClr val="lt1"/>
-    </dgm:fillClrLst>
-    <dgm:linClrLst meth="repeat">
-      <a:schemeClr val="accent1"/>
-    </dgm:linClrLst>
-    <dgm:effectClrLst/>
-    <dgm:txLinClrLst/>
-    <dgm:txFillClrLst meth="repeat">
-      <a:schemeClr val="dk1"/>
-    </dgm:txFillClrLst>
-    <dgm:txEffectClrLst/>
-  </dgm:styleLbl>
-  <dgm:styleLbl name="solidAlignAcc1">
-    <dgm:fillClrLst meth="repeat">
-      <a:schemeClr val="lt1"/>
-    </dgm:fillClrLst>
-    <dgm:linClrLst meth="repeat">
-      <a:schemeClr val="accent1"/>
-    </dgm:linClrLst>
-    <dgm:effectClrLst/>
-    <dgm:txLinClrLst/>
-    <dgm:txFillClrLst meth="repeat">
-      <a:schemeClr val="dk1"/>
-    </dgm:txFillClrLst>
-    <dgm:txEffectClrLst/>
-  </dgm:styleLbl>
-  <dgm:styleLbl name="solidBgAcc1">
-    <dgm:fillClrLst meth="repeat">
-      <a:schemeClr val="lt1"/>
-    </dgm:fillClrLst>
-    <dgm:linClrLst meth="repeat">
-      <a:schemeClr val="accent1"/>
-    </dgm:linClrLst>
-    <dgm:effectClrLst/>
-    <dgm:txLinClrLst/>
-    <dgm:txFillClrLst meth="repeat">
-      <a:schemeClr val="dk1"/>
-    </dgm:txFillClrLst>
-    <dgm:txEffectClrLst/>
-  </dgm:styleLbl>
-  <dgm:styleLbl name="fgAccFollowNode1">
-    <dgm:fillClrLst meth="repeat">
-      <a:schemeClr val="accent1">
-        <a:alpha val="90000"/>
-        <a:tint val="40000"/>
-      </a:schemeClr>
-    </dgm:fillClrLst>
-    <dgm:linClrLst meth="repeat">
-      <a:schemeClr val="accent1">
-        <a:alpha val="90000"/>
-        <a:tint val="40000"/>
-      </a:schemeClr>
-    </dgm:linClrLst>
-    <dgm:effectClrLst/>
-    <dgm:txLinClrLst/>
-    <dgm:txFillClrLst meth="repeat">
-      <a:schemeClr val="dk1"/>
-    </dgm:txFillClrLst>
-    <dgm:txEffectClrLst/>
-  </dgm:styleLbl>
-  <dgm:styleLbl name="alignAccFollowNode1">
-    <dgm:fillClrLst meth="repeat">
-      <a:schemeClr val="accent1">
-        <a:alpha val="90000"/>
-        <a:tint val="40000"/>
-      </a:schemeClr>
-    </dgm:fillClrLst>
-    <dgm:linClrLst meth="repeat">
-      <a:schemeClr val="accent1">
-        <a:alpha val="90000"/>
-        <a:tint val="40000"/>
-      </a:schemeClr>
-    </dgm:linClrLst>
-    <dgm:effectClrLst/>
-    <dgm:txLinClrLst/>
-    <dgm:txFillClrLst meth="repeat">
-      <a:schemeClr val="dk1"/>
-    </dgm:txFillClrLst>
-    <dgm:txEffectClrLst/>
-  </dgm:styleLbl>
-  <dgm:styleLbl name="bgAccFollowNode1">
-    <dgm:fillClrLst meth="repeat">
-      <a:schemeClr val="accent1">
-        <a:alpha val="90000"/>
-        <a:tint val="40000"/>
-      </a:schemeClr>
-    </dgm:fillClrLst>
-    <dgm:linClrLst meth="repeat">
-      <a:schemeClr val="accent1">
-        <a:alpha val="90000"/>
-        <a:tint val="40000"/>
-      </a:schemeClr>
-    </dgm:linClrLst>
-    <dgm:effectClrLst/>
-    <dgm:txLinClrLst/>
-    <dgm:txFillClrLst meth="repeat">
-      <a:schemeClr val="dk1"/>
-    </dgm:txFillClrLst>
-    <dgm:txEffectClrLst/>
-  </dgm:styleLbl>
-  <dgm:styleLbl name="fgAcc0">
-    <dgm:fillClrLst meth="repeat">
-      <a:schemeClr val="lt1">
-        <a:alpha val="90000"/>
-      </a:schemeClr>
-    </dgm:fillClrLst>
-    <dgm:linClrLst meth="repeat">
-      <a:schemeClr val="accent1"/>
-    </dgm:linClrLst>
-    <dgm:effectClrLst/>
-    <dgm:txLinClrLst/>
-    <dgm:txFillClrLst meth="repeat">
-      <a:schemeClr val="dk1"/>
-    </dgm:txFillClrLst>
-    <dgm:txEffectClrLst/>
-  </dgm:styleLbl>
-  <dgm:styleLbl name="fgAcc2">
-    <dgm:fillClrLst meth="repeat">
-      <a:schemeClr val="lt1">
-        <a:alpha val="90000"/>
-      </a:schemeClr>
-    </dgm:fillClrLst>
-    <dgm:linClrLst meth="repeat">
-      <a:schemeClr val="accent1"/>
-    </dgm:linClrLst>
-    <dgm:effectClrLst/>
-    <dgm:txLinClrLst/>
-    <dgm:txFillClrLst meth="repeat">
-      <a:schemeClr val="dk1"/>
-    </dgm:txFillClrLst>
-    <dgm:txEffectClrLst/>
-  </dgm:styleLbl>
-  <dgm:styleLbl name="fgAcc3">
-    <dgm:fillClrLst meth="repeat">
-      <a:schemeClr val="lt1">
-        <a:alpha val="90000"/>
-      </a:schemeClr>
-    </dgm:fillClrLst>
-    <dgm:linClrLst meth="repeat">
-      <a:schemeClr val="accent1"/>
-    </dgm:linClrLst>
-    <dgm:effectClrLst/>
-    <dgm:txLinClrLst/>
-    <dgm:txFillClrLst meth="repeat">
-      <a:schemeClr val="dk1"/>
-    </dgm:txFillClrLst>
-    <dgm:txEffectClrLst/>
-  </dgm:styleLbl>
-  <dgm:styleLbl name="fgAcc4">
-    <dgm:fillClrLst meth="repeat">
-      <a:schemeClr val="lt1">
-        <a:alpha val="90000"/>
-      </a:schemeClr>
-    </dgm:fillClrLst>
-    <dgm:linClrLst meth="repeat">
-      <a:schemeClr val="accent1"/>
-    </dgm:linClrLst>
-    <dgm:effectClrLst/>
-    <dgm:txLinClrLst/>
-    <dgm:txFillClrLst meth="repeat">
-      <a:schemeClr val="dk1"/>
-    </dgm:txFillClrLst>
-    <dgm:txEffectClrLst/>
-  </dgm:styleLbl>
-  <dgm:styleLbl name="bgShp">
-    <dgm:fillClrLst meth="repeat">
-      <a:schemeClr val="accent1">
-        <a:tint val="40000"/>
-      </a:schemeClr>
-    </dgm:fillClrLst>
-    <dgm:linClrLst meth="repeat">
-      <a:schemeClr val="accent1"/>
-    </dgm:linClrLst>
-    <dgm:effectClrLst/>
-    <dgm:txLinClrLst/>
-    <dgm:txFillClrLst meth="repeat">
-      <a:schemeClr val="dk1"/>
-    </dgm:txFillClrLst>
-    <dgm:txEffectClrLst/>
-  </dgm:styleLbl>
-  <dgm:styleLbl name="dkBgShp">
-    <dgm:fillClrLst meth="repeat">
-      <a:schemeClr val="accent1">
-        <a:shade val="80000"/>
-      </a:schemeClr>
-    </dgm:fillClrLst>
-    <dgm:linClrLst meth="repeat">
-      <a:schemeClr val="accent1"/>
-    </dgm:linClrLst>
-    <dgm:effectClrLst/>
-    <dgm:txLinClrLst/>
-    <dgm:txFillClrLst meth="repeat">
-      <a:schemeClr val="lt1"/>
-    </dgm:txFillClrLst>
-    <dgm:txEffectClrLst/>
-  </dgm:styleLbl>
-  <dgm:styleLbl name="trBgShp">
-    <dgm:fillClrLst meth="repeat">
-      <a:schemeClr val="accent1">
-        <a:tint val="50000"/>
-        <a:alpha val="40000"/>
-      </a:schemeClr>
-    </dgm:fillClrLst>
-    <dgm:linClrLst meth="repeat">
-      <a:schemeClr val="accent1"/>
-    </dgm:linClrLst>
-    <dgm:effectClrLst/>
-    <dgm:txLinClrLst/>
-    <dgm:txFillClrLst meth="repeat">
-      <a:schemeClr val="lt1"/>
-    </dgm:txFillClrLst>
-    <dgm:txEffectClrLst/>
-  </dgm:styleLbl>
-  <dgm:styleLbl name="fgShp">
-    <dgm:fillClrLst meth="repeat">
-      <a:schemeClr val="accent1">
-        <a:tint val="60000"/>
-      </a:schemeClr>
-    </dgm:fillClrLst>
-    <dgm:linClrLst meth="repeat">
-      <a:schemeClr val="lt1"/>
-    </dgm:linClrLst>
-    <dgm:effectClrLst/>
-    <dgm:txLinClrLst/>
-    <dgm:txFillClrLst meth="repeat">
-      <a:schemeClr val="dk1"/>
-    </dgm:txFillClrLst>
-    <dgm:txEffectClrLst/>
-  </dgm:styleLbl>
-  <dgm:styleLbl name="revTx">
-    <dgm:fillClrLst meth="repeat">
-      <a:schemeClr val="lt1">
-        <a:alpha val="0"/>
-      </a:schemeClr>
-    </dgm:fillClrLst>
-    <dgm:linClrLst meth="repeat">
-      <a:schemeClr val="dk1">
-        <a:alpha val="0"/>
-      </a:schemeClr>
-    </dgm:linClrLst>
-    <dgm:effectClrLst/>
-    <dgm:txLinClrLst/>
-    <dgm:txFillClrLst meth="repeat">
-      <a:schemeClr val="tx1"/>
-    </dgm:txFillClrLst>
-    <dgm:txEffectClrLst/>
-  </dgm:styleLbl>
-</dgm:colorsDef>
-</file>
-
-<file path=ppt/diagrams/data1.xml><?xml version="1.0" encoding="utf-8"?>
-<dgm:dataModel xmlns:dgm="http://schemas.openxmlformats.org/drawingml/2006/diagram" xmlns:a="http://schemas.openxmlformats.org/drawingml/2006/main">
-  <dgm:ptLst>
-    <dgm:pt modelId="{489A589A-46DE-0F49-B460-E7914F3E440D}" type="doc">
-      <dgm:prSet loTypeId="urn:microsoft.com/office/officeart/2018/2/layout/IconCircleList" loCatId="icon" qsTypeId="urn:microsoft.com/office/officeart/2005/8/quickstyle/simple1" qsCatId="simple" csTypeId="urn:microsoft.com/office/officeart/2018/5/colors/Iconchunking_neutralicon_accent3_2" csCatId="accent3" phldr="1"/>
-      <dgm:spPr/>
-      <dgm:t>
-        <a:bodyPr/>
-        <a:lstStyle/>
-        <a:p>
-          <a:endParaRPr lang="en-US"/>
-        </a:p>
-      </dgm:t>
-    </dgm:pt>
-    <dgm:pt modelId="{66039115-797B-304C-9FC0-EFABB1F21232}">
-      <dgm:prSet/>
-      <dgm:spPr/>
-      <dgm:t>
-        <a:bodyPr/>
-        <a:lstStyle/>
-        <a:p>
-          <a:pPr>
-            <a:lnSpc>
-              <a:spcPct val="100000"/>
-            </a:lnSpc>
-          </a:pPr>
-          <a:r>
-            <a:rPr lang="en-US" dirty="0"/>
-            <a:t>Smart Product</a:t>
-          </a:r>
-        </a:p>
-      </dgm:t>
-    </dgm:pt>
-    <dgm:pt modelId="{C8EABE8F-1E84-494E-AD8A-32BA419A36E9}" type="parTrans" cxnId="{31C3237C-2299-B649-8C93-587C97AC9999}">
-      <dgm:prSet/>
-      <dgm:spPr/>
-      <dgm:t>
-        <a:bodyPr/>
-        <a:lstStyle/>
-        <a:p>
-          <a:endParaRPr lang="en-US"/>
-        </a:p>
-      </dgm:t>
-    </dgm:pt>
-    <dgm:pt modelId="{D044F6BA-1D90-EC47-8A78-B9796198ECF5}" type="sibTrans" cxnId="{31C3237C-2299-B649-8C93-587C97AC9999}">
-      <dgm:prSet/>
-      <dgm:spPr/>
-      <dgm:t>
-        <a:bodyPr/>
-        <a:lstStyle/>
-        <a:p>
-          <a:pPr>
-            <a:lnSpc>
-              <a:spcPct val="100000"/>
-            </a:lnSpc>
-          </a:pPr>
-          <a:endParaRPr lang="en-US"/>
-        </a:p>
-      </dgm:t>
-    </dgm:pt>
-    <dgm:pt modelId="{E39563C5-C199-4F5B-A899-8CC0710341A0}">
-      <dgm:prSet/>
-      <dgm:spPr/>
-      <dgm:t>
-        <a:bodyPr/>
-        <a:lstStyle/>
-        <a:p>
-          <a:pPr>
-            <a:lnSpc>
-              <a:spcPct val="100000"/>
-            </a:lnSpc>
-          </a:pPr>
-          <a:r>
-            <a:rPr lang="en-US" dirty="0"/>
-            <a:t>Voice Recognition</a:t>
-          </a:r>
-        </a:p>
-      </dgm:t>
-    </dgm:pt>
-    <dgm:pt modelId="{6531EA77-44C5-4E3D-BA04-70C1E49BCD39}" type="parTrans" cxnId="{BBAD9FDB-1013-4B11-A9AE-2815527D1B78}">
-      <dgm:prSet/>
-      <dgm:spPr/>
-      <dgm:t>
-        <a:bodyPr/>
-        <a:lstStyle/>
-        <a:p>
-          <a:endParaRPr lang="en-US"/>
-        </a:p>
-      </dgm:t>
-    </dgm:pt>
-    <dgm:pt modelId="{BC971DAC-9BE2-44B2-ABE4-8099C777E9C4}" type="sibTrans" cxnId="{BBAD9FDB-1013-4B11-A9AE-2815527D1B78}">
-      <dgm:prSet/>
-      <dgm:spPr/>
-      <dgm:t>
-        <a:bodyPr/>
-        <a:lstStyle/>
-        <a:p>
-          <a:pPr>
-            <a:lnSpc>
-              <a:spcPct val="100000"/>
-            </a:lnSpc>
-          </a:pPr>
-          <a:endParaRPr lang="en-US"/>
-        </a:p>
-      </dgm:t>
-    </dgm:pt>
-    <dgm:pt modelId="{15B1A768-2666-4AB4-BDA7-F0E3C4160D59}">
-      <dgm:prSet/>
-      <dgm:spPr/>
-      <dgm:t>
-        <a:bodyPr/>
-        <a:lstStyle/>
-        <a:p>
-          <a:pPr>
-            <a:lnSpc>
-              <a:spcPct val="100000"/>
-            </a:lnSpc>
-          </a:pPr>
-          <a:r>
-            <a:rPr lang="en-US" dirty="0"/>
-            <a:t>Artificial Intelligence</a:t>
-          </a:r>
-        </a:p>
-      </dgm:t>
-    </dgm:pt>
-    <dgm:pt modelId="{D47033D3-4E41-485A-B515-A02A8C3B404A}" type="parTrans" cxnId="{08DEC938-538C-403B-80C3-828B96DAFF82}">
-      <dgm:prSet/>
-      <dgm:spPr/>
-      <dgm:t>
-        <a:bodyPr/>
-        <a:lstStyle/>
-        <a:p>
-          <a:endParaRPr lang="en-US"/>
-        </a:p>
-      </dgm:t>
-    </dgm:pt>
-    <dgm:pt modelId="{72FFCBD4-DD9D-4E06-81E4-54307F97A3F0}" type="sibTrans" cxnId="{08DEC938-538C-403B-80C3-828B96DAFF82}">
-      <dgm:prSet/>
-      <dgm:spPr/>
-      <dgm:t>
-        <a:bodyPr/>
-        <a:lstStyle/>
-        <a:p>
-          <a:pPr>
-            <a:lnSpc>
-              <a:spcPct val="100000"/>
-            </a:lnSpc>
-          </a:pPr>
-          <a:endParaRPr lang="en-US"/>
-        </a:p>
-      </dgm:t>
-    </dgm:pt>
-    <dgm:pt modelId="{3AA5586A-C40E-4DDA-98A5-6545F36F46AB}">
-      <dgm:prSet/>
-      <dgm:spPr/>
-      <dgm:t>
-        <a:bodyPr/>
-        <a:lstStyle/>
-        <a:p>
-          <a:pPr>
-            <a:lnSpc>
-              <a:spcPct val="100000"/>
-            </a:lnSpc>
-          </a:pPr>
-          <a:r>
-            <a:rPr lang="en-US" dirty="0"/>
-            <a:t>VR</a:t>
-          </a:r>
-        </a:p>
-      </dgm:t>
-    </dgm:pt>
-    <dgm:pt modelId="{ABF44FB7-9255-4D99-BC69-3BE74FDF8E87}" type="parTrans" cxnId="{119FEAF1-383D-4740-9124-CC9EEA7E35F9}">
-      <dgm:prSet/>
-      <dgm:spPr/>
-      <dgm:t>
-        <a:bodyPr/>
-        <a:lstStyle/>
-        <a:p>
-          <a:endParaRPr lang="en-US"/>
-        </a:p>
-      </dgm:t>
-    </dgm:pt>
-    <dgm:pt modelId="{19FB306E-81B4-4F3F-99EE-765120CBB6B3}" type="sibTrans" cxnId="{119FEAF1-383D-4740-9124-CC9EEA7E35F9}">
-      <dgm:prSet/>
-      <dgm:spPr/>
-      <dgm:t>
-        <a:bodyPr/>
-        <a:lstStyle/>
-        <a:p>
-          <a:endParaRPr lang="en-US"/>
-        </a:p>
-      </dgm:t>
-    </dgm:pt>
-    <dgm:pt modelId="{B80C9CF3-C6BB-48D7-8AE1-5002D62D3761}" type="pres">
-      <dgm:prSet presAssocID="{489A589A-46DE-0F49-B460-E7914F3E440D}" presName="root" presStyleCnt="0">
-        <dgm:presLayoutVars>
-          <dgm:dir/>
-          <dgm:resizeHandles val="exact"/>
-        </dgm:presLayoutVars>
-      </dgm:prSet>
-      <dgm:spPr/>
-    </dgm:pt>
-    <dgm:pt modelId="{326FDCF2-F375-4C3F-9814-C84BA9388F92}" type="pres">
-      <dgm:prSet presAssocID="{489A589A-46DE-0F49-B460-E7914F3E440D}" presName="container" presStyleCnt="0">
-        <dgm:presLayoutVars>
-          <dgm:dir/>
-          <dgm:resizeHandles val="exact"/>
-        </dgm:presLayoutVars>
-      </dgm:prSet>
-      <dgm:spPr/>
-    </dgm:pt>
-    <dgm:pt modelId="{174069BD-8FE1-41A2-8250-6A5514FE224C}" type="pres">
-      <dgm:prSet presAssocID="{66039115-797B-304C-9FC0-EFABB1F21232}" presName="compNode" presStyleCnt="0"/>
-      <dgm:spPr/>
-    </dgm:pt>
-    <dgm:pt modelId="{5E340066-1B2E-4C4E-80A2-97E86ABFA479}" type="pres">
-      <dgm:prSet presAssocID="{66039115-797B-304C-9FC0-EFABB1F21232}" presName="iconBgRect" presStyleLbl="bgShp" presStyleIdx="0" presStyleCnt="4"/>
-      <dgm:spPr/>
-    </dgm:pt>
-    <dgm:pt modelId="{F55B2F71-E638-412C-8147-FC7081E08B04}" type="pres">
-      <dgm:prSet presAssocID="{66039115-797B-304C-9FC0-EFABB1F21232}" presName="iconRect" presStyleLbl="node1" presStyleIdx="0" presStyleCnt="4"/>
-      <dgm:spPr>
-        <a:blipFill>
-          <a:blip xmlns:r="http://schemas.openxmlformats.org/officeDocument/2006/relationships" r:embed="rId1">
-            <a:extLst>
-              <a:ext uri="{28A0092B-C50C-407E-A947-70E740481C1C}">
-                <a14:useLocalDpi xmlns:a14="http://schemas.microsoft.com/office/drawing/2010/main" val="0"/>
-              </a:ext>
-              <a:ext uri="{96DAC541-7B7A-43D3-8B79-37D633B846F1}">
-                <asvg:svgBlip xmlns:asvg="http://schemas.microsoft.com/office/drawing/2016/SVG/main" r:embed="rId2"/>
-              </a:ext>
-            </a:extLst>
-          </a:blip>
-          <a:stretch>
-            <a:fillRect/>
-          </a:stretch>
-        </a:blipFill>
-        <a:ln>
-          <a:noFill/>
-        </a:ln>
-      </dgm:spPr>
-      <dgm:extLst>
-        <a:ext uri="{E40237B7-FDA0-4F09-8148-C483321AD2D9}">
-          <dgm14:cNvPr xmlns:dgm14="http://schemas.microsoft.com/office/drawing/2010/diagram" id="0" name="" descr="Lightbulb"/>
-        </a:ext>
-      </dgm:extLst>
-    </dgm:pt>
-    <dgm:pt modelId="{5CDA7D5A-F452-463F-998B-177A76E8C08F}" type="pres">
-      <dgm:prSet presAssocID="{66039115-797B-304C-9FC0-EFABB1F21232}" presName="spaceRect" presStyleCnt="0"/>
-      <dgm:spPr/>
-    </dgm:pt>
-    <dgm:pt modelId="{E05AF25A-E676-44EA-BB66-F2100ACAD1CB}" type="pres">
-      <dgm:prSet presAssocID="{66039115-797B-304C-9FC0-EFABB1F21232}" presName="textRect" presStyleLbl="revTx" presStyleIdx="0" presStyleCnt="4">
-        <dgm:presLayoutVars>
-          <dgm:chMax val="1"/>
-          <dgm:chPref val="1"/>
-        </dgm:presLayoutVars>
-      </dgm:prSet>
-      <dgm:spPr/>
-    </dgm:pt>
-    <dgm:pt modelId="{BB1D33AA-C75A-465A-93F0-2B3A7346088F}" type="pres">
-      <dgm:prSet presAssocID="{D044F6BA-1D90-EC47-8A78-B9796198ECF5}" presName="sibTrans" presStyleLbl="sibTrans2D1" presStyleIdx="0" presStyleCnt="0"/>
-      <dgm:spPr/>
-    </dgm:pt>
-    <dgm:pt modelId="{D641F504-B527-445D-81F6-4B59E813C4A0}" type="pres">
-      <dgm:prSet presAssocID="{E39563C5-C199-4F5B-A899-8CC0710341A0}" presName="compNode" presStyleCnt="0"/>
-      <dgm:spPr/>
-    </dgm:pt>
-    <dgm:pt modelId="{75512A68-FA50-4392-A441-C6EC352FE606}" type="pres">
-      <dgm:prSet presAssocID="{E39563C5-C199-4F5B-A899-8CC0710341A0}" presName="iconBgRect" presStyleLbl="bgShp" presStyleIdx="1" presStyleCnt="4"/>
-      <dgm:spPr/>
-    </dgm:pt>
-    <dgm:pt modelId="{C425A8E1-258A-4D4B-9D55-24376C0AB360}" type="pres">
-      <dgm:prSet presAssocID="{E39563C5-C199-4F5B-A899-8CC0710341A0}" presName="iconRect" presStyleLbl="node1" presStyleIdx="1" presStyleCnt="4"/>
-      <dgm:spPr>
-        <a:blipFill>
-          <a:blip xmlns:r="http://schemas.openxmlformats.org/officeDocument/2006/relationships" r:embed="rId3">
-            <a:extLst>
-              <a:ext uri="{28A0092B-C50C-407E-A947-70E740481C1C}">
-                <a14:useLocalDpi xmlns:a14="http://schemas.microsoft.com/office/drawing/2010/main" val="0"/>
-              </a:ext>
-              <a:ext uri="{96DAC541-7B7A-43D3-8B79-37D633B846F1}">
-                <asvg:svgBlip xmlns:asvg="http://schemas.microsoft.com/office/drawing/2016/SVG/main" r:embed="rId4"/>
-              </a:ext>
-            </a:extLst>
-          </a:blip>
-          <a:stretch>
-            <a:fillRect/>
-          </a:stretch>
-        </a:blipFill>
-        <a:ln>
-          <a:noFill/>
-        </a:ln>
-      </dgm:spPr>
-      <dgm:extLst>
-        <a:ext uri="{E40237B7-FDA0-4F09-8148-C483321AD2D9}">
-          <dgm14:cNvPr xmlns:dgm14="http://schemas.microsoft.com/office/drawing/2010/diagram" id="0" name="" descr="Radio microphone"/>
-        </a:ext>
-      </dgm:extLst>
-    </dgm:pt>
-    <dgm:pt modelId="{9E9B2F2E-EF94-42A4-A2BE-0DEE20425DEE}" type="pres">
-      <dgm:prSet presAssocID="{E39563C5-C199-4F5B-A899-8CC0710341A0}" presName="spaceRect" presStyleCnt="0"/>
-      <dgm:spPr/>
-    </dgm:pt>
-    <dgm:pt modelId="{523C7F31-A7C1-43C9-AE27-AAE9100EE1FE}" type="pres">
-      <dgm:prSet presAssocID="{E39563C5-C199-4F5B-A899-8CC0710341A0}" presName="textRect" presStyleLbl="revTx" presStyleIdx="1" presStyleCnt="4">
-        <dgm:presLayoutVars>
-          <dgm:chMax val="1"/>
-          <dgm:chPref val="1"/>
-        </dgm:presLayoutVars>
-      </dgm:prSet>
-      <dgm:spPr/>
-    </dgm:pt>
-    <dgm:pt modelId="{CEB8DC13-2561-455C-A0BE-EE905F81836F}" type="pres">
-      <dgm:prSet presAssocID="{BC971DAC-9BE2-44B2-ABE4-8099C777E9C4}" presName="sibTrans" presStyleLbl="sibTrans2D1" presStyleIdx="0" presStyleCnt="0"/>
-      <dgm:spPr/>
-    </dgm:pt>
-    <dgm:pt modelId="{495B68A9-1523-4F46-9B02-682098319643}" type="pres">
-      <dgm:prSet presAssocID="{15B1A768-2666-4AB4-BDA7-F0E3C4160D59}" presName="compNode" presStyleCnt="0"/>
-      <dgm:spPr/>
-    </dgm:pt>
-    <dgm:pt modelId="{2CA4BD4C-87EF-4944-9E57-97154B3B633C}" type="pres">
-      <dgm:prSet presAssocID="{15B1A768-2666-4AB4-BDA7-F0E3C4160D59}" presName="iconBgRect" presStyleLbl="bgShp" presStyleIdx="2" presStyleCnt="4"/>
-      <dgm:spPr/>
-    </dgm:pt>
-    <dgm:pt modelId="{D99F53AC-3AF2-437B-A5AB-1239ADEC0676}" type="pres">
-      <dgm:prSet presAssocID="{15B1A768-2666-4AB4-BDA7-F0E3C4160D59}" presName="iconRect" presStyleLbl="node1" presStyleIdx="2" presStyleCnt="4"/>
-      <dgm:spPr>
-        <a:blipFill>
-          <a:blip xmlns:r="http://schemas.openxmlformats.org/officeDocument/2006/relationships" r:embed="rId5">
-            <a:extLst>
-              <a:ext uri="{28A0092B-C50C-407E-A947-70E740481C1C}">
-                <a14:useLocalDpi xmlns:a14="http://schemas.microsoft.com/office/drawing/2010/main" val="0"/>
-              </a:ext>
-              <a:ext uri="{96DAC541-7B7A-43D3-8B79-37D633B846F1}">
-                <asvg:svgBlip xmlns:asvg="http://schemas.microsoft.com/office/drawing/2016/SVG/main" r:embed="rId6"/>
-              </a:ext>
-            </a:extLst>
-          </a:blip>
-          <a:stretch>
-            <a:fillRect/>
-          </a:stretch>
-        </a:blipFill>
-        <a:ln>
-          <a:noFill/>
-        </a:ln>
-      </dgm:spPr>
-      <dgm:extLst>
-        <a:ext uri="{E40237B7-FDA0-4F09-8148-C483321AD2D9}">
-          <dgm14:cNvPr xmlns:dgm14="http://schemas.microsoft.com/office/drawing/2010/diagram" id="0" name="" descr="Brain in head"/>
-        </a:ext>
-      </dgm:extLst>
-    </dgm:pt>
-    <dgm:pt modelId="{EB4519A6-2EF6-4A3F-90AD-24C511B10908}" type="pres">
-      <dgm:prSet presAssocID="{15B1A768-2666-4AB4-BDA7-F0E3C4160D59}" presName="spaceRect" presStyleCnt="0"/>
-      <dgm:spPr/>
-    </dgm:pt>
-    <dgm:pt modelId="{D203E058-79E0-456E-A0FD-258E317D3D6A}" type="pres">
-      <dgm:prSet presAssocID="{15B1A768-2666-4AB4-BDA7-F0E3C4160D59}" presName="textRect" presStyleLbl="revTx" presStyleIdx="2" presStyleCnt="4">
-        <dgm:presLayoutVars>
-          <dgm:chMax val="1"/>
-          <dgm:chPref val="1"/>
-        </dgm:presLayoutVars>
-      </dgm:prSet>
-      <dgm:spPr/>
-    </dgm:pt>
-    <dgm:pt modelId="{8F14F3AD-A362-45DF-80F5-2B8D1F566D80}" type="pres">
-      <dgm:prSet presAssocID="{72FFCBD4-DD9D-4E06-81E4-54307F97A3F0}" presName="sibTrans" presStyleLbl="sibTrans2D1" presStyleIdx="0" presStyleCnt="0"/>
-      <dgm:spPr/>
-    </dgm:pt>
-    <dgm:pt modelId="{BDD20EE1-5DFF-4E16-802C-2448893CCB5A}" type="pres">
-      <dgm:prSet presAssocID="{3AA5586A-C40E-4DDA-98A5-6545F36F46AB}" presName="compNode" presStyleCnt="0"/>
-      <dgm:spPr/>
-    </dgm:pt>
-    <dgm:pt modelId="{7089FE6B-57E5-4306-8097-E758E000C828}" type="pres">
-      <dgm:prSet presAssocID="{3AA5586A-C40E-4DDA-98A5-6545F36F46AB}" presName="iconBgRect" presStyleLbl="bgShp" presStyleIdx="3" presStyleCnt="4"/>
-      <dgm:spPr/>
-    </dgm:pt>
-    <dgm:pt modelId="{41C0BC0F-FFD5-42B5-B952-9316B9364F6F}" type="pres">
-      <dgm:prSet presAssocID="{3AA5586A-C40E-4DDA-98A5-6545F36F46AB}" presName="iconRect" presStyleLbl="node1" presStyleIdx="3" presStyleCnt="4"/>
-      <dgm:spPr>
-        <a:blipFill>
-          <a:blip xmlns:r="http://schemas.openxmlformats.org/officeDocument/2006/relationships" r:embed="rId7">
-            <a:extLst>
-              <a:ext uri="{28A0092B-C50C-407E-A947-70E740481C1C}">
-                <a14:useLocalDpi xmlns:a14="http://schemas.microsoft.com/office/drawing/2010/main" val="0"/>
-              </a:ext>
-              <a:ext uri="{96DAC541-7B7A-43D3-8B79-37D633B846F1}">
-                <asvg:svgBlip xmlns:asvg="http://schemas.microsoft.com/office/drawing/2016/SVG/main" r:embed="rId8"/>
-              </a:ext>
-            </a:extLst>
-          </a:blip>
-          <a:stretch>
-            <a:fillRect/>
-          </a:stretch>
-        </a:blipFill>
-        <a:ln>
-          <a:noFill/>
-        </a:ln>
-      </dgm:spPr>
-      <dgm:extLst>
-        <a:ext uri="{E40237B7-FDA0-4F09-8148-C483321AD2D9}">
-          <dgm14:cNvPr xmlns:dgm14="http://schemas.microsoft.com/office/drawing/2010/diagram" id="0" name="" descr="Virtual RealityHeadset"/>
-        </a:ext>
-      </dgm:extLst>
-    </dgm:pt>
-    <dgm:pt modelId="{392FDDC2-BC7A-49BF-88A1-7B4956AD8377}" type="pres">
-      <dgm:prSet presAssocID="{3AA5586A-C40E-4DDA-98A5-6545F36F46AB}" presName="spaceRect" presStyleCnt="0"/>
-      <dgm:spPr/>
-    </dgm:pt>
-    <dgm:pt modelId="{7703AFE5-FAA2-4D8A-AEFA-D3C5CB41E5BC}" type="pres">
-      <dgm:prSet presAssocID="{3AA5586A-C40E-4DDA-98A5-6545F36F46AB}" presName="textRect" presStyleLbl="revTx" presStyleIdx="3" presStyleCnt="4">
-        <dgm:presLayoutVars>
-          <dgm:chMax val="1"/>
-          <dgm:chPref val="1"/>
-        </dgm:presLayoutVars>
-      </dgm:prSet>
-      <dgm:spPr/>
-    </dgm:pt>
-  </dgm:ptLst>
-  <dgm:cxnLst>
-    <dgm:cxn modelId="{F500F212-B1E8-4177-88EB-379FE553E567}" type="presOf" srcId="{BC971DAC-9BE2-44B2-ABE4-8099C777E9C4}" destId="{CEB8DC13-2561-455C-A0BE-EE905F81836F}" srcOrd="0" destOrd="0" presId="urn:microsoft.com/office/officeart/2018/2/layout/IconCircleList"/>
-    <dgm:cxn modelId="{C2028414-4E44-4009-9619-A3329463EBE6}" type="presOf" srcId="{66039115-797B-304C-9FC0-EFABB1F21232}" destId="{E05AF25A-E676-44EA-BB66-F2100ACAD1CB}" srcOrd="0" destOrd="0" presId="urn:microsoft.com/office/officeart/2018/2/layout/IconCircleList"/>
-    <dgm:cxn modelId="{3682502D-BD4B-4C8B-B999-4FE14243DA2F}" type="presOf" srcId="{E39563C5-C199-4F5B-A899-8CC0710341A0}" destId="{523C7F31-A7C1-43C9-AE27-AAE9100EE1FE}" srcOrd="0" destOrd="0" presId="urn:microsoft.com/office/officeart/2018/2/layout/IconCircleList"/>
-    <dgm:cxn modelId="{08DEC938-538C-403B-80C3-828B96DAFF82}" srcId="{489A589A-46DE-0F49-B460-E7914F3E440D}" destId="{15B1A768-2666-4AB4-BDA7-F0E3C4160D59}" srcOrd="2" destOrd="0" parTransId="{D47033D3-4E41-485A-B515-A02A8C3B404A}" sibTransId="{72FFCBD4-DD9D-4E06-81E4-54307F97A3F0}"/>
-    <dgm:cxn modelId="{6CA71B7B-0F0A-4F9A-A0EC-CFB6FFD8DA98}" type="presOf" srcId="{15B1A768-2666-4AB4-BDA7-F0E3C4160D59}" destId="{D203E058-79E0-456E-A0FD-258E317D3D6A}" srcOrd="0" destOrd="0" presId="urn:microsoft.com/office/officeart/2018/2/layout/IconCircleList"/>
-    <dgm:cxn modelId="{31C3237C-2299-B649-8C93-587C97AC9999}" srcId="{489A589A-46DE-0F49-B460-E7914F3E440D}" destId="{66039115-797B-304C-9FC0-EFABB1F21232}" srcOrd="0" destOrd="0" parTransId="{C8EABE8F-1E84-494E-AD8A-32BA419A36E9}" sibTransId="{D044F6BA-1D90-EC47-8A78-B9796198ECF5}"/>
-    <dgm:cxn modelId="{9AA16E9C-4C36-43A5-A786-66256F4B87CC}" type="presOf" srcId="{D044F6BA-1D90-EC47-8A78-B9796198ECF5}" destId="{BB1D33AA-C75A-465A-93F0-2B3A7346088F}" srcOrd="0" destOrd="0" presId="urn:microsoft.com/office/officeart/2018/2/layout/IconCircleList"/>
-    <dgm:cxn modelId="{65F7D3A9-7360-41F2-9288-DC394F90F4EC}" type="presOf" srcId="{3AA5586A-C40E-4DDA-98A5-6545F36F46AB}" destId="{7703AFE5-FAA2-4D8A-AEFA-D3C5CB41E5BC}" srcOrd="0" destOrd="0" presId="urn:microsoft.com/office/officeart/2018/2/layout/IconCircleList"/>
-    <dgm:cxn modelId="{0D34FCB2-3F4C-42A6-BB2D-60FA9564F405}" type="presOf" srcId="{489A589A-46DE-0F49-B460-E7914F3E440D}" destId="{B80C9CF3-C6BB-48D7-8AE1-5002D62D3761}" srcOrd="0" destOrd="0" presId="urn:microsoft.com/office/officeart/2018/2/layout/IconCircleList"/>
-    <dgm:cxn modelId="{BBAD9FDB-1013-4B11-A9AE-2815527D1B78}" srcId="{489A589A-46DE-0F49-B460-E7914F3E440D}" destId="{E39563C5-C199-4F5B-A899-8CC0710341A0}" srcOrd="1" destOrd="0" parTransId="{6531EA77-44C5-4E3D-BA04-70C1E49BCD39}" sibTransId="{BC971DAC-9BE2-44B2-ABE4-8099C777E9C4}"/>
-    <dgm:cxn modelId="{119FEAF1-383D-4740-9124-CC9EEA7E35F9}" srcId="{489A589A-46DE-0F49-B460-E7914F3E440D}" destId="{3AA5586A-C40E-4DDA-98A5-6545F36F46AB}" srcOrd="3" destOrd="0" parTransId="{ABF44FB7-9255-4D99-BC69-3BE74FDF8E87}" sibTransId="{19FB306E-81B4-4F3F-99EE-765120CBB6B3}"/>
-    <dgm:cxn modelId="{72DB18FF-BDCF-4526-AB7E-380701B71043}" type="presOf" srcId="{72FFCBD4-DD9D-4E06-81E4-54307F97A3F0}" destId="{8F14F3AD-A362-45DF-80F5-2B8D1F566D80}" srcOrd="0" destOrd="0" presId="urn:microsoft.com/office/officeart/2018/2/layout/IconCircleList"/>
-    <dgm:cxn modelId="{BF36CAD1-B688-447E-A701-12D1A5EB1C61}" type="presParOf" srcId="{B80C9CF3-C6BB-48D7-8AE1-5002D62D3761}" destId="{326FDCF2-F375-4C3F-9814-C84BA9388F92}" srcOrd="0" destOrd="0" presId="urn:microsoft.com/office/officeart/2018/2/layout/IconCircleList"/>
-    <dgm:cxn modelId="{FBFDC197-07BE-4C6F-83B2-02194176B69E}" type="presParOf" srcId="{326FDCF2-F375-4C3F-9814-C84BA9388F92}" destId="{174069BD-8FE1-41A2-8250-6A5514FE224C}" srcOrd="0" destOrd="0" presId="urn:microsoft.com/office/officeart/2018/2/layout/IconCircleList"/>
-    <dgm:cxn modelId="{C5F01509-F7BC-425F-B296-A98C860A07F3}" type="presParOf" srcId="{174069BD-8FE1-41A2-8250-6A5514FE224C}" destId="{5E340066-1B2E-4C4E-80A2-97E86ABFA479}" srcOrd="0" destOrd="0" presId="urn:microsoft.com/office/officeart/2018/2/layout/IconCircleList"/>
-    <dgm:cxn modelId="{6798BD59-DB22-44F4-9499-B795ECC6FB92}" type="presParOf" srcId="{174069BD-8FE1-41A2-8250-6A5514FE224C}" destId="{F55B2F71-E638-412C-8147-FC7081E08B04}" srcOrd="1" destOrd="0" presId="urn:microsoft.com/office/officeart/2018/2/layout/IconCircleList"/>
-    <dgm:cxn modelId="{8ED6BB7E-069D-4BD0-874A-A765097C6426}" type="presParOf" srcId="{174069BD-8FE1-41A2-8250-6A5514FE224C}" destId="{5CDA7D5A-F452-463F-998B-177A76E8C08F}" srcOrd="2" destOrd="0" presId="urn:microsoft.com/office/officeart/2018/2/layout/IconCircleList"/>
-    <dgm:cxn modelId="{6FA12472-3D68-4E1C-81AF-02DC5B01E334}" type="presParOf" srcId="{174069BD-8FE1-41A2-8250-6A5514FE224C}" destId="{E05AF25A-E676-44EA-BB66-F2100ACAD1CB}" srcOrd="3" destOrd="0" presId="urn:microsoft.com/office/officeart/2018/2/layout/IconCircleList"/>
-    <dgm:cxn modelId="{2E917479-9046-4584-8A6D-BEC73C11FC76}" type="presParOf" srcId="{326FDCF2-F375-4C3F-9814-C84BA9388F92}" destId="{BB1D33AA-C75A-465A-93F0-2B3A7346088F}" srcOrd="1" destOrd="0" presId="urn:microsoft.com/office/officeart/2018/2/layout/IconCircleList"/>
-    <dgm:cxn modelId="{A0B340C2-CAB3-4AD7-B651-672DD667AAD7}" type="presParOf" srcId="{326FDCF2-F375-4C3F-9814-C84BA9388F92}" destId="{D641F504-B527-445D-81F6-4B59E813C4A0}" srcOrd="2" destOrd="0" presId="urn:microsoft.com/office/officeart/2018/2/layout/IconCircleList"/>
-    <dgm:cxn modelId="{FBFE3BE7-5577-4A5D-85CC-215287D3D6AD}" type="presParOf" srcId="{D641F504-B527-445D-81F6-4B59E813C4A0}" destId="{75512A68-FA50-4392-A441-C6EC352FE606}" srcOrd="0" destOrd="0" presId="urn:microsoft.com/office/officeart/2018/2/layout/IconCircleList"/>
-    <dgm:cxn modelId="{E2CE3B82-49EF-49C5-869E-0F82B174F9E9}" type="presParOf" srcId="{D641F504-B527-445D-81F6-4B59E813C4A0}" destId="{C425A8E1-258A-4D4B-9D55-24376C0AB360}" srcOrd="1" destOrd="0" presId="urn:microsoft.com/office/officeart/2018/2/layout/IconCircleList"/>
-    <dgm:cxn modelId="{FE67C476-DCF9-4F8A-ACDB-300B11852414}" type="presParOf" srcId="{D641F504-B527-445D-81F6-4B59E813C4A0}" destId="{9E9B2F2E-EF94-42A4-A2BE-0DEE20425DEE}" srcOrd="2" destOrd="0" presId="urn:microsoft.com/office/officeart/2018/2/layout/IconCircleList"/>
-    <dgm:cxn modelId="{4CA023EA-A382-4DD9-9FA1-18E0D66061BD}" type="presParOf" srcId="{D641F504-B527-445D-81F6-4B59E813C4A0}" destId="{523C7F31-A7C1-43C9-AE27-AAE9100EE1FE}" srcOrd="3" destOrd="0" presId="urn:microsoft.com/office/officeart/2018/2/layout/IconCircleList"/>
-    <dgm:cxn modelId="{26A45859-BDA1-42A1-B72D-E642F4519323}" type="presParOf" srcId="{326FDCF2-F375-4C3F-9814-C84BA9388F92}" destId="{CEB8DC13-2561-455C-A0BE-EE905F81836F}" srcOrd="3" destOrd="0" presId="urn:microsoft.com/office/officeart/2018/2/layout/IconCircleList"/>
-    <dgm:cxn modelId="{9A1A1CE7-53B9-4F66-85DD-738EBE878B5F}" type="presParOf" srcId="{326FDCF2-F375-4C3F-9814-C84BA9388F92}" destId="{495B68A9-1523-4F46-9B02-682098319643}" srcOrd="4" destOrd="0" presId="urn:microsoft.com/office/officeart/2018/2/layout/IconCircleList"/>
-    <dgm:cxn modelId="{51E1DD61-7673-4090-B8AB-CF4901AEC858}" type="presParOf" srcId="{495B68A9-1523-4F46-9B02-682098319643}" destId="{2CA4BD4C-87EF-4944-9E57-97154B3B633C}" srcOrd="0" destOrd="0" presId="urn:microsoft.com/office/officeart/2018/2/layout/IconCircleList"/>
-    <dgm:cxn modelId="{747A4180-A006-422E-B421-0130C380E284}" type="presParOf" srcId="{495B68A9-1523-4F46-9B02-682098319643}" destId="{D99F53AC-3AF2-437B-A5AB-1239ADEC0676}" srcOrd="1" destOrd="0" presId="urn:microsoft.com/office/officeart/2018/2/layout/IconCircleList"/>
-    <dgm:cxn modelId="{2B3206DF-6911-4471-9CE4-6E444117F923}" type="presParOf" srcId="{495B68A9-1523-4F46-9B02-682098319643}" destId="{EB4519A6-2EF6-4A3F-90AD-24C511B10908}" srcOrd="2" destOrd="0" presId="urn:microsoft.com/office/officeart/2018/2/layout/IconCircleList"/>
-    <dgm:cxn modelId="{BFF8DE16-9137-451C-BFC4-D4EE82781F8E}" type="presParOf" srcId="{495B68A9-1523-4F46-9B02-682098319643}" destId="{D203E058-79E0-456E-A0FD-258E317D3D6A}" srcOrd="3" destOrd="0" presId="urn:microsoft.com/office/officeart/2018/2/layout/IconCircleList"/>
-    <dgm:cxn modelId="{F6DE935E-6528-4A29-9FE2-2236A11FA3B5}" type="presParOf" srcId="{326FDCF2-F375-4C3F-9814-C84BA9388F92}" destId="{8F14F3AD-A362-45DF-80F5-2B8D1F566D80}" srcOrd="5" destOrd="0" presId="urn:microsoft.com/office/officeart/2018/2/layout/IconCircleList"/>
-    <dgm:cxn modelId="{1E564FA9-F723-4479-8013-22D1426128B6}" type="presParOf" srcId="{326FDCF2-F375-4C3F-9814-C84BA9388F92}" destId="{BDD20EE1-5DFF-4E16-802C-2448893CCB5A}" srcOrd="6" destOrd="0" presId="urn:microsoft.com/office/officeart/2018/2/layout/IconCircleList"/>
-    <dgm:cxn modelId="{794FF77C-CF66-43A6-AFF0-913CEF2D0C2A}" type="presParOf" srcId="{BDD20EE1-5DFF-4E16-802C-2448893CCB5A}" destId="{7089FE6B-57E5-4306-8097-E758E000C828}" srcOrd="0" destOrd="0" presId="urn:microsoft.com/office/officeart/2018/2/layout/IconCircleList"/>
-    <dgm:cxn modelId="{091EE8DB-F92B-4CB3-ABD6-FFEB56B07A8B}" type="presParOf" srcId="{BDD20EE1-5DFF-4E16-802C-2448893CCB5A}" destId="{41C0BC0F-FFD5-42B5-B952-9316B9364F6F}" srcOrd="1" destOrd="0" presId="urn:microsoft.com/office/officeart/2018/2/layout/IconCircleList"/>
-    <dgm:cxn modelId="{DAE7DE5D-0787-4DCA-83CB-B15B42A3D0EC}" type="presParOf" srcId="{BDD20EE1-5DFF-4E16-802C-2448893CCB5A}" destId="{392FDDC2-BC7A-49BF-88A1-7B4956AD8377}" srcOrd="2" destOrd="0" presId="urn:microsoft.com/office/officeart/2018/2/layout/IconCircleList"/>
-    <dgm:cxn modelId="{03A77C2B-16FB-486D-9C1B-3FF393F2E432}" type="presParOf" srcId="{BDD20EE1-5DFF-4E16-802C-2448893CCB5A}" destId="{7703AFE5-FAA2-4D8A-AEFA-D3C5CB41E5BC}" srcOrd="3" destOrd="0" presId="urn:microsoft.com/office/officeart/2018/2/layout/IconCircleList"/>
-  </dgm:cxnLst>
-  <dgm:bg/>
-  <dgm:whole/>
-  <dgm:extLst>
-    <a:ext uri="http://schemas.microsoft.com/office/drawing/2008/diagram">
-      <dsp:dataModelExt xmlns:dsp="http://schemas.microsoft.com/office/drawing/2008/diagram" relId="rId8" minVer="http://schemas.openxmlformats.org/drawingml/2006/diagram"/>
-    </a:ext>
-  </dgm:extLst>
-</dgm:dataModel>
-</file>
-
-<file path=ppt/diagrams/data2.xml><?xml version="1.0" encoding="utf-8"?>
-<dgm:dataModel xmlns:dgm="http://schemas.openxmlformats.org/drawingml/2006/diagram" xmlns:a="http://schemas.openxmlformats.org/drawingml/2006/main">
-  <dgm:ptLst>
-    <dgm:pt modelId="{BE5B76ED-C686-4E97-9A28-74231B4FDDD1}" type="doc">
-      <dgm:prSet loTypeId="urn:microsoft.com/office/officeart/2009/3/layout/CircleRelationship" loCatId="relationship" qsTypeId="urn:microsoft.com/office/officeart/2005/8/quickstyle/simple4" qsCatId="simple" csTypeId="urn:microsoft.com/office/officeart/2005/8/colors/accent1_2" csCatId="accent1" phldr="1"/>
-      <dgm:spPr/>
-      <dgm:t>
-        <a:bodyPr/>
-        <a:lstStyle/>
-        <a:p>
-          <a:endParaRPr lang="en-US"/>
-        </a:p>
-      </dgm:t>
-    </dgm:pt>
-    <dgm:pt modelId="{B388C4F7-DD86-40E4-BA83-6838C8E845B2}">
-      <dgm:prSet phldrT="[Text]" custT="1"/>
-      <dgm:spPr/>
-      <dgm:t>
-        <a:bodyPr/>
-        <a:lstStyle/>
-        <a:p>
-          <a:r>
-            <a:rPr lang="en-US" sz="1800" b="1" dirty="0"/>
-            <a:t>Problem Solving</a:t>
-          </a:r>
-        </a:p>
-      </dgm:t>
-    </dgm:pt>
-    <dgm:pt modelId="{4F4EFEB2-AE6B-4B4E-A388-E726479684C1}" type="parTrans" cxnId="{FDEC3F6B-F860-4E8B-8B14-455DBFCFBFB4}">
-      <dgm:prSet/>
-      <dgm:spPr/>
-      <dgm:t>
-        <a:bodyPr/>
-        <a:lstStyle/>
-        <a:p>
-          <a:endParaRPr lang="en-US"/>
-        </a:p>
-      </dgm:t>
-    </dgm:pt>
-    <dgm:pt modelId="{BEE196C3-EEB3-4935-976F-A713EF603EEA}" type="sibTrans" cxnId="{FDEC3F6B-F860-4E8B-8B14-455DBFCFBFB4}">
-      <dgm:prSet/>
-      <dgm:spPr/>
-      <dgm:t>
-        <a:bodyPr/>
-        <a:lstStyle/>
-        <a:p>
-          <a:endParaRPr lang="en-US"/>
-        </a:p>
-      </dgm:t>
-    </dgm:pt>
-    <dgm:pt modelId="{27C8F191-CB8B-4A89-9EDF-D94B6E4ADC92}">
-      <dgm:prSet phldrT="[Text]" custT="1"/>
-      <dgm:spPr/>
-      <dgm:t>
-        <a:bodyPr/>
-        <a:lstStyle/>
-        <a:p>
-          <a:r>
-            <a:rPr lang="en-US" sz="1800" b="1" dirty="0"/>
-            <a:t>Algorithm</a:t>
-          </a:r>
-          <a:endParaRPr lang="en-US" sz="1200" b="1" dirty="0"/>
-        </a:p>
-      </dgm:t>
-    </dgm:pt>
-    <dgm:pt modelId="{8EFDF7C7-310E-4ED5-B739-2186FB69ED8A}" type="parTrans" cxnId="{4E26289A-3825-4A9C-991F-8AB8A7EFD597}">
-      <dgm:prSet/>
-      <dgm:spPr/>
-      <dgm:t>
-        <a:bodyPr/>
-        <a:lstStyle/>
-        <a:p>
-          <a:endParaRPr lang="en-US"/>
-        </a:p>
-      </dgm:t>
-    </dgm:pt>
-    <dgm:pt modelId="{755F5D09-ECCD-4FC5-B350-FED951F57983}" type="sibTrans" cxnId="{4E26289A-3825-4A9C-991F-8AB8A7EFD597}">
-      <dgm:prSet/>
-      <dgm:spPr/>
-      <dgm:t>
-        <a:bodyPr/>
-        <a:lstStyle/>
-        <a:p>
-          <a:endParaRPr lang="en-US"/>
-        </a:p>
-      </dgm:t>
-    </dgm:pt>
-    <dgm:pt modelId="{AEFF5EA2-6931-4098-96C8-31AE53CB425B}">
-      <dgm:prSet phldrT="[Text]" custT="1"/>
-      <dgm:spPr/>
-      <dgm:t>
-        <a:bodyPr/>
-        <a:lstStyle/>
-        <a:p>
-          <a:r>
-            <a:rPr lang="en-US" sz="1800" b="1" dirty="0"/>
-            <a:t>Automation</a:t>
-          </a:r>
-          <a:endParaRPr lang="en-US" sz="1200" b="1" dirty="0"/>
-        </a:p>
-      </dgm:t>
-    </dgm:pt>
-    <dgm:pt modelId="{AC52CE11-07EF-42A7-A67A-2231908FD231}" type="parTrans" cxnId="{2D96128D-55F5-4B46-B071-9EA8CDCA9DCD}">
-      <dgm:prSet/>
-      <dgm:spPr/>
-      <dgm:t>
-        <a:bodyPr/>
-        <a:lstStyle/>
-        <a:p>
-          <a:endParaRPr lang="en-US"/>
-        </a:p>
-      </dgm:t>
-    </dgm:pt>
-    <dgm:pt modelId="{FB25E557-3597-4AEA-B1FC-EA99A632BFB1}" type="sibTrans" cxnId="{2D96128D-55F5-4B46-B071-9EA8CDCA9DCD}">
-      <dgm:prSet/>
-      <dgm:spPr/>
-      <dgm:t>
-        <a:bodyPr/>
-        <a:lstStyle/>
-        <a:p>
-          <a:endParaRPr lang="en-US"/>
-        </a:p>
-      </dgm:t>
-    </dgm:pt>
-    <dgm:pt modelId="{EC323DFF-E2DA-4381-8948-5F3D2CD82207}" type="pres">
-      <dgm:prSet presAssocID="{BE5B76ED-C686-4E97-9A28-74231B4FDDD1}" presName="Name0" presStyleCnt="0">
-        <dgm:presLayoutVars>
-          <dgm:chMax val="1"/>
-          <dgm:chPref val="1"/>
-        </dgm:presLayoutVars>
-      </dgm:prSet>
-      <dgm:spPr/>
-    </dgm:pt>
-    <dgm:pt modelId="{A6EEB127-C2F5-4C0D-B108-CC2B3F78F4F1}" type="pres">
-      <dgm:prSet presAssocID="{B388C4F7-DD86-40E4-BA83-6838C8E845B2}" presName="Parent" presStyleLbl="node0" presStyleIdx="0" presStyleCnt="1">
-        <dgm:presLayoutVars>
-          <dgm:chMax val="5"/>
-          <dgm:chPref val="5"/>
-        </dgm:presLayoutVars>
-      </dgm:prSet>
-      <dgm:spPr/>
-    </dgm:pt>
-    <dgm:pt modelId="{8A0FF0D8-0AF7-44A4-833E-7EA23A507B5A}" type="pres">
-      <dgm:prSet presAssocID="{B388C4F7-DD86-40E4-BA83-6838C8E845B2}" presName="Accent1" presStyleLbl="node1" presStyleIdx="0" presStyleCnt="13"/>
-      <dgm:spPr/>
-    </dgm:pt>
-    <dgm:pt modelId="{F988BAF3-9DE2-4A25-84FE-B7C476401BC3}" type="pres">
-      <dgm:prSet presAssocID="{B388C4F7-DD86-40E4-BA83-6838C8E845B2}" presName="Accent2" presStyleLbl="node1" presStyleIdx="1" presStyleCnt="13"/>
-      <dgm:spPr/>
-    </dgm:pt>
-    <dgm:pt modelId="{6288D093-07AF-4EEB-B57C-FB5DA4420E30}" type="pres">
-      <dgm:prSet presAssocID="{B388C4F7-DD86-40E4-BA83-6838C8E845B2}" presName="Accent3" presStyleLbl="node1" presStyleIdx="2" presStyleCnt="13"/>
-      <dgm:spPr/>
-    </dgm:pt>
-    <dgm:pt modelId="{099685E2-34CD-4723-A342-ED2D0CA22ECA}" type="pres">
-      <dgm:prSet presAssocID="{B388C4F7-DD86-40E4-BA83-6838C8E845B2}" presName="Accent4" presStyleLbl="node1" presStyleIdx="3" presStyleCnt="13"/>
-      <dgm:spPr/>
-    </dgm:pt>
-    <dgm:pt modelId="{282F7230-9226-4387-9620-3DC67223F95C}" type="pres">
-      <dgm:prSet presAssocID="{B388C4F7-DD86-40E4-BA83-6838C8E845B2}" presName="Accent5" presStyleLbl="node1" presStyleIdx="4" presStyleCnt="13"/>
-      <dgm:spPr/>
-    </dgm:pt>
-    <dgm:pt modelId="{2682D7C4-37F7-4CA1-B102-AED7627E9C93}" type="pres">
-      <dgm:prSet presAssocID="{B388C4F7-DD86-40E4-BA83-6838C8E845B2}" presName="Accent6" presStyleLbl="node1" presStyleIdx="5" presStyleCnt="13"/>
-      <dgm:spPr/>
-    </dgm:pt>
-    <dgm:pt modelId="{CCDD2561-1FC5-4EA6-AD90-3ADAF62A41D1}" type="pres">
-      <dgm:prSet presAssocID="{27C8F191-CB8B-4A89-9EDF-D94B6E4ADC92}" presName="Child1" presStyleLbl="node1" presStyleIdx="6" presStyleCnt="13" custScaleX="142765" custScaleY="142765" custLinFactNeighborX="-13611" custLinFactNeighborY="-20914">
-        <dgm:presLayoutVars>
-          <dgm:chMax val="0"/>
-          <dgm:chPref val="0"/>
-        </dgm:presLayoutVars>
-      </dgm:prSet>
-      <dgm:spPr/>
-    </dgm:pt>
-    <dgm:pt modelId="{DD36342D-1CB9-480B-9443-592ECACCB1B2}" type="pres">
-      <dgm:prSet presAssocID="{27C8F191-CB8B-4A89-9EDF-D94B6E4ADC92}" presName="Accent7" presStyleCnt="0"/>
-      <dgm:spPr/>
-    </dgm:pt>
-    <dgm:pt modelId="{2470B0FE-F3CE-48F3-AE82-73016C487D68}" type="pres">
-      <dgm:prSet presAssocID="{27C8F191-CB8B-4A89-9EDF-D94B6E4ADC92}" presName="AccentHold1" presStyleLbl="node1" presStyleIdx="7" presStyleCnt="13"/>
-      <dgm:spPr/>
-    </dgm:pt>
-    <dgm:pt modelId="{1C5C821B-7AF3-4B1C-B3FE-45A337B82741}" type="pres">
-      <dgm:prSet presAssocID="{27C8F191-CB8B-4A89-9EDF-D94B6E4ADC92}" presName="Accent8" presStyleCnt="0"/>
-      <dgm:spPr/>
-    </dgm:pt>
-    <dgm:pt modelId="{48BC9D73-B86D-4378-970E-5CD650E31618}" type="pres">
-      <dgm:prSet presAssocID="{27C8F191-CB8B-4A89-9EDF-D94B6E4ADC92}" presName="AccentHold2" presStyleLbl="node1" presStyleIdx="8" presStyleCnt="13"/>
-      <dgm:spPr/>
-    </dgm:pt>
-    <dgm:pt modelId="{EB301C3D-F1F9-4A72-AC54-827EBC1AD812}" type="pres">
-      <dgm:prSet presAssocID="{AEFF5EA2-6931-4098-96C8-31AE53CB425B}" presName="Child2" presStyleLbl="node1" presStyleIdx="9" presStyleCnt="13" custScaleX="155423" custScaleY="155423" custLinFactNeighborX="22013" custLinFactNeighborY="-5070">
-        <dgm:presLayoutVars>
-          <dgm:chMax val="0"/>
-          <dgm:chPref val="0"/>
-        </dgm:presLayoutVars>
-      </dgm:prSet>
-      <dgm:spPr/>
-    </dgm:pt>
-    <dgm:pt modelId="{6B30F03A-93BA-441A-ABF4-25C2455DF7C0}" type="pres">
-      <dgm:prSet presAssocID="{AEFF5EA2-6931-4098-96C8-31AE53CB425B}" presName="Accent9" presStyleCnt="0"/>
-      <dgm:spPr/>
-    </dgm:pt>
-    <dgm:pt modelId="{0DF8FB3E-B0B0-40D8-B039-0C7B496BBA97}" type="pres">
-      <dgm:prSet presAssocID="{AEFF5EA2-6931-4098-96C8-31AE53CB425B}" presName="AccentHold1" presStyleLbl="node1" presStyleIdx="10" presStyleCnt="13"/>
-      <dgm:spPr/>
-    </dgm:pt>
-    <dgm:pt modelId="{37FA1CD0-A7DC-4E74-BDC2-224405012EB0}" type="pres">
-      <dgm:prSet presAssocID="{AEFF5EA2-6931-4098-96C8-31AE53CB425B}" presName="Accent10" presStyleCnt="0"/>
-      <dgm:spPr/>
-    </dgm:pt>
-    <dgm:pt modelId="{022614F8-042B-41CB-A6A7-8094C903EB2F}" type="pres">
-      <dgm:prSet presAssocID="{AEFF5EA2-6931-4098-96C8-31AE53CB425B}" presName="AccentHold2" presStyleLbl="node1" presStyleIdx="11" presStyleCnt="13"/>
-      <dgm:spPr/>
-    </dgm:pt>
-    <dgm:pt modelId="{BA4661A9-DFAB-468E-97BE-F29D08FF69A9}" type="pres">
-      <dgm:prSet presAssocID="{AEFF5EA2-6931-4098-96C8-31AE53CB425B}" presName="Accent11" presStyleCnt="0"/>
-      <dgm:spPr/>
-    </dgm:pt>
-    <dgm:pt modelId="{C85BB588-B4E8-4D50-9280-4D4F2686007C}" type="pres">
-      <dgm:prSet presAssocID="{AEFF5EA2-6931-4098-96C8-31AE53CB425B}" presName="AccentHold3" presStyleLbl="node1" presStyleIdx="12" presStyleCnt="13"/>
-      <dgm:spPr/>
-    </dgm:pt>
-  </dgm:ptLst>
-  <dgm:cxnLst>
-    <dgm:cxn modelId="{9443D217-9168-4ECF-A563-7C2F4C998EAA}" type="presOf" srcId="{27C8F191-CB8B-4A89-9EDF-D94B6E4ADC92}" destId="{CCDD2561-1FC5-4EA6-AD90-3ADAF62A41D1}" srcOrd="0" destOrd="0" presId="urn:microsoft.com/office/officeart/2009/3/layout/CircleRelationship"/>
-    <dgm:cxn modelId="{FDEC3F6B-F860-4E8B-8B14-455DBFCFBFB4}" srcId="{BE5B76ED-C686-4E97-9A28-74231B4FDDD1}" destId="{B388C4F7-DD86-40E4-BA83-6838C8E845B2}" srcOrd="0" destOrd="0" parTransId="{4F4EFEB2-AE6B-4B4E-A388-E726479684C1}" sibTransId="{BEE196C3-EEB3-4935-976F-A713EF603EEA}"/>
-    <dgm:cxn modelId="{2D96128D-55F5-4B46-B071-9EA8CDCA9DCD}" srcId="{B388C4F7-DD86-40E4-BA83-6838C8E845B2}" destId="{AEFF5EA2-6931-4098-96C8-31AE53CB425B}" srcOrd="1" destOrd="0" parTransId="{AC52CE11-07EF-42A7-A67A-2231908FD231}" sibTransId="{FB25E557-3597-4AEA-B1FC-EA99A632BFB1}"/>
-    <dgm:cxn modelId="{4E26289A-3825-4A9C-991F-8AB8A7EFD597}" srcId="{B388C4F7-DD86-40E4-BA83-6838C8E845B2}" destId="{27C8F191-CB8B-4A89-9EDF-D94B6E4ADC92}" srcOrd="0" destOrd="0" parTransId="{8EFDF7C7-310E-4ED5-B739-2186FB69ED8A}" sibTransId="{755F5D09-ECCD-4FC5-B350-FED951F57983}"/>
-    <dgm:cxn modelId="{61F4EB9B-7EBC-4FC4-B727-C4A1C0EF0E59}" type="presOf" srcId="{AEFF5EA2-6931-4098-96C8-31AE53CB425B}" destId="{EB301C3D-F1F9-4A72-AC54-827EBC1AD812}" srcOrd="0" destOrd="0" presId="urn:microsoft.com/office/officeart/2009/3/layout/CircleRelationship"/>
-    <dgm:cxn modelId="{873563D0-860F-487F-97A2-E4B8D49A3DAA}" type="presOf" srcId="{B388C4F7-DD86-40E4-BA83-6838C8E845B2}" destId="{A6EEB127-C2F5-4C0D-B108-CC2B3F78F4F1}" srcOrd="0" destOrd="0" presId="urn:microsoft.com/office/officeart/2009/3/layout/CircleRelationship"/>
-    <dgm:cxn modelId="{A3AC16E3-96A0-4DCE-A502-BF3413F7EEBB}" type="presOf" srcId="{BE5B76ED-C686-4E97-9A28-74231B4FDDD1}" destId="{EC323DFF-E2DA-4381-8948-5F3D2CD82207}" srcOrd="0" destOrd="0" presId="urn:microsoft.com/office/officeart/2009/3/layout/CircleRelationship"/>
-    <dgm:cxn modelId="{7D45573C-4EBD-433F-BFA4-B1A529D7A12E}" type="presParOf" srcId="{EC323DFF-E2DA-4381-8948-5F3D2CD82207}" destId="{A6EEB127-C2F5-4C0D-B108-CC2B3F78F4F1}" srcOrd="0" destOrd="0" presId="urn:microsoft.com/office/officeart/2009/3/layout/CircleRelationship"/>
-    <dgm:cxn modelId="{F969CC6B-49AF-4CFA-905C-5A439FA65BB3}" type="presParOf" srcId="{EC323DFF-E2DA-4381-8948-5F3D2CD82207}" destId="{8A0FF0D8-0AF7-44A4-833E-7EA23A507B5A}" srcOrd="1" destOrd="0" presId="urn:microsoft.com/office/officeart/2009/3/layout/CircleRelationship"/>
-    <dgm:cxn modelId="{0B13118F-EC84-4BBC-B9D4-F016C42736A0}" type="presParOf" srcId="{EC323DFF-E2DA-4381-8948-5F3D2CD82207}" destId="{F988BAF3-9DE2-4A25-84FE-B7C476401BC3}" srcOrd="2" destOrd="0" presId="urn:microsoft.com/office/officeart/2009/3/layout/CircleRelationship"/>
-    <dgm:cxn modelId="{5A4C313A-14FE-4D34-9BAF-E781C66DAB07}" type="presParOf" srcId="{EC323DFF-E2DA-4381-8948-5F3D2CD82207}" destId="{6288D093-07AF-4EEB-B57C-FB5DA4420E30}" srcOrd="3" destOrd="0" presId="urn:microsoft.com/office/officeart/2009/3/layout/CircleRelationship"/>
-    <dgm:cxn modelId="{D6ACDC7E-1588-4451-A7EF-95F6F8F98E10}" type="presParOf" srcId="{EC323DFF-E2DA-4381-8948-5F3D2CD82207}" destId="{099685E2-34CD-4723-A342-ED2D0CA22ECA}" srcOrd="4" destOrd="0" presId="urn:microsoft.com/office/officeart/2009/3/layout/CircleRelationship"/>
-    <dgm:cxn modelId="{BF445524-7631-46A4-A9F8-F7CB08035DDB}" type="presParOf" srcId="{EC323DFF-E2DA-4381-8948-5F3D2CD82207}" destId="{282F7230-9226-4387-9620-3DC67223F95C}" srcOrd="5" destOrd="0" presId="urn:microsoft.com/office/officeart/2009/3/layout/CircleRelationship"/>
-    <dgm:cxn modelId="{218BBC07-C0B0-48B2-980B-148E51AEE23B}" type="presParOf" srcId="{EC323DFF-E2DA-4381-8948-5F3D2CD82207}" destId="{2682D7C4-37F7-4CA1-B102-AED7627E9C93}" srcOrd="6" destOrd="0" presId="urn:microsoft.com/office/officeart/2009/3/layout/CircleRelationship"/>
-    <dgm:cxn modelId="{AA1E1669-BD7D-411E-94D4-913E8566F654}" type="presParOf" srcId="{EC323DFF-E2DA-4381-8948-5F3D2CD82207}" destId="{CCDD2561-1FC5-4EA6-AD90-3ADAF62A41D1}" srcOrd="7" destOrd="0" presId="urn:microsoft.com/office/officeart/2009/3/layout/CircleRelationship"/>
-    <dgm:cxn modelId="{D0F07794-37F8-4175-8296-9725EA64B2E3}" type="presParOf" srcId="{EC323DFF-E2DA-4381-8948-5F3D2CD82207}" destId="{DD36342D-1CB9-480B-9443-592ECACCB1B2}" srcOrd="8" destOrd="0" presId="urn:microsoft.com/office/officeart/2009/3/layout/CircleRelationship"/>
-    <dgm:cxn modelId="{8AE7B659-C31F-4F52-9686-C1ABB63B1EA9}" type="presParOf" srcId="{DD36342D-1CB9-480B-9443-592ECACCB1B2}" destId="{2470B0FE-F3CE-48F3-AE82-73016C487D68}" srcOrd="0" destOrd="0" presId="urn:microsoft.com/office/officeart/2009/3/layout/CircleRelationship"/>
-    <dgm:cxn modelId="{5834BBB2-34B9-46B9-948C-3BC456B978F5}" type="presParOf" srcId="{EC323DFF-E2DA-4381-8948-5F3D2CD82207}" destId="{1C5C821B-7AF3-4B1C-B3FE-45A337B82741}" srcOrd="9" destOrd="0" presId="urn:microsoft.com/office/officeart/2009/3/layout/CircleRelationship"/>
-    <dgm:cxn modelId="{639DABF8-5BDE-484F-A747-33E9F42E376F}" type="presParOf" srcId="{1C5C821B-7AF3-4B1C-B3FE-45A337B82741}" destId="{48BC9D73-B86D-4378-970E-5CD650E31618}" srcOrd="0" destOrd="0" presId="urn:microsoft.com/office/officeart/2009/3/layout/CircleRelationship"/>
-    <dgm:cxn modelId="{318F3B25-56D7-4CD3-80CD-4ECF6ABE9097}" type="presParOf" srcId="{EC323DFF-E2DA-4381-8948-5F3D2CD82207}" destId="{EB301C3D-F1F9-4A72-AC54-827EBC1AD812}" srcOrd="10" destOrd="0" presId="urn:microsoft.com/office/officeart/2009/3/layout/CircleRelationship"/>
-    <dgm:cxn modelId="{5F192FAF-AA29-4119-9D75-AAF74B2D984A}" type="presParOf" srcId="{EC323DFF-E2DA-4381-8948-5F3D2CD82207}" destId="{6B30F03A-93BA-441A-ABF4-25C2455DF7C0}" srcOrd="11" destOrd="0" presId="urn:microsoft.com/office/officeart/2009/3/layout/CircleRelationship"/>
-    <dgm:cxn modelId="{FF4ED7F3-8BF5-4BCE-8EC2-0B8ACBB19BC4}" type="presParOf" srcId="{6B30F03A-93BA-441A-ABF4-25C2455DF7C0}" destId="{0DF8FB3E-B0B0-40D8-B039-0C7B496BBA97}" srcOrd="0" destOrd="0" presId="urn:microsoft.com/office/officeart/2009/3/layout/CircleRelationship"/>
-    <dgm:cxn modelId="{89500581-5988-46A4-9DF9-3A7B84A68823}" type="presParOf" srcId="{EC323DFF-E2DA-4381-8948-5F3D2CD82207}" destId="{37FA1CD0-A7DC-4E74-BDC2-224405012EB0}" srcOrd="12" destOrd="0" presId="urn:microsoft.com/office/officeart/2009/3/layout/CircleRelationship"/>
-    <dgm:cxn modelId="{7957AFA6-FEBB-441D-B867-7098C7F0D056}" type="presParOf" srcId="{37FA1CD0-A7DC-4E74-BDC2-224405012EB0}" destId="{022614F8-042B-41CB-A6A7-8094C903EB2F}" srcOrd="0" destOrd="0" presId="urn:microsoft.com/office/officeart/2009/3/layout/CircleRelationship"/>
-    <dgm:cxn modelId="{93B1B3BC-398A-43F6-862B-AA461BA776D1}" type="presParOf" srcId="{EC323DFF-E2DA-4381-8948-5F3D2CD82207}" destId="{BA4661A9-DFAB-468E-97BE-F29D08FF69A9}" srcOrd="13" destOrd="0" presId="urn:microsoft.com/office/officeart/2009/3/layout/CircleRelationship"/>
-    <dgm:cxn modelId="{063A3997-1101-4FAD-B1B6-AA0965152552}" type="presParOf" srcId="{BA4661A9-DFAB-468E-97BE-F29D08FF69A9}" destId="{C85BB588-B4E8-4D50-9280-4D4F2686007C}" srcOrd="0" destOrd="0" presId="urn:microsoft.com/office/officeart/2009/3/layout/CircleRelationship"/>
-  </dgm:cxnLst>
-  <dgm:bg/>
-  <dgm:whole/>
-  <dgm:extLst>
-    <a:ext uri="http://schemas.microsoft.com/office/drawing/2008/diagram">
-      <dsp:dataModelExt xmlns:dsp="http://schemas.microsoft.com/office/drawing/2008/diagram" relId="rId8" minVer="http://schemas.openxmlformats.org/drawingml/2006/diagram"/>
-    </a:ext>
-  </dgm:extLst>
-</dgm:dataModel>
-</file>
-
-<file path=ppt/diagrams/drawing1.xml><?xml version="1.0" encoding="utf-8"?>
-<dsp:drawing xmlns:dgm="http://schemas.openxmlformats.org/drawingml/2006/diagram" xmlns:dsp="http://schemas.microsoft.com/office/drawing/2008/diagram" xmlns:a="http://schemas.openxmlformats.org/drawingml/2006/main">
-  <dsp:spTree>
-    <dsp:nvGrpSpPr>
-      <dsp:cNvPr id="0" name=""/>
-      <dsp:cNvGrpSpPr/>
-    </dsp:nvGrpSpPr>
-    <dsp:grpSpPr/>
-    <dsp:sp modelId="{5E340066-1B2E-4C4E-80A2-97E86ABFA479}">
-      <dsp:nvSpPr>
-        <dsp:cNvPr id="0" name=""/>
-        <dsp:cNvSpPr/>
-      </dsp:nvSpPr>
-      <dsp:spPr>
-        <a:xfrm>
-          <a:off x="129313" y="735315"/>
-          <a:ext cx="779074" cy="779074"/>
-        </a:xfrm>
-        <a:prstGeom prst="ellipse">
-          <a:avLst/>
-        </a:prstGeom>
-        <a:solidFill>
-          <a:schemeClr val="accent3">
-            <a:hueOff val="0"/>
-            <a:satOff val="0"/>
-            <a:lumOff val="0"/>
-            <a:alphaOff val="0"/>
-          </a:schemeClr>
-        </a:solidFill>
-        <a:ln>
-          <a:noFill/>
-        </a:ln>
-        <a:effectLst/>
-      </dsp:spPr>
-      <dsp:style>
-        <a:lnRef idx="0">
-          <a:scrgbClr r="0" g="0" b="0"/>
-        </a:lnRef>
-        <a:fillRef idx="1">
-          <a:scrgbClr r="0" g="0" b="0"/>
-        </a:fillRef>
-        <a:effectRef idx="0">
-          <a:scrgbClr r="0" g="0" b="0"/>
-        </a:effectRef>
-        <a:fontRef idx="minor"/>
-      </dsp:style>
-    </dsp:sp>
-    <dsp:sp modelId="{F55B2F71-E638-412C-8147-FC7081E08B04}">
-      <dsp:nvSpPr>
-        <dsp:cNvPr id="0" name=""/>
-        <dsp:cNvSpPr/>
-      </dsp:nvSpPr>
-      <dsp:spPr>
-        <a:xfrm>
-          <a:off x="292918" y="898921"/>
-          <a:ext cx="451863" cy="451863"/>
-        </a:xfrm>
-        <a:prstGeom prst="rect">
-          <a:avLst/>
-        </a:prstGeom>
-        <a:blipFill>
-          <a:blip xmlns:r="http://schemas.openxmlformats.org/officeDocument/2006/relationships" r:embed="rId1">
-            <a:extLst>
-              <a:ext uri="{28A0092B-C50C-407E-A947-70E740481C1C}">
-                <a14:useLocalDpi xmlns:a14="http://schemas.microsoft.com/office/drawing/2010/main" val="0"/>
-              </a:ext>
-              <a:ext uri="{96DAC541-7B7A-43D3-8B79-37D633B846F1}">
-                <asvg:svgBlip xmlns:asvg="http://schemas.microsoft.com/office/drawing/2016/SVG/main" r:embed="rId2"/>
-              </a:ext>
-            </a:extLst>
-          </a:blip>
-          <a:stretch>
-            <a:fillRect/>
-          </a:stretch>
-        </a:blipFill>
-        <a:ln w="19050" cap="rnd" cmpd="sng" algn="ctr">
-          <a:noFill/>
-          <a:prstDash val="solid"/>
-        </a:ln>
-        <a:effectLst/>
-      </dsp:spPr>
-      <dsp:style>
-        <a:lnRef idx="2">
-          <a:scrgbClr r="0" g="0" b="0"/>
-        </a:lnRef>
-        <a:fillRef idx="1">
-          <a:scrgbClr r="0" g="0" b="0"/>
-        </a:fillRef>
-        <a:effectRef idx="0">
-          <a:scrgbClr r="0" g="0" b="0"/>
-        </a:effectRef>
-        <a:fontRef idx="minor">
-          <a:schemeClr val="lt1"/>
-        </a:fontRef>
-      </dsp:style>
-    </dsp:sp>
-    <dsp:sp modelId="{E05AF25A-E676-44EA-BB66-F2100ACAD1CB}">
-      <dsp:nvSpPr>
-        <dsp:cNvPr id="0" name=""/>
-        <dsp:cNvSpPr/>
-      </dsp:nvSpPr>
-      <dsp:spPr>
-        <a:xfrm>
-          <a:off x="1075332" y="735315"/>
-          <a:ext cx="1836390" cy="779074"/>
-        </a:xfrm>
-        <a:prstGeom prst="rect">
-          <a:avLst/>
-        </a:prstGeom>
-        <a:noFill/>
-        <a:ln>
-          <a:noFill/>
-        </a:ln>
-        <a:effectLst/>
-      </dsp:spPr>
-      <dsp:style>
-        <a:lnRef idx="0">
-          <a:scrgbClr r="0" g="0" b="0"/>
-        </a:lnRef>
-        <a:fillRef idx="0">
-          <a:scrgbClr r="0" g="0" b="0"/>
-        </a:fillRef>
-        <a:effectRef idx="0">
-          <a:scrgbClr r="0" g="0" b="0"/>
-        </a:effectRef>
-        <a:fontRef idx="minor"/>
-      </dsp:style>
-      <dsp:txBody>
-        <a:bodyPr spcFirstLastPara="0" vert="horz" wrap="square" lIns="0" tIns="0" rIns="0" bIns="0" numCol="1" spcCol="1270" anchor="ctr" anchorCtr="0">
-          <a:noAutofit/>
-        </a:bodyPr>
-        <a:lstStyle/>
-        <a:p>
-          <a:pPr marL="0" lvl="0" indent="0" algn="l" defTabSz="1066800">
-            <a:lnSpc>
-              <a:spcPct val="100000"/>
-            </a:lnSpc>
-            <a:spcBef>
-              <a:spcPct val="0"/>
-            </a:spcBef>
-            <a:spcAft>
-              <a:spcPct val="35000"/>
-            </a:spcAft>
-            <a:buNone/>
-          </a:pPr>
-          <a:r>
-            <a:rPr lang="en-US" sz="2400" kern="1200" dirty="0"/>
-            <a:t>Smart Product</a:t>
-          </a:r>
-        </a:p>
-      </dsp:txBody>
-      <dsp:txXfrm>
-        <a:off x="1075332" y="735315"/>
-        <a:ext cx="1836390" cy="779074"/>
-      </dsp:txXfrm>
-    </dsp:sp>
-    <dsp:sp modelId="{75512A68-FA50-4392-A441-C6EC352FE606}">
-      <dsp:nvSpPr>
-        <dsp:cNvPr id="0" name=""/>
-        <dsp:cNvSpPr/>
-      </dsp:nvSpPr>
-      <dsp:spPr>
-        <a:xfrm>
-          <a:off x="3231700" y="735315"/>
-          <a:ext cx="779074" cy="779074"/>
-        </a:xfrm>
-        <a:prstGeom prst="ellipse">
-          <a:avLst/>
-        </a:prstGeom>
-        <a:solidFill>
-          <a:schemeClr val="accent3">
-            <a:hueOff val="0"/>
-            <a:satOff val="0"/>
-            <a:lumOff val="0"/>
-            <a:alphaOff val="0"/>
-          </a:schemeClr>
-        </a:solidFill>
-        <a:ln>
-          <a:noFill/>
-        </a:ln>
-        <a:effectLst/>
-      </dsp:spPr>
-      <dsp:style>
-        <a:lnRef idx="0">
-          <a:scrgbClr r="0" g="0" b="0"/>
-        </a:lnRef>
-        <a:fillRef idx="1">
-          <a:scrgbClr r="0" g="0" b="0"/>
-        </a:fillRef>
-        <a:effectRef idx="0">
-          <a:scrgbClr r="0" g="0" b="0"/>
-        </a:effectRef>
-        <a:fontRef idx="minor"/>
-      </dsp:style>
-    </dsp:sp>
-    <dsp:sp modelId="{C425A8E1-258A-4D4B-9D55-24376C0AB360}">
-      <dsp:nvSpPr>
-        <dsp:cNvPr id="0" name=""/>
-        <dsp:cNvSpPr/>
-      </dsp:nvSpPr>
-      <dsp:spPr>
-        <a:xfrm>
-          <a:off x="3395305" y="898921"/>
-          <a:ext cx="451863" cy="451863"/>
-        </a:xfrm>
-        <a:prstGeom prst="rect">
-          <a:avLst/>
-        </a:prstGeom>
-        <a:blipFill>
-          <a:blip xmlns:r="http://schemas.openxmlformats.org/officeDocument/2006/relationships" r:embed="rId3">
-            <a:extLst>
-              <a:ext uri="{28A0092B-C50C-407E-A947-70E740481C1C}">
-                <a14:useLocalDpi xmlns:a14="http://schemas.microsoft.com/office/drawing/2010/main" val="0"/>
-              </a:ext>
-              <a:ext uri="{96DAC541-7B7A-43D3-8B79-37D633B846F1}">
-                <asvg:svgBlip xmlns:asvg="http://schemas.microsoft.com/office/drawing/2016/SVG/main" r:embed="rId4"/>
-              </a:ext>
-            </a:extLst>
-          </a:blip>
-          <a:stretch>
-            <a:fillRect/>
-          </a:stretch>
-        </a:blipFill>
-        <a:ln w="19050" cap="rnd" cmpd="sng" algn="ctr">
-          <a:noFill/>
-          <a:prstDash val="solid"/>
-        </a:ln>
-        <a:effectLst/>
-      </dsp:spPr>
-      <dsp:style>
-        <a:lnRef idx="2">
-          <a:scrgbClr r="0" g="0" b="0"/>
-        </a:lnRef>
-        <a:fillRef idx="1">
-          <a:scrgbClr r="0" g="0" b="0"/>
-        </a:fillRef>
-        <a:effectRef idx="0">
-          <a:scrgbClr r="0" g="0" b="0"/>
-        </a:effectRef>
-        <a:fontRef idx="minor">
-          <a:schemeClr val="lt1"/>
-        </a:fontRef>
-      </dsp:style>
-    </dsp:sp>
-    <dsp:sp modelId="{523C7F31-A7C1-43C9-AE27-AAE9100EE1FE}">
-      <dsp:nvSpPr>
-        <dsp:cNvPr id="0" name=""/>
-        <dsp:cNvSpPr/>
-      </dsp:nvSpPr>
-      <dsp:spPr>
-        <a:xfrm>
-          <a:off x="4177719" y="735315"/>
-          <a:ext cx="1836390" cy="779074"/>
-        </a:xfrm>
-        <a:prstGeom prst="rect">
-          <a:avLst/>
-        </a:prstGeom>
-        <a:noFill/>
-        <a:ln>
-          <a:noFill/>
-        </a:ln>
-        <a:effectLst/>
-      </dsp:spPr>
-      <dsp:style>
-        <a:lnRef idx="0">
-          <a:scrgbClr r="0" g="0" b="0"/>
-        </a:lnRef>
-        <a:fillRef idx="0">
-          <a:scrgbClr r="0" g="0" b="0"/>
-        </a:fillRef>
-        <a:effectRef idx="0">
-          <a:scrgbClr r="0" g="0" b="0"/>
-        </a:effectRef>
-        <a:fontRef idx="minor"/>
-      </dsp:style>
-      <dsp:txBody>
-        <a:bodyPr spcFirstLastPara="0" vert="horz" wrap="square" lIns="0" tIns="0" rIns="0" bIns="0" numCol="1" spcCol="1270" anchor="ctr" anchorCtr="0">
-          <a:noAutofit/>
-        </a:bodyPr>
-        <a:lstStyle/>
-        <a:p>
-          <a:pPr marL="0" lvl="0" indent="0" algn="l" defTabSz="1066800">
-            <a:lnSpc>
-              <a:spcPct val="100000"/>
-            </a:lnSpc>
-            <a:spcBef>
-              <a:spcPct val="0"/>
-            </a:spcBef>
-            <a:spcAft>
-              <a:spcPct val="35000"/>
-            </a:spcAft>
-            <a:buNone/>
-          </a:pPr>
-          <a:r>
-            <a:rPr lang="en-US" sz="2400" kern="1200" dirty="0"/>
-            <a:t>Voice Recognition</a:t>
-          </a:r>
-        </a:p>
-      </dsp:txBody>
-      <dsp:txXfrm>
-        <a:off x="4177719" y="735315"/>
-        <a:ext cx="1836390" cy="779074"/>
-      </dsp:txXfrm>
-    </dsp:sp>
-    <dsp:sp modelId="{2CA4BD4C-87EF-4944-9E57-97154B3B633C}">
-      <dsp:nvSpPr>
-        <dsp:cNvPr id="0" name=""/>
-        <dsp:cNvSpPr/>
-      </dsp:nvSpPr>
-      <dsp:spPr>
-        <a:xfrm>
-          <a:off x="129313" y="2134742"/>
-          <a:ext cx="779074" cy="779074"/>
-        </a:xfrm>
-        <a:prstGeom prst="ellipse">
-          <a:avLst/>
-        </a:prstGeom>
-        <a:solidFill>
-          <a:schemeClr val="accent3">
-            <a:hueOff val="0"/>
-            <a:satOff val="0"/>
-            <a:lumOff val="0"/>
-            <a:alphaOff val="0"/>
-          </a:schemeClr>
-        </a:solidFill>
-        <a:ln>
-          <a:noFill/>
-        </a:ln>
-        <a:effectLst/>
-      </dsp:spPr>
-      <dsp:style>
-        <a:lnRef idx="0">
-          <a:scrgbClr r="0" g="0" b="0"/>
-        </a:lnRef>
-        <a:fillRef idx="1">
-          <a:scrgbClr r="0" g="0" b="0"/>
-        </a:fillRef>
-        <a:effectRef idx="0">
-          <a:scrgbClr r="0" g="0" b="0"/>
-        </a:effectRef>
-        <a:fontRef idx="minor"/>
-      </dsp:style>
-    </dsp:sp>
-    <dsp:sp modelId="{D99F53AC-3AF2-437B-A5AB-1239ADEC0676}">
-      <dsp:nvSpPr>
-        <dsp:cNvPr id="0" name=""/>
-        <dsp:cNvSpPr/>
-      </dsp:nvSpPr>
-      <dsp:spPr>
-        <a:xfrm>
-          <a:off x="292918" y="2298348"/>
-          <a:ext cx="451863" cy="451863"/>
-        </a:xfrm>
-        <a:prstGeom prst="rect">
-          <a:avLst/>
-        </a:prstGeom>
-        <a:blipFill>
-          <a:blip xmlns:r="http://schemas.openxmlformats.org/officeDocument/2006/relationships" r:embed="rId5">
-            <a:extLst>
-              <a:ext uri="{28A0092B-C50C-407E-A947-70E740481C1C}">
-                <a14:useLocalDpi xmlns:a14="http://schemas.microsoft.com/office/drawing/2010/main" val="0"/>
-              </a:ext>
-              <a:ext uri="{96DAC541-7B7A-43D3-8B79-37D633B846F1}">
-                <asvg:svgBlip xmlns:asvg="http://schemas.microsoft.com/office/drawing/2016/SVG/main" r:embed="rId6"/>
-              </a:ext>
-            </a:extLst>
-          </a:blip>
-          <a:stretch>
-            <a:fillRect/>
-          </a:stretch>
-        </a:blipFill>
-        <a:ln w="19050" cap="rnd" cmpd="sng" algn="ctr">
-          <a:noFill/>
-          <a:prstDash val="solid"/>
-        </a:ln>
-        <a:effectLst/>
-      </dsp:spPr>
-      <dsp:style>
-        <a:lnRef idx="2">
-          <a:scrgbClr r="0" g="0" b="0"/>
-        </a:lnRef>
-        <a:fillRef idx="1">
-          <a:scrgbClr r="0" g="0" b="0"/>
-        </a:fillRef>
-        <a:effectRef idx="0">
-          <a:scrgbClr r="0" g="0" b="0"/>
-        </a:effectRef>
-        <a:fontRef idx="minor">
-          <a:schemeClr val="lt1"/>
-        </a:fontRef>
-      </dsp:style>
-    </dsp:sp>
-    <dsp:sp modelId="{D203E058-79E0-456E-A0FD-258E317D3D6A}">
-      <dsp:nvSpPr>
-        <dsp:cNvPr id="0" name=""/>
-        <dsp:cNvSpPr/>
-      </dsp:nvSpPr>
-      <dsp:spPr>
-        <a:xfrm>
-          <a:off x="1075332" y="2134742"/>
-          <a:ext cx="1836390" cy="779074"/>
-        </a:xfrm>
-        <a:prstGeom prst="rect">
-          <a:avLst/>
-        </a:prstGeom>
-        <a:noFill/>
-        <a:ln>
-          <a:noFill/>
-        </a:ln>
-        <a:effectLst/>
-      </dsp:spPr>
-      <dsp:style>
-        <a:lnRef idx="0">
-          <a:scrgbClr r="0" g="0" b="0"/>
-        </a:lnRef>
-        <a:fillRef idx="0">
-          <a:scrgbClr r="0" g="0" b="0"/>
-        </a:fillRef>
-        <a:effectRef idx="0">
-          <a:scrgbClr r="0" g="0" b="0"/>
-        </a:effectRef>
-        <a:fontRef idx="minor"/>
-      </dsp:style>
-      <dsp:txBody>
-        <a:bodyPr spcFirstLastPara="0" vert="horz" wrap="square" lIns="0" tIns="0" rIns="0" bIns="0" numCol="1" spcCol="1270" anchor="ctr" anchorCtr="0">
-          <a:noAutofit/>
-        </a:bodyPr>
-        <a:lstStyle/>
-        <a:p>
-          <a:pPr marL="0" lvl="0" indent="0" algn="l" defTabSz="1066800">
-            <a:lnSpc>
-              <a:spcPct val="100000"/>
-            </a:lnSpc>
-            <a:spcBef>
-              <a:spcPct val="0"/>
-            </a:spcBef>
-            <a:spcAft>
-              <a:spcPct val="35000"/>
-            </a:spcAft>
-            <a:buNone/>
-          </a:pPr>
-          <a:r>
-            <a:rPr lang="en-US" sz="2400" kern="1200" dirty="0"/>
-            <a:t>Artificial Intelligence</a:t>
-          </a:r>
-        </a:p>
-      </dsp:txBody>
-      <dsp:txXfrm>
-        <a:off x="1075332" y="2134742"/>
-        <a:ext cx="1836390" cy="779074"/>
-      </dsp:txXfrm>
-    </dsp:sp>
-    <dsp:sp modelId="{7089FE6B-57E5-4306-8097-E758E000C828}">
-      <dsp:nvSpPr>
-        <dsp:cNvPr id="0" name=""/>
-        <dsp:cNvSpPr/>
-      </dsp:nvSpPr>
-      <dsp:spPr>
-        <a:xfrm>
-          <a:off x="3231700" y="2134742"/>
-          <a:ext cx="779074" cy="779074"/>
-        </a:xfrm>
-        <a:prstGeom prst="ellipse">
-          <a:avLst/>
-        </a:prstGeom>
-        <a:solidFill>
-          <a:schemeClr val="accent3">
-            <a:hueOff val="0"/>
-            <a:satOff val="0"/>
-            <a:lumOff val="0"/>
-            <a:alphaOff val="0"/>
-          </a:schemeClr>
-        </a:solidFill>
-        <a:ln>
-          <a:noFill/>
-        </a:ln>
-        <a:effectLst/>
-      </dsp:spPr>
-      <dsp:style>
-        <a:lnRef idx="0">
-          <a:scrgbClr r="0" g="0" b="0"/>
-        </a:lnRef>
-        <a:fillRef idx="1">
-          <a:scrgbClr r="0" g="0" b="0"/>
-        </a:fillRef>
-        <a:effectRef idx="0">
-          <a:scrgbClr r="0" g="0" b="0"/>
-        </a:effectRef>
-        <a:fontRef idx="minor"/>
-      </dsp:style>
-    </dsp:sp>
-    <dsp:sp modelId="{41C0BC0F-FFD5-42B5-B952-9316B9364F6F}">
-      <dsp:nvSpPr>
-        <dsp:cNvPr id="0" name=""/>
-        <dsp:cNvSpPr/>
-      </dsp:nvSpPr>
-      <dsp:spPr>
-        <a:xfrm>
-          <a:off x="3395305" y="2298348"/>
-          <a:ext cx="451863" cy="451863"/>
-        </a:xfrm>
-        <a:prstGeom prst="rect">
-          <a:avLst/>
-        </a:prstGeom>
-        <a:blipFill>
-          <a:blip xmlns:r="http://schemas.openxmlformats.org/officeDocument/2006/relationships" r:embed="rId7">
-            <a:extLst>
-              <a:ext uri="{28A0092B-C50C-407E-A947-70E740481C1C}">
-                <a14:useLocalDpi xmlns:a14="http://schemas.microsoft.com/office/drawing/2010/main" val="0"/>
-              </a:ext>
-              <a:ext uri="{96DAC541-7B7A-43D3-8B79-37D633B846F1}">
-                <asvg:svgBlip xmlns:asvg="http://schemas.microsoft.com/office/drawing/2016/SVG/main" r:embed="rId8"/>
-              </a:ext>
-            </a:extLst>
-          </a:blip>
-          <a:stretch>
-            <a:fillRect/>
-          </a:stretch>
-        </a:blipFill>
-        <a:ln w="19050" cap="rnd" cmpd="sng" algn="ctr">
-          <a:noFill/>
-          <a:prstDash val="solid"/>
-        </a:ln>
-        <a:effectLst/>
-      </dsp:spPr>
-      <dsp:style>
-        <a:lnRef idx="2">
-          <a:scrgbClr r="0" g="0" b="0"/>
-        </a:lnRef>
-        <a:fillRef idx="1">
-          <a:scrgbClr r="0" g="0" b="0"/>
-        </a:fillRef>
-        <a:effectRef idx="0">
-          <a:scrgbClr r="0" g="0" b="0"/>
-        </a:effectRef>
-        <a:fontRef idx="minor">
-          <a:schemeClr val="lt1"/>
-        </a:fontRef>
-      </dsp:style>
-    </dsp:sp>
-    <dsp:sp modelId="{7703AFE5-FAA2-4D8A-AEFA-D3C5CB41E5BC}">
-      <dsp:nvSpPr>
-        <dsp:cNvPr id="0" name=""/>
-        <dsp:cNvSpPr/>
-      </dsp:nvSpPr>
-      <dsp:spPr>
-        <a:xfrm>
-          <a:off x="4177719" y="2134742"/>
-          <a:ext cx="1836390" cy="779074"/>
-        </a:xfrm>
-        <a:prstGeom prst="rect">
-          <a:avLst/>
-        </a:prstGeom>
-        <a:noFill/>
-        <a:ln>
-          <a:noFill/>
-        </a:ln>
-        <a:effectLst/>
-      </dsp:spPr>
-      <dsp:style>
-        <a:lnRef idx="0">
-          <a:scrgbClr r="0" g="0" b="0"/>
-        </a:lnRef>
-        <a:fillRef idx="0">
-          <a:scrgbClr r="0" g="0" b="0"/>
-        </a:fillRef>
-        <a:effectRef idx="0">
-          <a:scrgbClr r="0" g="0" b="0"/>
-        </a:effectRef>
-        <a:fontRef idx="minor"/>
-      </dsp:style>
-      <dsp:txBody>
-        <a:bodyPr spcFirstLastPara="0" vert="horz" wrap="square" lIns="0" tIns="0" rIns="0" bIns="0" numCol="1" spcCol="1270" anchor="ctr" anchorCtr="0">
-          <a:noAutofit/>
-        </a:bodyPr>
-        <a:lstStyle/>
-        <a:p>
-          <a:pPr marL="0" lvl="0" indent="0" algn="l" defTabSz="1066800">
-            <a:lnSpc>
-              <a:spcPct val="100000"/>
-            </a:lnSpc>
-            <a:spcBef>
-              <a:spcPct val="0"/>
-            </a:spcBef>
-            <a:spcAft>
-              <a:spcPct val="35000"/>
-            </a:spcAft>
-            <a:buNone/>
-          </a:pPr>
-          <a:r>
-            <a:rPr lang="en-US" sz="2400" kern="1200" dirty="0"/>
-            <a:t>VR</a:t>
-          </a:r>
-        </a:p>
-      </dsp:txBody>
-      <dsp:txXfrm>
-        <a:off x="4177719" y="2134742"/>
-        <a:ext cx="1836390" cy="779074"/>
-      </dsp:txXfrm>
-    </dsp:sp>
-  </dsp:spTree>
-</dsp:drawing>
-</file>
-
-<file path=ppt/diagrams/drawing2.xml><?xml version="1.0" encoding="utf-8"?>
-<dsp:drawing xmlns:dgm="http://schemas.openxmlformats.org/drawingml/2006/diagram" xmlns:dsp="http://schemas.microsoft.com/office/drawing/2008/diagram" xmlns:a="http://schemas.openxmlformats.org/drawingml/2006/main">
-  <dsp:spTree>
-    <dsp:nvGrpSpPr>
-      <dsp:cNvPr id="0" name=""/>
-      <dsp:cNvGrpSpPr/>
-    </dsp:nvGrpSpPr>
-    <dsp:grpSpPr/>
-    <dsp:sp modelId="{A6EEB127-C2F5-4C0D-B108-CC2B3F78F4F1}">
-      <dsp:nvSpPr>
-        <dsp:cNvPr id="0" name=""/>
-        <dsp:cNvSpPr/>
-      </dsp:nvSpPr>
-      <dsp:spPr>
-        <a:xfrm>
-          <a:off x="1746397" y="269357"/>
-          <a:ext cx="3188953" cy="3188885"/>
-        </a:xfrm>
-        <a:prstGeom prst="ellipse">
-          <a:avLst/>
-        </a:prstGeom>
-        <a:gradFill rotWithShape="0">
-          <a:gsLst>
-            <a:gs pos="0">
-              <a:schemeClr val="accent1">
-                <a:hueOff val="0"/>
-                <a:satOff val="0"/>
-                <a:lumOff val="0"/>
-                <a:alphaOff val="0"/>
-                <a:tint val="98000"/>
-                <a:lumMod val="100000"/>
-              </a:schemeClr>
-            </a:gs>
-            <a:gs pos="100000">
-              <a:schemeClr val="accent1">
-                <a:hueOff val="0"/>
-                <a:satOff val="0"/>
-                <a:lumOff val="0"/>
-                <a:alphaOff val="0"/>
-                <a:shade val="88000"/>
-                <a:lumMod val="88000"/>
-              </a:schemeClr>
-            </a:gs>
-          </a:gsLst>
-          <a:lin ang="5400000" scaled="1"/>
-        </a:gradFill>
-        <a:ln>
-          <a:noFill/>
-        </a:ln>
-        <a:effectLst>
-          <a:outerShdw blurRad="50800" dist="38100" dir="5400000" rotWithShape="0">
-            <a:srgbClr val="000000">
-              <a:alpha val="35000"/>
-            </a:srgbClr>
-          </a:outerShdw>
-        </a:effectLst>
-      </dsp:spPr>
-      <dsp:style>
-        <a:lnRef idx="0">
-          <a:scrgbClr r="0" g="0" b="0"/>
-        </a:lnRef>
-        <a:fillRef idx="3">
-          <a:scrgbClr r="0" g="0" b="0"/>
-        </a:fillRef>
-        <a:effectRef idx="2">
-          <a:scrgbClr r="0" g="0" b="0"/>
-        </a:effectRef>
-        <a:fontRef idx="minor">
-          <a:schemeClr val="lt1"/>
-        </a:fontRef>
-      </dsp:style>
-      <dsp:txBody>
-        <a:bodyPr spcFirstLastPara="0" vert="horz" wrap="square" lIns="68580" tIns="68580" rIns="68580" bIns="68580" numCol="1" spcCol="1270" anchor="ctr" anchorCtr="0">
-          <a:noAutofit/>
-        </a:bodyPr>
-        <a:lstStyle/>
-        <a:p>
-          <a:pPr marL="0" lvl="0" indent="0" algn="ctr" defTabSz="800100">
-            <a:lnSpc>
-              <a:spcPct val="90000"/>
-            </a:lnSpc>
-            <a:spcBef>
-              <a:spcPct val="0"/>
-            </a:spcBef>
-            <a:spcAft>
-              <a:spcPct val="35000"/>
-            </a:spcAft>
-            <a:buNone/>
-          </a:pPr>
-          <a:r>
-            <a:rPr lang="en-US" sz="1800" b="1" kern="1200" dirty="0"/>
-            <a:t>Problem Solving</a:t>
-          </a:r>
-        </a:p>
-      </dsp:txBody>
-      <dsp:txXfrm>
-        <a:off x="2213408" y="736358"/>
-        <a:ext cx="2254931" cy="2254883"/>
-      </dsp:txXfrm>
-    </dsp:sp>
-    <dsp:sp modelId="{8A0FF0D8-0AF7-44A4-833E-7EA23A507B5A}">
-      <dsp:nvSpPr>
-        <dsp:cNvPr id="0" name=""/>
-        <dsp:cNvSpPr/>
-      </dsp:nvSpPr>
-      <dsp:spPr>
-        <a:xfrm>
-          <a:off x="3565945" y="124069"/>
-          <a:ext cx="354657" cy="354651"/>
-        </a:xfrm>
-        <a:prstGeom prst="ellipse">
-          <a:avLst/>
-        </a:prstGeom>
-        <a:gradFill rotWithShape="0">
-          <a:gsLst>
-            <a:gs pos="0">
-              <a:schemeClr val="accent1">
-                <a:hueOff val="0"/>
-                <a:satOff val="0"/>
-                <a:lumOff val="0"/>
-                <a:alphaOff val="0"/>
-                <a:tint val="98000"/>
-                <a:lumMod val="100000"/>
-              </a:schemeClr>
-            </a:gs>
-            <a:gs pos="100000">
-              <a:schemeClr val="accent1">
-                <a:hueOff val="0"/>
-                <a:satOff val="0"/>
-                <a:lumOff val="0"/>
-                <a:alphaOff val="0"/>
-                <a:shade val="88000"/>
-                <a:lumMod val="88000"/>
-              </a:schemeClr>
-            </a:gs>
-          </a:gsLst>
-          <a:lin ang="5400000" scaled="1"/>
-        </a:gradFill>
-        <a:ln>
-          <a:noFill/>
-        </a:ln>
-        <a:effectLst>
-          <a:outerShdw blurRad="50800" dist="38100" dir="5400000" rotWithShape="0">
-            <a:srgbClr val="000000">
-              <a:alpha val="35000"/>
-            </a:srgbClr>
-          </a:outerShdw>
-        </a:effectLst>
-      </dsp:spPr>
-      <dsp:style>
-        <a:lnRef idx="0">
-          <a:scrgbClr r="0" g="0" b="0"/>
-        </a:lnRef>
-        <a:fillRef idx="3">
-          <a:scrgbClr r="0" g="0" b="0"/>
-        </a:fillRef>
-        <a:effectRef idx="2">
-          <a:scrgbClr r="0" g="0" b="0"/>
-        </a:effectRef>
-        <a:fontRef idx="minor">
-          <a:schemeClr val="lt1"/>
-        </a:fontRef>
-      </dsp:style>
-    </dsp:sp>
-    <dsp:sp modelId="{F988BAF3-9DE2-4A25-84FE-B7C476401BC3}">
-      <dsp:nvSpPr>
-        <dsp:cNvPr id="0" name=""/>
-        <dsp:cNvSpPr/>
-      </dsp:nvSpPr>
-      <dsp:spPr>
-        <a:xfrm>
-          <a:off x="2726154" y="3221310"/>
-          <a:ext cx="256800" cy="257047"/>
-        </a:xfrm>
-        <a:prstGeom prst="ellipse">
-          <a:avLst/>
-        </a:prstGeom>
-        <a:gradFill rotWithShape="0">
-          <a:gsLst>
-            <a:gs pos="0">
-              <a:schemeClr val="accent1">
-                <a:hueOff val="0"/>
-                <a:satOff val="0"/>
-                <a:lumOff val="0"/>
-                <a:alphaOff val="0"/>
-                <a:tint val="98000"/>
-                <a:lumMod val="100000"/>
-              </a:schemeClr>
-            </a:gs>
-            <a:gs pos="100000">
-              <a:schemeClr val="accent1">
-                <a:hueOff val="0"/>
-                <a:satOff val="0"/>
-                <a:lumOff val="0"/>
-                <a:alphaOff val="0"/>
-                <a:shade val="88000"/>
-                <a:lumMod val="88000"/>
-              </a:schemeClr>
-            </a:gs>
-          </a:gsLst>
-          <a:lin ang="5400000" scaled="1"/>
-        </a:gradFill>
-        <a:ln>
-          <a:noFill/>
-        </a:ln>
-        <a:effectLst>
-          <a:outerShdw blurRad="50800" dist="38100" dir="5400000" rotWithShape="0">
-            <a:srgbClr val="000000">
-              <a:alpha val="35000"/>
-            </a:srgbClr>
-          </a:outerShdw>
-        </a:effectLst>
-      </dsp:spPr>
-      <dsp:style>
-        <a:lnRef idx="0">
-          <a:scrgbClr r="0" g="0" b="0"/>
-        </a:lnRef>
-        <a:fillRef idx="3">
-          <a:scrgbClr r="0" g="0" b="0"/>
-        </a:fillRef>
-        <a:effectRef idx="2">
-          <a:scrgbClr r="0" g="0" b="0"/>
-        </a:effectRef>
-        <a:fontRef idx="minor">
-          <a:schemeClr val="lt1"/>
-        </a:fontRef>
-      </dsp:style>
-    </dsp:sp>
-    <dsp:sp modelId="{6288D093-07AF-4EEB-B57C-FB5DA4420E30}">
-      <dsp:nvSpPr>
-        <dsp:cNvPr id="0" name=""/>
-        <dsp:cNvSpPr/>
-      </dsp:nvSpPr>
-      <dsp:spPr>
-        <a:xfrm>
-          <a:off x="5140554" y="1563537"/>
-          <a:ext cx="256800" cy="257047"/>
-        </a:xfrm>
-        <a:prstGeom prst="ellipse">
-          <a:avLst/>
-        </a:prstGeom>
-        <a:gradFill rotWithShape="0">
-          <a:gsLst>
-            <a:gs pos="0">
-              <a:schemeClr val="accent1">
-                <a:hueOff val="0"/>
-                <a:satOff val="0"/>
-                <a:lumOff val="0"/>
-                <a:alphaOff val="0"/>
-                <a:tint val="98000"/>
-                <a:lumMod val="100000"/>
-              </a:schemeClr>
-            </a:gs>
-            <a:gs pos="100000">
-              <a:schemeClr val="accent1">
-                <a:hueOff val="0"/>
-                <a:satOff val="0"/>
-                <a:lumOff val="0"/>
-                <a:alphaOff val="0"/>
-                <a:shade val="88000"/>
-                <a:lumMod val="88000"/>
-              </a:schemeClr>
-            </a:gs>
-          </a:gsLst>
-          <a:lin ang="5400000" scaled="1"/>
-        </a:gradFill>
-        <a:ln>
-          <a:noFill/>
-        </a:ln>
-        <a:effectLst>
-          <a:outerShdw blurRad="50800" dist="38100" dir="5400000" rotWithShape="0">
-            <a:srgbClr val="000000">
-              <a:alpha val="35000"/>
-            </a:srgbClr>
-          </a:outerShdw>
-        </a:effectLst>
-      </dsp:spPr>
-      <dsp:style>
-        <a:lnRef idx="0">
-          <a:scrgbClr r="0" g="0" b="0"/>
-        </a:lnRef>
-        <a:fillRef idx="3">
-          <a:scrgbClr r="0" g="0" b="0"/>
-        </a:fillRef>
-        <a:effectRef idx="2">
-          <a:scrgbClr r="0" g="0" b="0"/>
-        </a:effectRef>
-        <a:fontRef idx="minor">
-          <a:schemeClr val="lt1"/>
-        </a:fontRef>
-      </dsp:style>
-    </dsp:sp>
-    <dsp:sp modelId="{099685E2-34CD-4723-A342-ED2D0CA22ECA}">
-      <dsp:nvSpPr>
-        <dsp:cNvPr id="0" name=""/>
-        <dsp:cNvSpPr/>
-      </dsp:nvSpPr>
-      <dsp:spPr>
-        <a:xfrm>
-          <a:off x="3911707" y="3494750"/>
-          <a:ext cx="354657" cy="354651"/>
-        </a:xfrm>
-        <a:prstGeom prst="ellipse">
-          <a:avLst/>
-        </a:prstGeom>
-        <a:gradFill rotWithShape="0">
-          <a:gsLst>
-            <a:gs pos="0">
-              <a:schemeClr val="accent1">
-                <a:hueOff val="0"/>
-                <a:satOff val="0"/>
-                <a:lumOff val="0"/>
-                <a:alphaOff val="0"/>
-                <a:tint val="98000"/>
-                <a:lumMod val="100000"/>
-              </a:schemeClr>
-            </a:gs>
-            <a:gs pos="100000">
-              <a:schemeClr val="accent1">
-                <a:hueOff val="0"/>
-                <a:satOff val="0"/>
-                <a:lumOff val="0"/>
-                <a:alphaOff val="0"/>
-                <a:shade val="88000"/>
-                <a:lumMod val="88000"/>
-              </a:schemeClr>
-            </a:gs>
-          </a:gsLst>
-          <a:lin ang="5400000" scaled="1"/>
-        </a:gradFill>
-        <a:ln>
-          <a:noFill/>
-        </a:ln>
-        <a:effectLst>
-          <a:outerShdw blurRad="50800" dist="38100" dir="5400000" rotWithShape="0">
-            <a:srgbClr val="000000">
-              <a:alpha val="35000"/>
-            </a:srgbClr>
-          </a:outerShdw>
-        </a:effectLst>
-      </dsp:spPr>
-      <dsp:style>
-        <a:lnRef idx="0">
-          <a:scrgbClr r="0" g="0" b="0"/>
-        </a:lnRef>
-        <a:fillRef idx="3">
-          <a:scrgbClr r="0" g="0" b="0"/>
-        </a:fillRef>
-        <a:effectRef idx="2">
-          <a:scrgbClr r="0" g="0" b="0"/>
-        </a:effectRef>
-        <a:fontRef idx="minor">
-          <a:schemeClr val="lt1"/>
-        </a:fontRef>
-      </dsp:style>
-    </dsp:sp>
-    <dsp:sp modelId="{282F7230-9226-4387-9620-3DC67223F95C}">
-      <dsp:nvSpPr>
-        <dsp:cNvPr id="0" name=""/>
-        <dsp:cNvSpPr/>
-      </dsp:nvSpPr>
-      <dsp:spPr>
-        <a:xfrm>
-          <a:off x="2799102" y="628106"/>
-          <a:ext cx="256800" cy="257047"/>
-        </a:xfrm>
-        <a:prstGeom prst="ellipse">
-          <a:avLst/>
-        </a:prstGeom>
-        <a:gradFill rotWithShape="0">
-          <a:gsLst>
-            <a:gs pos="0">
-              <a:schemeClr val="accent1">
-                <a:hueOff val="0"/>
-                <a:satOff val="0"/>
-                <a:lumOff val="0"/>
-                <a:alphaOff val="0"/>
-                <a:tint val="98000"/>
-                <a:lumMod val="100000"/>
-              </a:schemeClr>
-            </a:gs>
-            <a:gs pos="100000">
-              <a:schemeClr val="accent1">
-                <a:hueOff val="0"/>
-                <a:satOff val="0"/>
-                <a:lumOff val="0"/>
-                <a:alphaOff val="0"/>
-                <a:shade val="88000"/>
-                <a:lumMod val="88000"/>
-              </a:schemeClr>
-            </a:gs>
-          </a:gsLst>
-          <a:lin ang="5400000" scaled="1"/>
-        </a:gradFill>
-        <a:ln>
-          <a:noFill/>
-        </a:ln>
-        <a:effectLst>
-          <a:outerShdw blurRad="50800" dist="38100" dir="5400000" rotWithShape="0">
-            <a:srgbClr val="000000">
-              <a:alpha val="35000"/>
-            </a:srgbClr>
-          </a:outerShdw>
-        </a:effectLst>
-      </dsp:spPr>
-      <dsp:style>
-        <a:lnRef idx="0">
-          <a:scrgbClr r="0" g="0" b="0"/>
-        </a:lnRef>
-        <a:fillRef idx="3">
-          <a:scrgbClr r="0" g="0" b="0"/>
-        </a:fillRef>
-        <a:effectRef idx="2">
-          <a:scrgbClr r="0" g="0" b="0"/>
-        </a:effectRef>
-        <a:fontRef idx="minor">
-          <a:schemeClr val="lt1"/>
-        </a:fontRef>
-      </dsp:style>
-    </dsp:sp>
-    <dsp:sp modelId="{2682D7C4-37F7-4CA1-B102-AED7627E9C93}">
-      <dsp:nvSpPr>
-        <dsp:cNvPr id="0" name=""/>
-        <dsp:cNvSpPr/>
-      </dsp:nvSpPr>
-      <dsp:spPr>
-        <a:xfrm>
-          <a:off x="1989557" y="2098495"/>
-          <a:ext cx="256800" cy="257047"/>
-        </a:xfrm>
-        <a:prstGeom prst="ellipse">
-          <a:avLst/>
-        </a:prstGeom>
-        <a:gradFill rotWithShape="0">
-          <a:gsLst>
-            <a:gs pos="0">
-              <a:schemeClr val="accent1">
-                <a:hueOff val="0"/>
-                <a:satOff val="0"/>
-                <a:lumOff val="0"/>
-                <a:alphaOff val="0"/>
-                <a:tint val="98000"/>
-                <a:lumMod val="100000"/>
-              </a:schemeClr>
-            </a:gs>
-            <a:gs pos="100000">
-              <a:schemeClr val="accent1">
-                <a:hueOff val="0"/>
-                <a:satOff val="0"/>
-                <a:lumOff val="0"/>
-                <a:alphaOff val="0"/>
-                <a:shade val="88000"/>
-                <a:lumMod val="88000"/>
-              </a:schemeClr>
-            </a:gs>
-          </a:gsLst>
-          <a:lin ang="5400000" scaled="1"/>
-        </a:gradFill>
-        <a:ln>
-          <a:noFill/>
-        </a:ln>
-        <a:effectLst>
-          <a:outerShdw blurRad="50800" dist="38100" dir="5400000" rotWithShape="0">
-            <a:srgbClr val="000000">
-              <a:alpha val="35000"/>
-            </a:srgbClr>
-          </a:outerShdw>
-        </a:effectLst>
-      </dsp:spPr>
-      <dsp:style>
-        <a:lnRef idx="0">
-          <a:scrgbClr r="0" g="0" b="0"/>
-        </a:lnRef>
-        <a:fillRef idx="3">
-          <a:scrgbClr r="0" g="0" b="0"/>
-        </a:fillRef>
-        <a:effectRef idx="2">
-          <a:scrgbClr r="0" g="0" b="0"/>
-        </a:effectRef>
-        <a:fontRef idx="minor">
-          <a:schemeClr val="lt1"/>
-        </a:fontRef>
-      </dsp:style>
-    </dsp:sp>
-    <dsp:sp modelId="{CCDD2561-1FC5-4EA6-AD90-3ADAF62A41D1}">
-      <dsp:nvSpPr>
-        <dsp:cNvPr id="0" name=""/>
-        <dsp:cNvSpPr/>
-      </dsp:nvSpPr>
-      <dsp:spPr>
-        <a:xfrm>
-          <a:off x="296359" y="296740"/>
-          <a:ext cx="1850887" cy="1850296"/>
-        </a:xfrm>
-        <a:prstGeom prst="ellipse">
-          <a:avLst/>
-        </a:prstGeom>
-        <a:gradFill rotWithShape="0">
-          <a:gsLst>
-            <a:gs pos="0">
-              <a:schemeClr val="accent1">
-                <a:hueOff val="0"/>
-                <a:satOff val="0"/>
-                <a:lumOff val="0"/>
-                <a:alphaOff val="0"/>
-                <a:tint val="98000"/>
-                <a:lumMod val="100000"/>
-              </a:schemeClr>
-            </a:gs>
-            <a:gs pos="100000">
-              <a:schemeClr val="accent1">
-                <a:hueOff val="0"/>
-                <a:satOff val="0"/>
-                <a:lumOff val="0"/>
-                <a:alphaOff val="0"/>
-                <a:shade val="88000"/>
-                <a:lumMod val="88000"/>
-              </a:schemeClr>
-            </a:gs>
-          </a:gsLst>
-          <a:lin ang="5400000" scaled="1"/>
-        </a:gradFill>
-        <a:ln>
-          <a:noFill/>
-        </a:ln>
-        <a:effectLst>
-          <a:outerShdw blurRad="50800" dist="38100" dir="5400000" rotWithShape="0">
-            <a:srgbClr val="000000">
-              <a:alpha val="35000"/>
-            </a:srgbClr>
-          </a:outerShdw>
-        </a:effectLst>
-      </dsp:spPr>
-      <dsp:style>
-        <a:lnRef idx="0">
-          <a:scrgbClr r="0" g="0" b="0"/>
-        </a:lnRef>
-        <a:fillRef idx="3">
-          <a:scrgbClr r="0" g="0" b="0"/>
-        </a:fillRef>
-        <a:effectRef idx="2">
-          <a:scrgbClr r="0" g="0" b="0"/>
-        </a:effectRef>
-        <a:fontRef idx="minor">
-          <a:schemeClr val="lt1"/>
-        </a:fontRef>
-      </dsp:style>
-      <dsp:txBody>
-        <a:bodyPr spcFirstLastPara="0" vert="horz" wrap="square" lIns="68580" tIns="68580" rIns="68580" bIns="68580" numCol="1" spcCol="1270" anchor="ctr" anchorCtr="0">
-          <a:noAutofit/>
-        </a:bodyPr>
-        <a:lstStyle/>
-        <a:p>
-          <a:pPr marL="0" lvl="0" indent="0" algn="ctr" defTabSz="800100">
-            <a:lnSpc>
-              <a:spcPct val="90000"/>
-            </a:lnSpc>
-            <a:spcBef>
-              <a:spcPct val="0"/>
-            </a:spcBef>
-            <a:spcAft>
-              <a:spcPct val="35000"/>
-            </a:spcAft>
-            <a:buNone/>
-          </a:pPr>
-          <a:r>
-            <a:rPr lang="en-US" sz="1800" b="1" kern="1200" dirty="0"/>
-            <a:t>Algorithm</a:t>
-          </a:r>
-          <a:endParaRPr lang="en-US" sz="1200" b="1" kern="1200" dirty="0"/>
-        </a:p>
-      </dsp:txBody>
-      <dsp:txXfrm>
-        <a:off x="567415" y="567710"/>
-        <a:ext cx="1308775" cy="1308356"/>
-      </dsp:txXfrm>
-    </dsp:sp>
-    <dsp:sp modelId="{2470B0FE-F3CE-48F3-AE82-73016C487D68}">
-      <dsp:nvSpPr>
-        <dsp:cNvPr id="0" name=""/>
-        <dsp:cNvSpPr/>
-      </dsp:nvSpPr>
-      <dsp:spPr>
-        <a:xfrm>
-          <a:off x="3207136" y="639282"/>
-          <a:ext cx="354657" cy="354651"/>
-        </a:xfrm>
-        <a:prstGeom prst="ellipse">
-          <a:avLst/>
-        </a:prstGeom>
-        <a:gradFill rotWithShape="0">
-          <a:gsLst>
-            <a:gs pos="0">
-              <a:schemeClr val="accent1">
-                <a:hueOff val="0"/>
-                <a:satOff val="0"/>
-                <a:lumOff val="0"/>
-                <a:alphaOff val="0"/>
-                <a:tint val="98000"/>
-                <a:lumMod val="100000"/>
-              </a:schemeClr>
-            </a:gs>
-            <a:gs pos="100000">
-              <a:schemeClr val="accent1">
-                <a:hueOff val="0"/>
-                <a:satOff val="0"/>
-                <a:lumOff val="0"/>
-                <a:alphaOff val="0"/>
-                <a:shade val="88000"/>
-                <a:lumMod val="88000"/>
-              </a:schemeClr>
-            </a:gs>
-          </a:gsLst>
-          <a:lin ang="5400000" scaled="1"/>
-        </a:gradFill>
-        <a:ln>
-          <a:noFill/>
-        </a:ln>
-        <a:effectLst>
-          <a:outerShdw blurRad="50800" dist="38100" dir="5400000" rotWithShape="0">
-            <a:srgbClr val="000000">
-              <a:alpha val="35000"/>
-            </a:srgbClr>
-          </a:outerShdw>
-        </a:effectLst>
-      </dsp:spPr>
-      <dsp:style>
-        <a:lnRef idx="0">
-          <a:scrgbClr r="0" g="0" b="0"/>
-        </a:lnRef>
-        <a:fillRef idx="3">
-          <a:scrgbClr r="0" g="0" b="0"/>
-        </a:fillRef>
-        <a:effectRef idx="2">
-          <a:scrgbClr r="0" g="0" b="0"/>
-        </a:effectRef>
-        <a:fontRef idx="minor">
-          <a:schemeClr val="lt1"/>
-        </a:fontRef>
-      </dsp:style>
-    </dsp:sp>
-    <dsp:sp modelId="{48BC9D73-B86D-4378-970E-5CD650E31618}">
-      <dsp:nvSpPr>
-        <dsp:cNvPr id="0" name=""/>
-        <dsp:cNvSpPr/>
-      </dsp:nvSpPr>
-      <dsp:spPr>
-        <a:xfrm>
-          <a:off x="871615" y="2520948"/>
-          <a:ext cx="641111" cy="641129"/>
-        </a:xfrm>
-        <a:prstGeom prst="ellipse">
-          <a:avLst/>
-        </a:prstGeom>
-        <a:gradFill rotWithShape="0">
-          <a:gsLst>
-            <a:gs pos="0">
-              <a:schemeClr val="accent1">
-                <a:hueOff val="0"/>
-                <a:satOff val="0"/>
-                <a:lumOff val="0"/>
-                <a:alphaOff val="0"/>
-                <a:tint val="98000"/>
-                <a:lumMod val="100000"/>
-              </a:schemeClr>
-            </a:gs>
-            <a:gs pos="100000">
-              <a:schemeClr val="accent1">
-                <a:hueOff val="0"/>
-                <a:satOff val="0"/>
-                <a:lumOff val="0"/>
-                <a:alphaOff val="0"/>
-                <a:shade val="88000"/>
-                <a:lumMod val="88000"/>
-              </a:schemeClr>
-            </a:gs>
-          </a:gsLst>
-          <a:lin ang="5400000" scaled="1"/>
-        </a:gradFill>
-        <a:ln>
-          <a:noFill/>
-        </a:ln>
-        <a:effectLst>
-          <a:outerShdw blurRad="50800" dist="38100" dir="5400000" rotWithShape="0">
-            <a:srgbClr val="000000">
-              <a:alpha val="35000"/>
-            </a:srgbClr>
-          </a:outerShdw>
-        </a:effectLst>
-      </dsp:spPr>
-      <dsp:style>
-        <a:lnRef idx="0">
-          <a:scrgbClr r="0" g="0" b="0"/>
-        </a:lnRef>
-        <a:fillRef idx="3">
-          <a:scrgbClr r="0" g="0" b="0"/>
-        </a:fillRef>
-        <a:effectRef idx="2">
-          <a:scrgbClr r="0" g="0" b="0"/>
-        </a:effectRef>
-        <a:fontRef idx="minor">
-          <a:schemeClr val="lt1"/>
-        </a:fontRef>
-      </dsp:style>
-    </dsp:sp>
-    <dsp:sp modelId="{EB301C3D-F1F9-4A72-AC54-827EBC1AD812}">
-      <dsp:nvSpPr>
-        <dsp:cNvPr id="0" name=""/>
-        <dsp:cNvSpPr/>
-      </dsp:nvSpPr>
-      <dsp:spPr>
-        <a:xfrm>
-          <a:off x="5188255" y="-124069"/>
-          <a:ext cx="2014993" cy="2014349"/>
-        </a:xfrm>
-        <a:prstGeom prst="ellipse">
-          <a:avLst/>
-        </a:prstGeom>
-        <a:gradFill rotWithShape="0">
-          <a:gsLst>
-            <a:gs pos="0">
-              <a:schemeClr val="accent1">
-                <a:hueOff val="0"/>
-                <a:satOff val="0"/>
-                <a:lumOff val="0"/>
-                <a:alphaOff val="0"/>
-                <a:tint val="98000"/>
-                <a:lumMod val="100000"/>
-              </a:schemeClr>
-            </a:gs>
-            <a:gs pos="100000">
-              <a:schemeClr val="accent1">
-                <a:hueOff val="0"/>
-                <a:satOff val="0"/>
-                <a:lumOff val="0"/>
-                <a:alphaOff val="0"/>
-                <a:shade val="88000"/>
-                <a:lumMod val="88000"/>
-              </a:schemeClr>
-            </a:gs>
-          </a:gsLst>
-          <a:lin ang="5400000" scaled="1"/>
-        </a:gradFill>
-        <a:ln>
-          <a:noFill/>
-        </a:ln>
-        <a:effectLst>
-          <a:outerShdw blurRad="50800" dist="38100" dir="5400000" rotWithShape="0">
-            <a:srgbClr val="000000">
-              <a:alpha val="35000"/>
-            </a:srgbClr>
-          </a:outerShdw>
-        </a:effectLst>
-      </dsp:spPr>
-      <dsp:style>
-        <a:lnRef idx="0">
-          <a:scrgbClr r="0" g="0" b="0"/>
-        </a:lnRef>
-        <a:fillRef idx="3">
-          <a:scrgbClr r="0" g="0" b="0"/>
-        </a:fillRef>
-        <a:effectRef idx="2">
-          <a:scrgbClr r="0" g="0" b="0"/>
-        </a:effectRef>
-        <a:fontRef idx="minor">
-          <a:schemeClr val="lt1"/>
-        </a:fontRef>
-      </dsp:style>
-      <dsp:txBody>
-        <a:bodyPr spcFirstLastPara="0" vert="horz" wrap="square" lIns="68580" tIns="68580" rIns="68580" bIns="68580" numCol="1" spcCol="1270" anchor="ctr" anchorCtr="0">
-          <a:noAutofit/>
-        </a:bodyPr>
-        <a:lstStyle/>
-        <a:p>
-          <a:pPr marL="0" lvl="0" indent="0" algn="ctr" defTabSz="800100">
-            <a:lnSpc>
-              <a:spcPct val="90000"/>
-            </a:lnSpc>
-            <a:spcBef>
-              <a:spcPct val="0"/>
-            </a:spcBef>
-            <a:spcAft>
-              <a:spcPct val="35000"/>
-            </a:spcAft>
-            <a:buNone/>
-          </a:pPr>
-          <a:r>
-            <a:rPr lang="en-US" sz="1800" b="1" kern="1200" dirty="0"/>
-            <a:t>Automation</a:t>
-          </a:r>
-          <a:endParaRPr lang="en-US" sz="1200" b="1" kern="1200" dirty="0"/>
-        </a:p>
-      </dsp:txBody>
-      <dsp:txXfrm>
-        <a:off x="5483344" y="170926"/>
-        <a:ext cx="1424815" cy="1424359"/>
-      </dsp:txXfrm>
-    </dsp:sp>
-    <dsp:sp modelId="{0DF8FB3E-B0B0-40D8-B039-0C7B496BBA97}">
-      <dsp:nvSpPr>
-        <dsp:cNvPr id="0" name=""/>
-        <dsp:cNvSpPr/>
-      </dsp:nvSpPr>
-      <dsp:spPr>
-        <a:xfrm>
-          <a:off x="4683888" y="1129908"/>
-          <a:ext cx="354657" cy="354651"/>
-        </a:xfrm>
-        <a:prstGeom prst="ellipse">
-          <a:avLst/>
-        </a:prstGeom>
-        <a:gradFill rotWithShape="0">
-          <a:gsLst>
-            <a:gs pos="0">
-              <a:schemeClr val="accent1">
-                <a:hueOff val="0"/>
-                <a:satOff val="0"/>
-                <a:lumOff val="0"/>
-                <a:alphaOff val="0"/>
-                <a:tint val="98000"/>
-                <a:lumMod val="100000"/>
-              </a:schemeClr>
-            </a:gs>
-            <a:gs pos="100000">
-              <a:schemeClr val="accent1">
-                <a:hueOff val="0"/>
-                <a:satOff val="0"/>
-                <a:lumOff val="0"/>
-                <a:alphaOff val="0"/>
-                <a:shade val="88000"/>
-                <a:lumMod val="88000"/>
-              </a:schemeClr>
-            </a:gs>
-          </a:gsLst>
-          <a:lin ang="5400000" scaled="1"/>
-        </a:gradFill>
-        <a:ln>
-          <a:noFill/>
-        </a:ln>
-        <a:effectLst>
-          <a:outerShdw blurRad="50800" dist="38100" dir="5400000" rotWithShape="0">
-            <a:srgbClr val="000000">
-              <a:alpha val="35000"/>
-            </a:srgbClr>
-          </a:outerShdw>
-        </a:effectLst>
-      </dsp:spPr>
-      <dsp:style>
-        <a:lnRef idx="0">
-          <a:scrgbClr r="0" g="0" b="0"/>
-        </a:lnRef>
-        <a:fillRef idx="3">
-          <a:scrgbClr r="0" g="0" b="0"/>
-        </a:fillRef>
-        <a:effectRef idx="2">
-          <a:scrgbClr r="0" g="0" b="0"/>
-        </a:effectRef>
-        <a:fontRef idx="minor">
-          <a:schemeClr val="lt1"/>
-        </a:fontRef>
-      </dsp:style>
-    </dsp:sp>
-    <dsp:sp modelId="{022614F8-042B-41CB-A6A7-8094C903EB2F}">
-      <dsp:nvSpPr>
-        <dsp:cNvPr id="0" name=""/>
-        <dsp:cNvSpPr/>
-      </dsp:nvSpPr>
-      <dsp:spPr>
-        <a:xfrm>
-          <a:off x="627862" y="3283896"/>
-          <a:ext cx="256800" cy="257047"/>
-        </a:xfrm>
-        <a:prstGeom prst="ellipse">
-          <a:avLst/>
-        </a:prstGeom>
-        <a:gradFill rotWithShape="0">
-          <a:gsLst>
-            <a:gs pos="0">
-              <a:schemeClr val="accent1">
-                <a:hueOff val="0"/>
-                <a:satOff val="0"/>
-                <a:lumOff val="0"/>
-                <a:alphaOff val="0"/>
-                <a:tint val="98000"/>
-                <a:lumMod val="100000"/>
-              </a:schemeClr>
-            </a:gs>
-            <a:gs pos="100000">
-              <a:schemeClr val="accent1">
-                <a:hueOff val="0"/>
-                <a:satOff val="0"/>
-                <a:lumOff val="0"/>
-                <a:alphaOff val="0"/>
-                <a:shade val="88000"/>
-                <a:lumMod val="88000"/>
-              </a:schemeClr>
-            </a:gs>
-          </a:gsLst>
-          <a:lin ang="5400000" scaled="1"/>
-        </a:gradFill>
-        <a:ln>
-          <a:noFill/>
-        </a:ln>
-        <a:effectLst>
-          <a:outerShdw blurRad="50800" dist="38100" dir="5400000" rotWithShape="0">
-            <a:srgbClr val="000000">
-              <a:alpha val="35000"/>
-            </a:srgbClr>
-          </a:outerShdw>
-        </a:effectLst>
-      </dsp:spPr>
-      <dsp:style>
-        <a:lnRef idx="0">
-          <a:scrgbClr r="0" g="0" b="0"/>
-        </a:lnRef>
-        <a:fillRef idx="3">
-          <a:scrgbClr r="0" g="0" b="0"/>
-        </a:fillRef>
-        <a:effectRef idx="2">
-          <a:scrgbClr r="0" g="0" b="0"/>
-        </a:effectRef>
-        <a:fontRef idx="minor">
-          <a:schemeClr val="lt1"/>
-        </a:fontRef>
-      </dsp:style>
-    </dsp:sp>
-    <dsp:sp modelId="{C85BB588-B4E8-4D50-9280-4D4F2686007C}">
-      <dsp:nvSpPr>
-        <dsp:cNvPr id="0" name=""/>
-        <dsp:cNvSpPr/>
-      </dsp:nvSpPr>
-      <dsp:spPr>
-        <a:xfrm>
-          <a:off x="3188751" y="2918068"/>
-          <a:ext cx="256800" cy="257047"/>
-        </a:xfrm>
-        <a:prstGeom prst="ellipse">
-          <a:avLst/>
-        </a:prstGeom>
-        <a:gradFill rotWithShape="0">
-          <a:gsLst>
-            <a:gs pos="0">
-              <a:schemeClr val="accent1">
-                <a:hueOff val="0"/>
-                <a:satOff val="0"/>
-                <a:lumOff val="0"/>
-                <a:alphaOff val="0"/>
-                <a:tint val="98000"/>
-                <a:lumMod val="100000"/>
-              </a:schemeClr>
-            </a:gs>
-            <a:gs pos="100000">
-              <a:schemeClr val="accent1">
-                <a:hueOff val="0"/>
-                <a:satOff val="0"/>
-                <a:lumOff val="0"/>
-                <a:alphaOff val="0"/>
-                <a:shade val="88000"/>
-                <a:lumMod val="88000"/>
-              </a:schemeClr>
-            </a:gs>
-          </a:gsLst>
-          <a:lin ang="5400000" scaled="1"/>
-        </a:gradFill>
-        <a:ln>
-          <a:noFill/>
-        </a:ln>
-        <a:effectLst>
-          <a:outerShdw blurRad="50800" dist="38100" dir="5400000" rotWithShape="0">
-            <a:srgbClr val="000000">
-              <a:alpha val="35000"/>
-            </a:srgbClr>
-          </a:outerShdw>
-        </a:effectLst>
-      </dsp:spPr>
-      <dsp:style>
-        <a:lnRef idx="0">
-          <a:scrgbClr r="0" g="0" b="0"/>
-        </a:lnRef>
-        <a:fillRef idx="3">
-          <a:scrgbClr r="0" g="0" b="0"/>
-        </a:fillRef>
-        <a:effectRef idx="2">
-          <a:scrgbClr r="0" g="0" b="0"/>
-        </a:effectRef>
-        <a:fontRef idx="minor">
-          <a:schemeClr val="lt1"/>
-        </a:fontRef>
-      </dsp:style>
-    </dsp:sp>
-  </dsp:spTree>
-</dsp:drawing>
-</file>
-
-<file path=ppt/diagrams/layout1.xml><?xml version="1.0" encoding="utf-8"?>
-<dgm:layoutDef xmlns:dgm="http://schemas.openxmlformats.org/drawingml/2006/diagram" xmlns:a="http://schemas.openxmlformats.org/drawingml/2006/main" uniqueId="urn:microsoft.com/office/officeart/2018/2/layout/IconCircleList">
-  <dgm:title val="Icon Circle List"/>
-  <dgm:desc val="Use to show non-sequential or grouped chunks of information accompanied by related visuals. Circular shapes can hold an icon or small picture and corresponding text box shows Level 1 text. Works best for icons or small pictures with medium-length descriptions."/>
-  <dgm:catLst>
-    <dgm:cat type="icon" pri="500"/>
-  </dgm:catLst>
-  <dgm:sampData useDef="1">
-    <dgm:dataModel>
-      <dgm:ptLst/>
-      <dgm:bg/>
-      <dgm:whole/>
-    </dgm:dataModel>
-  </dgm:sampData>
-  <dgm:styleData useDef="1">
-    <dgm:dataModel>
-      <dgm:ptLst/>
-      <dgm:bg/>
-      <dgm:whole/>
-    </dgm:dataModel>
-  </dgm:styleData>
-  <dgm:clrData useDef="1">
-    <dgm:dataModel>
-      <dgm:ptLst/>
-      <dgm:bg/>
-      <dgm:whole/>
-    </dgm:dataModel>
-  </dgm:clrData>
-  <dgm:layoutNode name="root">
-    <dgm:varLst>
-      <dgm:dir/>
-      <dgm:resizeHandles val="exact"/>
-    </dgm:varLst>
-    <dgm:alg type="sp"/>
-    <dgm:shape xmlns:r="http://schemas.openxmlformats.org/officeDocument/2006/relationships" r:blip="">
-      <dgm:adjLst/>
-    </dgm:shape>
-    <dgm:presOf/>
-    <dgm:choose name="Name0">
-      <dgm:if name="Name1" axis="ch" ptType="node" func="cnt" op="lte" val="3">
-        <dgm:constrLst>
-          <dgm:constr type="w" for="ch" forName="container" refType="w"/>
-          <dgm:constr type="h" for="ch" forName="container" refType="h" fact="0.4"/>
-        </dgm:constrLst>
-      </dgm:if>
-      <dgm:else name="Name2">
-        <dgm:constrLst>
-          <dgm:constr type="w" for="ch" forName="container" refType="w"/>
-          <dgm:constr type="h" for="ch" forName="container" refType="h"/>
-        </dgm:constrLst>
-      </dgm:else>
-    </dgm:choose>
-    <dgm:ruleLst>
-      <dgm:rule type="h" for="ch" forName="container" val="INF" fact="NaN" max="NaN"/>
-    </dgm:ruleLst>
-    <dgm:layoutNode name="container">
-      <dgm:varLst>
-        <dgm:dir/>
-        <dgm:resizeHandles val="exact"/>
-      </dgm:varLst>
-      <dgm:choose name="Name3">
-        <dgm:if name="Name4" axis="self" func="var" arg="dir" op="equ" val="norm">
-          <dgm:alg type="snake">
-            <dgm:param type="grDir" val="tL"/>
-            <dgm:param type="flowDir" val="row"/>
-            <dgm:param type="contDir" val="sameDir"/>
-          </dgm:alg>
-        </dgm:if>
-        <dgm:else name="Name5">
-          <dgm:alg type="snake">
-            <dgm:param type="grDir" val="tR"/>
-            <dgm:param type="flowDir" val="row"/>
-            <dgm:param type="contDir" val="sameDir"/>
-          </dgm:alg>
-        </dgm:else>
-      </dgm:choose>
-      <dgm:shape xmlns:r="http://schemas.openxmlformats.org/officeDocument/2006/relationships" r:blip="">
-        <dgm:adjLst/>
-      </dgm:shape>
-      <dgm:presOf/>
-      <dgm:constrLst>
-        <dgm:constr type="w" for="ch" forName="compNode" refType="w"/>
-        <dgm:constr type="h" for="ch" forName="compNode" refType="w" fact="0.28"/>
-        <dgm:constr type="w" for="ch" forName="sibTrans" refType="w" refFor="ch" refForName="compNode" fact="0.115"/>
-        <dgm:constr type="sp" refType="h" op="equ" fact="0.17"/>
-        <dgm:constr type="primFontSz" for="des" ptType="node" op="equ" val="24"/>
-        <dgm:constr type="h" for="des" forName="compNode" op="equ"/>
-        <dgm:constr type="h" for="des" forName="iconBgRect" op="equ"/>
-      </dgm:constrLst>
-      <dgm:ruleLst>
-        <dgm:rule type="w" for="ch" forName="compNode" val="60" fact="NaN" max="NaN"/>
-      </dgm:ruleLst>
-      <dgm:forEach name="Name6" axis="ch" ptType="node">
-        <dgm:layoutNode name="compNode">
-          <dgm:alg type="composite"/>
-          <dgm:shape xmlns:r="http://schemas.openxmlformats.org/officeDocument/2006/relationships" r:blip="">
-            <dgm:adjLst/>
-          </dgm:shape>
-          <dgm:presOf axis="self"/>
-          <dgm:constrLst>
-            <dgm:constr type="w" for="ch" forName="iconBgRect" refType="w" fact="0.28"/>
-            <dgm:constr type="h" for="ch" forName="iconBgRect" refType="w" refFor="ch" refForName="iconBgRect"/>
-            <dgm:constr type="t" for="ch" forName="iconBgRect"/>
-            <dgm:constr type="l" for="ch" forName="iconBgRect"/>
-            <dgm:constr type="w" for="ch" forName="iconRect" refType="w" refFor="ch" refForName="iconBgRect" fact="0.58"/>
-            <dgm:constr type="h" for="ch" forName="iconRect" refType="w" refFor="ch" refForName="iconRect"/>
-            <dgm:constr type="ctrX" for="ch" forName="iconRect" refType="ctrX" refFor="ch" refForName="iconBgRect"/>
-            <dgm:constr type="ctrY" for="ch" forName="iconRect" refType="ctrY" refFor="ch" refForName="iconBgRect"/>
-            <dgm:constr type="w" for="ch" forName="spaceRect" refType="w" fact="0.06"/>
-            <dgm:constr type="h" for="ch" forName="spaceRect" refType="h" refFor="ch" refForName="iconBgRect"/>
-            <dgm:constr type="t" for="ch" forName="spaceRect" refType="t" refFor="ch" refForName="iconBgRect"/>
-            <dgm:constr type="l" for="ch" forName="spaceRect" refType="r" refFor="ch" refForName="iconBgRect"/>
-            <dgm:constr type="h" for="ch" forName="textRect" refType="h" refFor="ch" refForName="iconBgRect"/>
-            <dgm:constr type="t" for="ch" forName="textRect" refType="t" refFor="ch" refForName="iconBgRect"/>
-            <dgm:constr type="l" for="ch" forName="textRect" refType="r" refFor="ch" refForName="spaceRect"/>
-          </dgm:constrLst>
-          <dgm:ruleLst/>
-          <dgm:layoutNode name="iconBgRect" styleLbl="bgShp">
-            <dgm:alg type="sp"/>
-            <dgm:shape xmlns:r="http://schemas.openxmlformats.org/officeDocument/2006/relationships" type="ellipse" r:blip="">
-              <dgm:adjLst/>
-            </dgm:shape>
-            <dgm:presOf/>
-            <dgm:constrLst/>
-            <dgm:ruleLst/>
-          </dgm:layoutNode>
-          <dgm:layoutNode name="iconRect" styleLbl="node1">
-            <dgm:alg type="sp"/>
-            <dgm:shape xmlns:r="http://schemas.openxmlformats.org/officeDocument/2006/relationships" type="rect" r:blip="" blipPhldr="1">
-              <dgm:adjLst/>
-            </dgm:shape>
-            <dgm:presOf/>
-            <dgm:constrLst/>
-            <dgm:ruleLst/>
-          </dgm:layoutNode>
-          <dgm:layoutNode name="spaceRect">
-            <dgm:alg type="sp"/>
-            <dgm:shape xmlns:r="http://schemas.openxmlformats.org/officeDocument/2006/relationships" r:blip="">
-              <dgm:adjLst/>
-            </dgm:shape>
-            <dgm:presOf/>
-            <dgm:constrLst/>
-            <dgm:ruleLst/>
-          </dgm:layoutNode>
-          <dgm:layoutNode name="textRect" styleLbl="revTx">
-            <dgm:varLst>
-              <dgm:chMax val="1"/>
-              <dgm:chPref val="1"/>
-            </dgm:varLst>
-            <dgm:choose name="Name7">
-              <dgm:if name="Name8" func="var" arg="dir" op="equ" val="norm">
-                <dgm:alg type="tx">
-                  <dgm:param type="txAnchorVert" val="mid"/>
-                  <dgm:param type="parTxLTRAlign" val="l"/>
-                  <dgm:param type="shpTxLTRAlignCh" val="l"/>
-                  <dgm:param type="parTxRTLAlign" val="l"/>
-                  <dgm:param type="shpTxRTLAlignCh" val="l"/>
-                </dgm:alg>
-              </dgm:if>
-              <dgm:else name="Name9">
-                <dgm:alg type="tx">
-                  <dgm:param type="txAnchorVert" val="mid"/>
-                  <dgm:param type="parTxLTRAlign" val="r"/>
-                  <dgm:param type="shpTxLTRAlignCh" val="r"/>
-                  <dgm:param type="parTxRTLAlign" val="r"/>
-                  <dgm:param type="shpTxRTLAlignCh" val="r"/>
-                </dgm:alg>
-              </dgm:else>
-            </dgm:choose>
-            <dgm:shape xmlns:r="http://schemas.openxmlformats.org/officeDocument/2006/relationships" type="rect" r:blip="">
-              <dgm:adjLst/>
-            </dgm:shape>
-            <dgm:presOf axis="self" ptType="node"/>
-            <dgm:constrLst>
-              <dgm:constr type="lMarg"/>
-              <dgm:constr type="rMarg"/>
-              <dgm:constr type="tMarg"/>
-              <dgm:constr type="bMarg"/>
-            </dgm:constrLst>
-            <dgm:ruleLst>
-              <dgm:rule type="primFontSz" val="11" fact="NaN" max="NaN"/>
-            </dgm:ruleLst>
-          </dgm:layoutNode>
-        </dgm:layoutNode>
-        <dgm:forEach name="Name10" axis="followSib" ptType="sibTrans" cnt="1">
-          <dgm:layoutNode name="sibTrans">
-            <dgm:alg type="sp"/>
-            <dgm:shape xmlns:r="http://schemas.openxmlformats.org/officeDocument/2006/relationships" type="rect" r:blip="" hideGeom="1">
-              <dgm:adjLst/>
-            </dgm:shape>
-            <dgm:presOf axis="self"/>
-            <dgm:constrLst/>
-            <dgm:ruleLst/>
-          </dgm:layoutNode>
-        </dgm:forEach>
-      </dgm:forEach>
-    </dgm:layoutNode>
-  </dgm:layoutNode>
-  <dgm:extLst>
-    <a:ext uri="{68A01E43-0DF5-4B5B-8FA6-DAF915123BFB}">
-      <dgm1612:lstStyle xmlns:dgm1612="http://schemas.microsoft.com/office/drawing/2016/12/diagram">
-        <a:lvl1pPr>
-          <a:lnSpc>
-            <a:spcPct val="100000"/>
-          </a:lnSpc>
-        </a:lvl1pPr>
-      </dgm1612:lstStyle>
-    </a:ext>
-  </dgm:extLst>
-</dgm:layoutDef>
-</file>
-
-<file path=ppt/diagrams/layout2.xml><?xml version="1.0" encoding="utf-8"?>
-<dgm:layoutDef xmlns:dgm="http://schemas.openxmlformats.org/drawingml/2006/diagram" xmlns:a="http://schemas.openxmlformats.org/drawingml/2006/main" uniqueId="urn:microsoft.com/office/officeart/2009/3/layout/CircleRelationship">
-  <dgm:title val=""/>
-  <dgm:desc val=""/>
-  <dgm:catLst>
-    <dgm:cat type="relationship" pri="1500"/>
-  </dgm:catLst>
-  <dgm:sampData>
-    <dgm:dataModel>
-      <dgm:ptLst>
-        <dgm:pt modelId="0" type="doc"/>
-        <dgm:pt modelId="10">
-          <dgm:prSet phldr="1"/>
-        </dgm:pt>
-        <dgm:pt modelId="11">
-          <dgm:prSet phldr="1"/>
-        </dgm:pt>
-        <dgm:pt modelId="12">
-          <dgm:prSet phldr="1"/>
-        </dgm:pt>
-      </dgm:ptLst>
-      <dgm:cxnLst>
-        <dgm:cxn modelId="20" srcId="0" destId="10" srcOrd="0" destOrd="0"/>
-        <dgm:cxn modelId="21" srcId="10" destId="11" srcOrd="0" destOrd="0"/>
-        <dgm:cxn modelId="22" srcId="10" destId="12" srcOrd="0" destOrd="0"/>
-      </dgm:cxnLst>
-      <dgm:bg/>
-      <dgm:whole/>
-    </dgm:dataModel>
-  </dgm:sampData>
-  <dgm:styleData>
-    <dgm:dataModel>
-      <dgm:ptLst>
-        <dgm:pt modelId="0" type="doc"/>
-        <dgm:pt modelId="10">
-          <dgm:prSet phldr="1"/>
-        </dgm:pt>
-        <dgm:pt modelId="11">
-          <dgm:prSet phldr="1"/>
-        </dgm:pt>
-        <dgm:pt modelId="12">
-          <dgm:prSet phldr="1"/>
-        </dgm:pt>
-      </dgm:ptLst>
-      <dgm:cxnLst>
-        <dgm:cxn modelId="20" srcId="0" destId="10" srcOrd="0" destOrd="0"/>
-        <dgm:cxn modelId="21" srcId="10" destId="11" srcOrd="0" destOrd="0"/>
-        <dgm:cxn modelId="22" srcId="10" destId="12" srcOrd="0" destOrd="0"/>
-      </dgm:cxnLst>
-      <dgm:bg/>
-      <dgm:whole/>
-    </dgm:dataModel>
-  </dgm:styleData>
-  <dgm:clrData>
-    <dgm:dataModel>
-      <dgm:ptLst>
-        <dgm:pt modelId="0" type="doc"/>
-        <dgm:pt modelId="10">
-          <dgm:prSet phldr="1"/>
-        </dgm:pt>
-        <dgm:pt modelId="11">
-          <dgm:prSet phldr="1"/>
-        </dgm:pt>
-        <dgm:pt modelId="12">
-          <dgm:prSet phldr="1"/>
-        </dgm:pt>
-      </dgm:ptLst>
-      <dgm:cxnLst>
-        <dgm:cxn modelId="20" srcId="0" destId="10" srcOrd="0" destOrd="0"/>
-        <dgm:cxn modelId="21" srcId="10" destId="11" srcOrd="0" destOrd="0"/>
-        <dgm:cxn modelId="22" srcId="10" destId="12" srcOrd="0" destOrd="0"/>
-      </dgm:cxnLst>
-      <dgm:bg/>
-      <dgm:whole/>
-    </dgm:dataModel>
-  </dgm:clrData>
-  <dgm:layoutNode name="Name0">
-    <dgm:varLst>
-      <dgm:chMax val="1"/>
-      <dgm:chPref val="1"/>
-    </dgm:varLst>
-    <dgm:shape xmlns:r="http://schemas.openxmlformats.org/officeDocument/2006/relationships" r:blip="">
-      <dgm:adjLst/>
-    </dgm:shape>
-    <dgm:choose name="Name1">
-      <dgm:if name="Name2" axis="ch ch" ptType="node node" func="cnt" op="equ" val="0">
-        <dgm:alg type="composite">
-          <dgm:param type="ar" val="0.98"/>
-        </dgm:alg>
-        <dgm:constrLst>
-          <dgm:constr type="primFontSz" for="des" ptType="node" op="equ" val="65"/>
-          <dgm:constr type="l" for="ch" forName="Parent" refType="w" fact="0"/>
-          <dgm:constr type="t" for="ch" forName="Parent" refType="h" fact="0.039"/>
-          <dgm:constr type="w" for="ch" forName="Parent" refType="w" fact="0.8734"/>
-          <dgm:constr type="h" for="ch" forName="Parent" refType="h" fact="0.856"/>
-          <dgm:constr type="l" for="ch" forName="Accent1" refType="w" fact="0.4984"/>
-          <dgm:constr type="t" for="ch" forName="Accent1" refType="h" fact="0"/>
-          <dgm:constr type="w" for="ch" forName="Accent1" refType="w" fact="0.0972"/>
-          <dgm:constr type="h" for="ch" forName="Accent1" refType="h" fact="0.0952"/>
-          <dgm:constr type="l" for="ch" forName="Accent2" refType="w" fact="0.2684"/>
-          <dgm:constr type="t" for="ch" forName="Accent2" refType="h" fact="0.8314"/>
-          <dgm:constr type="w" for="ch" forName="Accent2" refType="w" fact="0.0704"/>
-          <dgm:constr type="h" for="ch" forName="Accent2" refType="h" fact="0.069"/>
-          <dgm:constr type="l" for="ch" forName="Accent3" refType="w" fact="0.9296"/>
-          <dgm:constr type="t" for="ch" forName="Accent3" refType="h" fact="0.3864"/>
-          <dgm:constr type="w" for="ch" forName="Accent3" refType="w" fact="0.0704"/>
-          <dgm:constr type="h" for="ch" forName="Accent3" refType="h" fact="0.069"/>
-          <dgm:constr type="l" for="ch" forName="Accent4" refType="w" fact="0.5931"/>
-          <dgm:constr type="t" for="ch" forName="Accent4" refType="h" fact="0.9048"/>
-          <dgm:constr type="w" for="ch" forName="Accent4" refType="w" fact="0.0972"/>
-          <dgm:constr type="h" for="ch" forName="Accent4" refType="h" fact="0.0952"/>
-          <dgm:constr type="l" for="ch" forName="Accent5" refType="w" fact="0.2883"/>
-          <dgm:constr type="t" for="ch" forName="Accent5" refType="h" fact="0.1353"/>
-          <dgm:constr type="w" for="ch" forName="Accent5" refType="w" fact="0.0704"/>
-          <dgm:constr type="h" for="ch" forName="Accent5" refType="h" fact="0.069"/>
-          <dgm:constr type="l" for="ch" forName="Accent6" refType="w" fact="0.0666"/>
-          <dgm:constr type="t" for="ch" forName="Accent6" refType="h" fact="0.53"/>
-          <dgm:constr type="w" for="ch" forName="Accent6" refType="w" fact="0.0704"/>
-          <dgm:constr type="h" for="ch" forName="Accent6" refType="h" fact="0.069"/>
-        </dgm:constrLst>
-      </dgm:if>
-      <dgm:if name="Name3" axis="ch ch" ptType="node node" func="cnt" op="equ" val="1">
-        <dgm:alg type="composite">
-          <dgm:param type="ar" val="1.2476"/>
-        </dgm:alg>
-        <dgm:constrLst>
-          <dgm:constr type="primFontSz" for="des" ptType="node" op="equ" val="65"/>
-          <dgm:constr type="l" for="ch" forName="Parent" refType="w" fact="0.2145"/>
-          <dgm:constr type="t" for="ch" forName="Parent" refType="h" fact="0.039"/>
-          <dgm:constr type="w" for="ch" forName="Parent" refType="w" fact="0.6861"/>
-          <dgm:constr type="h" for="ch" forName="Parent" refType="h" fact="0.856"/>
-          <dgm:constr type="l" for="ch" forName="Accent8" refType="w" fact="0.0262"/>
-          <dgm:constr type="t" for="ch" forName="Accent8" refType="h" fact="0.6434"/>
-          <dgm:constr type="w" for="ch" forName="Accent8" refType="w" fact="0.138"/>
-          <dgm:constr type="h" for="ch" forName="Accent8" refType="h" fact="0.1721"/>
-          <dgm:constr type="l" for="ch" forName="Accent1" refType="w" fact="0.6059"/>
-          <dgm:constr type="t" for="ch" forName="Accent1" refType="h" fact="0"/>
-          <dgm:constr type="w" for="ch" forName="Accent1" refType="w" fact="0.0763"/>
-          <dgm:constr type="h" for="ch" forName="Accent1" refType="h" fact="0.0952"/>
-          <dgm:constr type="l" for="ch" forName="Accent2" refType="w" fact="0.4253"/>
-          <dgm:constr type="t" for="ch" forName="Accent2" refType="h" fact="0.8314"/>
-          <dgm:constr type="w" for="ch" forName="Accent2" refType="w" fact="0.0553"/>
-          <dgm:constr type="h" for="ch" forName="Accent2" refType="h" fact="0.069"/>
-          <dgm:constr type="l" for="ch" forName="Accent3" refType="w" fact="0.9447"/>
-          <dgm:constr type="t" for="ch" forName="Accent3" refType="h" fact="0.3864"/>
-          <dgm:constr type="w" for="ch" forName="Accent3" refType="w" fact="0.0553"/>
-          <dgm:constr type="h" for="ch" forName="Accent3" refType="h" fact="0.069"/>
-          <dgm:constr type="l" for="ch" forName="Child1" refType="w" fact="0"/>
-          <dgm:constr type="t" for="ch" forName="Child1" refType="h" fact="0.1935"/>
-          <dgm:constr type="w" for="ch" forName="Child1" refType="w" fact="0.2789"/>
-          <dgm:constr type="h" for="ch" forName="Child1" refType="h" fact="0.3479"/>
-          <dgm:constr type="l" for="ch" forName="Accent4" refType="w" fact="0.6803"/>
-          <dgm:constr type="t" for="ch" forName="Accent4" refType="h" fact="0.9048"/>
-          <dgm:constr type="w" for="ch" forName="Accent4" refType="w" fact="0.0763"/>
-          <dgm:constr type="h" for="ch" forName="Accent4" refType="h" fact="0.0952"/>
-          <dgm:constr type="l" for="ch" forName="Accent7" refType="w" fact="0.5287"/>
-          <dgm:constr type="t" for="ch" forName="Accent7" refType="h" fact="0.1383"/>
-          <dgm:constr type="w" for="ch" forName="Accent7" refType="w" fact="0.0763"/>
-          <dgm:constr type="h" for="ch" forName="Accent7" refType="h" fact="0.0952"/>
-          <dgm:constr type="l" for="ch" forName="Accent5" refType="w" fact="0.4409"/>
-          <dgm:constr type="t" for="ch" forName="Accent5" refType="h" fact="0.1353"/>
-          <dgm:constr type="w" for="ch" forName="Accent5" refType="w" fact="0.0553"/>
-          <dgm:constr type="h" for="ch" forName="Accent5" refType="h" fact="0.069"/>
-          <dgm:constr type="l" for="ch" forName="Accent6" refType="w" fact="0.2668"/>
-          <dgm:constr type="t" for="ch" forName="Accent6" refType="h" fact="0.53"/>
-          <dgm:constr type="w" for="ch" forName="Accent6" refType="w" fact="0.0553"/>
-          <dgm:constr type="h" for="ch" forName="Accent6" refType="h" fact="0.069"/>
-        </dgm:constrLst>
-      </dgm:if>
-      <dgm:if name="Name4" axis="ch ch" ptType="node node" func="cnt" op="equ" val="2">
-        <dgm:alg type="composite">
-          <dgm:param type="ar" val="1.592"/>
-        </dgm:alg>
-        <dgm:constrLst>
-          <dgm:constr type="primFontSz" for="des" ptType="node" op="equ" val="65"/>
-          <dgm:constr type="l" for="ch" forName="Parent" refType="w" fact="0.1886"/>
-          <dgm:constr type="t" for="ch" forName="Parent" refType="h" fact="0.039"/>
-          <dgm:constr type="w" for="ch" forName="Parent" refType="w" fact="0.5377"/>
-          <dgm:constr type="h" for="ch" forName="Parent" refType="h" fact="0.856"/>
-          <dgm:constr type="l" for="ch" forName="Accent8" refType="w" fact="0.0411"/>
-          <dgm:constr type="t" for="ch" forName="Accent8" refType="h" fact="0.6434"/>
-          <dgm:constr type="w" for="ch" forName="Accent8" refType="w" fact="0.1081"/>
-          <dgm:constr type="h" for="ch" forName="Accent8" refType="h" fact="0.1721"/>
-          <dgm:constr type="l" for="ch" forName="Accent1" refType="w" fact="0.4954"/>
-          <dgm:constr type="t" for="ch" forName="Accent1" refType="h" fact="0"/>
-          <dgm:constr type="w" for="ch" forName="Accent1" refType="w" fact="0.0598"/>
-          <dgm:constr type="h" for="ch" forName="Accent1" refType="h" fact="0.0952"/>
-          <dgm:constr type="l" for="ch" forName="Accent2" refType="w" fact="0.3538"/>
-          <dgm:constr type="t" for="ch" forName="Accent2" refType="h" fact="0.8314"/>
-          <dgm:constr type="w" for="ch" forName="Accent2" refType="w" fact="0.0433"/>
-          <dgm:constr type="h" for="ch" forName="Accent2" refType="h" fact="0.069"/>
-          <dgm:constr type="l" for="ch" forName="Accent3" refType="w" fact="0.7609"/>
-          <dgm:constr type="t" for="ch" forName="Accent3" refType="h" fact="0.3864"/>
-          <dgm:constr type="w" for="ch" forName="Accent3" refType="w" fact="0.0433"/>
-          <dgm:constr type="h" for="ch" forName="Accent3" refType="h" fact="0.069"/>
-          <dgm:constr type="l" for="ch" forName="Accent9" refType="w" fact="0.6839"/>
-          <dgm:constr type="t" for="ch" forName="Accent9" refType="h" fact="0.27"/>
-          <dgm:constr type="w" for="ch" forName="Accent9" refType="w" fact="0.0598"/>
-          <dgm:constr type="h" for="ch" forName="Accent9" refType="h" fact="0.0952"/>
-          <dgm:constr type="l" for="ch" forName="Child1" refType="w" fact="0.0206"/>
-          <dgm:constr type="t" for="ch" forName="Child1" refType="h" fact="0.1935"/>
-          <dgm:constr type="w" for="ch" forName="Child1" refType="w" fact="0.2186"/>
-          <dgm:constr type="h" for="ch" forName="Child1" refType="h" fact="0.3479"/>
-          <dgm:constr type="l" for="ch" forName="Child2" refType="w" fact="0.7814"/>
-          <dgm:constr type="t" for="ch" forName="Child2" refType="h" fact="0.0298"/>
-          <dgm:constr type="w" for="ch" forName="Child2" refType="w" fact="0.2186"/>
-          <dgm:constr type="h" for="ch" forName="Child2" refType="h" fact="0.3479"/>
-          <dgm:constr type="l" for="ch" forName="Accent10" refType="w" fact="0"/>
-          <dgm:constr type="t" for="ch" forName="Accent10" refType="h" fact="0.8482"/>
-          <dgm:constr type="w" for="ch" forName="Accent10" refType="w" fact="0.0433"/>
-          <dgm:constr type="h" for="ch" forName="Accent10" refType="h" fact="0.069"/>
-          <dgm:constr type="l" for="ch" forName="Accent11" refType="w" fact="0.4318"/>
-          <dgm:constr type="t" for="ch" forName="Accent11" refType="h" fact="0.75"/>
-          <dgm:constr type="w" for="ch" forName="Accent11" refType="w" fact="0.0433"/>
-          <dgm:constr type="h" for="ch" forName="Accent11" refType="h" fact="0.069"/>
-          <dgm:constr type="l" for="ch" forName="Accent7" refType="w" fact="0.4349"/>
-          <dgm:constr type="t" for="ch" forName="Accent7" refType="h" fact="0.1383"/>
-          <dgm:constr type="w" for="ch" forName="Accent7" refType="w" fact="0.0598"/>
-          <dgm:constr type="h" for="ch" forName="Accent7" refType="h" fact="0.0952"/>
-          <dgm:constr type="l" for="ch" forName="Accent5" refType="w" fact="0.3661"/>
-          <dgm:constr type="t" for="ch" forName="Accent5" refType="h" fact="0.1353"/>
-          <dgm:constr type="w" for="ch" forName="Accent5" refType="w" fact="0.0433"/>
-          <dgm:constr type="h" for="ch" forName="Accent5" refType="h" fact="0.069"/>
-          <dgm:constr type="l" for="ch" forName="Accent6" refType="w" fact="0.2296"/>
-          <dgm:constr type="t" for="ch" forName="Accent6" refType="h" fact="0.53"/>
-          <dgm:constr type="w" for="ch" forName="Accent6" refType="w" fact="0.0433"/>
-          <dgm:constr type="h" for="ch" forName="Accent6" refType="h" fact="0.069"/>
-          <dgm:constr type="l" for="ch" forName="Accent4" refType="w" fact="0.5537"/>
-          <dgm:constr type="t" for="ch" forName="Accent4" refType="h" fact="0.9048"/>
-          <dgm:constr type="w" for="ch" forName="Accent4" refType="w" fact="0.0598"/>
-          <dgm:constr type="h" for="ch" forName="Accent4" refType="h" fact="0.0952"/>
-        </dgm:constrLst>
-      </dgm:if>
-      <dgm:if name="Name5" axis="ch ch" ptType="node node" func="cnt" op="equ" val="3">
-        <dgm:alg type="composite">
-          <dgm:param type="ar" val="1.7557"/>
-        </dgm:alg>
-        <dgm:constrLst>
-          <dgm:constr type="primFontSz" for="des" ptType="node" op="equ" val="65"/>
-          <dgm:constr type="l" for="ch" forName="Parent" refType="w" fact="0.171"/>
-          <dgm:constr type="t" for="ch" forName="Parent" refType="h" fact="0.039"/>
-          <dgm:constr type="w" for="ch" forName="Parent" refType="w" fact="0.4875"/>
-          <dgm:constr type="h" for="ch" forName="Parent" refType="h" fact="0.856"/>
-          <dgm:constr type="l" for="ch" forName="Accent8" refType="w" fact="0.0373"/>
-          <dgm:constr type="t" for="ch" forName="Accent8" refType="h" fact="0.6434"/>
-          <dgm:constr type="w" for="ch" forName="Accent8" refType="w" fact="0.098"/>
-          <dgm:constr type="h" for="ch" forName="Accent8" refType="h" fact="0.1721"/>
-          <dgm:constr type="l" for="ch" forName="Accent1" refType="w" fact="0.4492"/>
-          <dgm:constr type="t" for="ch" forName="Accent1" refType="h" fact="0"/>
-          <dgm:constr type="w" for="ch" forName="Accent1" refType="w" fact="0.0542"/>
-          <dgm:constr type="h" for="ch" forName="Accent1" refType="h" fact="0.0952"/>
-          <dgm:constr type="l" for="ch" forName="Accent2" refType="w" fact="0.3209"/>
-          <dgm:constr type="t" for="ch" forName="Accent2" refType="h" fact="0.8314"/>
-          <dgm:constr type="w" for="ch" forName="Accent2" refType="w" fact="0.0393"/>
-          <dgm:constr type="h" for="ch" forName="Accent2" refType="h" fact="0.069"/>
-          <dgm:constr type="l" for="ch" forName="Accent3" refType="w" fact="0.6899"/>
-          <dgm:constr type="t" for="ch" forName="Accent3" refType="h" fact="0.3864"/>
-          <dgm:constr type="w" for="ch" forName="Accent3" refType="w" fact="0.0393"/>
-          <dgm:constr type="h" for="ch" forName="Accent3" refType="h" fact="0.069"/>
-          <dgm:constr type="l" for="ch" forName="Accent9" refType="w" fact="0.6201"/>
-          <dgm:constr type="t" for="ch" forName="Accent9" refType="h" fact="0.27"/>
-          <dgm:constr type="w" for="ch" forName="Accent9" refType="w" fact="0.0542"/>
-          <dgm:constr type="h" for="ch" forName="Accent9" refType="h" fact="0.0952"/>
-          <dgm:constr type="l" for="ch" forName="Child1" refType="w" fact="0.0186"/>
-          <dgm:constr type="t" for="ch" forName="Child1" refType="h" fact="0.1935"/>
-          <dgm:constr type="w" for="ch" forName="Child1" refType="w" fact="0.1982"/>
-          <dgm:constr type="h" for="ch" forName="Child1" refType="h" fact="0.3479"/>
-          <dgm:constr type="l" for="ch" forName="Child2" refType="w" fact="0.7086"/>
-          <dgm:constr type="t" for="ch" forName="Child2" refType="h" fact="0.0298"/>
-          <dgm:constr type="w" for="ch" forName="Child2" refType="w" fact="0.1982"/>
-          <dgm:constr type="h" for="ch" forName="Child2" refType="h" fact="0.3479"/>
-          <dgm:constr type="l" for="ch" forName="Child3" refType="w" fact="0.8018"/>
-          <dgm:constr type="t" for="ch" forName="Child3" refType="h" fact="0.6312"/>
-          <dgm:constr type="w" for="ch" forName="Child3" refType="w" fact="0.1982"/>
-          <dgm:constr type="h" for="ch" forName="Child3" refType="h" fact="0.3479"/>
-          <dgm:constr type="l" for="ch" forName="Accent12" refType="w" fact="0.7459"/>
-          <dgm:constr type="t" for="ch" forName="Accent12" refType="h" fact="0.619"/>
-          <dgm:constr type="w" for="ch" forName="Accent12" refType="w" fact="0.0393"/>
-          <dgm:constr type="h" for="ch" forName="Accent12" refType="h" fact="0.069"/>
-          <dgm:constr type="l" for="ch" forName="Accent4" refType="w" fact="0.5021"/>
-          <dgm:constr type="t" for="ch" forName="Accent4" refType="h" fact="0.9048"/>
-          <dgm:constr type="w" for="ch" forName="Accent4" refType="w" fact="0.0542"/>
-          <dgm:constr type="h" for="ch" forName="Accent4" refType="h" fact="0.0952"/>
-          <dgm:constr type="l" for="ch" forName="Accent10" refType="w" fact="0"/>
-          <dgm:constr type="t" for="ch" forName="Accent10" refType="h" fact="0.8482"/>
-          <dgm:constr type="w" for="ch" forName="Accent10" refType="w" fact="0.0393"/>
-          <dgm:constr type="h" for="ch" forName="Accent10" refType="h" fact="0.069"/>
-          <dgm:constr type="l" for="ch" forName="Accent11" refType="w" fact="0.3916"/>
-          <dgm:constr type="t" for="ch" forName="Accent11" refType="h" fact="0.75"/>
-          <dgm:constr type="w" for="ch" forName="Accent11" refType="w" fact="0.0393"/>
-          <dgm:constr type="h" for="ch" forName="Accent11" refType="h" fact="0.069"/>
-          <dgm:constr type="l" for="ch" forName="Accent7" refType="w" fact="0.3944"/>
-          <dgm:constr type="t" for="ch" forName="Accent7" refType="h" fact="0.1383"/>
-          <dgm:constr type="w" for="ch" forName="Accent7" refType="w" fact="0.0542"/>
-          <dgm:constr type="h" for="ch" forName="Accent7" refType="h" fact="0.0952"/>
-          <dgm:constr type="l" for="ch" forName="Accent5" refType="w" fact="0.3319"/>
-          <dgm:constr type="t" for="ch" forName="Accent5" refType="h" fact="0.1353"/>
-          <dgm:constr type="w" for="ch" forName="Accent5" refType="w" fact="0.0393"/>
-          <dgm:constr type="h" for="ch" forName="Accent5" refType="h" fact="0.069"/>
-          <dgm:constr type="l" for="ch" forName="Accent6" refType="w" fact="0.2082"/>
-          <dgm:constr type="t" for="ch" forName="Accent6" refType="h" fact="0.53"/>
-          <dgm:constr type="w" for="ch" forName="Accent6" refType="w" fact="0.0393"/>
-          <dgm:constr type="h" for="ch" forName="Accent6" refType="h" fact="0.069"/>
-        </dgm:constrLst>
-      </dgm:if>
-      <dgm:if name="Name6" axis="ch ch" ptType="node node" func="cnt" op="equ" val="4">
-        <dgm:alg type="composite">
-          <dgm:param type="ar" val="1.3749"/>
-        </dgm:alg>
-        <dgm:constrLst>
-          <dgm:constr type="primFontSz" for="des" ptType="node" op="equ" val="65"/>
-          <dgm:constr type="l" for="ch" forName="Parent" refType="w" fact="0.171"/>
-          <dgm:constr type="t" for="ch" forName="Parent" refType="h" fact="0.0306"/>
-          <dgm:constr type="w" for="ch" forName="Parent" refType="w" fact="0.4875"/>
-          <dgm:constr type="h" for="ch" forName="Parent" refType="h" fact="0.6703"/>
-          <dgm:constr type="l" for="ch" forName="Accent8" refType="w" fact="0.0373"/>
-          <dgm:constr type="t" for="ch" forName="Accent8" refType="h" fact="0.5038"/>
-          <dgm:constr type="w" for="ch" forName="Accent8" refType="w" fact="0.098"/>
-          <dgm:constr type="h" for="ch" forName="Accent8" refType="h" fact="0.1348"/>
-          <dgm:constr type="l" for="ch" forName="Accent1" refType="w" fact="0.4492"/>
-          <dgm:constr type="t" for="ch" forName="Accent1" refType="h" fact="0"/>
-          <dgm:constr type="w" for="ch" forName="Accent1" refType="w" fact="0.0542"/>
-          <dgm:constr type="h" for="ch" forName="Accent1" refType="h" fact="0.0746"/>
-          <dgm:constr type="l" for="ch" forName="Accent2" refType="w" fact="0.3209"/>
-          <dgm:constr type="t" for="ch" forName="Accent2" refType="h" fact="0.6511"/>
-          <dgm:constr type="w" for="ch" forName="Accent2" refType="w" fact="0.0393"/>
-          <dgm:constr type="h" for="ch" forName="Accent2" refType="h" fact="0.054"/>
-          <dgm:constr type="l" for="ch" forName="Accent3" refType="w" fact="0.6899"/>
-          <dgm:constr type="t" for="ch" forName="Accent3" refType="h" fact="0.3026"/>
-          <dgm:constr type="w" for="ch" forName="Accent3" refType="w" fact="0.0393"/>
-          <dgm:constr type="h" for="ch" forName="Accent3" refType="h" fact="0.054"/>
-          <dgm:constr type="l" for="ch" forName="Accent9" refType="w" fact="0.6201"/>
-          <dgm:constr type="t" for="ch" forName="Accent9" refType="h" fact="0.2115"/>
-          <dgm:constr type="w" for="ch" forName="Accent9" refType="w" fact="0.0542"/>
-          <dgm:constr type="h" for="ch" forName="Accent9" refType="h" fact="0.0746"/>
-          <dgm:constr type="l" for="ch" forName="Child1" refType="w" fact="0.0186"/>
-          <dgm:constr type="t" for="ch" forName="Child1" refType="h" fact="0.1515"/>
-          <dgm:constr type="w" for="ch" forName="Child1" refType="w" fact="0.1982"/>
-          <dgm:constr type="h" for="ch" forName="Child1" refType="h" fact="0.2725"/>
-          <dgm:constr type="l" for="ch" forName="Child2" refType="w" fact="0.7086"/>
-          <dgm:constr type="t" for="ch" forName="Child2" refType="h" fact="0.0233"/>
-          <dgm:constr type="w" for="ch" forName="Child2" refType="w" fact="0.1982"/>
-          <dgm:constr type="h" for="ch" forName="Child2" refType="h" fact="0.2725"/>
-          <dgm:constr type="l" for="ch" forName="Child3" refType="w" fact="0.8018"/>
-          <dgm:constr type="t" for="ch" forName="Child3" refType="h" fact="0.4943"/>
-          <dgm:constr type="w" for="ch" forName="Child3" refType="w" fact="0.1982"/>
-          <dgm:constr type="h" for="ch" forName="Child3" refType="h" fact="0.2725"/>
-          <dgm:constr type="l" for="ch" forName="Accent12" refType="w" fact="0.7459"/>
-          <dgm:constr type="t" for="ch" forName="Accent12" refType="h" fact="0.4848"/>
-          <dgm:constr type="w" for="ch" forName="Accent12" refType="w" fact="0.0393"/>
-          <dgm:constr type="h" for="ch" forName="Accent12" refType="h" fact="0.054"/>
-          <dgm:constr type="l" for="ch" forName="Accent4" refType="w" fact="0.5021"/>
-          <dgm:constr type="t" for="ch" forName="Accent4" refType="h" fact="0.7085"/>
-          <dgm:constr type="w" for="ch" forName="Accent4" refType="w" fact="0.0542"/>
-          <dgm:constr type="h" for="ch" forName="Accent4" refType="h" fact="0.0746"/>
-          <dgm:constr type="l" for="ch" forName="Accent10" refType="w" fact="0"/>
-          <dgm:constr type="t" for="ch" forName="Accent10" refType="h" fact="0.6642"/>
-          <dgm:constr type="w" for="ch" forName="Accent10" refType="w" fact="0.0393"/>
-          <dgm:constr type="h" for="ch" forName="Accent10" refType="h" fact="0.054"/>
-          <dgm:constr type="l" for="ch" forName="Accent11" refType="w" fact="0.3916"/>
-          <dgm:constr type="t" for="ch" forName="Accent11" refType="h" fact="0.5873"/>
-          <dgm:constr type="w" for="ch" forName="Accent11" refType="w" fact="0.0393"/>
-          <dgm:constr type="h" for="ch" forName="Accent11" refType="h" fact="0.054"/>
-          <dgm:constr type="l" for="ch" forName="Accent7" refType="w" fact="0.3944"/>
-          <dgm:constr type="t" for="ch" forName="Accent7" refType="h" fact="0.1083"/>
-          <dgm:constr type="w" for="ch" forName="Accent7" refType="w" fact="0.0542"/>
-          <dgm:constr type="h" for="ch" forName="Accent7" refType="h" fact="0.0746"/>
-          <dgm:constr type="l" for="ch" forName="Accent5" refType="w" fact="0.3319"/>
-          <dgm:constr type="t" for="ch" forName="Accent5" refType="h" fact="0.1059"/>
-          <dgm:constr type="w" for="ch" forName="Accent5" refType="w" fact="0.0393"/>
-          <dgm:constr type="h" for="ch" forName="Accent5" refType="h" fact="0.054"/>
-          <dgm:constr type="l" for="ch" forName="Accent6" refType="w" fact="0.2082"/>
-          <dgm:constr type="t" for="ch" forName="Accent6" refType="h" fact="0.4151"/>
-          <dgm:constr type="w" for="ch" forName="Accent6" refType="w" fact="0.0393"/>
-          <dgm:constr type="h" for="ch" forName="Accent6" refType="h" fact="0.054"/>
-          <dgm:constr type="l" for="ch" forName="Child4" refType="w" fact="0.2329"/>
-          <dgm:constr type="t" for="ch" forName="Child4" refType="h" fact="0.7275"/>
-          <dgm:constr type="w" for="ch" forName="Child4" refType="w" fact="0.1982"/>
-          <dgm:constr type="h" for="ch" forName="Child4" refType="h" fact="0.2725"/>
-          <dgm:constr type="l" for="ch" forName="Accent13" refType="w" fact="0.4099"/>
-          <dgm:constr type="t" for="ch" forName="Accent13" refType="h" fact="0.7183"/>
-          <dgm:constr type="w" for="ch" forName="Accent13" refType="w" fact="0.0393"/>
-          <dgm:constr type="h" for="ch" forName="Accent13" refType="h" fact="0.054"/>
-        </dgm:constrLst>
-      </dgm:if>
-      <dgm:else name="Name7">
-        <dgm:alg type="composite">
-          <dgm:param type="ar" val="1.1477"/>
-        </dgm:alg>
-        <dgm:constrLst>
-          <dgm:constr type="primFontSz" for="des" ptType="node" op="equ" val="65"/>
-          <dgm:constr type="l" for="ch" forName="Parent" refType="w" fact="0.171"/>
-          <dgm:constr type="t" for="ch" forName="Parent" refType="h" fact="0.1907"/>
-          <dgm:constr type="w" for="ch" forName="Parent" refType="w" fact="0.4875"/>
-          <dgm:constr type="h" for="ch" forName="Parent" refType="h" fact="0.5596"/>
-          <dgm:constr type="l" for="ch" forName="Accent8" refType="w" fact="0.0373"/>
-          <dgm:constr type="t" for="ch" forName="Accent8" refType="h" fact="0.5858"/>
-          <dgm:constr type="w" for="ch" forName="Accent8" refType="w" fact="0.098"/>
-          <dgm:constr type="h" for="ch" forName="Accent8" refType="h" fact="0.1125"/>
-          <dgm:constr type="l" for="ch" forName="Accent1" refType="w" fact="0.4492"/>
-          <dgm:constr type="t" for="ch" forName="Accent1" refType="h" fact="0.1652"/>
-          <dgm:constr type="w" for="ch" forName="Accent1" refType="w" fact="0.0542"/>
-          <dgm:constr type="h" for="ch" forName="Accent1" refType="h" fact="0.0623"/>
-          <dgm:constr type="l" for="ch" forName="Accent2" refType="w" fact="0.3209"/>
-          <dgm:constr type="t" for="ch" forName="Accent2" refType="h" fact="0.7087"/>
-          <dgm:constr type="w" for="ch" forName="Accent2" refType="w" fact="0.0393"/>
-          <dgm:constr type="h" for="ch" forName="Accent2" refType="h" fact="0.0451"/>
-          <dgm:constr type="l" for="ch" forName="Accent3" refType="w" fact="0.6899"/>
-          <dgm:constr type="t" for="ch" forName="Accent3" refType="h" fact="0.4178"/>
-          <dgm:constr type="w" for="ch" forName="Accent3" refType="w" fact="0.0393"/>
-          <dgm:constr type="h" for="ch" forName="Accent3" refType="h" fact="0.0451"/>
-          <dgm:constr type="l" for="ch" forName="Accent9" refType="w" fact="0.6201"/>
-          <dgm:constr type="t" for="ch" forName="Accent9" refType="h" fact="0.3417"/>
-          <dgm:constr type="w" for="ch" forName="Accent9" refType="w" fact="0.0542"/>
-          <dgm:constr type="h" for="ch" forName="Accent9" refType="h" fact="0.0623"/>
-          <dgm:constr type="l" for="ch" forName="Child1" refType="w" fact="0.0186"/>
-          <dgm:constr type="t" for="ch" forName="Child1" refType="h" fact="0.2917"/>
-          <dgm:constr type="w" for="ch" forName="Child1" refType="w" fact="0.1982"/>
-          <dgm:constr type="h" for="ch" forName="Child1" refType="h" fact="0.2275"/>
-          <dgm:constr type="l" for="ch" forName="Child2" refType="w" fact="0.7086"/>
-          <dgm:constr type="t" for="ch" forName="Child2" refType="h" fact="0.1847"/>
-          <dgm:constr type="w" for="ch" forName="Child2" refType="w" fact="0.1982"/>
-          <dgm:constr type="h" for="ch" forName="Child2" refType="h" fact="0.2275"/>
-          <dgm:constr type="l" for="ch" forName="Child3" refType="w" fact="0.8018"/>
-          <dgm:constr type="t" for="ch" forName="Child3" refType="h" fact="0.5778"/>
-          <dgm:constr type="w" for="ch" forName="Child3" refType="w" fact="0.1982"/>
-          <dgm:constr type="h" for="ch" forName="Child3" refType="h" fact="0.2275"/>
-          <dgm:constr type="l" for="ch" forName="Accent12" refType="w" fact="0.7459"/>
-          <dgm:constr type="t" for="ch" forName="Accent12" refType="h" fact="0.5699"/>
-          <dgm:constr type="w" for="ch" forName="Accent12" refType="w" fact="0.0393"/>
-          <dgm:constr type="h" for="ch" forName="Accent12" refType="h" fact="0.0451"/>
-          <dgm:constr type="l" for="ch" forName="Accent4" refType="w" fact="0.5021"/>
-          <dgm:constr type="t" for="ch" forName="Accent4" refType="h" fact="0.7567"/>
-          <dgm:constr type="w" for="ch" forName="Accent4" refType="w" fact="0.0542"/>
-          <dgm:constr type="h" for="ch" forName="Accent4" refType="h" fact="0.0623"/>
-          <dgm:constr type="l" for="ch" forName="Accent10" refType="w" fact="0"/>
-          <dgm:constr type="t" for="ch" forName="Accent10" refType="h" fact="0.7197"/>
-          <dgm:constr type="w" for="ch" forName="Accent10" refType="w" fact="0.0393"/>
-          <dgm:constr type="h" for="ch" forName="Accent10" refType="h" fact="0.0451"/>
-          <dgm:constr type="l" for="ch" forName="Accent11" refType="w" fact="0.3916"/>
-          <dgm:constr type="t" for="ch" forName="Accent11" refType="h" fact="0.6555"/>
-          <dgm:constr type="w" for="ch" forName="Accent11" refType="w" fact="0.0393"/>
-          <dgm:constr type="h" for="ch" forName="Accent11" refType="h" fact="0.0451"/>
-          <dgm:constr type="l" for="ch" forName="Accent7" refType="w" fact="0.3944"/>
-          <dgm:constr type="t" for="ch" forName="Accent7" refType="h" fact="0.2556"/>
-          <dgm:constr type="w" for="ch" forName="Accent7" refType="w" fact="0.0542"/>
-          <dgm:constr type="h" for="ch" forName="Accent7" refType="h" fact="0.0623"/>
-          <dgm:constr type="l" for="ch" forName="Accent5" refType="w" fact="0.3319"/>
-          <dgm:constr type="t" for="ch" forName="Accent5" refType="h" fact="0.2536"/>
-          <dgm:constr type="w" for="ch" forName="Accent5" refType="w" fact="0.0393"/>
-          <dgm:constr type="h" for="ch" forName="Accent5" refType="h" fact="0.0451"/>
-          <dgm:constr type="l" for="ch" forName="Accent6" refType="w" fact="0.2082"/>
-          <dgm:constr type="t" for="ch" forName="Accent6" refType="h" fact="0.5117"/>
-          <dgm:constr type="w" for="ch" forName="Accent6" refType="w" fact="0.0393"/>
-          <dgm:constr type="h" for="ch" forName="Accent6" refType="h" fact="0.0451"/>
-          <dgm:constr type="l" for="ch" forName="Child5" refType="w" fact="0.4219"/>
-          <dgm:constr type="t" for="ch" forName="Child5" refType="h" fact="0"/>
-          <dgm:constr type="w" for="ch" forName="Child5" refType="w" fact="0.1982"/>
-          <dgm:constr type="h" for="ch" forName="Child5" refType="h" fact="0.2275"/>
-          <dgm:constr type="l" for="ch" forName="Child4" refType="w" fact="0.2329"/>
-          <dgm:constr type="t" for="ch" forName="Child4" refType="h" fact="0.7725"/>
-          <dgm:constr type="w" for="ch" forName="Child4" refType="w" fact="0.1982"/>
-          <dgm:constr type="h" for="ch" forName="Child4" refType="h" fact="0.2275"/>
-          <dgm:constr type="l" for="ch" forName="Accent15" refType="w" fact="0.1775"/>
-          <dgm:constr type="t" for="ch" forName="Accent15" refType="h" fact="0.2466"/>
-          <dgm:constr type="w" for="ch" forName="Accent15" refType="w" fact="0.0393"/>
-          <dgm:constr type="h" for="ch" forName="Accent15" refType="h" fact="0.0451"/>
-          <dgm:constr type="l" for="ch" forName="Accent16" refType="w" fact="0.6351"/>
-          <dgm:constr type="t" for="ch" forName="Accent16" refType="h" fact="0.056"/>
-          <dgm:constr type="w" for="ch" forName="Accent16" refType="w" fact="0.0393"/>
-          <dgm:constr type="h" for="ch" forName="Accent16" refType="h" fact="0.0451"/>
-          <dgm:constr type="l" for="ch" forName="Accent13" refType="w" fact="0.4099"/>
-          <dgm:constr type="t" for="ch" forName="Accent13" refType="h" fact="0.7648"/>
-          <dgm:constr type="w" for="ch" forName="Accent13" refType="w" fact="0.0393"/>
-          <dgm:constr type="h" for="ch" forName="Accent13" refType="h" fact="0.0451"/>
-        </dgm:constrLst>
-      </dgm:else>
-    </dgm:choose>
-    <dgm:forEach name="wrapper" axis="self" ptType="parTrans">
-      <dgm:forEach name="accentRepeat1" axis="self">
-        <dgm:layoutNode name="AccentHold1" styleLbl="node1">
-          <dgm:alg type="sp"/>
-          <dgm:shape xmlns:r="http://schemas.openxmlformats.org/officeDocument/2006/relationships" type="ellipse" r:blip="">
-            <dgm:adjLst/>
-          </dgm:shape>
-          <dgm:presOf/>
-        </dgm:layoutNode>
-      </dgm:forEach>
-      <dgm:forEach name="accentRepeat2" axis="self">
-        <dgm:layoutNode name="AccentHold2" styleLbl="node1">
-          <dgm:alg type="sp"/>
-          <dgm:shape xmlns:r="http://schemas.openxmlformats.org/officeDocument/2006/relationships" type="ellipse" r:blip="">
-            <dgm:adjLst/>
-          </dgm:shape>
-          <dgm:presOf/>
-        </dgm:layoutNode>
-      </dgm:forEach>
-      <dgm:forEach name="accentRepeat3" axis="self">
-        <dgm:layoutNode name="AccentHold3" styleLbl="node1">
-          <dgm:alg type="sp"/>
-          <dgm:shape xmlns:r="http://schemas.openxmlformats.org/officeDocument/2006/relationships" type="ellipse" r:blip="">
-            <dgm:adjLst/>
-          </dgm:shape>
-          <dgm:presOf/>
-        </dgm:layoutNode>
-      </dgm:forEach>
-    </dgm:forEach>
-    <dgm:forEach name="Name8" axis="ch" ptType="node" cnt="1">
-      <dgm:layoutNode name="Parent" styleLbl="node0">
-        <dgm:varLst>
-          <dgm:chMax val="5"/>
-          <dgm:chPref val="5"/>
-        </dgm:varLst>
-        <dgm:alg type="tx"/>
-        <dgm:shape xmlns:r="http://schemas.openxmlformats.org/officeDocument/2006/relationships" type="ellipse" r:blip="">
-          <dgm:adjLst/>
-        </dgm:shape>
-        <dgm:presOf axis="self" ptType="node"/>
-        <dgm:constrLst>
-          <dgm:constr type="lMarg" refType="primFontSz" fact="0.3"/>
-          <dgm:constr type="rMarg" refType="primFontSz" fact="0.3"/>
-          <dgm:constr type="tMarg" refType="primFontSz" fact="0.3"/>
-          <dgm:constr type="bMarg" refType="primFontSz" fact="0.3"/>
-        </dgm:constrLst>
-        <dgm:ruleLst>
-          <dgm:rule type="primFontSz" val="5" fact="NaN" max="NaN"/>
-        </dgm:ruleLst>
-      </dgm:layoutNode>
-      <dgm:choose name="Name9">
-        <dgm:if name="Name10" axis="ch" ptType="node" func="cnt" op="lte" val="4">
-          <dgm:layoutNode name="Accent1" styleLbl="node1">
-            <dgm:alg type="sp"/>
-            <dgm:shape xmlns:r="http://schemas.openxmlformats.org/officeDocument/2006/relationships" type="ellipse" r:blip="">
-              <dgm:adjLst/>
-            </dgm:shape>
-            <dgm:presOf/>
-            <dgm:constrLst/>
-          </dgm:layoutNode>
-        </dgm:if>
-        <dgm:else name="Name11"/>
-      </dgm:choose>
-      <dgm:layoutNode name="Accent2" styleLbl="node1">
-        <dgm:alg type="sp"/>
-        <dgm:shape xmlns:r="http://schemas.openxmlformats.org/officeDocument/2006/relationships" type="ellipse" r:blip="">
-          <dgm:adjLst/>
-        </dgm:shape>
-        <dgm:presOf/>
-        <dgm:constrLst/>
-      </dgm:layoutNode>
-      <dgm:layoutNode name="Accent3" styleLbl="node1">
-        <dgm:alg type="sp"/>
-        <dgm:shape xmlns:r="http://schemas.openxmlformats.org/officeDocument/2006/relationships" type="ellipse" r:blip="">
-          <dgm:adjLst/>
-        </dgm:shape>
-        <dgm:presOf/>
-        <dgm:constrLst/>
-      </dgm:layoutNode>
-      <dgm:layoutNode name="Accent4" styleLbl="node1">
-        <dgm:alg type="sp"/>
-        <dgm:shape xmlns:r="http://schemas.openxmlformats.org/officeDocument/2006/relationships" type="ellipse" r:blip="">
-          <dgm:adjLst/>
-        </dgm:shape>
-        <dgm:presOf/>
-        <dgm:constrLst/>
-      </dgm:layoutNode>
-      <dgm:layoutNode name="Accent5" styleLbl="node1">
-        <dgm:alg type="sp"/>
-        <dgm:shape xmlns:r="http://schemas.openxmlformats.org/officeDocument/2006/relationships" type="ellipse" r:blip="">
-          <dgm:adjLst/>
-        </dgm:shape>
-        <dgm:presOf/>
-        <dgm:constrLst/>
-      </dgm:layoutNode>
-      <dgm:layoutNode name="Accent6" styleLbl="node1">
-        <dgm:alg type="sp"/>
-        <dgm:shape xmlns:r="http://schemas.openxmlformats.org/officeDocument/2006/relationships" type="ellipse" r:blip="">
-          <dgm:adjLst/>
-        </dgm:shape>
-        <dgm:presOf/>
-        <dgm:constrLst/>
-      </dgm:layoutNode>
-    </dgm:forEach>
-    <dgm:forEach name="Name12" axis="ch ch" ptType="node node" st="1 1" cnt="1 1">
-      <dgm:layoutNode name="Child1" styleLbl="node1">
-        <dgm:varLst>
-          <dgm:chMax val="0"/>
-          <dgm:chPref val="0"/>
-        </dgm:varLst>
-        <dgm:alg type="tx">
-          <dgm:param type="shpTxLTRAlignCh" val="ctr"/>
-          <dgm:param type="txAnchorVertCh" val="mid"/>
-        </dgm:alg>
-        <dgm:shape xmlns:r="http://schemas.openxmlformats.org/officeDocument/2006/relationships" type="ellipse" r:blip="">
-          <dgm:adjLst/>
-        </dgm:shape>
-        <dgm:presOf axis="self" ptType="node"/>
-        <dgm:constrLst>
-          <dgm:constr type="lMarg" refType="primFontSz" fact="0.3"/>
-          <dgm:constr type="rMarg" refType="primFontSz" fact="0.3"/>
-          <dgm:constr type="tMarg" refType="primFontSz" fact="0.3"/>
-          <dgm:constr type="bMarg" refType="primFontSz" fact="0.3"/>
-        </dgm:constrLst>
-        <dgm:ruleLst>
-          <dgm:rule type="primFontSz" val="5" fact="NaN" max="NaN"/>
-        </dgm:ruleLst>
-      </dgm:layoutNode>
-      <dgm:layoutNode name="Accent7">
-        <dgm:alg type="sp"/>
-        <dgm:shape xmlns:r="http://schemas.openxmlformats.org/officeDocument/2006/relationships" r:blip="">
-          <dgm:adjLst/>
-        </dgm:shape>
-        <dgm:presOf/>
-        <dgm:constrLst/>
-        <dgm:forEach name="Name13" ref="accentRepeat1"/>
-      </dgm:layoutNode>
-      <dgm:layoutNode name="Accent8">
-        <dgm:alg type="sp"/>
-        <dgm:shape xmlns:r="http://schemas.openxmlformats.org/officeDocument/2006/relationships" r:blip="">
-          <dgm:adjLst/>
-        </dgm:shape>
-        <dgm:presOf/>
-        <dgm:constrLst/>
-        <dgm:forEach name="Name14" ref="accentRepeat2"/>
-      </dgm:layoutNode>
-    </dgm:forEach>
-    <dgm:forEach name="Name15" axis="ch ch" ptType="node node" st="1 2" cnt="1 1">
-      <dgm:layoutNode name="Child2" styleLbl="node1">
-        <dgm:varLst>
-          <dgm:chMax val="0"/>
-          <dgm:chPref val="0"/>
-        </dgm:varLst>
-        <dgm:alg type="tx">
-          <dgm:param type="shpTxLTRAlignCh" val="ctr"/>
-          <dgm:param type="txAnchorVertCh" val="mid"/>
-        </dgm:alg>
-        <dgm:shape xmlns:r="http://schemas.openxmlformats.org/officeDocument/2006/relationships" type="ellipse" r:blip="">
-          <dgm:adjLst/>
-        </dgm:shape>
-        <dgm:presOf axis="self" ptType="node"/>
-        <dgm:constrLst>
-          <dgm:constr type="lMarg" refType="primFontSz" fact="0.3"/>
-          <dgm:constr type="rMarg" refType="primFontSz" fact="0.3"/>
-          <dgm:constr type="tMarg" refType="primFontSz" fact="0.3"/>
-          <dgm:constr type="bMarg" refType="primFontSz" fact="0.3"/>
-        </dgm:constrLst>
-        <dgm:ruleLst>
-          <dgm:rule type="primFontSz" val="5" fact="NaN" max="NaN"/>
-        </dgm:ruleLst>
-      </dgm:layoutNode>
-      <dgm:layoutNode name="Accent9">
-        <dgm:alg type="sp"/>
-        <dgm:shape xmlns:r="http://schemas.openxmlformats.org/officeDocument/2006/relationships" r:blip="">
-          <dgm:adjLst/>
-        </dgm:shape>
-        <dgm:presOf/>
-        <dgm:constrLst/>
-        <dgm:forEach name="Name16" ref="accentRepeat1"/>
-      </dgm:layoutNode>
-      <dgm:layoutNode name="Accent10">
-        <dgm:alg type="sp"/>
-        <dgm:shape xmlns:r="http://schemas.openxmlformats.org/officeDocument/2006/relationships" r:blip="">
-          <dgm:adjLst/>
-        </dgm:shape>
-        <dgm:presOf/>
-        <dgm:constrLst/>
-        <dgm:forEach name="Name17" ref="accentRepeat2"/>
-      </dgm:layoutNode>
-      <dgm:layoutNode name="Accent11">
-        <dgm:alg type="sp"/>
-        <dgm:shape xmlns:r="http://schemas.openxmlformats.org/officeDocument/2006/relationships" r:blip="">
-          <dgm:adjLst/>
-        </dgm:shape>
-        <dgm:presOf/>
-        <dgm:constrLst/>
-        <dgm:forEach name="Name18" ref="accentRepeat3"/>
-      </dgm:layoutNode>
-    </dgm:forEach>
-    <dgm:forEach name="Name19" axis="ch ch" ptType="node node" st="1 3" cnt="1 1">
-      <dgm:layoutNode name="Child3" styleLbl="node1">
-        <dgm:varLst>
-          <dgm:chMax val="0"/>
-          <dgm:chPref val="0"/>
-        </dgm:varLst>
-        <dgm:alg type="tx">
-          <dgm:param type="shpTxLTRAlignCh" val="ctr"/>
-          <dgm:param type="txAnchorVertCh" val="mid"/>
-        </dgm:alg>
-        <dgm:shape xmlns:r="http://schemas.openxmlformats.org/officeDocument/2006/relationships" type="ellipse" r:blip="">
-          <dgm:adjLst/>
-        </dgm:shape>
-        <dgm:presOf axis="self" ptType="node"/>
-        <dgm:constrLst>
-          <dgm:constr type="lMarg" refType="primFontSz" fact="0.3"/>
-          <dgm:constr type="rMarg" refType="primFontSz" fact="0.3"/>
-          <dgm:constr type="tMarg" refType="primFontSz" fact="0.3"/>
-          <dgm:constr type="bMarg" refType="primFontSz" fact="0.3"/>
-        </dgm:constrLst>
-        <dgm:ruleLst>
-          <dgm:rule type="primFontSz" val="5" fact="NaN" max="NaN"/>
-        </dgm:ruleLst>
-      </dgm:layoutNode>
-      <dgm:layoutNode name="Accent12">
-        <dgm:alg type="sp"/>
-        <dgm:shape xmlns:r="http://schemas.openxmlformats.org/officeDocument/2006/relationships" r:blip="">
-          <dgm:adjLst/>
-        </dgm:shape>
-        <dgm:presOf/>
-        <dgm:constrLst/>
-        <dgm:forEach name="Name20" ref="accentRepeat1"/>
-      </dgm:layoutNode>
-    </dgm:forEach>
-    <dgm:forEach name="Name21" axis="ch ch" ptType="node node" st="1 4" cnt="1 1">
-      <dgm:layoutNode name="Child4" styleLbl="node1">
-        <dgm:varLst>
-          <dgm:chMax val="0"/>
-          <dgm:chPref val="0"/>
-        </dgm:varLst>
-        <dgm:alg type="tx">
-          <dgm:param type="shpTxLTRAlignCh" val="ctr"/>
-          <dgm:param type="txAnchorVertCh" val="mid"/>
-        </dgm:alg>
-        <dgm:shape xmlns:r="http://schemas.openxmlformats.org/officeDocument/2006/relationships" type="ellipse" r:blip="">
-          <dgm:adjLst/>
-        </dgm:shape>
-        <dgm:presOf axis="self" ptType="node"/>
-        <dgm:constrLst>
-          <dgm:constr type="lMarg" refType="primFontSz" fact="0.3"/>
-          <dgm:constr type="rMarg" refType="primFontSz" fact="0.3"/>
-          <dgm:constr type="tMarg" refType="primFontSz" fact="0.3"/>
-          <dgm:constr type="bMarg" refType="primFontSz" fact="0.3"/>
-        </dgm:constrLst>
-        <dgm:ruleLst>
-          <dgm:rule type="primFontSz" val="5" fact="NaN" max="NaN"/>
-        </dgm:ruleLst>
-      </dgm:layoutNode>
-      <dgm:layoutNode name="Accent13">
-        <dgm:alg type="sp"/>
-        <dgm:shape xmlns:r="http://schemas.openxmlformats.org/officeDocument/2006/relationships" r:blip="">
-          <dgm:adjLst/>
-        </dgm:shape>
-        <dgm:presOf/>
-        <dgm:constrLst/>
-        <dgm:forEach name="Name22" ref="accentRepeat1"/>
-      </dgm:layoutNode>
-    </dgm:forEach>
-    <dgm:forEach name="Name23" axis="ch ch" ptType="node node" st="1 5" cnt="1 1">
-      <dgm:layoutNode name="Child5" styleLbl="node1">
-        <dgm:varLst>
-          <dgm:chMax val="0"/>
-          <dgm:chPref val="0"/>
-        </dgm:varLst>
-        <dgm:alg type="tx">
-          <dgm:param type="shpTxLTRAlignCh" val="ctr"/>
-          <dgm:param type="txAnchorVertCh" val="mid"/>
-        </dgm:alg>
-        <dgm:shape xmlns:r="http://schemas.openxmlformats.org/officeDocument/2006/relationships" type="ellipse" r:blip="">
-          <dgm:adjLst/>
-        </dgm:shape>
-        <dgm:presOf axis="self" ptType="node"/>
-        <dgm:constrLst>
-          <dgm:constr type="lMarg" refType="primFontSz" fact="0.3"/>
-          <dgm:constr type="rMarg" refType="primFontSz" fact="0.3"/>
-          <dgm:constr type="tMarg" refType="primFontSz" fact="0.3"/>
-          <dgm:constr type="bMarg" refType="primFontSz" fact="0.3"/>
-        </dgm:constrLst>
-        <dgm:ruleLst>
-          <dgm:rule type="primFontSz" val="5" fact="NaN" max="NaN"/>
-        </dgm:ruleLst>
-      </dgm:layoutNode>
-      <dgm:layoutNode name="Accent15">
-        <dgm:alg type="sp"/>
-        <dgm:shape xmlns:r="http://schemas.openxmlformats.org/officeDocument/2006/relationships" r:blip="">
-          <dgm:adjLst/>
-        </dgm:shape>
-        <dgm:presOf/>
-        <dgm:constrLst/>
-        <dgm:forEach name="Name24" ref="accentRepeat2"/>
-      </dgm:layoutNode>
-      <dgm:layoutNode name="Accent16">
-        <dgm:alg type="sp"/>
-        <dgm:shape xmlns:r="http://schemas.openxmlformats.org/officeDocument/2006/relationships" r:blip="">
-          <dgm:adjLst/>
-        </dgm:shape>
-        <dgm:presOf/>
-        <dgm:constrLst/>
-        <dgm:forEach name="Name25" ref="accentRepeat3"/>
-      </dgm:layoutNode>
-    </dgm:forEach>
-  </dgm:layoutNode>
-</dgm:layoutDef>
-</file>
-
-<file path=ppt/diagrams/quickStyle1.xml><?xml version="1.0" encoding="utf-8"?>
-<dgm:styleDef xmlns:dgm="http://schemas.openxmlformats.org/drawingml/2006/diagram" xmlns:a="http://schemas.openxmlformats.org/drawingml/2006/main" uniqueId="urn:microsoft.com/office/officeart/2005/8/quickstyle/simple1">
-  <dgm:title val=""/>
-  <dgm:desc val=""/>
-  <dgm:catLst>
-    <dgm:cat type="simple" pri="10100"/>
-  </dgm:catLst>
-  <dgm:scene3d>
-    <a:camera prst="orthographicFront"/>
-    <a:lightRig rig="threePt" dir="t"/>
-  </dgm:scene3d>
-  <dgm:styleLbl name="node0">
-    <dgm:scene3d>
-      <a:camera prst="orthographicFront"/>
-      <a:lightRig rig="threePt" dir="t"/>
-    </dgm:scene3d>
-    <dgm:sp3d/>
-    <dgm:txPr/>
-    <dgm:style>
-      <a:lnRef idx="2">
-        <a:scrgbClr r="0" g="0" b="0"/>
-      </a:lnRef>
-      <a:fillRef idx="1">
-        <a:scrgbClr r="0" g="0" b="0"/>
-      </a:fillRef>
-      <a:effectRef idx="0">
-        <a:scrgbClr r="0" g="0" b="0"/>
-      </a:effectRef>
-      <a:fontRef idx="minor">
-        <a:schemeClr val="lt1"/>
-      </a:fontRef>
-    </dgm:style>
-  </dgm:styleLbl>
-  <dgm:styleLbl name="lnNode1">
-    <dgm:scene3d>
-      <a:camera prst="orthographicFront"/>
-      <a:lightRig rig="threePt" dir="t"/>
-    </dgm:scene3d>
-    <dgm:sp3d/>
-    <dgm:txPr/>
-    <dgm:style>
-      <a:lnRef idx="2">
-        <a:scrgbClr r="0" g="0" b="0"/>
-      </a:lnRef>
-      <a:fillRef idx="1">
-        <a:scrgbClr r="0" g="0" b="0"/>
-      </a:fillRef>
-      <a:effectRef idx="0">
-        <a:scrgbClr r="0" g="0" b="0"/>
-      </a:effectRef>
-      <a:fontRef idx="minor">
-        <a:schemeClr val="lt1"/>
-      </a:fontRef>
-    </dgm:style>
-  </dgm:styleLbl>
-  <dgm:styleLbl name="vennNode1">
-    <dgm:scene3d>
-      <a:camera prst="orthographicFront"/>
-      <a:lightRig rig="threePt" dir="t"/>
-    </dgm:scene3d>
-    <dgm:sp3d/>
-    <dgm:txPr/>
-    <dgm:style>
-      <a:lnRef idx="2">
-        <a:scrgbClr r="0" g="0" b="0"/>
-      </a:lnRef>
-      <a:fillRef idx="1">
-        <a:scrgbClr r="0" g="0" b="0"/>
-      </a:fillRef>
-      <a:effectRef idx="0">
-        <a:scrgbClr r="0" g="0" b="0"/>
-      </a:effectRef>
-      <a:fontRef idx="minor">
-        <a:schemeClr val="tx1"/>
-      </a:fontRef>
-    </dgm:style>
-  </dgm:styleLbl>
-  <dgm:styleLbl name="alignNode1">
-    <dgm:scene3d>
-      <a:camera prst="orthographicFront"/>
-      <a:lightRig rig="threePt" dir="t"/>
-    </dgm:scene3d>
-    <dgm:sp3d/>
-    <dgm:txPr/>
-    <dgm:style>
-      <a:lnRef idx="2">
-        <a:scrgbClr r="0" g="0" b="0"/>
-      </a:lnRef>
-      <a:fillRef idx="1">
-        <a:scrgbClr r="0" g="0" b="0"/>
-      </a:fillRef>
-      <a:effectRef idx="0">
-        <a:scrgbClr r="0" g="0" b="0"/>
-      </a:effectRef>
-      <a:fontRef idx="minor">
-        <a:schemeClr val="lt1"/>
-      </a:fontRef>
-    </dgm:style>
-  </dgm:styleLbl>
-  <dgm:styleLbl name="node1">
-    <dgm:scene3d>
-      <a:camera prst="orthographicFront"/>
-      <a:lightRig rig="threePt" dir="t"/>
-    </dgm:scene3d>
-    <dgm:sp3d/>
-    <dgm:txPr/>
-    <dgm:style>
-      <a:lnRef idx="2">
-        <a:scrgbClr r="0" g="0" b="0"/>
-      </a:lnRef>
-      <a:fillRef idx="1">
-        <a:scrgbClr r="0" g="0" b="0"/>
-      </a:fillRef>
-      <a:effectRef idx="0">
-        <a:scrgbClr r="0" g="0" b="0"/>
-      </a:effectRef>
-      <a:fontRef idx="minor">
-        <a:schemeClr val="lt1"/>
-      </a:fontRef>
-    </dgm:style>
-  </dgm:styleLbl>
-  <dgm:styleLbl name="node2">
-    <dgm:scene3d>
-      <a:camera prst="orthographicFront"/>
-      <a:lightRig rig="threePt" dir="t"/>
-    </dgm:scene3d>
-    <dgm:sp3d/>
-    <dgm:txPr/>
-    <dgm:style>
-      <a:lnRef idx="2">
-        <a:scrgbClr r="0" g="0" b="0"/>
-      </a:lnRef>
-      <a:fillRef idx="1">
-        <a:scrgbClr r="0" g="0" b="0"/>
-      </a:fillRef>
-      <a:effectRef idx="0">
-        <a:scrgbClr r="0" g="0" b="0"/>
-      </a:effectRef>
-      <a:fontRef idx="minor">
-        <a:schemeClr val="lt1"/>
-      </a:fontRef>
-    </dgm:style>
-  </dgm:styleLbl>
-  <dgm:styleLbl name="node3">
-    <dgm:scene3d>
-      <a:camera prst="orthographicFront"/>
-      <a:lightRig rig="threePt" dir="t"/>
-    </dgm:scene3d>
-    <dgm:sp3d/>
-    <dgm:txPr/>
-    <dgm:style>
-      <a:lnRef idx="2">
-        <a:scrgbClr r="0" g="0" b="0"/>
-      </a:lnRef>
-      <a:fillRef idx="1">
-        <a:scrgbClr r="0" g="0" b="0"/>
-      </a:fillRef>
-      <a:effectRef idx="0">
-        <a:scrgbClr r="0" g="0" b="0"/>
-      </a:effectRef>
-      <a:fontRef idx="minor">
-        <a:schemeClr val="lt1"/>
-      </a:fontRef>
-    </dgm:style>
-  </dgm:styleLbl>
-  <dgm:styleLbl name="node4">
-    <dgm:scene3d>
-      <a:camera prst="orthographicFront"/>
-      <a:lightRig rig="threePt" dir="t"/>
-    </dgm:scene3d>
-    <dgm:sp3d/>
-    <dgm:txPr/>
-    <dgm:style>
-      <a:lnRef idx="2">
-        <a:scrgbClr r="0" g="0" b="0"/>
-      </a:lnRef>
-      <a:fillRef idx="1">
-        <a:scrgbClr r="0" g="0" b="0"/>
-      </a:fillRef>
-      <a:effectRef idx="0">
-        <a:scrgbClr r="0" g="0" b="0"/>
-      </a:effectRef>
-      <a:fontRef idx="minor">
-        <a:schemeClr val="lt1"/>
-      </a:fontRef>
-    </dgm:style>
-  </dgm:styleLbl>
-  <dgm:styleLbl name="fgImgPlace1">
-    <dgm:scene3d>
-      <a:camera prst="orthographicFront"/>
-      <a:lightRig rig="threePt" dir="t"/>
-    </dgm:scene3d>
-    <dgm:sp3d/>
-    <dgm:txPr/>
-    <dgm:style>
-      <a:lnRef idx="2">
-        <a:scrgbClr r="0" g="0" b="0"/>
-      </a:lnRef>
-      <a:fillRef idx="1">
-        <a:scrgbClr r="0" g="0" b="0"/>
-      </a:fillRef>
-      <a:effectRef idx="0">
-        <a:scrgbClr r="0" g="0" b="0"/>
-      </a:effectRef>
-      <a:fontRef idx="minor"/>
-    </dgm:style>
-  </dgm:styleLbl>
-  <dgm:styleLbl name="alignImgPlace1">
-    <dgm:scene3d>
-      <a:camera prst="orthographicFront"/>
-      <a:lightRig rig="threePt" dir="t"/>
-    </dgm:scene3d>
-    <dgm:sp3d/>
-    <dgm:txPr/>
-    <dgm:style>
-      <a:lnRef idx="2">
-        <a:scrgbClr r="0" g="0" b="0"/>
-      </a:lnRef>
-      <a:fillRef idx="1">
-        <a:scrgbClr r="0" g="0" b="0"/>
-      </a:fillRef>
-      <a:effectRef idx="0">
-        <a:scrgbClr r="0" g="0" b="0"/>
-      </a:effectRef>
-      <a:fontRef idx="minor"/>
-    </dgm:style>
-  </dgm:styleLbl>
-  <dgm:styleLbl name="bgImgPlace1">
-    <dgm:scene3d>
-      <a:camera prst="orthographicFront"/>
-      <a:lightRig rig="threePt" dir="t"/>
-    </dgm:scene3d>
-    <dgm:sp3d/>
-    <dgm:txPr/>
-    <dgm:style>
-      <a:lnRef idx="2">
-        <a:scrgbClr r="0" g="0" b="0"/>
-      </a:lnRef>
-      <a:fillRef idx="1">
-        <a:scrgbClr r="0" g="0" b="0"/>
-      </a:fillRef>
-      <a:effectRef idx="0">
-        <a:scrgbClr r="0" g="0" b="0"/>
-      </a:effectRef>
-      <a:fontRef idx="minor"/>
-    </dgm:style>
-  </dgm:styleLbl>
-  <dgm:styleLbl name="sibTrans2D1">
-    <dgm:scene3d>
-      <a:camera prst="orthographicFront"/>
-      <a:lightRig rig="threePt" dir="t"/>
-    </dgm:scene3d>
-    <dgm:sp3d/>
-    <dgm:txPr/>
-    <dgm:style>
-      <a:lnRef idx="0">
-        <a:scrgbClr r="0" g="0" b="0"/>
-      </a:lnRef>
-      <a:fillRef idx="1">
-        <a:scrgbClr r="0" g="0" b="0"/>
-      </a:fillRef>
-      <a:effectRef idx="0">
-        <a:scrgbClr r="0" g="0" b="0"/>
-      </a:effectRef>
-      <a:fontRef idx="minor">
-        <a:schemeClr val="lt1"/>
-      </a:fontRef>
-    </dgm:style>
-  </dgm:styleLbl>
-  <dgm:styleLbl name="fgSibTrans2D1">
-    <dgm:scene3d>
-      <a:camera prst="orthographicFront"/>
-      <a:lightRig rig="threePt" dir="t"/>
-    </dgm:scene3d>
-    <dgm:sp3d/>
-    <dgm:txPr/>
-    <dgm:style>
-      <a:lnRef idx="0">
-        <a:scrgbClr r="0" g="0" b="0"/>
-      </a:lnRef>
-      <a:fillRef idx="1">
-        <a:scrgbClr r="0" g="0" b="0"/>
-      </a:fillRef>
-      <a:effectRef idx="0">
-        <a:scrgbClr r="0" g="0" b="0"/>
-      </a:effectRef>
-      <a:fontRef idx="minor">
-        <a:schemeClr val="lt1"/>
-      </a:fontRef>
-    </dgm:style>
-  </dgm:styleLbl>
-  <dgm:styleLbl name="bgSibTrans2D1">
-    <dgm:scene3d>
-      <a:camera prst="orthographicFront"/>
-      <a:lightRig rig="threePt" dir="t"/>
-    </dgm:scene3d>
-    <dgm:sp3d/>
-    <dgm:txPr/>
-    <dgm:style>
-      <a:lnRef idx="0">
-        <a:scrgbClr r="0" g="0" b="0"/>
-      </a:lnRef>
-      <a:fillRef idx="1">
-        <a:scrgbClr r="0" g="0" b="0"/>
-      </a:fillRef>
-      <a:effectRef idx="0">
-        <a:scrgbClr r="0" g="0" b="0"/>
-      </a:effectRef>
-      <a:fontRef idx="minor">
-        <a:schemeClr val="lt1"/>
-      </a:fontRef>
-    </dgm:style>
-  </dgm:styleLbl>
-  <dgm:styleLbl name="sibTrans1D1">
-    <dgm:scene3d>
-      <a:camera prst="orthographicFront"/>
-      <a:lightRig rig="threePt" dir="t"/>
-    </dgm:scene3d>
-    <dgm:sp3d/>
-    <dgm:txPr/>
-    <dgm:style>
-      <a:lnRef idx="1">
-        <a:scrgbClr r="0" g="0" b="0"/>
-      </a:lnRef>
-      <a:fillRef idx="0">
-        <a:scrgbClr r="0" g="0" b="0"/>
-      </a:fillRef>
-      <a:effectRef idx="0">
-        <a:scrgbClr r="0" g="0" b="0"/>
-      </a:effectRef>
-      <a:fontRef idx="minor"/>
-    </dgm:style>
-  </dgm:styleLbl>
-  <dgm:styleLbl name="callout">
-    <dgm:scene3d>
-      <a:camera prst="orthographicFront"/>
-      <a:lightRig rig="threePt" dir="t"/>
-    </dgm:scene3d>
-    <dgm:sp3d/>
-    <dgm:txPr/>
-    <dgm:style>
-      <a:lnRef idx="2">
-        <a:scrgbClr r="0" g="0" b="0"/>
-      </a:lnRef>
-      <a:fillRef idx="1">
-        <a:scrgbClr r="0" g="0" b="0"/>
-      </a:fillRef>
-      <a:effectRef idx="0">
-        <a:scrgbClr r="0" g="0" b="0"/>
-      </a:effectRef>
-      <a:fontRef idx="minor"/>
-    </dgm:style>
-  </dgm:styleLbl>
-  <dgm:styleLbl name="asst0">
-    <dgm:scene3d>
-      <a:camera prst="orthographicFront"/>
-      <a:lightRig rig="threePt" dir="t"/>
-    </dgm:scene3d>
-    <dgm:sp3d/>
-    <dgm:txPr/>
-    <dgm:style>
-      <a:lnRef idx="2">
-        <a:scrgbClr r="0" g="0" b="0"/>
-      </a:lnRef>
-      <a:fillRef idx="1">
-        <a:scrgbClr r="0" g="0" b="0"/>
-      </a:fillRef>
-      <a:effectRef idx="0">
-        <a:scrgbClr r="0" g="0" b="0"/>
-      </a:effectRef>
-      <a:fontRef idx="minor">
-        <a:schemeClr val="lt1"/>
-      </a:fontRef>
-    </dgm:style>
-  </dgm:styleLbl>
-  <dgm:styleLbl name="asst1">
-    <dgm:scene3d>
-      <a:camera prst="orthographicFront"/>
-      <a:lightRig rig="threePt" dir="t"/>
-    </dgm:scene3d>
-    <dgm:sp3d/>
-    <dgm:txPr/>
-    <dgm:style>
-      <a:lnRef idx="2">
-        <a:scrgbClr r="0" g="0" b="0"/>
-      </a:lnRef>
-      <a:fillRef idx="1">
-        <a:scrgbClr r="0" g="0" b="0"/>
-      </a:fillRef>
-      <a:effectRef idx="0">
-        <a:scrgbClr r="0" g="0" b="0"/>
-      </a:effectRef>
-      <a:fontRef idx="minor">
-        <a:schemeClr val="lt1"/>
-      </a:fontRef>
-    </dgm:style>
-  </dgm:styleLbl>
-  <dgm:styleLbl name="asst2">
-    <dgm:scene3d>
-      <a:camera prst="orthographicFront"/>
-      <a:lightRig rig="threePt" dir="t"/>
-    </dgm:scene3d>
-    <dgm:sp3d/>
-    <dgm:txPr/>
-    <dgm:style>
-      <a:lnRef idx="2">
-        <a:scrgbClr r="0" g="0" b="0"/>
-      </a:lnRef>
-      <a:fillRef idx="1">
-        <a:scrgbClr r="0" g="0" b="0"/>
-      </a:fillRef>
-      <a:effectRef idx="0">
-        <a:scrgbClr r="0" g="0" b="0"/>
-      </a:effectRef>
-      <a:fontRef idx="minor">
-        <a:schemeClr val="lt1"/>
-      </a:fontRef>
-    </dgm:style>
-  </dgm:styleLbl>
-  <dgm:styleLbl name="asst3">
-    <dgm:scene3d>
-      <a:camera prst="orthographicFront"/>
-      <a:lightRig rig="threePt" dir="t"/>
-    </dgm:scene3d>
-    <dgm:sp3d/>
-    <dgm:txPr/>
-    <dgm:style>
-      <a:lnRef idx="2">
-        <a:scrgbClr r="0" g="0" b="0"/>
-      </a:lnRef>
-      <a:fillRef idx="1">
-        <a:scrgbClr r="0" g="0" b="0"/>
-      </a:fillRef>
-      <a:effectRef idx="0">
-        <a:scrgbClr r="0" g="0" b="0"/>
-      </a:effectRef>
-      <a:fontRef idx="minor">
-        <a:schemeClr val="lt1"/>
-      </a:fontRef>
-    </dgm:style>
-  </dgm:styleLbl>
-  <dgm:styleLbl name="asst4">
-    <dgm:scene3d>
-      <a:camera prst="orthographicFront"/>
-      <a:lightRig rig="threePt" dir="t"/>
-    </dgm:scene3d>
-    <dgm:sp3d/>
-    <dgm:txPr/>
-    <dgm:style>
-      <a:lnRef idx="2">
-        <a:scrgbClr r="0" g="0" b="0"/>
-      </a:lnRef>
-      <a:fillRef idx="1">
-        <a:scrgbClr r="0" g="0" b="0"/>
-      </a:fillRef>
-      <a:effectRef idx="0">
-        <a:scrgbClr r="0" g="0" b="0"/>
-      </a:effectRef>
-      <a:fontRef idx="minor">
-        <a:schemeClr val="lt1"/>
-      </a:fontRef>
-    </dgm:style>
-  </dgm:styleLbl>
-  <dgm:styleLbl name="parChTrans2D1">
-    <dgm:scene3d>
-      <a:camera prst="orthographicFront"/>
-      <a:lightRig rig="threePt" dir="t"/>
-    </dgm:scene3d>
-    <dgm:sp3d/>
-    <dgm:txPr/>
-    <dgm:style>
-      <a:lnRef idx="2">
-        <a:scrgbClr r="0" g="0" b="0"/>
-      </a:lnRef>
-      <a:fillRef idx="1">
-        <a:scrgbClr r="0" g="0" b="0"/>
-      </a:fillRef>
-      <a:effectRef idx="0">
-        <a:scrgbClr r="0" g="0" b="0"/>
-      </a:effectRef>
-      <a:fontRef idx="minor">
-        <a:schemeClr val="lt1"/>
-      </a:fontRef>
-    </dgm:style>
-  </dgm:styleLbl>
-  <dgm:styleLbl name="parChTrans2D2">
-    <dgm:scene3d>
-      <a:camera prst="orthographicFront"/>
-      <a:lightRig rig="threePt" dir="t"/>
-    </dgm:scene3d>
-    <dgm:sp3d/>
-    <dgm:txPr/>
-    <dgm:style>
-      <a:lnRef idx="2">
-        <a:scrgbClr r="0" g="0" b="0"/>
-      </a:lnRef>
-      <a:fillRef idx="1">
-        <a:scrgbClr r="0" g="0" b="0"/>
-      </a:fillRef>
-      <a:effectRef idx="0">
-        <a:scrgbClr r="0" g="0" b="0"/>
-      </a:effectRef>
-      <a:fontRef idx="minor">
-        <a:schemeClr val="lt1"/>
-      </a:fontRef>
-    </dgm:style>
-  </dgm:styleLbl>
-  <dgm:styleLbl name="parChTrans2D3">
-    <dgm:scene3d>
-      <a:camera prst="orthographicFront"/>
-      <a:lightRig rig="threePt" dir="t"/>
-    </dgm:scene3d>
-    <dgm:sp3d/>
-    <dgm:txPr/>
-    <dgm:style>
-      <a:lnRef idx="2">
-        <a:scrgbClr r="0" g="0" b="0"/>
-      </a:lnRef>
-      <a:fillRef idx="1">
-        <a:scrgbClr r="0" g="0" b="0"/>
-      </a:fillRef>
-      <a:effectRef idx="0">
-        <a:scrgbClr r="0" g="0" b="0"/>
-      </a:effectRef>
-      <a:fontRef idx="minor">
-        <a:schemeClr val="lt1"/>
-      </a:fontRef>
-    </dgm:style>
-  </dgm:styleLbl>
-  <dgm:styleLbl name="parChTrans2D4">
-    <dgm:scene3d>
-      <a:camera prst="orthographicFront"/>
-      <a:lightRig rig="threePt" dir="t"/>
-    </dgm:scene3d>
-    <dgm:sp3d/>
-    <dgm:txPr/>
-    <dgm:style>
-      <a:lnRef idx="2">
-        <a:scrgbClr r="0" g="0" b="0"/>
-      </a:lnRef>
-      <a:fillRef idx="1">
-        <a:scrgbClr r="0" g="0" b="0"/>
-      </a:fillRef>
-      <a:effectRef idx="0">
-        <a:scrgbClr r="0" g="0" b="0"/>
-      </a:effectRef>
-      <a:fontRef idx="minor">
-        <a:schemeClr val="lt1"/>
-      </a:fontRef>
-    </dgm:style>
-  </dgm:styleLbl>
-  <dgm:styleLbl name="parChTrans1D1">
-    <dgm:scene3d>
-      <a:camera prst="orthographicFront"/>
-      <a:lightRig rig="threePt" dir="t"/>
-    </dgm:scene3d>
-    <dgm:sp3d/>
-    <dgm:txPr/>
-    <dgm:style>
-      <a:lnRef idx="2">
-        <a:scrgbClr r="0" g="0" b="0"/>
-      </a:lnRef>
-      <a:fillRef idx="0">
-        <a:scrgbClr r="0" g="0" b="0"/>
-      </a:fillRef>
-      <a:effectRef idx="0">
-        <a:scrgbClr r="0" g="0" b="0"/>
-      </a:effectRef>
-      <a:fontRef idx="minor"/>
-    </dgm:style>
-  </dgm:styleLbl>
-  <dgm:styleLbl name="parChTrans1D2">
-    <dgm:scene3d>
-      <a:camera prst="orthographicFront"/>
-      <a:lightRig rig="threePt" dir="t"/>
-    </dgm:scene3d>
-    <dgm:sp3d/>
-    <dgm:txPr/>
-    <dgm:style>
-      <a:lnRef idx="2">
-        <a:scrgbClr r="0" g="0" b="0"/>
-      </a:lnRef>
-      <a:fillRef idx="0">
-        <a:scrgbClr r="0" g="0" b="0"/>
-      </a:fillRef>
-      <a:effectRef idx="0">
-        <a:scrgbClr r="0" g="0" b="0"/>
-      </a:effectRef>
-      <a:fontRef idx="minor"/>
-    </dgm:style>
-  </dgm:styleLbl>
-  <dgm:styleLbl name="parChTrans1D3">
-    <dgm:scene3d>
-      <a:camera prst="orthographicFront"/>
-      <a:lightRig rig="threePt" dir="t"/>
-    </dgm:scene3d>
-    <dgm:sp3d/>
-    <dgm:txPr/>
-    <dgm:style>
-      <a:lnRef idx="2">
-        <a:scrgbClr r="0" g="0" b="0"/>
-      </a:lnRef>
-      <a:fillRef idx="0">
-        <a:scrgbClr r="0" g="0" b="0"/>
-      </a:fillRef>
-      <a:effectRef idx="0">
-        <a:scrgbClr r="0" g="0" b="0"/>
-      </a:effectRef>
-      <a:fontRef idx="minor"/>
-    </dgm:style>
-  </dgm:styleLbl>
-  <dgm:styleLbl name="parChTrans1D4">
-    <dgm:scene3d>
-      <a:camera prst="orthographicFront"/>
-      <a:lightRig rig="threePt" dir="t"/>
-    </dgm:scene3d>
-    <dgm:sp3d/>
-    <dgm:txPr/>
-    <dgm:style>
-      <a:lnRef idx="2">
-        <a:scrgbClr r="0" g="0" b="0"/>
-      </a:lnRef>
-      <a:fillRef idx="0">
-        <a:scrgbClr r="0" g="0" b="0"/>
-      </a:fillRef>
-      <a:effectRef idx="0">
-        <a:scrgbClr r="0" g="0" b="0"/>
-      </a:effectRef>
-      <a:fontRef idx="minor"/>
-    </dgm:style>
-  </dgm:styleLbl>
-  <dgm:styleLbl name="fgAcc1">
-    <dgm:scene3d>
-      <a:camera prst="orthographicFront"/>
-      <a:lightRig rig="threePt" dir="t"/>
-    </dgm:scene3d>
-    <dgm:sp3d/>
-    <dgm:txPr/>
-    <dgm:style>
-      <a:lnRef idx="2">
-        <a:scrgbClr r="0" g="0" b="0"/>
-      </a:lnRef>
-      <a:fillRef idx="1">
-        <a:scrgbClr r="0" g="0" b="0"/>
-      </a:fillRef>
-      <a:effectRef idx="0">
-        <a:scrgbClr r="0" g="0" b="0"/>
-      </a:effectRef>
-      <a:fontRef idx="minor"/>
-    </dgm:style>
-  </dgm:styleLbl>
-  <dgm:styleLbl name="conFgAcc1">
-    <dgm:scene3d>
-      <a:camera prst="orthographicFront"/>
-      <a:lightRig rig="threePt" dir="t"/>
-    </dgm:scene3d>
-    <dgm:sp3d/>
-    <dgm:txPr/>
-    <dgm:style>
-      <a:lnRef idx="2">
-        <a:scrgbClr r="0" g="0" b="0"/>
-      </a:lnRef>
-      <a:fillRef idx="1">
-        <a:scrgbClr r="0" g="0" b="0"/>
-      </a:fillRef>
-      <a:effectRef idx="0">
-        <a:scrgbClr r="0" g="0" b="0"/>
-      </a:effectRef>
-      <a:fontRef idx="minor"/>
-    </dgm:style>
-  </dgm:styleLbl>
-  <dgm:styleLbl name="alignAcc1">
-    <dgm:scene3d>
-      <a:camera prst="orthographicFront"/>
-      <a:lightRig rig="threePt" dir="t"/>
-    </dgm:scene3d>
-    <dgm:sp3d/>
-    <dgm:txPr/>
-    <dgm:style>
-      <a:lnRef idx="2">
-        <a:scrgbClr r="0" g="0" b="0"/>
-      </a:lnRef>
-      <a:fillRef idx="1">
-        <a:scrgbClr r="0" g="0" b="0"/>
-      </a:fillRef>
-      <a:effectRef idx="0">
-        <a:scrgbClr r="0" g="0" b="0"/>
-      </a:effectRef>
-      <a:fontRef idx="minor"/>
-    </dgm:style>
-  </dgm:styleLbl>
-  <dgm:styleLbl name="trAlignAcc1">
-    <dgm:scene3d>
-      <a:camera prst="orthographicFront"/>
-      <a:lightRig rig="threePt" dir="t"/>
-    </dgm:scene3d>
-    <dgm:sp3d/>
-    <dgm:txPr/>
-    <dgm:style>
-      <a:lnRef idx="1">
-        <a:scrgbClr r="0" g="0" b="0"/>
-      </a:lnRef>
-      <a:fillRef idx="1">
-        <a:scrgbClr r="0" g="0" b="0"/>
-      </a:fillRef>
-      <a:effectRef idx="0">
-        <a:scrgbClr r="0" g="0" b="0"/>
-      </a:effectRef>
-      <a:fontRef idx="minor"/>
-    </dgm:style>
-  </dgm:styleLbl>
-  <dgm:styleLbl name="bgAcc1">
-    <dgm:scene3d>
-      <a:camera prst="orthographicFront"/>
-      <a:lightRig rig="threePt" dir="t"/>
-    </dgm:scene3d>
-    <dgm:sp3d/>
-    <dgm:txPr/>
-    <dgm:style>
-      <a:lnRef idx="2">
-        <a:scrgbClr r="0" g="0" b="0"/>
-      </a:lnRef>
-      <a:fillRef idx="1">
-        <a:scrgbClr r="0" g="0" b="0"/>
-      </a:fillRef>
-      <a:effectRef idx="0">
-        <a:scrgbClr r="0" g="0" b="0"/>
-      </a:effectRef>
-      <a:fontRef idx="minor"/>
-    </dgm:style>
-  </dgm:styleLbl>
-  <dgm:styleLbl name="solidFgAcc1">
-    <dgm:scene3d>
-      <a:camera prst="orthographicFront"/>
-      <a:lightRig rig="threePt" dir="t"/>
-    </dgm:scene3d>
-    <dgm:sp3d/>
-    <dgm:txPr/>
-    <dgm:style>
-      <a:lnRef idx="2">
-        <a:scrgbClr r="0" g="0" b="0"/>
-      </a:lnRef>
-      <a:fillRef idx="1">
-        <a:scrgbClr r="0" g="0" b="0"/>
-      </a:fillRef>
-      <a:effectRef idx="0">
-        <a:scrgbClr r="0" g="0" b="0"/>
-      </a:effectRef>
-      <a:fontRef idx="minor"/>
-    </dgm:style>
-  </dgm:styleLbl>
-  <dgm:styleLbl name="solidAlignAcc1">
-    <dgm:scene3d>
-      <a:camera prst="orthographicFront"/>
-      <a:lightRig rig="threePt" dir="t"/>
-    </dgm:scene3d>
-    <dgm:sp3d/>
-    <dgm:txPr/>
-    <dgm:style>
-      <a:lnRef idx="2">
-        <a:scrgbClr r="0" g="0" b="0"/>
-      </a:lnRef>
-      <a:fillRef idx="1">
-        <a:scrgbClr r="0" g="0" b="0"/>
-      </a:fillRef>
-      <a:effectRef idx="0">
-        <a:scrgbClr r="0" g="0" b="0"/>
-      </a:effectRef>
-      <a:fontRef idx="minor"/>
-    </dgm:style>
-  </dgm:styleLbl>
-  <dgm:styleLbl name="solidBgAcc1">
-    <dgm:scene3d>
-      <a:camera prst="orthographicFront"/>
-      <a:lightRig rig="threePt" dir="t"/>
-    </dgm:scene3d>
-    <dgm:sp3d/>
-    <dgm:txPr/>
-    <dgm:style>
-      <a:lnRef idx="2">
-        <a:scrgbClr r="0" g="0" b="0"/>
-      </a:lnRef>
-      <a:fillRef idx="1">
-        <a:scrgbClr r="0" g="0" b="0"/>
-      </a:fillRef>
-      <a:effectRef idx="0">
-        <a:scrgbClr r="0" g="0" b="0"/>
-      </a:effectRef>
-      <a:fontRef idx="minor"/>
-    </dgm:style>
-  </dgm:styleLbl>
-  <dgm:styleLbl name="fgAccFollowNode1">
-    <dgm:scene3d>
-      <a:camera prst="orthographicFront"/>
-      <a:lightRig rig="threePt" dir="t"/>
-    </dgm:scene3d>
-    <dgm:sp3d/>
-    <dgm:txPr/>
-    <dgm:style>
-      <a:lnRef idx="2">
-        <a:scrgbClr r="0" g="0" b="0"/>
-      </a:lnRef>
-      <a:fillRef idx="1">
-        <a:scrgbClr r="0" g="0" b="0"/>
-      </a:fillRef>
-      <a:effectRef idx="0">
-        <a:scrgbClr r="0" g="0" b="0"/>
-      </a:effectRef>
-      <a:fontRef idx="minor"/>
-    </dgm:style>
-  </dgm:styleLbl>
-  <dgm:styleLbl name="alignAccFollowNode1">
-    <dgm:scene3d>
-      <a:camera prst="orthographicFront"/>
-      <a:lightRig rig="threePt" dir="t"/>
-    </dgm:scene3d>
-    <dgm:sp3d/>
-    <dgm:txPr/>
-    <dgm:style>
-      <a:lnRef idx="2">
-        <a:scrgbClr r="0" g="0" b="0"/>
-      </a:lnRef>
-      <a:fillRef idx="1">
-        <a:scrgbClr r="0" g="0" b="0"/>
-      </a:fillRef>
-      <a:effectRef idx="0">
-        <a:scrgbClr r="0" g="0" b="0"/>
-      </a:effectRef>
-      <a:fontRef idx="minor"/>
-    </dgm:style>
-  </dgm:styleLbl>
-  <dgm:styleLbl name="bgAccFollowNode1">
-    <dgm:scene3d>
-      <a:camera prst="orthographicFront"/>
-      <a:lightRig rig="threePt" dir="t"/>
-    </dgm:scene3d>
-    <dgm:sp3d/>
-    <dgm:txPr/>
-    <dgm:style>
-      <a:lnRef idx="2">
-        <a:scrgbClr r="0" g="0" b="0"/>
-      </a:lnRef>
-      <a:fillRef idx="1">
-        <a:scrgbClr r="0" g="0" b="0"/>
-      </a:fillRef>
-      <a:effectRef idx="0">
-        <a:scrgbClr r="0" g="0" b="0"/>
-      </a:effectRef>
-      <a:fontRef idx="minor"/>
-    </dgm:style>
-  </dgm:styleLbl>
-  <dgm:styleLbl name="fgAcc0">
-    <dgm:scene3d>
-      <a:camera prst="orthographicFront"/>
-      <a:lightRig rig="threePt" dir="t"/>
-    </dgm:scene3d>
-    <dgm:sp3d/>
-    <dgm:txPr/>
-    <dgm:style>
-      <a:lnRef idx="2">
-        <a:scrgbClr r="0" g="0" b="0"/>
-      </a:lnRef>
-      <a:fillRef idx="1">
-        <a:scrgbClr r="0" g="0" b="0"/>
-      </a:fillRef>
-      <a:effectRef idx="0">
-        <a:scrgbClr r="0" g="0" b="0"/>
-      </a:effectRef>
-      <a:fontRef idx="minor"/>
-    </dgm:style>
-  </dgm:styleLbl>
-  <dgm:styleLbl name="fgAcc2">
-    <dgm:scene3d>
-      <a:camera prst="orthographicFront"/>
-      <a:lightRig rig="threePt" dir="t"/>
-    </dgm:scene3d>
-    <dgm:sp3d/>
-    <dgm:txPr/>
-    <dgm:style>
-      <a:lnRef idx="2">
-        <a:scrgbClr r="0" g="0" b="0"/>
-      </a:lnRef>
-      <a:fillRef idx="1">
-        <a:scrgbClr r="0" g="0" b="0"/>
-      </a:fillRef>
-      <a:effectRef idx="0">
-        <a:scrgbClr r="0" g="0" b="0"/>
-      </a:effectRef>
-      <a:fontRef idx="minor"/>
-    </dgm:style>
-  </dgm:styleLbl>
-  <dgm:styleLbl name="fgAcc3">
-    <dgm:scene3d>
-      <a:camera prst="orthographicFront"/>
-      <a:lightRig rig="threePt" dir="t"/>
-    </dgm:scene3d>
-    <dgm:sp3d/>
-    <dgm:txPr/>
-    <dgm:style>
-      <a:lnRef idx="2">
-        <a:scrgbClr r="0" g="0" b="0"/>
-      </a:lnRef>
-      <a:fillRef idx="1">
-        <a:scrgbClr r="0" g="0" b="0"/>
-      </a:fillRef>
-      <a:effectRef idx="0">
-        <a:scrgbClr r="0" g="0" b="0"/>
-      </a:effectRef>
-      <a:fontRef idx="minor"/>
-    </dgm:style>
-  </dgm:styleLbl>
-  <dgm:styleLbl name="fgAcc4">
-    <dgm:scene3d>
-      <a:camera prst="orthographicFront"/>
-      <a:lightRig rig="threePt" dir="t"/>
-    </dgm:scene3d>
-    <dgm:sp3d/>
-    <dgm:txPr/>
-    <dgm:style>
-      <a:lnRef idx="2">
-        <a:scrgbClr r="0" g="0" b="0"/>
-      </a:lnRef>
-      <a:fillRef idx="1">
-        <a:scrgbClr r="0" g="0" b="0"/>
-      </a:fillRef>
-      <a:effectRef idx="0">
-        <a:scrgbClr r="0" g="0" b="0"/>
-      </a:effectRef>
-      <a:fontRef idx="minor"/>
-    </dgm:style>
-  </dgm:styleLbl>
-  <dgm:styleLbl name="bgShp">
-    <dgm:scene3d>
-      <a:camera prst="orthographicFront"/>
-      <a:lightRig rig="threePt" dir="t"/>
-    </dgm:scene3d>
-    <dgm:sp3d/>
-    <dgm:txPr/>
-    <dgm:style>
-      <a:lnRef idx="0">
-        <a:scrgbClr r="0" g="0" b="0"/>
-      </a:lnRef>
-      <a:fillRef idx="1">
-        <a:scrgbClr r="0" g="0" b="0"/>
-      </a:fillRef>
-      <a:effectRef idx="0">
-        <a:scrgbClr r="0" g="0" b="0"/>
-      </a:effectRef>
-      <a:fontRef idx="minor"/>
-    </dgm:style>
-  </dgm:styleLbl>
-  <dgm:styleLbl name="dkBgShp">
-    <dgm:scene3d>
-      <a:camera prst="orthographicFront"/>
-      <a:lightRig rig="threePt" dir="t"/>
-    </dgm:scene3d>
-    <dgm:sp3d/>
-    <dgm:txPr/>
-    <dgm:style>
-      <a:lnRef idx="0">
-        <a:scrgbClr r="0" g="0" b="0"/>
-      </a:lnRef>
-      <a:fillRef idx="1">
-        <a:scrgbClr r="0" g="0" b="0"/>
-      </a:fillRef>
-      <a:effectRef idx="0">
-        <a:scrgbClr r="0" g="0" b="0"/>
-      </a:effectRef>
-      <a:fontRef idx="minor"/>
-    </dgm:style>
-  </dgm:styleLbl>
-  <dgm:styleLbl name="trBgShp">
-    <dgm:scene3d>
-      <a:camera prst="orthographicFront"/>
-      <a:lightRig rig="threePt" dir="t"/>
-    </dgm:scene3d>
-    <dgm:sp3d/>
-    <dgm:txPr/>
-    <dgm:style>
-      <a:lnRef idx="0">
-        <a:scrgbClr r="0" g="0" b="0"/>
-      </a:lnRef>
-      <a:fillRef idx="1">
-        <a:scrgbClr r="0" g="0" b="0"/>
-      </a:fillRef>
-      <a:effectRef idx="0">
-        <a:scrgbClr r="0" g="0" b="0"/>
-      </a:effectRef>
-      <a:fontRef idx="minor"/>
-    </dgm:style>
-  </dgm:styleLbl>
-  <dgm:styleLbl name="fgShp">
-    <dgm:scene3d>
-      <a:camera prst="orthographicFront"/>
-      <a:lightRig rig="threePt" dir="t"/>
-    </dgm:scene3d>
-    <dgm:sp3d/>
-    <dgm:txPr/>
-    <dgm:style>
-      <a:lnRef idx="2">
-        <a:scrgbClr r="0" g="0" b="0"/>
-      </a:lnRef>
-      <a:fillRef idx="1">
-        <a:scrgbClr r="0" g="0" b="0"/>
-      </a:fillRef>
-      <a:effectRef idx="0">
-        <a:scrgbClr r="0" g="0" b="0"/>
-      </a:effectRef>
-      <a:fontRef idx="minor"/>
-    </dgm:style>
-  </dgm:styleLbl>
-  <dgm:styleLbl name="revTx">
-    <dgm:scene3d>
-      <a:camera prst="orthographicFront"/>
-      <a:lightRig rig="threePt" dir="t"/>
-    </dgm:scene3d>
-    <dgm:sp3d/>
-    <dgm:txPr/>
-    <dgm:style>
-      <a:lnRef idx="0">
-        <a:scrgbClr r="0" g="0" b="0"/>
-      </a:lnRef>
-      <a:fillRef idx="0">
-        <a:scrgbClr r="0" g="0" b="0"/>
-      </a:fillRef>
-      <a:effectRef idx="0">
-        <a:scrgbClr r="0" g="0" b="0"/>
-      </a:effectRef>
-      <a:fontRef idx="minor"/>
-    </dgm:style>
-  </dgm:styleLbl>
-</dgm:styleDef>
-</file>
-
-<file path=ppt/diagrams/quickStyle2.xml><?xml version="1.0" encoding="utf-8"?>
-<dgm:styleDef xmlns:dgm="http://schemas.openxmlformats.org/drawingml/2006/diagram" xmlns:a="http://schemas.openxmlformats.org/drawingml/2006/main" uniqueId="urn:microsoft.com/office/officeart/2005/8/quickstyle/simple4">
-  <dgm:title val=""/>
-  <dgm:desc val=""/>
-  <dgm:catLst>
-    <dgm:cat type="simple" pri="10400"/>
-  </dgm:catLst>
-  <dgm:scene3d>
-    <a:camera prst="orthographicFront"/>
-    <a:lightRig rig="threePt" dir="t"/>
-  </dgm:scene3d>
-  <dgm:styleLbl name="node0">
-    <dgm:scene3d>
-      <a:camera prst="orthographicFront"/>
-      <a:lightRig rig="threePt" dir="t"/>
-    </dgm:scene3d>
-    <dgm:sp3d/>
-    <dgm:txPr/>
-    <dgm:style>
-      <a:lnRef idx="0">
-        <a:scrgbClr r="0" g="0" b="0"/>
-      </a:lnRef>
-      <a:fillRef idx="3">
-        <a:scrgbClr r="0" g="0" b="0"/>
-      </a:fillRef>
-      <a:effectRef idx="2">
-        <a:scrgbClr r="0" g="0" b="0"/>
-      </a:effectRef>
-      <a:fontRef idx="minor">
-        <a:schemeClr val="lt1"/>
-      </a:fontRef>
-    </dgm:style>
-  </dgm:styleLbl>
-  <dgm:styleLbl name="lnNode1">
-    <dgm:scene3d>
-      <a:camera prst="orthographicFront"/>
-      <a:lightRig rig="threePt" dir="t"/>
-    </dgm:scene3d>
-    <dgm:sp3d/>
-    <dgm:txPr/>
-    <dgm:style>
-      <a:lnRef idx="1">
-        <a:scrgbClr r="0" g="0" b="0"/>
-      </a:lnRef>
-      <a:fillRef idx="3">
-        <a:scrgbClr r="0" g="0" b="0"/>
-      </a:fillRef>
-      <a:effectRef idx="2">
-        <a:scrgbClr r="0" g="0" b="0"/>
-      </a:effectRef>
-      <a:fontRef idx="minor">
-        <a:schemeClr val="lt1"/>
-      </a:fontRef>
-    </dgm:style>
-  </dgm:styleLbl>
-  <dgm:styleLbl name="vennNode1">
-    <dgm:scene3d>
-      <a:camera prst="orthographicFront"/>
-      <a:lightRig rig="threePt" dir="t"/>
-    </dgm:scene3d>
-    <dgm:sp3d/>
-    <dgm:txPr/>
-    <dgm:style>
-      <a:lnRef idx="0">
-        <a:scrgbClr r="0" g="0" b="0"/>
-      </a:lnRef>
-      <a:fillRef idx="3">
-        <a:scrgbClr r="0" g="0" b="0"/>
-      </a:fillRef>
-      <a:effectRef idx="0">
-        <a:scrgbClr r="0" g="0" b="0"/>
-      </a:effectRef>
-      <a:fontRef idx="minor">
-        <a:schemeClr val="tx1"/>
-      </a:fontRef>
-    </dgm:style>
-  </dgm:styleLbl>
-  <dgm:styleLbl name="alignNode1">
-    <dgm:scene3d>
-      <a:camera prst="orthographicFront"/>
-      <a:lightRig rig="threePt" dir="t"/>
-    </dgm:scene3d>
-    <dgm:sp3d/>
-    <dgm:txPr/>
-    <dgm:style>
-      <a:lnRef idx="1">
-        <a:scrgbClr r="0" g="0" b="0"/>
-      </a:lnRef>
-      <a:fillRef idx="3">
-        <a:scrgbClr r="0" g="0" b="0"/>
-      </a:fillRef>
-      <a:effectRef idx="2">
-        <a:scrgbClr r="0" g="0" b="0"/>
-      </a:effectRef>
-      <a:fontRef idx="minor">
-        <a:schemeClr val="lt1"/>
-      </a:fontRef>
-    </dgm:style>
-  </dgm:styleLbl>
-  <dgm:styleLbl name="node1">
-    <dgm:scene3d>
-      <a:camera prst="orthographicFront"/>
-      <a:lightRig rig="threePt" dir="t"/>
-    </dgm:scene3d>
-    <dgm:sp3d/>
-    <dgm:txPr/>
-    <dgm:style>
-      <a:lnRef idx="0">
-        <a:scrgbClr r="0" g="0" b="0"/>
-      </a:lnRef>
-      <a:fillRef idx="3">
-        <a:scrgbClr r="0" g="0" b="0"/>
-      </a:fillRef>
-      <a:effectRef idx="2">
-        <a:scrgbClr r="0" g="0" b="0"/>
-      </a:effectRef>
-      <a:fontRef idx="minor">
-        <a:schemeClr val="lt1"/>
-      </a:fontRef>
-    </dgm:style>
-  </dgm:styleLbl>
-  <dgm:styleLbl name="node2">
-    <dgm:scene3d>
-      <a:camera prst="orthographicFront"/>
-      <a:lightRig rig="threePt" dir="t"/>
-    </dgm:scene3d>
-    <dgm:sp3d/>
-    <dgm:txPr/>
-    <dgm:style>
-      <a:lnRef idx="0">
-        <a:scrgbClr r="0" g="0" b="0"/>
-      </a:lnRef>
-      <a:fillRef idx="3">
-        <a:scrgbClr r="0" g="0" b="0"/>
-      </a:fillRef>
-      <a:effectRef idx="2">
-        <a:scrgbClr r="0" g="0" b="0"/>
-      </a:effectRef>
-      <a:fontRef idx="minor">
-        <a:schemeClr val="lt1"/>
-      </a:fontRef>
-    </dgm:style>
-  </dgm:styleLbl>
-  <dgm:styleLbl name="node3">
-    <dgm:scene3d>
-      <a:camera prst="orthographicFront"/>
-      <a:lightRig rig="threePt" dir="t"/>
-    </dgm:scene3d>
-    <dgm:sp3d/>
-    <dgm:txPr/>
-    <dgm:style>
-      <a:lnRef idx="0">
-        <a:scrgbClr r="0" g="0" b="0"/>
-      </a:lnRef>
-      <a:fillRef idx="3">
-        <a:scrgbClr r="0" g="0" b="0"/>
-      </a:fillRef>
-      <a:effectRef idx="2">
-        <a:scrgbClr r="0" g="0" b="0"/>
-      </a:effectRef>
-      <a:fontRef idx="minor">
-        <a:schemeClr val="lt1"/>
-      </a:fontRef>
-    </dgm:style>
-  </dgm:styleLbl>
-  <dgm:styleLbl name="node4">
-    <dgm:scene3d>
-      <a:camera prst="orthographicFront"/>
-      <a:lightRig rig="threePt" dir="t"/>
-    </dgm:scene3d>
-    <dgm:sp3d/>
-    <dgm:txPr/>
-    <dgm:style>
-      <a:lnRef idx="0">
-        <a:scrgbClr r="0" g="0" b="0"/>
-      </a:lnRef>
-      <a:fillRef idx="3">
-        <a:scrgbClr r="0" g="0" b="0"/>
-      </a:fillRef>
-      <a:effectRef idx="2">
-        <a:scrgbClr r="0" g="0" b="0"/>
-      </a:effectRef>
-      <a:fontRef idx="minor">
-        <a:schemeClr val="lt1"/>
-      </a:fontRef>
-    </dgm:style>
-  </dgm:styleLbl>
-  <dgm:styleLbl name="fgImgPlace1">
-    <dgm:scene3d>
-      <a:camera prst="orthographicFront"/>
-      <a:lightRig rig="threePt" dir="t"/>
-    </dgm:scene3d>
-    <dgm:sp3d/>
-    <dgm:txPr/>
-    <dgm:style>
-      <a:lnRef idx="0">
-        <a:scrgbClr r="0" g="0" b="0"/>
-      </a:lnRef>
-      <a:fillRef idx="1">
-        <a:scrgbClr r="0" g="0" b="0"/>
-      </a:fillRef>
-      <a:effectRef idx="2">
-        <a:scrgbClr r="0" g="0" b="0"/>
-      </a:effectRef>
-      <a:fontRef idx="minor"/>
-    </dgm:style>
-  </dgm:styleLbl>
-  <dgm:styleLbl name="alignImgPlace1">
-    <dgm:scene3d>
-      <a:camera prst="orthographicFront"/>
-      <a:lightRig rig="threePt" dir="t"/>
-    </dgm:scene3d>
-    <dgm:sp3d/>
-    <dgm:txPr/>
-    <dgm:style>
-      <a:lnRef idx="0">
-        <a:scrgbClr r="0" g="0" b="0"/>
-      </a:lnRef>
-      <a:fillRef idx="1">
-        <a:scrgbClr r="0" g="0" b="0"/>
-      </a:fillRef>
-      <a:effectRef idx="2">
-        <a:scrgbClr r="0" g="0" b="0"/>
-      </a:effectRef>
-      <a:fontRef idx="minor"/>
-    </dgm:style>
-  </dgm:styleLbl>
-  <dgm:styleLbl name="bgImgPlace1">
-    <dgm:scene3d>
-      <a:camera prst="orthographicFront"/>
-      <a:lightRig rig="threePt" dir="t"/>
-    </dgm:scene3d>
-    <dgm:sp3d/>
-    <dgm:txPr/>
-    <dgm:style>
-      <a:lnRef idx="0">
-        <a:scrgbClr r="0" g="0" b="0"/>
-      </a:lnRef>
-      <a:fillRef idx="1">
-        <a:scrgbClr r="0" g="0" b="0"/>
-      </a:fillRef>
-      <a:effectRef idx="2">
-        <a:scrgbClr r="0" g="0" b="0"/>
-      </a:effectRef>
-      <a:fontRef idx="minor"/>
-    </dgm:style>
-  </dgm:styleLbl>
-  <dgm:styleLbl name="sibTrans2D1">
-    <dgm:scene3d>
-      <a:camera prst="orthographicFront"/>
-      <a:lightRig rig="threePt" dir="t"/>
-    </dgm:scene3d>
-    <dgm:sp3d/>
-    <dgm:txPr/>
-    <dgm:style>
-      <a:lnRef idx="0">
-        <a:scrgbClr r="0" g="0" b="0"/>
-      </a:lnRef>
-      <a:fillRef idx="3">
-        <a:scrgbClr r="0" g="0" b="0"/>
-      </a:fillRef>
-      <a:effectRef idx="2">
-        <a:scrgbClr r="0" g="0" b="0"/>
-      </a:effectRef>
-      <a:fontRef idx="minor">
-        <a:schemeClr val="lt1"/>
-      </a:fontRef>
-    </dgm:style>
-  </dgm:styleLbl>
-  <dgm:styleLbl name="fgSibTrans2D1">
-    <dgm:scene3d>
-      <a:camera prst="orthographicFront"/>
-      <a:lightRig rig="threePt" dir="t"/>
-    </dgm:scene3d>
-    <dgm:sp3d/>
-    <dgm:txPr/>
-    <dgm:style>
-      <a:lnRef idx="0">
-        <a:scrgbClr r="0" g="0" b="0"/>
-      </a:lnRef>
-      <a:fillRef idx="3">
-        <a:scrgbClr r="0" g="0" b="0"/>
-      </a:fillRef>
-      <a:effectRef idx="2">
-        <a:scrgbClr r="0" g="0" b="0"/>
-      </a:effectRef>
-      <a:fontRef idx="minor">
-        <a:schemeClr val="lt1"/>
-      </a:fontRef>
-    </dgm:style>
-  </dgm:styleLbl>
-  <dgm:styleLbl name="bgSibTrans2D1">
-    <dgm:scene3d>
-      <a:camera prst="orthographicFront"/>
-      <a:lightRig rig="threePt" dir="t"/>
-    </dgm:scene3d>
-    <dgm:sp3d/>
-    <dgm:txPr/>
-    <dgm:style>
-      <a:lnRef idx="0">
-        <a:scrgbClr r="0" g="0" b="0"/>
-      </a:lnRef>
-      <a:fillRef idx="3">
-        <a:scrgbClr r="0" g="0" b="0"/>
-      </a:fillRef>
-      <a:effectRef idx="2">
-        <a:scrgbClr r="0" g="0" b="0"/>
-      </a:effectRef>
-      <a:fontRef idx="minor">
-        <a:schemeClr val="lt1"/>
-      </a:fontRef>
-    </dgm:style>
-  </dgm:styleLbl>
-  <dgm:styleLbl name="sibTrans1D1">
-    <dgm:scene3d>
-      <a:camera prst="orthographicFront"/>
-      <a:lightRig rig="threePt" dir="t"/>
-    </dgm:scene3d>
-    <dgm:sp3d/>
-    <dgm:txPr/>
-    <dgm:style>
-      <a:lnRef idx="1">
-        <a:scrgbClr r="0" g="0" b="0"/>
-      </a:lnRef>
-      <a:fillRef idx="0">
-        <a:scrgbClr r="0" g="0" b="0"/>
-      </a:fillRef>
-      <a:effectRef idx="0">
-        <a:scrgbClr r="0" g="0" b="0"/>
-      </a:effectRef>
-      <a:fontRef idx="minor"/>
-    </dgm:style>
-  </dgm:styleLbl>
-  <dgm:styleLbl name="callout">
-    <dgm:scene3d>
-      <a:camera prst="orthographicFront"/>
-      <a:lightRig rig="threePt" dir="t"/>
-    </dgm:scene3d>
-    <dgm:sp3d/>
-    <dgm:txPr/>
-    <dgm:style>
-      <a:lnRef idx="2">
-        <a:scrgbClr r="0" g="0" b="0"/>
-      </a:lnRef>
-      <a:fillRef idx="1">
-        <a:scrgbClr r="0" g="0" b="0"/>
-      </a:fillRef>
-      <a:effectRef idx="1">
-        <a:scrgbClr r="0" g="0" b="0"/>
-      </a:effectRef>
-      <a:fontRef idx="minor"/>
-    </dgm:style>
-  </dgm:styleLbl>
-  <dgm:styleLbl name="asst0">
-    <dgm:scene3d>
-      <a:camera prst="orthographicFront"/>
-      <a:lightRig rig="threePt" dir="t"/>
-    </dgm:scene3d>
-    <dgm:sp3d/>
-    <dgm:txPr/>
-    <dgm:style>
-      <a:lnRef idx="0">
-        <a:scrgbClr r="0" g="0" b="0"/>
-      </a:lnRef>
-      <a:fillRef idx="3">
-        <a:scrgbClr r="0" g="0" b="0"/>
-      </a:fillRef>
-      <a:effectRef idx="2">
-        <a:scrgbClr r="0" g="0" b="0"/>
-      </a:effectRef>
-      <a:fontRef idx="minor">
-        <a:schemeClr val="lt1"/>
-      </a:fontRef>
-    </dgm:style>
-  </dgm:styleLbl>
-  <dgm:styleLbl name="asst1">
-    <dgm:scene3d>
-      <a:camera prst="orthographicFront"/>
-      <a:lightRig rig="threePt" dir="t"/>
-    </dgm:scene3d>
-    <dgm:sp3d/>
-    <dgm:txPr/>
-    <dgm:style>
-      <a:lnRef idx="0">
-        <a:scrgbClr r="0" g="0" b="0"/>
-      </a:lnRef>
-      <a:fillRef idx="3">
-        <a:scrgbClr r="0" g="0" b="0"/>
-      </a:fillRef>
-      <a:effectRef idx="2">
-        <a:scrgbClr r="0" g="0" b="0"/>
-      </a:effectRef>
-      <a:fontRef idx="minor">
-        <a:schemeClr val="lt1"/>
-      </a:fontRef>
-    </dgm:style>
-  </dgm:styleLbl>
-  <dgm:styleLbl name="asst2">
-    <dgm:scene3d>
-      <a:camera prst="orthographicFront"/>
-      <a:lightRig rig="threePt" dir="t"/>
-    </dgm:scene3d>
-    <dgm:sp3d/>
-    <dgm:txPr/>
-    <dgm:style>
-      <a:lnRef idx="0">
-        <a:scrgbClr r="0" g="0" b="0"/>
-      </a:lnRef>
-      <a:fillRef idx="3">
-        <a:scrgbClr r="0" g="0" b="0"/>
-      </a:fillRef>
-      <a:effectRef idx="2">
-        <a:scrgbClr r="0" g="0" b="0"/>
-      </a:effectRef>
-      <a:fontRef idx="minor">
-        <a:schemeClr val="lt1"/>
-      </a:fontRef>
-    </dgm:style>
-  </dgm:styleLbl>
-  <dgm:styleLbl name="asst3">
-    <dgm:scene3d>
-      <a:camera prst="orthographicFront"/>
-      <a:lightRig rig="threePt" dir="t"/>
-    </dgm:scene3d>
-    <dgm:sp3d/>
-    <dgm:txPr/>
-    <dgm:style>
-      <a:lnRef idx="0">
-        <a:scrgbClr r="0" g="0" b="0"/>
-      </a:lnRef>
-      <a:fillRef idx="3">
-        <a:scrgbClr r="0" g="0" b="0"/>
-      </a:fillRef>
-      <a:effectRef idx="2">
-        <a:scrgbClr r="0" g="0" b="0"/>
-      </a:effectRef>
-      <a:fontRef idx="minor">
-        <a:schemeClr val="lt1"/>
-      </a:fontRef>
-    </dgm:style>
-  </dgm:styleLbl>
-  <dgm:styleLbl name="asst4">
-    <dgm:scene3d>
-      <a:camera prst="orthographicFront"/>
-      <a:lightRig rig="threePt" dir="t"/>
-    </dgm:scene3d>
-    <dgm:sp3d/>
-    <dgm:txPr/>
-    <dgm:style>
-      <a:lnRef idx="0">
-        <a:scrgbClr r="0" g="0" b="0"/>
-      </a:lnRef>
-      <a:fillRef idx="3">
-        <a:scrgbClr r="0" g="0" b="0"/>
-      </a:fillRef>
-      <a:effectRef idx="2">
-        <a:scrgbClr r="0" g="0" b="0"/>
-      </a:effectRef>
-      <a:fontRef idx="minor">
-        <a:schemeClr val="lt1"/>
-      </a:fontRef>
-    </dgm:style>
-  </dgm:styleLbl>
-  <dgm:styleLbl name="parChTrans2D1">
-    <dgm:scene3d>
-      <a:camera prst="orthographicFront"/>
-      <a:lightRig rig="threePt" dir="t"/>
-    </dgm:scene3d>
-    <dgm:sp3d/>
-    <dgm:txPr/>
-    <dgm:style>
-      <a:lnRef idx="0">
-        <a:scrgbClr r="0" g="0" b="0"/>
-      </a:lnRef>
-      <a:fillRef idx="3">
-        <a:scrgbClr r="0" g="0" b="0"/>
-      </a:fillRef>
-      <a:effectRef idx="2">
-        <a:scrgbClr r="0" g="0" b="0"/>
-      </a:effectRef>
-      <a:fontRef idx="minor">
-        <a:schemeClr val="lt1"/>
-      </a:fontRef>
-    </dgm:style>
-  </dgm:styleLbl>
-  <dgm:styleLbl name="parChTrans2D2">
-    <dgm:scene3d>
-      <a:camera prst="orthographicFront"/>
-      <a:lightRig rig="threePt" dir="t"/>
-    </dgm:scene3d>
-    <dgm:sp3d/>
-    <dgm:txPr/>
-    <dgm:style>
-      <a:lnRef idx="0">
-        <a:scrgbClr r="0" g="0" b="0"/>
-      </a:lnRef>
-      <a:fillRef idx="3">
-        <a:scrgbClr r="0" g="0" b="0"/>
-      </a:fillRef>
-      <a:effectRef idx="2">
-        <a:scrgbClr r="0" g="0" b="0"/>
-      </a:effectRef>
-      <a:fontRef idx="minor">
-        <a:schemeClr val="lt1"/>
-      </a:fontRef>
-    </dgm:style>
-  </dgm:styleLbl>
-  <dgm:styleLbl name="parChTrans2D3">
-    <dgm:scene3d>
-      <a:camera prst="orthographicFront"/>
-      <a:lightRig rig="threePt" dir="t"/>
-    </dgm:scene3d>
-    <dgm:sp3d/>
-    <dgm:txPr/>
-    <dgm:style>
-      <a:lnRef idx="1">
-        <a:scrgbClr r="0" g="0" b="0"/>
-      </a:lnRef>
-      <a:fillRef idx="3">
-        <a:scrgbClr r="0" g="0" b="0"/>
-      </a:fillRef>
-      <a:effectRef idx="2">
-        <a:scrgbClr r="0" g="0" b="0"/>
-      </a:effectRef>
-      <a:fontRef idx="minor">
-        <a:schemeClr val="lt1"/>
-      </a:fontRef>
-    </dgm:style>
-  </dgm:styleLbl>
-  <dgm:styleLbl name="parChTrans2D4">
-    <dgm:scene3d>
-      <a:camera prst="orthographicFront"/>
-      <a:lightRig rig="threePt" dir="t"/>
-    </dgm:scene3d>
-    <dgm:sp3d/>
-    <dgm:txPr/>
-    <dgm:style>
-      <a:lnRef idx="1">
-        <a:scrgbClr r="0" g="0" b="0"/>
-      </a:lnRef>
-      <a:fillRef idx="3">
-        <a:scrgbClr r="0" g="0" b="0"/>
-      </a:fillRef>
-      <a:effectRef idx="2">
-        <a:scrgbClr r="0" g="0" b="0"/>
-      </a:effectRef>
-      <a:fontRef idx="minor">
-        <a:schemeClr val="lt1"/>
-      </a:fontRef>
-    </dgm:style>
-  </dgm:styleLbl>
-  <dgm:styleLbl name="parChTrans1D1">
-    <dgm:scene3d>
-      <a:camera prst="orthographicFront"/>
-      <a:lightRig rig="threePt" dir="t"/>
-    </dgm:scene3d>
-    <dgm:sp3d/>
-    <dgm:txPr/>
-    <dgm:style>
-      <a:lnRef idx="1">
-        <a:scrgbClr r="0" g="0" b="0"/>
-      </a:lnRef>
-      <a:fillRef idx="0">
-        <a:scrgbClr r="0" g="0" b="0"/>
-      </a:fillRef>
-      <a:effectRef idx="0">
-        <a:scrgbClr r="0" g="0" b="0"/>
-      </a:effectRef>
-      <a:fontRef idx="minor"/>
-    </dgm:style>
-  </dgm:styleLbl>
-  <dgm:styleLbl name="parChTrans1D2">
-    <dgm:scene3d>
-      <a:camera prst="orthographicFront"/>
-      <a:lightRig rig="threePt" dir="t"/>
-    </dgm:scene3d>
-    <dgm:sp3d/>
-    <dgm:txPr/>
-    <dgm:style>
-      <a:lnRef idx="1">
-        <a:scrgbClr r="0" g="0" b="0"/>
-      </a:lnRef>
-      <a:fillRef idx="0">
-        <a:scrgbClr r="0" g="0" b="0"/>
-      </a:fillRef>
-      <a:effectRef idx="0">
-        <a:scrgbClr r="0" g="0" b="0"/>
-      </a:effectRef>
-      <a:fontRef idx="minor"/>
-    </dgm:style>
-  </dgm:styleLbl>
-  <dgm:styleLbl name="parChTrans1D3">
-    <dgm:scene3d>
-      <a:camera prst="orthographicFront"/>
-      <a:lightRig rig="threePt" dir="t"/>
-    </dgm:scene3d>
-    <dgm:sp3d/>
-    <dgm:txPr/>
-    <dgm:style>
-      <a:lnRef idx="1">
-        <a:scrgbClr r="0" g="0" b="0"/>
-      </a:lnRef>
-      <a:fillRef idx="0">
-        <a:scrgbClr r="0" g="0" b="0"/>
-      </a:fillRef>
-      <a:effectRef idx="0">
-        <a:scrgbClr r="0" g="0" b="0"/>
-      </a:effectRef>
-      <a:fontRef idx="minor"/>
-    </dgm:style>
-  </dgm:styleLbl>
-  <dgm:styleLbl name="parChTrans1D4">
-    <dgm:scene3d>
-      <a:camera prst="orthographicFront"/>
-      <a:lightRig rig="threePt" dir="t"/>
-    </dgm:scene3d>
-    <dgm:sp3d/>
-    <dgm:txPr/>
-    <dgm:style>
-      <a:lnRef idx="1">
-        <a:scrgbClr r="0" g="0" b="0"/>
-      </a:lnRef>
-      <a:fillRef idx="0">
-        <a:scrgbClr r="0" g="0" b="0"/>
-      </a:fillRef>
-      <a:effectRef idx="0">
-        <a:scrgbClr r="0" g="0" b="0"/>
-      </a:effectRef>
-      <a:fontRef idx="minor"/>
-    </dgm:style>
-  </dgm:styleLbl>
-  <dgm:styleLbl name="fgAcc1">
-    <dgm:scene3d>
-      <a:camera prst="orthographicFront"/>
-      <a:lightRig rig="threePt" dir="t"/>
-    </dgm:scene3d>
-    <dgm:sp3d/>
-    <dgm:txPr/>
-    <dgm:style>
-      <a:lnRef idx="1">
-        <a:scrgbClr r="0" g="0" b="0"/>
-      </a:lnRef>
-      <a:fillRef idx="1">
-        <a:scrgbClr r="0" g="0" b="0"/>
-      </a:fillRef>
-      <a:effectRef idx="0">
-        <a:scrgbClr r="0" g="0" b="0"/>
-      </a:effectRef>
-      <a:fontRef idx="minor"/>
-    </dgm:style>
-  </dgm:styleLbl>
-  <dgm:styleLbl name="conFgAcc1">
-    <dgm:scene3d>
-      <a:camera prst="orthographicFront"/>
-      <a:lightRig rig="threePt" dir="t"/>
-    </dgm:scene3d>
-    <dgm:sp3d/>
-    <dgm:txPr/>
-    <dgm:style>
-      <a:lnRef idx="1">
-        <a:scrgbClr r="0" g="0" b="0"/>
-      </a:lnRef>
-      <a:fillRef idx="1">
-        <a:scrgbClr r="0" g="0" b="0"/>
-      </a:fillRef>
-      <a:effectRef idx="0">
-        <a:scrgbClr r="0" g="0" b="0"/>
-      </a:effectRef>
-      <a:fontRef idx="minor"/>
-    </dgm:style>
-  </dgm:styleLbl>
-  <dgm:styleLbl name="alignAcc1">
-    <dgm:scene3d>
-      <a:camera prst="orthographicFront"/>
-      <a:lightRig rig="threePt" dir="t"/>
-    </dgm:scene3d>
-    <dgm:sp3d/>
-    <dgm:txPr/>
-    <dgm:style>
-      <a:lnRef idx="1">
-        <a:scrgbClr r="0" g="0" b="0"/>
-      </a:lnRef>
-      <a:fillRef idx="1">
-        <a:scrgbClr r="0" g="0" b="0"/>
-      </a:fillRef>
-      <a:effectRef idx="0">
-        <a:scrgbClr r="0" g="0" b="0"/>
-      </a:effectRef>
-      <a:fontRef idx="minor"/>
-    </dgm:style>
-  </dgm:styleLbl>
-  <dgm:styleLbl name="trAlignAcc1">
-    <dgm:scene3d>
-      <a:camera prst="orthographicFront"/>
-      <a:lightRig rig="threePt" dir="t"/>
-    </dgm:scene3d>
-    <dgm:sp3d/>
-    <dgm:txPr/>
-    <dgm:style>
-      <a:lnRef idx="1">
-        <a:scrgbClr r="0" g="0" b="0"/>
-      </a:lnRef>
-      <a:fillRef idx="1">
-        <a:scrgbClr r="0" g="0" b="0"/>
-      </a:fillRef>
-      <a:effectRef idx="0">
-        <a:scrgbClr r="0" g="0" b="0"/>
-      </a:effectRef>
-      <a:fontRef idx="minor"/>
-    </dgm:style>
-  </dgm:styleLbl>
-  <dgm:styleLbl name="bgAcc1">
-    <dgm:scene3d>
-      <a:camera prst="orthographicFront"/>
-      <a:lightRig rig="threePt" dir="t"/>
-    </dgm:scene3d>
-    <dgm:sp3d/>
-    <dgm:txPr/>
-    <dgm:style>
-      <a:lnRef idx="1">
-        <a:scrgbClr r="0" g="0" b="0"/>
-      </a:lnRef>
-      <a:fillRef idx="1">
-        <a:scrgbClr r="0" g="0" b="0"/>
-      </a:fillRef>
-      <a:effectRef idx="0">
-        <a:scrgbClr r="0" g="0" b="0"/>
-      </a:effectRef>
-      <a:fontRef idx="minor"/>
-    </dgm:style>
-  </dgm:styleLbl>
-  <dgm:styleLbl name="solidFgAcc1">
-    <dgm:scene3d>
-      <a:camera prst="orthographicFront"/>
-      <a:lightRig rig="threePt" dir="t"/>
-    </dgm:scene3d>
-    <dgm:sp3d/>
-    <dgm:txPr/>
-    <dgm:style>
-      <a:lnRef idx="1">
-        <a:scrgbClr r="0" g="0" b="0"/>
-      </a:lnRef>
-      <a:fillRef idx="1">
-        <a:scrgbClr r="0" g="0" b="0"/>
-      </a:fillRef>
-      <a:effectRef idx="0">
-        <a:scrgbClr r="0" g="0" b="0"/>
-      </a:effectRef>
-      <a:fontRef idx="minor"/>
-    </dgm:style>
-  </dgm:styleLbl>
-  <dgm:styleLbl name="solidAlignAcc1">
-    <dgm:scene3d>
-      <a:camera prst="orthographicFront"/>
-      <a:lightRig rig="threePt" dir="t"/>
-    </dgm:scene3d>
-    <dgm:sp3d/>
-    <dgm:txPr/>
-    <dgm:style>
-      <a:lnRef idx="1">
-        <a:scrgbClr r="0" g="0" b="0"/>
-      </a:lnRef>
-      <a:fillRef idx="1">
-        <a:scrgbClr r="0" g="0" b="0"/>
-      </a:fillRef>
-      <a:effectRef idx="0">
-        <a:scrgbClr r="0" g="0" b="0"/>
-      </a:effectRef>
-      <a:fontRef idx="minor"/>
-    </dgm:style>
-  </dgm:styleLbl>
-  <dgm:styleLbl name="solidBgAcc1">
-    <dgm:scene3d>
-      <a:camera prst="orthographicFront"/>
-      <a:lightRig rig="threePt" dir="t"/>
-    </dgm:scene3d>
-    <dgm:sp3d/>
-    <dgm:txPr/>
-    <dgm:style>
-      <a:lnRef idx="1">
-        <a:scrgbClr r="0" g="0" b="0"/>
-      </a:lnRef>
-      <a:fillRef idx="1">
-        <a:scrgbClr r="0" g="0" b="0"/>
-      </a:fillRef>
-      <a:effectRef idx="0">
-        <a:scrgbClr r="0" g="0" b="0"/>
-      </a:effectRef>
-      <a:fontRef idx="minor"/>
-    </dgm:style>
-  </dgm:styleLbl>
-  <dgm:styleLbl name="fgAccFollowNode1">
-    <dgm:scene3d>
-      <a:camera prst="orthographicFront"/>
-      <a:lightRig rig="threePt" dir="t"/>
-    </dgm:scene3d>
-    <dgm:sp3d/>
-    <dgm:txPr/>
-    <dgm:style>
-      <a:lnRef idx="1">
-        <a:scrgbClr r="0" g="0" b="0"/>
-      </a:lnRef>
-      <a:fillRef idx="1">
-        <a:scrgbClr r="0" g="0" b="0"/>
-      </a:fillRef>
-      <a:effectRef idx="0">
-        <a:scrgbClr r="0" g="0" b="0"/>
-      </a:effectRef>
-      <a:fontRef idx="minor"/>
-    </dgm:style>
-  </dgm:styleLbl>
-  <dgm:styleLbl name="alignAccFollowNode1">
-    <dgm:scene3d>
-      <a:camera prst="orthographicFront"/>
-      <a:lightRig rig="threePt" dir="t"/>
-    </dgm:scene3d>
-    <dgm:sp3d/>
-    <dgm:txPr/>
-    <dgm:style>
-      <a:lnRef idx="1">
-        <a:scrgbClr r="0" g="0" b="0"/>
-      </a:lnRef>
-      <a:fillRef idx="1">
-        <a:scrgbClr r="0" g="0" b="0"/>
-      </a:fillRef>
-      <a:effectRef idx="0">
-        <a:scrgbClr r="0" g="0" b="0"/>
-      </a:effectRef>
-      <a:fontRef idx="minor"/>
-    </dgm:style>
-  </dgm:styleLbl>
-  <dgm:styleLbl name="bgAccFollowNode1">
-    <dgm:scene3d>
-      <a:camera prst="orthographicFront"/>
-      <a:lightRig rig="threePt" dir="t"/>
-    </dgm:scene3d>
-    <dgm:sp3d/>
-    <dgm:txPr/>
-    <dgm:style>
-      <a:lnRef idx="1">
-        <a:scrgbClr r="0" g="0" b="0"/>
-      </a:lnRef>
-      <a:fillRef idx="1">
-        <a:scrgbClr r="0" g="0" b="0"/>
-      </a:fillRef>
-      <a:effectRef idx="0">
-        <a:scrgbClr r="0" g="0" b="0"/>
-      </a:effectRef>
-      <a:fontRef idx="minor"/>
-    </dgm:style>
-  </dgm:styleLbl>
-  <dgm:styleLbl name="fgAcc0">
-    <dgm:scene3d>
-      <a:camera prst="orthographicFront"/>
-      <a:lightRig rig="threePt" dir="t"/>
-    </dgm:scene3d>
-    <dgm:sp3d/>
-    <dgm:txPr/>
-    <dgm:style>
-      <a:lnRef idx="1">
-        <a:scrgbClr r="0" g="0" b="0"/>
-      </a:lnRef>
-      <a:fillRef idx="1">
-        <a:scrgbClr r="0" g="0" b="0"/>
-      </a:fillRef>
-      <a:effectRef idx="0">
-        <a:scrgbClr r="0" g="0" b="0"/>
-      </a:effectRef>
-      <a:fontRef idx="minor"/>
-    </dgm:style>
-  </dgm:styleLbl>
-  <dgm:styleLbl name="fgAcc2">
-    <dgm:scene3d>
-      <a:camera prst="orthographicFront"/>
-      <a:lightRig rig="threePt" dir="t"/>
-    </dgm:scene3d>
-    <dgm:sp3d/>
-    <dgm:txPr/>
-    <dgm:style>
-      <a:lnRef idx="1">
-        <a:scrgbClr r="0" g="0" b="0"/>
-      </a:lnRef>
-      <a:fillRef idx="1">
-        <a:scrgbClr r="0" g="0" b="0"/>
-      </a:fillRef>
-      <a:effectRef idx="0">
-        <a:scrgbClr r="0" g="0" b="0"/>
-      </a:effectRef>
-      <a:fontRef idx="minor"/>
-    </dgm:style>
-  </dgm:styleLbl>
-  <dgm:styleLbl name="fgAcc3">
-    <dgm:scene3d>
-      <a:camera prst="orthographicFront"/>
-      <a:lightRig rig="threePt" dir="t"/>
-    </dgm:scene3d>
-    <dgm:sp3d/>
-    <dgm:txPr/>
-    <dgm:style>
-      <a:lnRef idx="1">
-        <a:scrgbClr r="0" g="0" b="0"/>
-      </a:lnRef>
-      <a:fillRef idx="1">
-        <a:scrgbClr r="0" g="0" b="0"/>
-      </a:fillRef>
-      <a:effectRef idx="0">
-        <a:scrgbClr r="0" g="0" b="0"/>
-      </a:effectRef>
-      <a:fontRef idx="minor"/>
-    </dgm:style>
-  </dgm:styleLbl>
-  <dgm:styleLbl name="fgAcc4">
-    <dgm:scene3d>
-      <a:camera prst="orthographicFront"/>
-      <a:lightRig rig="threePt" dir="t"/>
-    </dgm:scene3d>
-    <dgm:sp3d/>
-    <dgm:txPr/>
-    <dgm:style>
-      <a:lnRef idx="1">
-        <a:scrgbClr r="0" g="0" b="0"/>
-      </a:lnRef>
-      <a:fillRef idx="1">
-        <a:scrgbClr r="0" g="0" b="0"/>
-      </a:fillRef>
-      <a:effectRef idx="0">
-        <a:scrgbClr r="0" g="0" b="0"/>
-      </a:effectRef>
-      <a:fontRef idx="minor"/>
-    </dgm:style>
-  </dgm:styleLbl>
-  <dgm:styleLbl name="bgShp">
-    <dgm:scene3d>
-      <a:camera prst="orthographicFront"/>
-      <a:lightRig rig="threePt" dir="t"/>
-    </dgm:scene3d>
-    <dgm:sp3d/>
-    <dgm:txPr/>
-    <dgm:style>
-      <a:lnRef idx="0">
-        <a:scrgbClr r="0" g="0" b="0"/>
-      </a:lnRef>
-      <a:fillRef idx="1">
-        <a:scrgbClr r="0" g="0" b="0"/>
-      </a:fillRef>
-      <a:effectRef idx="2">
-        <a:scrgbClr r="0" g="0" b="0"/>
-      </a:effectRef>
-      <a:fontRef idx="minor"/>
-    </dgm:style>
-  </dgm:styleLbl>
-  <dgm:styleLbl name="dkBgShp">
-    <dgm:scene3d>
-      <a:camera prst="orthographicFront"/>
-      <a:lightRig rig="threePt" dir="t"/>
-    </dgm:scene3d>
-    <dgm:sp3d/>
-    <dgm:txPr/>
-    <dgm:style>
-      <a:lnRef idx="0">
-        <a:scrgbClr r="0" g="0" b="0"/>
-      </a:lnRef>
-      <a:fillRef idx="1">
-        <a:scrgbClr r="0" g="0" b="0"/>
-      </a:fillRef>
-      <a:effectRef idx="2">
-        <a:scrgbClr r="0" g="0" b="0"/>
-      </a:effectRef>
-      <a:fontRef idx="minor"/>
-    </dgm:style>
-  </dgm:styleLbl>
-  <dgm:styleLbl name="trBgShp">
-    <dgm:scene3d>
-      <a:camera prst="orthographicFront"/>
-      <a:lightRig rig="threePt" dir="t"/>
-    </dgm:scene3d>
-    <dgm:sp3d/>
-    <dgm:txPr/>
-    <dgm:style>
-      <a:lnRef idx="0">
-        <a:scrgbClr r="0" g="0" b="0"/>
-      </a:lnRef>
-      <a:fillRef idx="1">
-        <a:scrgbClr r="0" g="0" b="0"/>
-      </a:fillRef>
-      <a:effectRef idx="0">
-        <a:scrgbClr r="0" g="0" b="0"/>
-      </a:effectRef>
-      <a:fontRef idx="minor"/>
-    </dgm:style>
-  </dgm:styleLbl>
-  <dgm:styleLbl name="fgShp">
-    <dgm:scene3d>
-      <a:camera prst="orthographicFront"/>
-      <a:lightRig rig="threePt" dir="t"/>
-    </dgm:scene3d>
-    <dgm:sp3d/>
-    <dgm:txPr/>
-    <dgm:style>
-      <a:lnRef idx="0">
-        <a:scrgbClr r="0" g="0" b="0"/>
-      </a:lnRef>
-      <a:fillRef idx="3">
-        <a:scrgbClr r="0" g="0" b="0"/>
-      </a:fillRef>
-      <a:effectRef idx="2">
-        <a:scrgbClr r="0" g="0" b="0"/>
-      </a:effectRef>
-      <a:fontRef idx="minor"/>
-    </dgm:style>
-  </dgm:styleLbl>
-  <dgm:styleLbl name="revTx">
-    <dgm:scene3d>
-      <a:camera prst="orthographicFront"/>
-      <a:lightRig rig="threePt" dir="t"/>
-    </dgm:scene3d>
-    <dgm:sp3d/>
-    <dgm:txPr/>
-    <dgm:style>
-      <a:lnRef idx="0">
-        <a:scrgbClr r="0" g="0" b="0"/>
-      </a:lnRef>
-      <a:fillRef idx="0">
-        <a:scrgbClr r="0" g="0" b="0"/>
-      </a:fillRef>
-      <a:effectRef idx="0">
-        <a:scrgbClr r="0" g="0" b="0"/>
-      </a:effectRef>
-      <a:fontRef idx="minor"/>
-    </dgm:style>
-  </dgm:styleLbl>
-</dgm:styleDef>
 </file>
 
 <file path=ppt/handoutMasters/handoutMaster1.xml><?xml version="1.0" encoding="utf-8"?>
@@ -8754,90 +996,6 @@
             <a:fld id="{F3544625-0ADF-4414-89A2-9E135F0C849F}" type="slidenum">
               <a:rPr lang="en-US" smtClean="0"/>
               <a:t>9</a:t>
-            </a:fld>
-            <a:endParaRPr lang="en-US" dirty="0"/>
-          </a:p>
-        </p:txBody>
-      </p:sp>
-    </p:spTree>
-    <p:extLst>
-      <p:ext uri="{BB962C8B-B14F-4D97-AF65-F5344CB8AC3E}">
-        <p14:creationId xmlns:p14="http://schemas.microsoft.com/office/powerpoint/2010/main" val="173010383"/>
-      </p:ext>
-    </p:extLst>
-  </p:cSld>
-  <p:clrMapOvr>
-    <a:masterClrMapping/>
-  </p:clrMapOvr>
-</p:notes>
-</file>
-
-<file path=ppt/notesSlides/notesSlide5.xml><?xml version="1.0" encoding="utf-8"?>
-<p:notes xmlns:a="http://schemas.openxmlformats.org/drawingml/2006/main" xmlns:r="http://schemas.openxmlformats.org/officeDocument/2006/relationships" xmlns:p="http://schemas.openxmlformats.org/presentationml/2006/main">
-  <p:cSld>
-    <p:spTree>
-      <p:nvGrpSpPr>
-        <p:cNvPr id="1" name=""/>
-        <p:cNvGrpSpPr/>
-        <p:nvPr/>
-      </p:nvGrpSpPr>
-      <p:grpSpPr>
-        <a:xfrm>
-          <a:off x="0" y="0"/>
-          <a:ext cx="0" cy="0"/>
-          <a:chOff x="0" y="0"/>
-          <a:chExt cx="0" cy="0"/>
-        </a:xfrm>
-      </p:grpSpPr>
-      <p:sp>
-        <p:nvSpPr>
-          <p:cNvPr id="2" name="Slide Image Placeholder 1"/>
-          <p:cNvSpPr>
-            <a:spLocks noGrp="1" noRot="1" noChangeAspect="1"/>
-          </p:cNvSpPr>
-          <p:nvPr>
-            <p:ph type="sldImg"/>
-          </p:nvPr>
-        </p:nvSpPr>
-        <p:spPr/>
-      </p:sp>
-      <p:sp>
-        <p:nvSpPr>
-          <p:cNvPr id="3" name="Notes Placeholder 2"/>
-          <p:cNvSpPr>
-            <a:spLocks noGrp="1"/>
-          </p:cNvSpPr>
-          <p:nvPr>
-            <p:ph type="body" idx="1"/>
-          </p:nvPr>
-        </p:nvSpPr>
-        <p:spPr/>
-        <p:txBody>
-          <a:bodyPr/>
-          <a:lstStyle/>
-          <a:p>
-            <a:endParaRPr lang="en-US" dirty="0"/>
-          </a:p>
-        </p:txBody>
-      </p:sp>
-      <p:sp>
-        <p:nvSpPr>
-          <p:cNvPr id="4" name="Slide Number Placeholder 3"/>
-          <p:cNvSpPr>
-            <a:spLocks noGrp="1"/>
-          </p:cNvSpPr>
-          <p:nvPr>
-            <p:ph type="sldNum" sz="quarter" idx="5"/>
-          </p:nvPr>
-        </p:nvSpPr>
-        <p:spPr/>
-        <p:txBody>
-          <a:bodyPr/>
-          <a:lstStyle/>
-          <a:p>
-            <a:fld id="{F3544625-0ADF-4414-89A2-9E135F0C849F}" type="slidenum">
-              <a:rPr lang="en-US" smtClean="0"/>
-              <a:t>10</a:t>
             </a:fld>
             <a:endParaRPr lang="en-US" dirty="0"/>
           </a:p>
@@ -14725,149 +6883,6 @@
 </p:sld>
 </file>
 
-<file path=ppt/slides/slide10.xml><?xml version="1.0" encoding="utf-8"?>
-<p:sld xmlns:a="http://schemas.openxmlformats.org/drawingml/2006/main" xmlns:r="http://schemas.openxmlformats.org/officeDocument/2006/relationships" xmlns:p="http://schemas.openxmlformats.org/presentationml/2006/main">
-  <p:cSld>
-    <p:spTree>
-      <p:nvGrpSpPr>
-        <p:cNvPr id="1" name=""/>
-        <p:cNvGrpSpPr/>
-        <p:nvPr/>
-      </p:nvGrpSpPr>
-      <p:grpSpPr>
-        <a:xfrm>
-          <a:off x="0" y="0"/>
-          <a:ext cx="0" cy="0"/>
-          <a:chOff x="0" y="0"/>
-          <a:chExt cx="0" cy="0"/>
-        </a:xfrm>
-      </p:grpSpPr>
-      <p:pic>
-        <p:nvPicPr>
-          <p:cNvPr id="5" name="Picture 4" descr="light spots">
-            <a:extLst>
-              <a:ext uri="{FF2B5EF4-FFF2-40B4-BE49-F238E27FC236}">
-                <a16:creationId xmlns:a16="http://schemas.microsoft.com/office/drawing/2014/main" id="{20A520D0-11CF-4639-8537-F56A8A2FDCFD}"/>
-              </a:ext>
-            </a:extLst>
-          </p:cNvPr>
-          <p:cNvPicPr>
-            <a:picLocks noChangeAspect="1"/>
-          </p:cNvPicPr>
-          <p:nvPr/>
-        </p:nvPicPr>
-        <p:blipFill rotWithShape="1">
-          <a:blip r:embed="rId3">
-            <a:alphaModFix amt="20000"/>
-            <a:extLst>
-              <a:ext uri="{28A0092B-C50C-407E-A947-70E740481C1C}">
-                <a14:useLocalDpi xmlns:a14="http://schemas.microsoft.com/office/drawing/2010/main"/>
-              </a:ext>
-            </a:extLst>
-          </a:blip>
-          <a:srcRect/>
-          <a:stretch/>
-        </p:blipFill>
-        <p:spPr>
-          <a:xfrm>
-            <a:off x="20" y="10"/>
-            <a:ext cx="12191980" cy="6857990"/>
-          </a:xfrm>
-          <a:prstGeom prst="rect">
-            <a:avLst/>
-          </a:prstGeom>
-        </p:spPr>
-      </p:pic>
-      <p:sp>
-        <p:nvSpPr>
-          <p:cNvPr id="2" name="Title 1">
-            <a:extLst>
-              <a:ext uri="{FF2B5EF4-FFF2-40B4-BE49-F238E27FC236}">
-                <a16:creationId xmlns:a16="http://schemas.microsoft.com/office/drawing/2014/main" id="{D44BCB7C-A6FC-4118-9027-468ECFDE6455}"/>
-              </a:ext>
-            </a:extLst>
-          </p:cNvPr>
-          <p:cNvSpPr>
-            <a:spLocks noGrp="1"/>
-          </p:cNvSpPr>
-          <p:nvPr>
-            <p:ph type="ctrTitle"/>
-          </p:nvPr>
-        </p:nvSpPr>
-        <p:spPr>
-          <a:xfrm>
-            <a:off x="3962399" y="2573867"/>
-            <a:ext cx="7197726" cy="2421464"/>
-          </a:xfrm>
-        </p:spPr>
-        <p:txBody>
-          <a:bodyPr>
-            <a:normAutofit/>
-          </a:bodyPr>
-          <a:lstStyle/>
-          <a:p>
-            <a:r>
-              <a:rPr lang="en-US" dirty="0"/>
-              <a:t>Thank You!</a:t>
-            </a:r>
-          </a:p>
-        </p:txBody>
-      </p:sp>
-      <p:sp>
-        <p:nvSpPr>
-          <p:cNvPr id="3" name="Subtitle 2">
-            <a:extLst>
-              <a:ext uri="{FF2B5EF4-FFF2-40B4-BE49-F238E27FC236}">
-                <a16:creationId xmlns:a16="http://schemas.microsoft.com/office/drawing/2014/main" id="{4B64FA72-B055-4AE3-A6FD-8071BD687CBE}"/>
-              </a:ext>
-            </a:extLst>
-          </p:cNvPr>
-          <p:cNvSpPr>
-            <a:spLocks noGrp="1"/>
-          </p:cNvSpPr>
-          <p:nvPr>
-            <p:ph type="subTitle" idx="1"/>
-          </p:nvPr>
-        </p:nvSpPr>
-        <p:spPr>
-          <a:xfrm>
-            <a:off x="3962399" y="4995332"/>
-            <a:ext cx="7197726" cy="1405467"/>
-          </a:xfrm>
-        </p:spPr>
-        <p:txBody>
-          <a:bodyPr>
-            <a:normAutofit/>
-          </a:bodyPr>
-          <a:lstStyle/>
-          <a:p>
-            <a:r>
-              <a:rPr lang="en-US" dirty="0">
-                <a:solidFill>
-                  <a:schemeClr val="accent1">
-                    <a:lumMod val="40000"/>
-                    <a:lumOff val="60000"/>
-                  </a:schemeClr>
-                </a:solidFill>
-              </a:rPr>
-              <a:t>nourkamaly26@gmail.com</a:t>
-            </a:r>
-          </a:p>
-        </p:txBody>
-      </p:sp>
-    </p:spTree>
-    <p:extLst>
-      <p:ext uri="{BB962C8B-B14F-4D97-AF65-F5344CB8AC3E}">
-        <p14:creationId xmlns:p14="http://schemas.microsoft.com/office/powerpoint/2010/main" val="2939930866"/>
-      </p:ext>
-    </p:extLst>
-  </p:cSld>
-  <p:clrMapOvr>
-    <a:masterClrMapping/>
-  </p:clrMapOvr>
-</p:sld>
-</file>
-
 <file path=ppt/slides/slide2.xml><?xml version="1.0" encoding="utf-8"?>
 <p:sld xmlns:a="http://schemas.openxmlformats.org/drawingml/2006/main" xmlns:r="http://schemas.openxmlformats.org/officeDocument/2006/relationships" xmlns:p="http://schemas.openxmlformats.org/presentationml/2006/main">
   <p:cSld>
@@ -23546,37 +15561,31 @@
           </p:cxnSp>
         </p:grpSp>
       </p:grpSp>
-      <p:graphicFrame>
-        <p:nvGraphicFramePr>
-          <p:cNvPr id="5" name="Content Placeholder 4" descr="SmartArt graphic">
+      <p:sp>
+        <p:nvSpPr>
+          <p:cNvPr id="6" name="Content Placeholder 5">
             <a:extLst>
               <a:ext uri="{FF2B5EF4-FFF2-40B4-BE49-F238E27FC236}">
-                <a16:creationId xmlns:a16="http://schemas.microsoft.com/office/drawing/2014/main" id="{C983627E-F26C-354F-BF0A-ECCD7E968A2B}"/>
+                <a16:creationId xmlns:a16="http://schemas.microsoft.com/office/drawing/2014/main" id="{A6ED176B-CAAC-C8EA-2AAA-C333DB9F3989}"/>
               </a:ext>
             </a:extLst>
           </p:cNvPr>
-          <p:cNvGraphicFramePr>
-            <a:graphicFrameLocks noGrp="1"/>
-          </p:cNvGraphicFramePr>
+          <p:cNvSpPr>
+            <a:spLocks noGrp="1"/>
+          </p:cNvSpPr>
           <p:nvPr>
             <p:ph idx="1"/>
-            <p:extLst>
-              <p:ext uri="{D42A27DB-BD31-4B8C-83A1-F6EECF244321}">
-                <p14:modId xmlns:p14="http://schemas.microsoft.com/office/powerpoint/2010/main" val="3937732127"/>
-              </p:ext>
-            </p:extLst>
           </p:nvPr>
-        </p:nvGraphicFramePr>
-        <p:xfrm>
-          <a:off x="685801" y="2142067"/>
-          <a:ext cx="6143423" cy="3649133"/>
-        </p:xfrm>
-        <a:graphic>
-          <a:graphicData uri="http://schemas.openxmlformats.org/drawingml/2006/diagram">
-            <dgm:relIds xmlns:dgm="http://schemas.openxmlformats.org/drawingml/2006/diagram" xmlns:r="http://schemas.openxmlformats.org/officeDocument/2006/relationships" r:dm="rId4" r:lo="rId5" r:qs="rId6" r:cs="rId7"/>
-          </a:graphicData>
-        </a:graphic>
-      </p:graphicFrame>
+        </p:nvSpPr>
+        <p:spPr/>
+        <p:txBody>
+          <a:bodyPr/>
+          <a:lstStyle/>
+          <a:p>
+            <a:endParaRPr lang="en-US"/>
+          </a:p>
+        </p:txBody>
+      </p:sp>
     </p:spTree>
     <p:extLst>
       <p:ext uri="{BB962C8B-B14F-4D97-AF65-F5344CB8AC3E}">
@@ -23709,37 +15718,31 @@
           </a:p>
         </p:txBody>
       </p:sp>
-      <p:graphicFrame>
-        <p:nvGraphicFramePr>
-          <p:cNvPr id="6" name="Content Placeholder 5" descr="Chart">
+      <p:sp>
+        <p:nvSpPr>
+          <p:cNvPr id="4" name="Content Placeholder 3">
             <a:extLst>
               <a:ext uri="{FF2B5EF4-FFF2-40B4-BE49-F238E27FC236}">
-                <a16:creationId xmlns:a16="http://schemas.microsoft.com/office/drawing/2014/main" id="{B969B0A3-888C-49AE-AB43-78DF29C9BE9B}"/>
+                <a16:creationId xmlns:a16="http://schemas.microsoft.com/office/drawing/2014/main" id="{99FA8CB6-32D2-C7D2-6FAA-F887370D845D}"/>
               </a:ext>
             </a:extLst>
           </p:cNvPr>
-          <p:cNvGraphicFramePr>
-            <a:graphicFrameLocks noGrp="1"/>
-          </p:cNvGraphicFramePr>
+          <p:cNvSpPr>
+            <a:spLocks noGrp="1"/>
+          </p:cNvSpPr>
           <p:nvPr>
             <p:ph idx="1"/>
-            <p:extLst>
-              <p:ext uri="{D42A27DB-BD31-4B8C-83A1-F6EECF244321}">
-                <p14:modId xmlns:p14="http://schemas.microsoft.com/office/powerpoint/2010/main" val="1421460896"/>
-              </p:ext>
-            </p:extLst>
           </p:nvPr>
-        </p:nvGraphicFramePr>
-        <p:xfrm>
-          <a:off x="612117" y="2141538"/>
-          <a:ext cx="10131425" cy="3649662"/>
-        </p:xfrm>
-        <a:graphic>
-          <a:graphicData uri="http://schemas.openxmlformats.org/drawingml/2006/chart">
-            <c:chart xmlns:c="http://schemas.openxmlformats.org/drawingml/2006/chart" xmlns:r="http://schemas.openxmlformats.org/officeDocument/2006/relationships" r:id="rId3"/>
-          </a:graphicData>
-        </a:graphic>
-      </p:graphicFrame>
+        </p:nvSpPr>
+        <p:spPr/>
+        <p:txBody>
+          <a:bodyPr/>
+          <a:lstStyle/>
+          <a:p>
+            <a:endParaRPr lang="en-US"/>
+          </a:p>
+        </p:txBody>
+      </p:sp>
     </p:spTree>
     <p:extLst>
       <p:ext uri="{BB962C8B-B14F-4D97-AF65-F5344CB8AC3E}">
@@ -24112,6 +16115,36 @@
           </a:p>
         </p:txBody>
       </p:sp>
+      <p:pic>
+        <p:nvPicPr>
+          <p:cNvPr id="5" name="Picture 4" descr="A table of numbers and symbols&#10;&#10;AI-generated content may be incorrect.">
+            <a:extLst>
+              <a:ext uri="{FF2B5EF4-FFF2-40B4-BE49-F238E27FC236}">
+                <a16:creationId xmlns:a16="http://schemas.microsoft.com/office/drawing/2014/main" id="{04B08488-1C42-DBDC-266A-0B0AA169427F}"/>
+              </a:ext>
+            </a:extLst>
+          </p:cNvPr>
+          <p:cNvPicPr>
+            <a:picLocks noChangeAspect="1"/>
+          </p:cNvPicPr>
+          <p:nvPr/>
+        </p:nvPicPr>
+        <p:blipFill>
+          <a:blip r:embed="rId2"/>
+          <a:stretch>
+            <a:fillRect/>
+          </a:stretch>
+        </p:blipFill>
+        <p:spPr>
+          <a:xfrm>
+            <a:off x="1477010" y="1095412"/>
+            <a:ext cx="9237980" cy="5428578"/>
+          </a:xfrm>
+          <a:prstGeom prst="rect">
+            <a:avLst/>
+          </a:prstGeom>
+        </p:spPr>
+      </p:pic>
     </p:spTree>
     <p:extLst>
       <p:ext uri="{BB962C8B-B14F-4D97-AF65-F5344CB8AC3E}">
@@ -24144,265 +16177,46 @@
       </p:grpSpPr>
       <p:pic>
         <p:nvPicPr>
-          <p:cNvPr id="4" name="Content Placeholder 3" descr="night sky with mountains on the horizon">
+          <p:cNvPr id="5" name="Picture 4" descr="light spots">
             <a:extLst>
               <a:ext uri="{FF2B5EF4-FFF2-40B4-BE49-F238E27FC236}">
-                <a16:creationId xmlns:a16="http://schemas.microsoft.com/office/drawing/2014/main" id="{2739CFE1-3E46-48B5-9BDB-769492BA7A53}"/>
+                <a16:creationId xmlns:a16="http://schemas.microsoft.com/office/drawing/2014/main" id="{20A520D0-11CF-4639-8537-F56A8A2FDCFD}"/>
               </a:ext>
             </a:extLst>
           </p:cNvPr>
           <p:cNvPicPr>
-            <a:picLocks noGrp="1" noChangeAspect="1"/>
+            <a:picLocks noChangeAspect="1"/>
           </p:cNvPicPr>
-          <p:nvPr>
-            <p:ph sz="half" idx="1"/>
-          </p:nvPr>
+          <p:nvPr/>
         </p:nvPicPr>
         <p:blipFill rotWithShape="1">
-          <a:blip r:embed="rId3"/>
-          <a:srcRect t="4555" b="4555"/>
+          <a:blip r:embed="rId3">
+            <a:alphaModFix amt="20000"/>
+            <a:extLst>
+              <a:ext uri="{28A0092B-C50C-407E-A947-70E740481C1C}">
+                <a14:useLocalDpi xmlns:a14="http://schemas.microsoft.com/office/drawing/2010/main"/>
+              </a:ext>
+            </a:extLst>
+          </a:blip>
+          <a:srcRect/>
           <a:stretch/>
         </p:blipFill>
         <p:spPr>
           <a:xfrm>
-            <a:off x="-600" y="-1226"/>
-            <a:ext cx="12193200" cy="6860452"/>
+            <a:off x="20" y="10"/>
+            <a:ext cx="12191980" cy="6857990"/>
           </a:xfrm>
-          <a:custGeom>
+          <a:prstGeom prst="rect">
             <a:avLst/>
-            <a:gdLst/>
-            <a:ahLst/>
-            <a:cxnLst/>
-            <a:rect l="l" t="t" r="r" b="b"/>
-            <a:pathLst>
-              <a:path w="12192000" h="6858000">
-                <a:moveTo>
-                  <a:pt x="6090347" y="706999"/>
-                </a:moveTo>
-                <a:cubicBezTo>
-                  <a:pt x="4588386" y="706999"/>
-                  <a:pt x="3370806" y="1924579"/>
-                  <a:pt x="3370806" y="3426541"/>
-                </a:cubicBezTo>
-                <a:cubicBezTo>
-                  <a:pt x="3370806" y="4928503"/>
-                  <a:pt x="4588386" y="6146083"/>
-                  <a:pt x="6090347" y="6146083"/>
-                </a:cubicBezTo>
-                <a:cubicBezTo>
-                  <a:pt x="7592308" y="6146083"/>
-                  <a:pt x="8809888" y="4928503"/>
-                  <a:pt x="8809888" y="3426541"/>
-                </a:cubicBezTo>
-                <a:cubicBezTo>
-                  <a:pt x="8809888" y="1924579"/>
-                  <a:pt x="7592308" y="706999"/>
-                  <a:pt x="6090347" y="706999"/>
-                </a:cubicBezTo>
-                <a:close/>
-                <a:moveTo>
-                  <a:pt x="6082303" y="247854"/>
-                </a:moveTo>
-                <a:cubicBezTo>
-                  <a:pt x="7836802" y="247854"/>
-                  <a:pt x="9259104" y="1671227"/>
-                  <a:pt x="9259104" y="3427045"/>
-                </a:cubicBezTo>
-                <a:cubicBezTo>
-                  <a:pt x="9259104" y="5182864"/>
-                  <a:pt x="7836802" y="6606237"/>
-                  <a:pt x="6082303" y="6606237"/>
-                </a:cubicBezTo>
-                <a:cubicBezTo>
-                  <a:pt x="4327804" y="6606237"/>
-                  <a:pt x="2905502" y="5182864"/>
-                  <a:pt x="2905502" y="3427045"/>
-                </a:cubicBezTo>
-                <a:cubicBezTo>
-                  <a:pt x="2905502" y="1671227"/>
-                  <a:pt x="4327804" y="247854"/>
-                  <a:pt x="6082303" y="247854"/>
-                </a:cubicBezTo>
-                <a:close/>
-                <a:moveTo>
-                  <a:pt x="9560257" y="0"/>
-                </a:moveTo>
-                <a:lnTo>
-                  <a:pt x="12192000" y="0"/>
-                </a:lnTo>
-                <a:lnTo>
-                  <a:pt x="12192000" y="6858000"/>
-                </a:lnTo>
-                <a:lnTo>
-                  <a:pt x="9560255" y="6858000"/>
-                </a:lnTo>
-                <a:lnTo>
-                  <a:pt x="9704262" y="6706843"/>
-                </a:lnTo>
-                <a:cubicBezTo>
-                  <a:pt x="10490530" y="5841105"/>
-                  <a:pt x="10969748" y="4691058"/>
-                  <a:pt x="10969748" y="3428999"/>
-                </a:cubicBezTo>
-                <a:cubicBezTo>
-                  <a:pt x="10969748" y="2166941"/>
-                  <a:pt x="10490530" y="1016894"/>
-                  <a:pt x="9704262" y="151155"/>
-                </a:cubicBezTo>
-                <a:close/>
-                <a:moveTo>
-                  <a:pt x="7947654" y="0"/>
-                </a:moveTo>
-                <a:lnTo>
-                  <a:pt x="8099035" y="0"/>
-                </a:lnTo>
-                <a:lnTo>
-                  <a:pt x="8158569" y="34257"/>
-                </a:lnTo>
-                <a:cubicBezTo>
-                  <a:pt x="9305381" y="731601"/>
-                  <a:pt x="10071441" y="1993601"/>
-                  <a:pt x="10071441" y="3434659"/>
-                </a:cubicBezTo>
-                <a:cubicBezTo>
-                  <a:pt x="10071441" y="4875717"/>
-                  <a:pt x="9305381" y="6137716"/>
-                  <a:pt x="8158569" y="6835060"/>
-                </a:cubicBezTo>
-                <a:lnTo>
-                  <a:pt x="8118703" y="6858000"/>
-                </a:lnTo>
-                <a:lnTo>
-                  <a:pt x="7923440" y="6858000"/>
-                </a:lnTo>
-                <a:lnTo>
-                  <a:pt x="7938929" y="6850061"/>
-                </a:lnTo>
-                <a:cubicBezTo>
-                  <a:pt x="9153123" y="6189975"/>
-                  <a:pt x="9977382" y="4902579"/>
-                  <a:pt x="9977382" y="3422520"/>
-                </a:cubicBezTo>
-                <a:cubicBezTo>
-                  <a:pt x="9977382" y="2009739"/>
-                  <a:pt x="9226353" y="772500"/>
-                  <a:pt x="8102044" y="88839"/>
-                </a:cubicBezTo>
-                <a:close/>
-                <a:moveTo>
-                  <a:pt x="4097777" y="0"/>
-                </a:moveTo>
-                <a:lnTo>
-                  <a:pt x="4216953" y="0"/>
-                </a:lnTo>
-                <a:lnTo>
-                  <a:pt x="4062563" y="88839"/>
-                </a:lnTo>
-                <a:cubicBezTo>
-                  <a:pt x="2938253" y="772500"/>
-                  <a:pt x="2187224" y="2009739"/>
-                  <a:pt x="2187224" y="3422520"/>
-                </a:cubicBezTo>
-                <a:cubicBezTo>
-                  <a:pt x="2187224" y="4902579"/>
-                  <a:pt x="3011483" y="6189975"/>
-                  <a:pt x="4225677" y="6850061"/>
-                </a:cubicBezTo>
-                <a:lnTo>
-                  <a:pt x="4241167" y="6858000"/>
-                </a:lnTo>
-                <a:lnTo>
-                  <a:pt x="4078110" y="6858000"/>
-                </a:lnTo>
-                <a:lnTo>
-                  <a:pt x="4038243" y="6835060"/>
-                </a:lnTo>
-                <a:cubicBezTo>
-                  <a:pt x="2891431" y="6137716"/>
-                  <a:pt x="2125371" y="4875717"/>
-                  <a:pt x="2125371" y="3434659"/>
-                </a:cubicBezTo>
-                <a:cubicBezTo>
-                  <a:pt x="2125371" y="1993601"/>
-                  <a:pt x="2891431" y="731601"/>
-                  <a:pt x="4038243" y="34257"/>
-                </a:cubicBezTo>
-                <a:close/>
-                <a:moveTo>
-                  <a:pt x="0" y="0"/>
-                </a:moveTo>
-                <a:lnTo>
-                  <a:pt x="2636555" y="0"/>
-                </a:lnTo>
-                <a:lnTo>
-                  <a:pt x="2492551" y="151155"/>
-                </a:lnTo>
-                <a:cubicBezTo>
-                  <a:pt x="1706282" y="1016894"/>
-                  <a:pt x="1227064" y="2166941"/>
-                  <a:pt x="1227064" y="3428999"/>
-                </a:cubicBezTo>
-                <a:cubicBezTo>
-                  <a:pt x="1227064" y="4691058"/>
-                  <a:pt x="1706282" y="5841105"/>
-                  <a:pt x="2492551" y="6706843"/>
-                </a:cubicBezTo>
-                <a:lnTo>
-                  <a:pt x="2636557" y="6858000"/>
-                </a:lnTo>
-                <a:lnTo>
-                  <a:pt x="0" y="6858000"/>
-                </a:lnTo>
-                <a:close/>
-              </a:path>
-            </a:pathLst>
-          </a:custGeom>
-          <a:ln w="60325" cmpd="dbl">
-            <a:solidFill>
-              <a:schemeClr val="tx1">
-                <a:alpha val="40000"/>
-              </a:schemeClr>
-            </a:solidFill>
-          </a:ln>
+          </a:prstGeom>
         </p:spPr>
       </p:pic>
-      <p:graphicFrame>
-        <p:nvGraphicFramePr>
-          <p:cNvPr id="5" name="Content Placeholder 4" descr="SmartArt graphic">
-            <a:extLst>
-              <a:ext uri="{FF2B5EF4-FFF2-40B4-BE49-F238E27FC236}">
-                <a16:creationId xmlns:a16="http://schemas.microsoft.com/office/drawing/2014/main" id="{21A182E9-AC38-4344-9247-5AB4B8F03A26}"/>
-              </a:ext>
-            </a:extLst>
-          </p:cNvPr>
-          <p:cNvGraphicFramePr>
-            <a:graphicFrameLocks noGrp="1"/>
-          </p:cNvGraphicFramePr>
-          <p:nvPr>
-            <p:ph sz="half" idx="2"/>
-            <p:extLst>
-              <p:ext uri="{D42A27DB-BD31-4B8C-83A1-F6EECF244321}">
-                <p14:modId xmlns:p14="http://schemas.microsoft.com/office/powerpoint/2010/main" val="145221354"/>
-              </p:ext>
-            </p:extLst>
-          </p:nvPr>
-        </p:nvGraphicFramePr>
-        <p:xfrm>
-          <a:off x="2569323" y="2142067"/>
-          <a:ext cx="7390680" cy="3725333"/>
-        </p:xfrm>
-        <a:graphic>
-          <a:graphicData uri="http://schemas.openxmlformats.org/drawingml/2006/diagram">
-            <dgm:relIds xmlns:dgm="http://schemas.openxmlformats.org/drawingml/2006/diagram" xmlns:r="http://schemas.openxmlformats.org/officeDocument/2006/relationships" r:dm="rId4" r:lo="rId5" r:qs="rId6" r:cs="rId7"/>
-          </a:graphicData>
-        </a:graphic>
-      </p:graphicFrame>
       <p:sp>
         <p:nvSpPr>
           <p:cNvPr id="2" name="Title 1">
             <a:extLst>
               <a:ext uri="{FF2B5EF4-FFF2-40B4-BE49-F238E27FC236}">
-                <a16:creationId xmlns:a16="http://schemas.microsoft.com/office/drawing/2014/main" id="{144E241E-3110-4B1C-B9B0-F17B90FEEC1D}"/>
+                <a16:creationId xmlns:a16="http://schemas.microsoft.com/office/drawing/2014/main" id="{D44BCB7C-A6FC-4118-9027-468ECFDE6455}"/>
               </a:ext>
             </a:extLst>
           </p:cNvPr>
@@ -24410,25 +16224,66 @@
             <a:spLocks noGrp="1"/>
           </p:cNvSpPr>
           <p:nvPr>
-            <p:ph type="title"/>
+            <p:ph type="ctrTitle"/>
           </p:nvPr>
         </p:nvSpPr>
         <p:spPr>
           <a:xfrm>
-            <a:off x="2408903" y="787400"/>
-            <a:ext cx="7390680" cy="1278467"/>
+            <a:off x="3962399" y="2573867"/>
+            <a:ext cx="7197726" cy="2421464"/>
           </a:xfrm>
         </p:spPr>
         <p:txBody>
-          <a:bodyPr vert="horz" lIns="91440" tIns="45720" rIns="91440" bIns="45720" rtlCol="0" anchor="ctr">
+          <a:bodyPr>
             <a:normAutofit/>
           </a:bodyPr>
           <a:lstStyle/>
           <a:p>
-            <a:pPr algn="ctr"/>
             <a:r>
               <a:rPr lang="en-US" dirty="0"/>
-              <a:t>Network Technology</a:t>
+              <a:t>Thank You!</a:t>
+            </a:r>
+          </a:p>
+        </p:txBody>
+      </p:sp>
+      <p:sp>
+        <p:nvSpPr>
+          <p:cNvPr id="3" name="Subtitle 2">
+            <a:extLst>
+              <a:ext uri="{FF2B5EF4-FFF2-40B4-BE49-F238E27FC236}">
+                <a16:creationId xmlns:a16="http://schemas.microsoft.com/office/drawing/2014/main" id="{4B64FA72-B055-4AE3-A6FD-8071BD687CBE}"/>
+              </a:ext>
+            </a:extLst>
+          </p:cNvPr>
+          <p:cNvSpPr>
+            <a:spLocks noGrp="1"/>
+          </p:cNvSpPr>
+          <p:nvPr>
+            <p:ph type="subTitle" idx="1"/>
+          </p:nvPr>
+        </p:nvSpPr>
+        <p:spPr>
+          <a:xfrm>
+            <a:off x="3962399" y="4995332"/>
+            <a:ext cx="7197726" cy="1405467"/>
+          </a:xfrm>
+        </p:spPr>
+        <p:txBody>
+          <a:bodyPr>
+            <a:normAutofit/>
+          </a:bodyPr>
+          <a:lstStyle/>
+          <a:p>
+            <a:r>
+              <a:rPr lang="en-US" dirty="0">
+                <a:solidFill>
+                  <a:schemeClr val="accent1">
+                    <a:lumMod val="40000"/>
+                    <a:lumOff val="60000"/>
+                  </a:schemeClr>
+                </a:solidFill>
+              </a:rPr>
+              <a:t>nourkamaly26@gmail.com</a:t>
             </a:r>
           </a:p>
         </p:txBody>
@@ -24436,7 +16291,7 @@
     </p:spTree>
     <p:extLst>
       <p:ext uri="{BB962C8B-B14F-4D97-AF65-F5344CB8AC3E}">
-        <p14:creationId xmlns:p14="http://schemas.microsoft.com/office/powerpoint/2010/main" val="1974828406"/>
+        <p14:creationId xmlns:p14="http://schemas.microsoft.com/office/powerpoint/2010/main" val="2939930866"/>
       </p:ext>
     </p:extLst>
   </p:cSld>
